--- a/MagicDungeon.pptx
+++ b/MagicDungeon.pptx
@@ -10,7 +10,6 @@
     <p:sldId id="261" r:id="rId4"/>
     <p:sldId id="258" r:id="rId5"/>
     <p:sldId id="259" r:id="rId6"/>
-    <p:sldId id="260" r:id="rId7"/>
   </p:sldIdLst>
   <p:sldSz cx="12192000" cy="6858000"/>
   <p:notesSz cx="6858000" cy="9144000"/>
@@ -1671,7 +1670,7 @@
         <a:p>
           <a:r>
             <a:rPr lang="en-US" dirty="0" err="1" smtClean="0"/>
-            <a:t>User_name</a:t>
+            <a:t>user_name</a:t>
           </a:r>
           <a:endParaRPr lang="ru-RU" dirty="0"/>
         </a:p>
@@ -1708,7 +1707,7 @@
         <a:p>
           <a:r>
             <a:rPr lang="en-US" dirty="0" err="1" smtClean="0"/>
-            <a:t>Room_num</a:t>
+            <a:t>room_num</a:t>
           </a:r>
           <a:endParaRPr lang="ru-RU" dirty="0"/>
         </a:p>
@@ -1893,7 +1892,7 @@
         <a:p>
           <a:r>
             <a:rPr lang="en-US" dirty="0" err="1" smtClean="0"/>
-            <a:t>Hit_points</a:t>
+            <a:t>hit_points</a:t>
           </a:r>
           <a:endParaRPr lang="ru-RU" dirty="0"/>
         </a:p>
@@ -1930,7 +1929,7 @@
         <a:p>
           <a:r>
             <a:rPr lang="en-US" dirty="0" err="1" smtClean="0"/>
-            <a:t>Action_points</a:t>
+            <a:t>action_points</a:t>
           </a:r>
           <a:endParaRPr lang="ru-RU" dirty="0"/>
         </a:p>
@@ -1967,7 +1966,7 @@
         <a:p>
           <a:r>
             <a:rPr lang="en-US" dirty="0" smtClean="0"/>
-            <a:t>Damage</a:t>
+            <a:t>damage</a:t>
           </a:r>
           <a:endParaRPr lang="ru-RU" dirty="0"/>
         </a:p>
@@ -2263,7 +2262,7 @@
         <a:p>
           <a:r>
             <a:rPr lang="en-US" dirty="0" err="1" smtClean="0"/>
-            <a:t>Room_id</a:t>
+            <a:t>room_id</a:t>
           </a:r>
           <a:endParaRPr lang="ru-RU" dirty="0"/>
         </a:p>
@@ -2337,7 +2336,7 @@
         <a:p>
           <a:r>
             <a:rPr lang="en-US" dirty="0" err="1" smtClean="0"/>
-            <a:t>Hit_points</a:t>
+            <a:t>hit_points</a:t>
           </a:r>
           <a:endParaRPr lang="ru-RU" dirty="0"/>
         </a:p>
@@ -2355,80 +2354,6 @@
       </dgm:t>
     </dgm:pt>
     <dgm:pt modelId="{56278271-A895-4685-9433-896791D0D1E2}" type="sibTrans" cxnId="{46119593-AD3B-4827-9FF8-F6858802AF36}">
-      <dgm:prSet/>
-      <dgm:spPr/>
-      <dgm:t>
-        <a:bodyPr/>
-        <a:lstStyle/>
-        <a:p>
-          <a:endParaRPr lang="ru-RU"/>
-        </a:p>
-      </dgm:t>
-    </dgm:pt>
-    <dgm:pt modelId="{5F2A696C-5654-4A9E-9671-76DD679D1EB6}">
-      <dgm:prSet/>
-      <dgm:spPr/>
-      <dgm:t>
-        <a:bodyPr/>
-        <a:lstStyle/>
-        <a:p>
-          <a:r>
-            <a:rPr lang="en-US" smtClean="0"/>
-            <a:t>Action_points</a:t>
-          </a:r>
-          <a:endParaRPr lang="ru-RU" dirty="0"/>
-        </a:p>
-      </dgm:t>
-    </dgm:pt>
-    <dgm:pt modelId="{C2D65257-16F6-4071-93F7-1B3F880FAE73}" type="parTrans" cxnId="{04FB1F3E-CAF5-4473-ACB2-874F7DD26CA5}">
-      <dgm:prSet/>
-      <dgm:spPr/>
-      <dgm:t>
-        <a:bodyPr/>
-        <a:lstStyle/>
-        <a:p>
-          <a:endParaRPr lang="ru-RU"/>
-        </a:p>
-      </dgm:t>
-    </dgm:pt>
-    <dgm:pt modelId="{AE443F6A-4DAA-40A7-810F-984C6E05786E}" type="sibTrans" cxnId="{04FB1F3E-CAF5-4473-ACB2-874F7DD26CA5}">
-      <dgm:prSet/>
-      <dgm:spPr/>
-      <dgm:t>
-        <a:bodyPr/>
-        <a:lstStyle/>
-        <a:p>
-          <a:endParaRPr lang="ru-RU"/>
-        </a:p>
-      </dgm:t>
-    </dgm:pt>
-    <dgm:pt modelId="{BE498A8D-1F66-4D8C-92DC-3CCAF8B26AE2}">
-      <dgm:prSet/>
-      <dgm:spPr/>
-      <dgm:t>
-        <a:bodyPr/>
-        <a:lstStyle/>
-        <a:p>
-          <a:r>
-            <a:rPr lang="en-US" smtClean="0"/>
-            <a:t>Damage</a:t>
-          </a:r>
-          <a:endParaRPr lang="ru-RU" dirty="0"/>
-        </a:p>
-      </dgm:t>
-    </dgm:pt>
-    <dgm:pt modelId="{3F971816-98CE-46A2-9BEA-5D456713835F}" type="parTrans" cxnId="{622256FE-D344-4366-83ED-5BFF8717C75F}">
-      <dgm:prSet/>
-      <dgm:spPr/>
-      <dgm:t>
-        <a:bodyPr/>
-        <a:lstStyle/>
-        <a:p>
-          <a:endParaRPr lang="ru-RU"/>
-        </a:p>
-      </dgm:t>
-    </dgm:pt>
-    <dgm:pt modelId="{76463855-6FF6-4F78-9901-2E14C92F63C0}" type="sibTrans" cxnId="{622256FE-D344-4366-83ED-5BFF8717C75F}">
       <dgm:prSet/>
       <dgm:spPr/>
       <dgm:t>
@@ -2503,6 +2428,446 @@
       </dgm:t>
     </dgm:pt>
     <dgm:pt modelId="{3174FD22-6626-4762-87F0-3E4C87DE5657}" type="sibTrans" cxnId="{4B906E92-6A62-4FB8-A93E-4BDF4F9E29D6}">
+      <dgm:prSet/>
+      <dgm:spPr/>
+      <dgm:t>
+        <a:bodyPr/>
+        <a:lstStyle/>
+        <a:p>
+          <a:endParaRPr lang="ru-RU"/>
+        </a:p>
+      </dgm:t>
+    </dgm:pt>
+    <dgm:pt modelId="{BF23D773-13A9-42CB-A90A-4AEBE664528F}">
+      <dgm:prSet phldrT="[Текст]"/>
+      <dgm:spPr/>
+      <dgm:t>
+        <a:bodyPr/>
+        <a:lstStyle/>
+        <a:p>
+          <a:endParaRPr lang="ru-RU" dirty="0"/>
+        </a:p>
+      </dgm:t>
+    </dgm:pt>
+    <dgm:pt modelId="{0FC5E5CD-B280-497A-BF6E-209B96341274}" type="parTrans" cxnId="{F73CE4FE-99CB-4EC0-BA1B-8BF9E9731C80}">
+      <dgm:prSet/>
+      <dgm:spPr/>
+      <dgm:t>
+        <a:bodyPr/>
+        <a:lstStyle/>
+        <a:p>
+          <a:endParaRPr lang="ru-RU"/>
+        </a:p>
+      </dgm:t>
+    </dgm:pt>
+    <dgm:pt modelId="{7A8EC7E6-6D43-4C06-8614-3CBB4A4A156F}" type="sibTrans" cxnId="{F73CE4FE-99CB-4EC0-BA1B-8BF9E9731C80}">
+      <dgm:prSet/>
+      <dgm:spPr/>
+      <dgm:t>
+        <a:bodyPr/>
+        <a:lstStyle/>
+        <a:p>
+          <a:endParaRPr lang="ru-RU"/>
+        </a:p>
+      </dgm:t>
+    </dgm:pt>
+    <dgm:pt modelId="{4B7EE080-7223-43AD-BB67-7051194CD088}">
+      <dgm:prSet phldrT="[Текст]"/>
+      <dgm:spPr/>
+      <dgm:t>
+        <a:bodyPr/>
+        <a:lstStyle/>
+        <a:p>
+          <a:r>
+            <a:rPr lang="en-US" dirty="0" err="1" smtClean="0"/>
+            <a:t>max_hit_points</a:t>
+          </a:r>
+          <a:endParaRPr lang="ru-RU" dirty="0"/>
+        </a:p>
+      </dgm:t>
+    </dgm:pt>
+    <dgm:pt modelId="{14065525-0075-4DC8-9E4B-408253C30ABA}" type="parTrans" cxnId="{B4366647-D179-4D44-A939-5C4D745397AA}">
+      <dgm:prSet/>
+      <dgm:spPr/>
+      <dgm:t>
+        <a:bodyPr/>
+        <a:lstStyle/>
+        <a:p>
+          <a:endParaRPr lang="ru-RU"/>
+        </a:p>
+      </dgm:t>
+    </dgm:pt>
+    <dgm:pt modelId="{473D6E94-FCB3-42C3-8326-DFE7ABA52DE6}" type="sibTrans" cxnId="{B4366647-D179-4D44-A939-5C4D745397AA}">
+      <dgm:prSet/>
+      <dgm:spPr/>
+      <dgm:t>
+        <a:bodyPr/>
+        <a:lstStyle/>
+        <a:p>
+          <a:endParaRPr lang="ru-RU"/>
+        </a:p>
+      </dgm:t>
+    </dgm:pt>
+    <dgm:pt modelId="{BAB19745-8996-4BC3-BB9A-CB51559070D8}">
+      <dgm:prSet phldrT="[Текст]"/>
+      <dgm:spPr/>
+      <dgm:t>
+        <a:bodyPr/>
+        <a:lstStyle/>
+        <a:p>
+          <a:r>
+            <a:rPr lang="en-US" dirty="0" err="1" smtClean="0"/>
+            <a:t>max_action_points</a:t>
+          </a:r>
+          <a:endParaRPr lang="ru-RU" dirty="0"/>
+        </a:p>
+      </dgm:t>
+    </dgm:pt>
+    <dgm:pt modelId="{CA18CADE-93F8-4E3B-8540-5C88C71D29A8}" type="parTrans" cxnId="{79185AA8-BE79-4FFD-8C9A-66251B9CC5A1}">
+      <dgm:prSet/>
+      <dgm:spPr/>
+      <dgm:t>
+        <a:bodyPr/>
+        <a:lstStyle/>
+        <a:p>
+          <a:endParaRPr lang="ru-RU"/>
+        </a:p>
+      </dgm:t>
+    </dgm:pt>
+    <dgm:pt modelId="{01B633DA-F80D-4FE9-B083-765C10F9EA68}" type="sibTrans" cxnId="{79185AA8-BE79-4FFD-8C9A-66251B9CC5A1}">
+      <dgm:prSet/>
+      <dgm:spPr/>
+      <dgm:t>
+        <a:bodyPr/>
+        <a:lstStyle/>
+        <a:p>
+          <a:endParaRPr lang="ru-RU"/>
+        </a:p>
+      </dgm:t>
+    </dgm:pt>
+    <dgm:pt modelId="{7FD6E0BF-AE78-41B4-9EB5-1B565A8683A5}">
+      <dgm:prSet phldrT="[Текст]"/>
+      <dgm:spPr/>
+      <dgm:t>
+        <a:bodyPr/>
+        <a:lstStyle/>
+        <a:p>
+          <a:r>
+            <a:rPr lang="en-US" dirty="0" err="1" smtClean="0"/>
+            <a:t>max_gamage</a:t>
+          </a:r>
+          <a:endParaRPr lang="ru-RU" dirty="0"/>
+        </a:p>
+      </dgm:t>
+    </dgm:pt>
+    <dgm:pt modelId="{7B4A8A52-3261-45B6-8E1E-6D5DE69F69C8}" type="parTrans" cxnId="{F85F495B-E840-4DC0-B0A0-1A4A9A8B91BA}">
+      <dgm:prSet/>
+      <dgm:spPr/>
+      <dgm:t>
+        <a:bodyPr/>
+        <a:lstStyle/>
+        <a:p>
+          <a:endParaRPr lang="ru-RU"/>
+        </a:p>
+      </dgm:t>
+    </dgm:pt>
+    <dgm:pt modelId="{B7B447E2-FA1F-4A0A-82BD-9B41D542B8C1}" type="sibTrans" cxnId="{F85F495B-E840-4DC0-B0A0-1A4A9A8B91BA}">
+      <dgm:prSet/>
+      <dgm:spPr/>
+      <dgm:t>
+        <a:bodyPr/>
+        <a:lstStyle/>
+        <a:p>
+          <a:endParaRPr lang="ru-RU"/>
+        </a:p>
+      </dgm:t>
+    </dgm:pt>
+    <dgm:pt modelId="{F322E415-F01A-4F06-A79A-5B588A11DE27}">
+      <dgm:prSet phldrT="[Текст]"/>
+      <dgm:spPr/>
+      <dgm:t>
+        <a:bodyPr/>
+        <a:lstStyle/>
+        <a:p>
+          <a:r>
+            <a:rPr lang="en-US" dirty="0" smtClean="0"/>
+            <a:t>experience</a:t>
+          </a:r>
+          <a:endParaRPr lang="ru-RU" dirty="0"/>
+        </a:p>
+      </dgm:t>
+    </dgm:pt>
+    <dgm:pt modelId="{981B945D-C4FD-4714-975D-5A1C27903B88}" type="parTrans" cxnId="{DF5F5C07-D0DD-4011-98B2-244D5B1A877C}">
+      <dgm:prSet/>
+      <dgm:spPr/>
+      <dgm:t>
+        <a:bodyPr/>
+        <a:lstStyle/>
+        <a:p>
+          <a:endParaRPr lang="ru-RU"/>
+        </a:p>
+      </dgm:t>
+    </dgm:pt>
+    <dgm:pt modelId="{899F093B-14B2-49DD-9C94-9BDDF03BF2C2}" type="sibTrans" cxnId="{DF5F5C07-D0DD-4011-98B2-244D5B1A877C}">
+      <dgm:prSet/>
+      <dgm:spPr/>
+      <dgm:t>
+        <a:bodyPr/>
+        <a:lstStyle/>
+        <a:p>
+          <a:endParaRPr lang="ru-RU"/>
+        </a:p>
+      </dgm:t>
+    </dgm:pt>
+    <dgm:pt modelId="{21E5B5A0-B4A0-41AC-BDFE-F4524D52CE58}">
+      <dgm:prSet phldrT="[Текст]"/>
+      <dgm:spPr/>
+      <dgm:t>
+        <a:bodyPr/>
+        <a:lstStyle/>
+        <a:p>
+          <a:r>
+            <a:rPr lang="en-US" dirty="0" err="1" smtClean="0"/>
+            <a:t>max_experience</a:t>
+          </a:r>
+          <a:endParaRPr lang="ru-RU" dirty="0"/>
+        </a:p>
+      </dgm:t>
+    </dgm:pt>
+    <dgm:pt modelId="{7E6BAD1B-E900-4BAA-B26E-5350C75B1CFA}" type="parTrans" cxnId="{DBEA9359-EC37-4947-88D6-1A000AE08323}">
+      <dgm:prSet/>
+      <dgm:spPr/>
+      <dgm:t>
+        <a:bodyPr/>
+        <a:lstStyle/>
+        <a:p>
+          <a:endParaRPr lang="ru-RU"/>
+        </a:p>
+      </dgm:t>
+    </dgm:pt>
+    <dgm:pt modelId="{D9046AC7-AE33-40B8-8273-18E858EFFEDE}" type="sibTrans" cxnId="{DBEA9359-EC37-4947-88D6-1A000AE08323}">
+      <dgm:prSet/>
+      <dgm:spPr/>
+      <dgm:t>
+        <a:bodyPr/>
+        <a:lstStyle/>
+        <a:p>
+          <a:endParaRPr lang="ru-RU"/>
+        </a:p>
+      </dgm:t>
+    </dgm:pt>
+    <dgm:pt modelId="{ED282E6B-FE92-41EC-B6B0-B6E6A7A5E562}">
+      <dgm:prSet/>
+      <dgm:spPr/>
+      <dgm:t>
+        <a:bodyPr/>
+        <a:lstStyle/>
+        <a:p>
+          <a:r>
+            <a:rPr lang="en-US" smtClean="0"/>
+            <a:t>max_hit_points</a:t>
+          </a:r>
+          <a:endParaRPr lang="ru-RU" dirty="0"/>
+        </a:p>
+      </dgm:t>
+    </dgm:pt>
+    <dgm:pt modelId="{0793FEFE-AB1F-4AFC-BB04-5B2FA2674161}" type="parTrans" cxnId="{84579B5A-B6FF-46F6-BDB0-7EC10F19E6EB}">
+      <dgm:prSet/>
+      <dgm:spPr/>
+      <dgm:t>
+        <a:bodyPr/>
+        <a:lstStyle/>
+        <a:p>
+          <a:endParaRPr lang="ru-RU"/>
+        </a:p>
+      </dgm:t>
+    </dgm:pt>
+    <dgm:pt modelId="{815559BD-955A-4243-9370-0DF97AF1569E}" type="sibTrans" cxnId="{84579B5A-B6FF-46F6-BDB0-7EC10F19E6EB}">
+      <dgm:prSet/>
+      <dgm:spPr/>
+      <dgm:t>
+        <a:bodyPr/>
+        <a:lstStyle/>
+        <a:p>
+          <a:endParaRPr lang="ru-RU"/>
+        </a:p>
+      </dgm:t>
+    </dgm:pt>
+    <dgm:pt modelId="{05B69768-A281-4A9D-8CA9-A07D693934A9}">
+      <dgm:prSet/>
+      <dgm:spPr/>
+      <dgm:t>
+        <a:bodyPr/>
+        <a:lstStyle/>
+        <a:p>
+          <a:r>
+            <a:rPr lang="en-US" smtClean="0"/>
+            <a:t>action_points</a:t>
+          </a:r>
+          <a:endParaRPr lang="ru-RU" dirty="0"/>
+        </a:p>
+      </dgm:t>
+    </dgm:pt>
+    <dgm:pt modelId="{46D08878-6970-4AC7-83B6-47E4FDD4B99C}" type="parTrans" cxnId="{6756A5B7-FE24-4AE9-ABC9-1B8946559BAE}">
+      <dgm:prSet/>
+      <dgm:spPr/>
+      <dgm:t>
+        <a:bodyPr/>
+        <a:lstStyle/>
+        <a:p>
+          <a:endParaRPr lang="ru-RU"/>
+        </a:p>
+      </dgm:t>
+    </dgm:pt>
+    <dgm:pt modelId="{EC880CE8-C9CE-468A-99CA-203546C2DB7F}" type="sibTrans" cxnId="{6756A5B7-FE24-4AE9-ABC9-1B8946559BAE}">
+      <dgm:prSet/>
+      <dgm:spPr/>
+      <dgm:t>
+        <a:bodyPr/>
+        <a:lstStyle/>
+        <a:p>
+          <a:endParaRPr lang="ru-RU"/>
+        </a:p>
+      </dgm:t>
+    </dgm:pt>
+    <dgm:pt modelId="{9BC0B6DA-21BA-4031-8EF6-D6459A3D5B80}">
+      <dgm:prSet/>
+      <dgm:spPr/>
+      <dgm:t>
+        <a:bodyPr/>
+        <a:lstStyle/>
+        <a:p>
+          <a:r>
+            <a:rPr lang="en-US" smtClean="0"/>
+            <a:t>max_action_points</a:t>
+          </a:r>
+          <a:endParaRPr lang="ru-RU" dirty="0"/>
+        </a:p>
+      </dgm:t>
+    </dgm:pt>
+    <dgm:pt modelId="{D4FD96C2-682A-4C1C-BC57-0F55AB2897C2}" type="parTrans" cxnId="{53AD2722-A259-4235-90FC-BD8427AC8F03}">
+      <dgm:prSet/>
+      <dgm:spPr/>
+      <dgm:t>
+        <a:bodyPr/>
+        <a:lstStyle/>
+        <a:p>
+          <a:endParaRPr lang="ru-RU"/>
+        </a:p>
+      </dgm:t>
+    </dgm:pt>
+    <dgm:pt modelId="{A7575EA1-C9E0-4437-829F-C0D8AF35E25D}" type="sibTrans" cxnId="{53AD2722-A259-4235-90FC-BD8427AC8F03}">
+      <dgm:prSet/>
+      <dgm:spPr/>
+      <dgm:t>
+        <a:bodyPr/>
+        <a:lstStyle/>
+        <a:p>
+          <a:endParaRPr lang="ru-RU"/>
+        </a:p>
+      </dgm:t>
+    </dgm:pt>
+    <dgm:pt modelId="{F42CEFE8-6E68-4597-A62B-E5A5113B1E7D}">
+      <dgm:prSet/>
+      <dgm:spPr/>
+      <dgm:t>
+        <a:bodyPr/>
+        <a:lstStyle/>
+        <a:p>
+          <a:r>
+            <a:rPr lang="en-US" smtClean="0"/>
+            <a:t>damage</a:t>
+          </a:r>
+          <a:endParaRPr lang="ru-RU" dirty="0"/>
+        </a:p>
+      </dgm:t>
+    </dgm:pt>
+    <dgm:pt modelId="{455D6208-B198-419D-90A4-00E869AA520E}" type="parTrans" cxnId="{CB13D20A-BE57-4F1A-B810-2C7DBCEBA586}">
+      <dgm:prSet/>
+      <dgm:spPr/>
+      <dgm:t>
+        <a:bodyPr/>
+        <a:lstStyle/>
+        <a:p>
+          <a:endParaRPr lang="ru-RU"/>
+        </a:p>
+      </dgm:t>
+    </dgm:pt>
+    <dgm:pt modelId="{80EC04A4-951C-4559-A59A-F33BE27A6EB7}" type="sibTrans" cxnId="{CB13D20A-BE57-4F1A-B810-2C7DBCEBA586}">
+      <dgm:prSet/>
+      <dgm:spPr/>
+      <dgm:t>
+        <a:bodyPr/>
+        <a:lstStyle/>
+        <a:p>
+          <a:endParaRPr lang="ru-RU"/>
+        </a:p>
+      </dgm:t>
+    </dgm:pt>
+    <dgm:pt modelId="{D9A08DC5-5527-4ADA-B5C8-60B5B027A9EB}">
+      <dgm:prSet/>
+      <dgm:spPr/>
+      <dgm:t>
+        <a:bodyPr/>
+        <a:lstStyle/>
+        <a:p>
+          <a:r>
+            <a:rPr lang="en-US" dirty="0" err="1" smtClean="0"/>
+            <a:t>max_gamage</a:t>
+          </a:r>
+          <a:endParaRPr lang="ru-RU" dirty="0"/>
+        </a:p>
+      </dgm:t>
+    </dgm:pt>
+    <dgm:pt modelId="{AF812C40-0F55-42A3-9376-60D3FC3ED10E}" type="parTrans" cxnId="{66DFD97C-1894-44E3-8EBC-B0ECDE5E0E7D}">
+      <dgm:prSet/>
+      <dgm:spPr/>
+      <dgm:t>
+        <a:bodyPr/>
+        <a:lstStyle/>
+        <a:p>
+          <a:endParaRPr lang="ru-RU"/>
+        </a:p>
+      </dgm:t>
+    </dgm:pt>
+    <dgm:pt modelId="{A6067E7D-F292-402C-90B4-77117E483F46}" type="sibTrans" cxnId="{66DFD97C-1894-44E3-8EBC-B0ECDE5E0E7D}">
+      <dgm:prSet/>
+      <dgm:spPr/>
+      <dgm:t>
+        <a:bodyPr/>
+        <a:lstStyle/>
+        <a:p>
+          <a:endParaRPr lang="ru-RU"/>
+        </a:p>
+      </dgm:t>
+    </dgm:pt>
+    <dgm:pt modelId="{2A0A2EE2-0876-4530-B68C-C9914575CA6B}">
+      <dgm:prSet/>
+      <dgm:spPr/>
+      <dgm:t>
+        <a:bodyPr/>
+        <a:lstStyle/>
+        <a:p>
+          <a:r>
+            <a:rPr lang="en-US" dirty="0" smtClean="0"/>
+            <a:t>id </a:t>
+          </a:r>
+          <a:endParaRPr lang="ru-RU" dirty="0"/>
+        </a:p>
+      </dgm:t>
+    </dgm:pt>
+    <dgm:pt modelId="{B54F8E63-C531-40A3-B493-3CBF9BD15F1D}" type="parTrans" cxnId="{E528DF4F-5FFA-4D3A-B446-9E6BFE80D65A}">
+      <dgm:prSet/>
+      <dgm:spPr/>
+      <dgm:t>
+        <a:bodyPr/>
+        <a:lstStyle/>
+        <a:p>
+          <a:endParaRPr lang="ru-RU"/>
+        </a:p>
+      </dgm:t>
+    </dgm:pt>
+    <dgm:pt modelId="{B3BF0A45-7CDF-4E24-8775-CC04AFB18401}" type="sibTrans" cxnId="{E528DF4F-5FFA-4D3A-B446-9E6BFE80D65A}">
       <dgm:prSet/>
       <dgm:spPr/>
       <dgm:t>
@@ -2522,6 +2887,13 @@
         </dgm:presLayoutVars>
       </dgm:prSet>
       <dgm:spPr/>
+      <dgm:t>
+        <a:bodyPr/>
+        <a:lstStyle/>
+        <a:p>
+          <a:endParaRPr lang="ru-RU"/>
+        </a:p>
+      </dgm:t>
     </dgm:pt>
     <dgm:pt modelId="{53B33B56-A589-4CC4-BB33-4FC48646F9D6}" type="pres">
       <dgm:prSet presAssocID="{072BCCE2-37A1-4004-9924-FC77DDAB6410}" presName="composite" presStyleCnt="0"/>
@@ -2536,6 +2908,13 @@
         </dgm:presLayoutVars>
       </dgm:prSet>
       <dgm:spPr/>
+      <dgm:t>
+        <a:bodyPr/>
+        <a:lstStyle/>
+        <a:p>
+          <a:endParaRPr lang="ru-RU"/>
+        </a:p>
+      </dgm:t>
     </dgm:pt>
     <dgm:pt modelId="{C7CD115F-5D7F-47E6-B852-93032DF43A6B}" type="pres">
       <dgm:prSet presAssocID="{072BCCE2-37A1-4004-9924-FC77DDAB6410}" presName="desTx" presStyleLbl="alignAccFollowNode1" presStyleIdx="0" presStyleCnt="3">
@@ -2569,6 +2948,13 @@
         </dgm:presLayoutVars>
       </dgm:prSet>
       <dgm:spPr/>
+      <dgm:t>
+        <a:bodyPr/>
+        <a:lstStyle/>
+        <a:p>
+          <a:endParaRPr lang="ru-RU"/>
+        </a:p>
+      </dgm:t>
     </dgm:pt>
     <dgm:pt modelId="{6130DA44-0BD7-42D5-897E-C23202A67351}" type="pres">
       <dgm:prSet presAssocID="{2E0FBEA3-84BB-467D-96A5-9836AF332835}" presName="desTx" presStyleLbl="alignAccFollowNode1" presStyleIdx="1" presStyleCnt="3">
@@ -2627,55 +3013,75 @@
     </dgm:pt>
   </dgm:ptLst>
   <dgm:cxnLst>
-    <dgm:cxn modelId="{D29A11EF-826C-40F7-92A4-D743313634A9}" type="presOf" srcId="{2E0FBEA3-84BB-467D-96A5-9836AF332835}" destId="{0A7EFED3-D232-4185-91DB-9F8A8FDF6742}" srcOrd="0" destOrd="0" presId="urn:microsoft.com/office/officeart/2005/8/layout/hList1"/>
-    <dgm:cxn modelId="{D3F4EE9E-99DD-4F0E-BD6D-B144C9C35B3A}" srcId="{072BCCE2-37A1-4004-9924-FC77DDAB6410}" destId="{070FF091-BB19-4548-BBCC-EDBEED141E22}" srcOrd="4" destOrd="0" parTransId="{C60467A0-73A9-4621-B73A-A8B31938ADF5}" sibTransId="{89D67D8A-CCB4-4C04-9ED6-008CFE2F8098}"/>
     <dgm:cxn modelId="{DCFC238E-B9FC-489E-B99F-18F2AB7DF7F7}" type="presOf" srcId="{2CEC434B-6CFD-4F4F-AAFD-EB4F8E9C3F18}" destId="{6130DA44-0BD7-42D5-897E-C23202A67351}" srcOrd="0" destOrd="2" presId="urn:microsoft.com/office/officeart/2005/8/layout/hList1"/>
     <dgm:cxn modelId="{40839B18-A150-47BA-83FF-952363C88D41}" srcId="{072BCCE2-37A1-4004-9924-FC77DDAB6410}" destId="{AC853C07-8E44-4B4A-BFD1-10BDF881EDE1}" srcOrd="2" destOrd="0" parTransId="{DD285C7B-EEAB-4C0B-BC66-82D8102FB1AD}" sibTransId="{5CD3E7D5-F9C7-4FF3-900D-60DDDBB7AD51}"/>
-    <dgm:cxn modelId="{FF73463E-E2C1-4213-A68B-51622B04122A}" type="presOf" srcId="{2558A706-7114-4927-969A-71DB6B7A6197}" destId="{D01DDD35-C12F-4AFE-A885-A317C1155B5B}" srcOrd="0" destOrd="5" presId="urn:microsoft.com/office/officeart/2005/8/layout/hList1"/>
+    <dgm:cxn modelId="{DF5F5C07-D0DD-4011-98B2-244D5B1A877C}" srcId="{072BCCE2-37A1-4004-9924-FC77DDAB6410}" destId="{F322E415-F01A-4F06-A79A-5B588A11DE27}" srcOrd="10" destOrd="0" parTransId="{981B945D-C4FD-4714-975D-5A1C27903B88}" sibTransId="{899F093B-14B2-49DD-9C94-9BDDF03BF2C2}"/>
+    <dgm:cxn modelId="{8EAA2D29-C982-4F08-99A2-878E9088C393}" type="presOf" srcId="{070FF091-BB19-4548-BBCC-EDBEED141E22}" destId="{C7CD115F-5D7F-47E6-B852-93032DF43A6B}" srcOrd="0" destOrd="6" presId="urn:microsoft.com/office/officeart/2005/8/layout/hList1"/>
+    <dgm:cxn modelId="{27AAD415-7653-4A32-B286-D1135FEA83BA}" srcId="{072BCCE2-37A1-4004-9924-FC77DDAB6410}" destId="{B1E425E8-802C-418B-A8EC-28EE37196870}" srcOrd="1" destOrd="0" parTransId="{B452BDDF-4F81-4C1A-831F-2F96413DE936}" sibTransId="{7BF7DBCF-E4B6-4DFD-BB20-F1BED058DA5B}"/>
+    <dgm:cxn modelId="{6634EBAD-1A34-4A14-AFF8-3D210929B13B}" type="presOf" srcId="{83E5CBC5-47FE-41B5-ADE3-AF46F14AAEFE}" destId="{84B60CA6-6F0D-4EF3-9C6F-21B1067FB248}" srcOrd="0" destOrd="0" presId="urn:microsoft.com/office/officeart/2005/8/layout/hList1"/>
+    <dgm:cxn modelId="{A154A736-D8A4-486E-ABF1-0E6FF5BAE413}" type="presOf" srcId="{985E6EA2-6D11-4D91-8F9D-0E0019A9EB92}" destId="{D01DDD35-C12F-4AFE-A885-A317C1155B5B}" srcOrd="0" destOrd="3" presId="urn:microsoft.com/office/officeart/2005/8/layout/hList1"/>
+    <dgm:cxn modelId="{A486A04F-AA67-4D8C-82A2-0D3567ACBBC8}" srcId="{072BCCE2-37A1-4004-9924-FC77DDAB6410}" destId="{0F6433BF-A112-4547-BE56-916119A8FE61}" srcOrd="4" destOrd="0" parTransId="{229A454F-CCFA-41E2-BFA3-58098745A66E}" sibTransId="{8BF8F5BD-0BDE-4097-A056-3EA3E2F8F544}"/>
+    <dgm:cxn modelId="{D29A11EF-826C-40F7-92A4-D743313634A9}" type="presOf" srcId="{2E0FBEA3-84BB-467D-96A5-9836AF332835}" destId="{0A7EFED3-D232-4185-91DB-9F8A8FDF6742}" srcOrd="0" destOrd="0" presId="urn:microsoft.com/office/officeart/2005/8/layout/hList1"/>
+    <dgm:cxn modelId="{ED283095-0CA3-4A62-95C6-029686B46E75}" type="presOf" srcId="{C2428EC6-D0DA-4420-8692-CF7217AAC1F5}" destId="{D01DDD35-C12F-4AFE-A885-A317C1155B5B}" srcOrd="0" destOrd="1" presId="urn:microsoft.com/office/officeart/2005/8/layout/hList1"/>
+    <dgm:cxn modelId="{909AE369-22CD-4A09-B455-CEBFB4F320C0}" type="presOf" srcId="{7FD6E0BF-AE78-41B4-9EB5-1B565A8683A5}" destId="{C7CD115F-5D7F-47E6-B852-93032DF43A6B}" srcOrd="0" destOrd="7" presId="urn:microsoft.com/office/officeart/2005/8/layout/hList1"/>
+    <dgm:cxn modelId="{6C2B5CB9-80AD-411B-A2AF-EB70151C718C}" type="presOf" srcId="{7C3BEF89-F391-4C3C-A935-9AC30E06F3CF}" destId="{6130DA44-0BD7-42D5-897E-C23202A67351}" srcOrd="0" destOrd="1" presId="urn:microsoft.com/office/officeart/2005/8/layout/hList1"/>
+    <dgm:cxn modelId="{4E898BD4-04FD-4918-B3CF-E104F317CA14}" type="presOf" srcId="{EE1D6906-52A3-4777-86EF-44298666C619}" destId="{D01DDD35-C12F-4AFE-A885-A317C1155B5B}" srcOrd="0" destOrd="2" presId="urn:microsoft.com/office/officeart/2005/8/layout/hList1"/>
+    <dgm:cxn modelId="{ADBCBFBB-EA8C-4B63-A587-587505D80FD8}" srcId="{072BCCE2-37A1-4004-9924-FC77DDAB6410}" destId="{23FC9CF5-86EC-49D2-89F9-3FDCDCCD7CE1}" srcOrd="8" destOrd="0" parTransId="{21EC77A8-F57F-464B-B524-6E1A36758581}" sibTransId="{C7FFB41F-39BD-44D8-B338-42026E184F6D}"/>
+    <dgm:cxn modelId="{CB13D20A-BE57-4F1A-B810-2C7DBCEBA586}" srcId="{83E5CBC5-47FE-41B5-ADE3-AF46F14AAEFE}" destId="{F42CEFE8-6E68-4597-A62B-E5A5113B1E7D}" srcOrd="7" destOrd="0" parTransId="{455D6208-B198-419D-90A4-00E869AA520E}" sibTransId="{80EC04A4-951C-4559-A59A-F33BE27A6EB7}"/>
+    <dgm:cxn modelId="{D3F4EE9E-99DD-4F0E-BD6D-B144C9C35B3A}" srcId="{072BCCE2-37A1-4004-9924-FC77DDAB6410}" destId="{070FF091-BB19-4548-BBCC-EDBEED141E22}" srcOrd="6" destOrd="0" parTransId="{C60467A0-73A9-4621-B73A-A8B31938ADF5}" sibTransId="{89D67D8A-CCB4-4C04-9ED6-008CFE2F8098}"/>
+    <dgm:cxn modelId="{84579B5A-B6FF-46F6-BDB0-7EC10F19E6EB}" srcId="{83E5CBC5-47FE-41B5-ADE3-AF46F14AAEFE}" destId="{ED282E6B-FE92-41EC-B6B0-B6E6A7A5E562}" srcOrd="4" destOrd="0" parTransId="{0793FEFE-AB1F-4AFC-BB04-5B2FA2674161}" sibTransId="{815559BD-955A-4243-9370-0DF97AF1569E}"/>
+    <dgm:cxn modelId="{0C97E5DA-2B46-4D98-8BBE-F4BABD5872F5}" type="presOf" srcId="{BF23D773-13A9-42CB-A90A-4AEBE664528F}" destId="{C7CD115F-5D7F-47E6-B852-93032DF43A6B}" srcOrd="0" destOrd="12" presId="urn:microsoft.com/office/officeart/2005/8/layout/hList1"/>
+    <dgm:cxn modelId="{07838031-9ED9-43B2-BF8A-B8ED0228AB41}" srcId="{83E5CBC5-47FE-41B5-ADE3-AF46F14AAEFE}" destId="{C2428EC6-D0DA-4420-8692-CF7217AAC1F5}" srcOrd="1" destOrd="0" parTransId="{78C05B46-CCC2-472B-8642-E211B3A951F8}" sibTransId="{0663CC1C-71CD-4361-BC72-099A71AD2E47}"/>
+    <dgm:cxn modelId="{7B4A6F0F-9028-41DC-B212-7C107A260BEE}" type="presOf" srcId="{2A0A2EE2-0876-4530-B68C-C9914575CA6B}" destId="{D01DDD35-C12F-4AFE-A885-A317C1155B5B}" srcOrd="0" destOrd="0" presId="urn:microsoft.com/office/officeart/2005/8/layout/hList1"/>
+    <dgm:cxn modelId="{081D14DA-9C6E-4FE1-8869-BBF61D2E1A91}" srcId="{972EEA30-1925-4C1A-AC7E-2B3DB4517989}" destId="{83E5CBC5-47FE-41B5-ADE3-AF46F14AAEFE}" srcOrd="2" destOrd="0" parTransId="{8C75225C-A317-4AE6-BCBD-A9D0F1198042}" sibTransId="{8266D77A-7461-4FB3-B363-A129F2901B86}"/>
+    <dgm:cxn modelId="{921AA55A-28A5-448A-8C29-B819F0E81121}" srcId="{072BCCE2-37A1-4004-9924-FC77DDAB6410}" destId="{52901E77-F4EB-4922-BF04-072F154D5274}" srcOrd="9" destOrd="0" parTransId="{E0DC82F1-EF18-4D19-81FE-1DC6414E1C34}" sibTransId="{71BC8966-27DE-4A7D-BE0B-F935A4423245}"/>
+    <dgm:cxn modelId="{C1AC93B1-9688-476A-9A45-40827399129B}" srcId="{2E0FBEA3-84BB-467D-96A5-9836AF332835}" destId="{FB987B40-CD08-45C6-A921-0E5FAEE82F98}" srcOrd="0" destOrd="0" parTransId="{8B189EFB-C394-4D80-9EE1-E1EE8DD460F6}" sibTransId="{227388F9-B4C7-42DD-A587-6C6743B4D613}"/>
+    <dgm:cxn modelId="{DBEA9359-EC37-4947-88D6-1A000AE08323}" srcId="{072BCCE2-37A1-4004-9924-FC77DDAB6410}" destId="{21E5B5A0-B4A0-41AC-BDFE-F4524D52CE58}" srcOrd="11" destOrd="0" parTransId="{7E6BAD1B-E900-4BAA-B26E-5350C75B1CFA}" sibTransId="{D9046AC7-AE33-40B8-8273-18E858EFFEDE}"/>
+    <dgm:cxn modelId="{E7EEB759-4560-44B0-B5B8-4A943E339703}" type="presOf" srcId="{972EEA30-1925-4C1A-AC7E-2B3DB4517989}" destId="{D9592EEA-0EA9-4895-9D7A-B688FD59CF9B}" srcOrd="0" destOrd="0" presId="urn:microsoft.com/office/officeart/2005/8/layout/hList1"/>
+    <dgm:cxn modelId="{79185AA8-BE79-4FFD-8C9A-66251B9CC5A1}" srcId="{072BCCE2-37A1-4004-9924-FC77DDAB6410}" destId="{BAB19745-8996-4BC3-BB9A-CB51559070D8}" srcOrd="5" destOrd="0" parTransId="{CA18CADE-93F8-4E3B-8540-5C88C71D29A8}" sibTransId="{01B633DA-F80D-4FE9-B083-765C10F9EA68}"/>
+    <dgm:cxn modelId="{ADA98848-F625-4687-8928-C14382FF7DEB}" type="presOf" srcId="{AC853C07-8E44-4B4A-BFD1-10BDF881EDE1}" destId="{C7CD115F-5D7F-47E6-B852-93032DF43A6B}" srcOrd="0" destOrd="2" presId="urn:microsoft.com/office/officeart/2005/8/layout/hList1"/>
+    <dgm:cxn modelId="{1B95CFA9-C4DF-4705-AC4B-5E5B0976A970}" srcId="{2E0FBEA3-84BB-467D-96A5-9836AF332835}" destId="{2CEC434B-6CFD-4F4F-AAFD-EB4F8E9C3F18}" srcOrd="2" destOrd="0" parTransId="{F51EEC0B-B0BC-4A90-B4F8-6AF9B88A08FE}" sibTransId="{01992556-3357-44C2-AD0E-E2EF52EB9F32}"/>
+    <dgm:cxn modelId="{1775133E-771A-4137-93A2-BC7A4415E3B8}" srcId="{072BCCE2-37A1-4004-9924-FC77DDAB6410}" destId="{F8A6E171-5924-4AA2-83B8-78285B8362C8}" srcOrd="0" destOrd="0" parTransId="{9FB51446-CD4B-47B9-9474-8C48471E428D}" sibTransId="{00880EEF-9F9B-4031-9C6C-0AD81CE8BA2F}"/>
+    <dgm:cxn modelId="{FA5184FE-9B96-4928-A3FB-94956CE9D92A}" srcId="{2E0FBEA3-84BB-467D-96A5-9836AF332835}" destId="{DFBA26F2-6EBF-4FD0-8895-894CAB9A9D70}" srcOrd="5" destOrd="0" parTransId="{99B825CD-E072-495B-996F-B08D358648DF}" sibTransId="{BDC819D9-77B0-4D05-B9FE-41B6E0BBBE62}"/>
+    <dgm:cxn modelId="{4B906E92-6A62-4FB8-A93E-4BDF4F9E29D6}" srcId="{83E5CBC5-47FE-41B5-ADE3-AF46F14AAEFE}" destId="{59CBDF42-A291-43A8-A867-446BA1D04115}" srcOrd="10" destOrd="0" parTransId="{A6148C4F-51B9-4D07-BC32-7C18BD91144E}" sibTransId="{3174FD22-6626-4762-87F0-3E4C87DE5657}"/>
+    <dgm:cxn modelId="{CA37C6C6-46E2-49CD-A2CE-9DF682553222}" type="presOf" srcId="{0F6433BF-A112-4547-BE56-916119A8FE61}" destId="{C7CD115F-5D7F-47E6-B852-93032DF43A6B}" srcOrd="0" destOrd="4" presId="urn:microsoft.com/office/officeart/2005/8/layout/hList1"/>
+    <dgm:cxn modelId="{569953DE-638F-4729-A395-F0060F48BC29}" type="presOf" srcId="{DFBA26F2-6EBF-4FD0-8895-894CAB9A9D70}" destId="{6130DA44-0BD7-42D5-897E-C23202A67351}" srcOrd="0" destOrd="5" presId="urn:microsoft.com/office/officeart/2005/8/layout/hList1"/>
+    <dgm:cxn modelId="{06578BE1-75F0-46A9-97A8-24E6A728D433}" type="presOf" srcId="{59CBDF42-A291-43A8-A867-446BA1D04115}" destId="{D01DDD35-C12F-4AFE-A885-A317C1155B5B}" srcOrd="0" destOrd="10" presId="urn:microsoft.com/office/officeart/2005/8/layout/hList1"/>
+    <dgm:cxn modelId="{A78D00ED-5571-498E-A184-02CEE3B8CF15}" type="presOf" srcId="{9BC0B6DA-21BA-4031-8EF6-D6459A3D5B80}" destId="{D01DDD35-C12F-4AFE-A885-A317C1155B5B}" srcOrd="0" destOrd="6" presId="urn:microsoft.com/office/officeart/2005/8/layout/hList1"/>
+    <dgm:cxn modelId="{E5CEC91A-51A2-4B82-AE01-C8AA225C1D06}" type="presOf" srcId="{4B7EE080-7223-43AD-BB67-7051194CD088}" destId="{C7CD115F-5D7F-47E6-B852-93032DF43A6B}" srcOrd="0" destOrd="3" presId="urn:microsoft.com/office/officeart/2005/8/layout/hList1"/>
+    <dgm:cxn modelId="{EF370E66-BA9E-47B1-8DD1-197C655F3B3E}" srcId="{83E5CBC5-47FE-41B5-ADE3-AF46F14AAEFE}" destId="{2558A706-7114-4927-969A-71DB6B7A6197}" srcOrd="9" destOrd="0" parTransId="{F24E950A-DB48-4842-A244-6BE459440E40}" sibTransId="{9202D49D-2D7C-4162-AA97-E65038CBD562}"/>
+    <dgm:cxn modelId="{FB22DF15-7560-4CB8-8032-444FCA4078AB}" type="presOf" srcId="{B1E425E8-802C-418B-A8EC-28EE37196870}" destId="{C7CD115F-5D7F-47E6-B852-93032DF43A6B}" srcOrd="0" destOrd="1" presId="urn:microsoft.com/office/officeart/2005/8/layout/hList1"/>
+    <dgm:cxn modelId="{AC618599-D013-4939-AEF8-98F54400E9FA}" srcId="{2E0FBEA3-84BB-467D-96A5-9836AF332835}" destId="{7C3BEF89-F391-4C3C-A935-9AC30E06F3CF}" srcOrd="1" destOrd="0" parTransId="{D97B9F92-FF2F-44CD-8807-F128AD45848A}" sibTransId="{DF00F4A6-24D0-42F9-8DF5-730B4B13A16B}"/>
+    <dgm:cxn modelId="{15FA697D-0D75-4D83-B339-DD9568692BA8}" type="presOf" srcId="{FB987B40-CD08-45C6-A921-0E5FAEE82F98}" destId="{6130DA44-0BD7-42D5-897E-C23202A67351}" srcOrd="0" destOrd="0" presId="urn:microsoft.com/office/officeart/2005/8/layout/hList1"/>
     <dgm:cxn modelId="{E9BD5030-7435-426C-BEB0-C5C72C2A1B11}" type="presOf" srcId="{F8A6E171-5924-4AA2-83B8-78285B8362C8}" destId="{C7CD115F-5D7F-47E6-B852-93032DF43A6B}" srcOrd="0" destOrd="0" presId="urn:microsoft.com/office/officeart/2005/8/layout/hList1"/>
-    <dgm:cxn modelId="{CA37C6C6-46E2-49CD-A2CE-9DF682553222}" type="presOf" srcId="{0F6433BF-A112-4547-BE56-916119A8FE61}" destId="{C7CD115F-5D7F-47E6-B852-93032DF43A6B}" srcOrd="0" destOrd="3" presId="urn:microsoft.com/office/officeart/2005/8/layout/hList1"/>
-    <dgm:cxn modelId="{EF370E66-BA9E-47B1-8DD1-197C655F3B3E}" srcId="{83E5CBC5-47FE-41B5-ADE3-AF46F14AAEFE}" destId="{2558A706-7114-4927-969A-71DB6B7A6197}" srcOrd="5" destOrd="0" parTransId="{F24E950A-DB48-4842-A244-6BE459440E40}" sibTransId="{9202D49D-2D7C-4162-AA97-E65038CBD562}"/>
-    <dgm:cxn modelId="{1775133E-771A-4137-93A2-BC7A4415E3B8}" srcId="{072BCCE2-37A1-4004-9924-FC77DDAB6410}" destId="{F8A6E171-5924-4AA2-83B8-78285B8362C8}" srcOrd="0" destOrd="0" parTransId="{9FB51446-CD4B-47B9-9474-8C48471E428D}" sibTransId="{00880EEF-9F9B-4031-9C6C-0AD81CE8BA2F}"/>
+    <dgm:cxn modelId="{363FF755-3F6D-4D7D-8CA8-F36F9DC0ED7C}" type="presOf" srcId="{05B69768-A281-4A9D-8CA9-A07D693934A9}" destId="{D01DDD35-C12F-4AFE-A885-A317C1155B5B}" srcOrd="0" destOrd="5" presId="urn:microsoft.com/office/officeart/2005/8/layout/hList1"/>
+    <dgm:cxn modelId="{F73CE4FE-99CB-4EC0-BA1B-8BF9E9731C80}" srcId="{072BCCE2-37A1-4004-9924-FC77DDAB6410}" destId="{BF23D773-13A9-42CB-A90A-4AEBE664528F}" srcOrd="12" destOrd="0" parTransId="{0FC5E5CD-B280-497A-BF6E-209B96341274}" sibTransId="{7A8EC7E6-6D43-4C06-8614-3CBB4A4A156F}"/>
+    <dgm:cxn modelId="{6756A5B7-FE24-4AE9-ABC9-1B8946559BAE}" srcId="{83E5CBC5-47FE-41B5-ADE3-AF46F14AAEFE}" destId="{05B69768-A281-4A9D-8CA9-A07D693934A9}" srcOrd="5" destOrd="0" parTransId="{46D08878-6970-4AC7-83B6-47E4FDD4B99C}" sibTransId="{EC880CE8-C9CE-468A-99CA-203546C2DB7F}"/>
+    <dgm:cxn modelId="{66DFD97C-1894-44E3-8EBC-B0ECDE5E0E7D}" srcId="{83E5CBC5-47FE-41B5-ADE3-AF46F14AAEFE}" destId="{D9A08DC5-5527-4ADA-B5C8-60B5B027A9EB}" srcOrd="8" destOrd="0" parTransId="{AF812C40-0F55-42A3-9376-60D3FC3ED10E}" sibTransId="{A6067E7D-F292-402C-90B4-77117E483F46}"/>
+    <dgm:cxn modelId="{F85F495B-E840-4DC0-B0A0-1A4A9A8B91BA}" srcId="{072BCCE2-37A1-4004-9924-FC77DDAB6410}" destId="{7FD6E0BF-AE78-41B4-9EB5-1B565A8683A5}" srcOrd="7" destOrd="0" parTransId="{7B4A8A52-3261-45B6-8E1E-6D5DE69F69C8}" sibTransId="{B7B447E2-FA1F-4A0A-82BD-9B41D542B8C1}"/>
+    <dgm:cxn modelId="{9ACDF323-EB0C-4018-948F-40F8E9F8E893}" type="presOf" srcId="{F322E415-F01A-4F06-A79A-5B588A11DE27}" destId="{C7CD115F-5D7F-47E6-B852-93032DF43A6B}" srcOrd="0" destOrd="10" presId="urn:microsoft.com/office/officeart/2005/8/layout/hList1"/>
+    <dgm:cxn modelId="{075A4210-F8CE-4EF7-8A73-80809E02E8F7}" srcId="{2E0FBEA3-84BB-467D-96A5-9836AF332835}" destId="{C781F228-A113-4EF3-B639-47BBCDA2BE8A}" srcOrd="3" destOrd="0" parTransId="{CF2958D9-FD5D-43C5-8D5E-820DB2B44A89}" sibTransId="{0269983D-A6B9-4700-ABA3-707FD507A66B}"/>
+    <dgm:cxn modelId="{AC8DDB32-B09F-4448-92C7-DD41B1F2A0FD}" type="presOf" srcId="{21E5B5A0-B4A0-41AC-BDFE-F4524D52CE58}" destId="{C7CD115F-5D7F-47E6-B852-93032DF43A6B}" srcOrd="0" destOrd="11" presId="urn:microsoft.com/office/officeart/2005/8/layout/hList1"/>
+    <dgm:cxn modelId="{DA1F582F-C73E-4907-80F7-99EC826F7B58}" type="presOf" srcId="{52901E77-F4EB-4922-BF04-072F154D5274}" destId="{C7CD115F-5D7F-47E6-B852-93032DF43A6B}" srcOrd="0" destOrd="9" presId="urn:microsoft.com/office/officeart/2005/8/layout/hList1"/>
+    <dgm:cxn modelId="{73369C67-3904-4E19-9A58-111EC0113996}" type="presOf" srcId="{ED282E6B-FE92-41EC-B6B0-B6E6A7A5E562}" destId="{D01DDD35-C12F-4AFE-A885-A317C1155B5B}" srcOrd="0" destOrd="4" presId="urn:microsoft.com/office/officeart/2005/8/layout/hList1"/>
+    <dgm:cxn modelId="{5AF28AD3-124C-4DF7-AEA6-C0048B26EEE9}" type="presOf" srcId="{23FC9CF5-86EC-49D2-89F9-3FDCDCCD7CE1}" destId="{C7CD115F-5D7F-47E6-B852-93032DF43A6B}" srcOrd="0" destOrd="8" presId="urn:microsoft.com/office/officeart/2005/8/layout/hList1"/>
+    <dgm:cxn modelId="{ECCD028E-E492-40E8-BD0F-64241FB1EDCC}" srcId="{83E5CBC5-47FE-41B5-ADE3-AF46F14AAEFE}" destId="{EE1D6906-52A3-4777-86EF-44298666C619}" srcOrd="2" destOrd="0" parTransId="{40D79C0A-F172-40FE-9A6A-71AFC4A771F6}" sibTransId="{EFDA43E3-B49D-4342-BF0F-6E3A261B2892}"/>
+    <dgm:cxn modelId="{DB090E5D-617A-4155-831A-CEFB02454A12}" type="presOf" srcId="{C781F228-A113-4EF3-B639-47BBCDA2BE8A}" destId="{6130DA44-0BD7-42D5-897E-C23202A67351}" srcOrd="0" destOrd="3" presId="urn:microsoft.com/office/officeart/2005/8/layout/hList1"/>
+    <dgm:cxn modelId="{FF73463E-E2C1-4213-A68B-51622B04122A}" type="presOf" srcId="{2558A706-7114-4927-969A-71DB6B7A6197}" destId="{D01DDD35-C12F-4AFE-A885-A317C1155B5B}" srcOrd="0" destOrd="9" presId="urn:microsoft.com/office/officeart/2005/8/layout/hList1"/>
+    <dgm:cxn modelId="{87EC2F7B-27A8-4499-B111-A2DF8F0496AA}" type="presOf" srcId="{BAB19745-8996-4BC3-BB9A-CB51559070D8}" destId="{C7CD115F-5D7F-47E6-B852-93032DF43A6B}" srcOrd="0" destOrd="5" presId="urn:microsoft.com/office/officeart/2005/8/layout/hList1"/>
+    <dgm:cxn modelId="{1CCF0CD6-EF59-49BB-A223-D111C780466F}" srcId="{972EEA30-1925-4C1A-AC7E-2B3DB4517989}" destId="{072BCCE2-37A1-4004-9924-FC77DDAB6410}" srcOrd="0" destOrd="0" parTransId="{EE92D3DB-4F35-46C3-A9A9-6BC11045BD66}" sibTransId="{EF844835-98E2-436C-A273-24D559DA09F5}"/>
+    <dgm:cxn modelId="{53AD2722-A259-4235-90FC-BD8427AC8F03}" srcId="{83E5CBC5-47FE-41B5-ADE3-AF46F14AAEFE}" destId="{9BC0B6DA-21BA-4031-8EF6-D6459A3D5B80}" srcOrd="6" destOrd="0" parTransId="{D4FD96C2-682A-4C1C-BC57-0F55AB2897C2}" sibTransId="{A7575EA1-C9E0-4437-829F-C0D8AF35E25D}"/>
+    <dgm:cxn modelId="{CC3C6E46-A07D-49EF-BE2E-168AEE9D2D97}" type="presOf" srcId="{086449A9-F0ED-4F08-ACE2-149D4FF7B70B}" destId="{6130DA44-0BD7-42D5-897E-C23202A67351}" srcOrd="0" destOrd="6" presId="urn:microsoft.com/office/officeart/2005/8/layout/hList1"/>
+    <dgm:cxn modelId="{E528DF4F-5FFA-4D3A-B446-9E6BFE80D65A}" srcId="{83E5CBC5-47FE-41B5-ADE3-AF46F14AAEFE}" destId="{2A0A2EE2-0876-4530-B68C-C9914575CA6B}" srcOrd="0" destOrd="0" parTransId="{B54F8E63-C531-40A3-B493-3CBF9BD15F1D}" sibTransId="{B3BF0A45-7CDF-4E24-8775-CC04AFB18401}"/>
     <dgm:cxn modelId="{BC4772FA-5858-4C3E-9CA9-41935F678F91}" srcId="{2E0FBEA3-84BB-467D-96A5-9836AF332835}" destId="{086449A9-F0ED-4F08-ACE2-149D4FF7B70B}" srcOrd="6" destOrd="0" parTransId="{538A0D36-DDF1-4501-9F02-127A82072430}" sibTransId="{5F7685DC-85A2-4810-8111-DF4EA540402B}"/>
-    <dgm:cxn modelId="{ADA98848-F625-4687-8928-C14382FF7DEB}" type="presOf" srcId="{AC853C07-8E44-4B4A-BFD1-10BDF881EDE1}" destId="{C7CD115F-5D7F-47E6-B852-93032DF43A6B}" srcOrd="0" destOrd="2" presId="urn:microsoft.com/office/officeart/2005/8/layout/hList1"/>
-    <dgm:cxn modelId="{E7EEB759-4560-44B0-B5B8-4A943E339703}" type="presOf" srcId="{972EEA30-1925-4C1A-AC7E-2B3DB4517989}" destId="{D9592EEA-0EA9-4895-9D7A-B688FD59CF9B}" srcOrd="0" destOrd="0" presId="urn:microsoft.com/office/officeart/2005/8/layout/hList1"/>
-    <dgm:cxn modelId="{081D14DA-9C6E-4FE1-8869-BBF61D2E1A91}" srcId="{972EEA30-1925-4C1A-AC7E-2B3DB4517989}" destId="{83E5CBC5-47FE-41B5-ADE3-AF46F14AAEFE}" srcOrd="2" destOrd="0" parTransId="{8C75225C-A317-4AE6-BCBD-A9D0F1198042}" sibTransId="{8266D77A-7461-4FB3-B363-A129F2901B86}"/>
-    <dgm:cxn modelId="{ECCD028E-E492-40E8-BD0F-64241FB1EDCC}" srcId="{83E5CBC5-47FE-41B5-ADE3-AF46F14AAEFE}" destId="{EE1D6906-52A3-4777-86EF-44298666C619}" srcOrd="1" destOrd="0" parTransId="{40D79C0A-F172-40FE-9A6A-71AFC4A771F6}" sibTransId="{EFDA43E3-B49D-4342-BF0F-6E3A261B2892}"/>
-    <dgm:cxn modelId="{27AAD415-7653-4A32-B286-D1135FEA83BA}" srcId="{072BCCE2-37A1-4004-9924-FC77DDAB6410}" destId="{B1E425E8-802C-418B-A8EC-28EE37196870}" srcOrd="1" destOrd="0" parTransId="{B452BDDF-4F81-4C1A-831F-2F96413DE936}" sibTransId="{7BF7DBCF-E4B6-4DFD-BB20-F1BED058DA5B}"/>
-    <dgm:cxn modelId="{921AA55A-28A5-448A-8C29-B819F0E81121}" srcId="{072BCCE2-37A1-4004-9924-FC77DDAB6410}" destId="{52901E77-F4EB-4922-BF04-072F154D5274}" srcOrd="6" destOrd="0" parTransId="{E0DC82F1-EF18-4D19-81FE-1DC6414E1C34}" sibTransId="{71BC8966-27DE-4A7D-BE0B-F935A4423245}"/>
+    <dgm:cxn modelId="{DBE68CE2-3709-4C73-BD08-15CF36F84CC4}" type="presOf" srcId="{F42CEFE8-6E68-4597-A62B-E5A5113B1E7D}" destId="{D01DDD35-C12F-4AFE-A885-A317C1155B5B}" srcOrd="0" destOrd="7" presId="urn:microsoft.com/office/officeart/2005/8/layout/hList1"/>
+    <dgm:cxn modelId="{46119593-AD3B-4827-9FF8-F6858802AF36}" srcId="{83E5CBC5-47FE-41B5-ADE3-AF46F14AAEFE}" destId="{985E6EA2-6D11-4D91-8F9D-0E0019A9EB92}" srcOrd="3" destOrd="0" parTransId="{E8C9CFC6-7DDD-40D0-84DC-190B9052A010}" sibTransId="{56278271-A895-4685-9433-896791D0D1E2}"/>
+    <dgm:cxn modelId="{5C7BEBDC-CD36-459D-BEB0-3DDB26897396}" type="presOf" srcId="{C495E6A7-DA18-46C4-8B83-C00571DED6A4}" destId="{6130DA44-0BD7-42D5-897E-C23202A67351}" srcOrd="0" destOrd="4" presId="urn:microsoft.com/office/officeart/2005/8/layout/hList1"/>
+    <dgm:cxn modelId="{B4366647-D179-4D44-A939-5C4D745397AA}" srcId="{072BCCE2-37A1-4004-9924-FC77DDAB6410}" destId="{4B7EE080-7223-43AD-BB67-7051194CD088}" srcOrd="3" destOrd="0" parTransId="{14065525-0075-4DC8-9E4B-408253C30ABA}" sibTransId="{473D6E94-FCB3-42C3-8326-DFE7ABA52DE6}"/>
+    <dgm:cxn modelId="{620B1432-1D54-41DB-A0F7-D768E24678CD}" type="presOf" srcId="{D9A08DC5-5527-4ADA-B5C8-60B5B027A9EB}" destId="{D01DDD35-C12F-4AFE-A885-A317C1155B5B}" srcOrd="0" destOrd="8" presId="urn:microsoft.com/office/officeart/2005/8/layout/hList1"/>
+    <dgm:cxn modelId="{098C5205-06D9-4010-83B5-56932FDF0EAB}" srcId="{972EEA30-1925-4C1A-AC7E-2B3DB4517989}" destId="{2E0FBEA3-84BB-467D-96A5-9836AF332835}" srcOrd="1" destOrd="0" parTransId="{72EE9CAF-0871-401A-A48E-207F98898E70}" sibTransId="{3EDE509C-AF9B-4FFA-B5C5-DAFAA34875E9}"/>
+    <dgm:cxn modelId="{186D7D72-43DB-4D9B-A7F3-81DB35D7454A}" type="presOf" srcId="{072BCCE2-37A1-4004-9924-FC77DDAB6410}" destId="{A8064CFC-3DA6-4911-B45C-68A8A5C862AF}" srcOrd="0" destOrd="0" presId="urn:microsoft.com/office/officeart/2005/8/layout/hList1"/>
     <dgm:cxn modelId="{4B9DF119-38CD-481E-998F-48D51AF4A188}" srcId="{2E0FBEA3-84BB-467D-96A5-9836AF332835}" destId="{C495E6A7-DA18-46C4-8B83-C00571DED6A4}" srcOrd="4" destOrd="0" parTransId="{9C4216D6-27FE-4F47-AEDC-3FD6080C106C}" sibTransId="{072977E8-10C7-46E5-8169-031AB2619A7C}"/>
-    <dgm:cxn modelId="{04FB1F3E-CAF5-4473-ACB2-874F7DD26CA5}" srcId="{83E5CBC5-47FE-41B5-ADE3-AF46F14AAEFE}" destId="{5F2A696C-5654-4A9E-9671-76DD679D1EB6}" srcOrd="3" destOrd="0" parTransId="{C2D65257-16F6-4071-93F7-1B3F880FAE73}" sibTransId="{AE443F6A-4DAA-40A7-810F-984C6E05786E}"/>
-    <dgm:cxn modelId="{DB090E5D-617A-4155-831A-CEFB02454A12}" type="presOf" srcId="{C781F228-A113-4EF3-B639-47BBCDA2BE8A}" destId="{6130DA44-0BD7-42D5-897E-C23202A67351}" srcOrd="0" destOrd="3" presId="urn:microsoft.com/office/officeart/2005/8/layout/hList1"/>
-    <dgm:cxn modelId="{0B736FD3-E756-400A-8D29-BFDD7BF2DEEB}" type="presOf" srcId="{BE498A8D-1F66-4D8C-92DC-3CCAF8B26AE2}" destId="{D01DDD35-C12F-4AFE-A885-A317C1155B5B}" srcOrd="0" destOrd="4" presId="urn:microsoft.com/office/officeart/2005/8/layout/hList1"/>
-    <dgm:cxn modelId="{FA5184FE-9B96-4928-A3FB-94956CE9D92A}" srcId="{2E0FBEA3-84BB-467D-96A5-9836AF332835}" destId="{DFBA26F2-6EBF-4FD0-8895-894CAB9A9D70}" srcOrd="5" destOrd="0" parTransId="{99B825CD-E072-495B-996F-B08D358648DF}" sibTransId="{BDC819D9-77B0-4D05-B9FE-41B6E0BBBE62}"/>
-    <dgm:cxn modelId="{186D7D72-43DB-4D9B-A7F3-81DB35D7454A}" type="presOf" srcId="{072BCCE2-37A1-4004-9924-FC77DDAB6410}" destId="{A8064CFC-3DA6-4911-B45C-68A8A5C862AF}" srcOrd="0" destOrd="0" presId="urn:microsoft.com/office/officeart/2005/8/layout/hList1"/>
-    <dgm:cxn modelId="{4E898BD4-04FD-4918-B3CF-E104F317CA14}" type="presOf" srcId="{EE1D6906-52A3-4777-86EF-44298666C619}" destId="{D01DDD35-C12F-4AFE-A885-A317C1155B5B}" srcOrd="0" destOrd="1" presId="urn:microsoft.com/office/officeart/2005/8/layout/hList1"/>
-    <dgm:cxn modelId="{68737098-9AC4-43E1-A0CF-6C10EF43B5F3}" type="presOf" srcId="{5F2A696C-5654-4A9E-9671-76DD679D1EB6}" destId="{D01DDD35-C12F-4AFE-A885-A317C1155B5B}" srcOrd="0" destOrd="3" presId="urn:microsoft.com/office/officeart/2005/8/layout/hList1"/>
-    <dgm:cxn modelId="{15FA697D-0D75-4D83-B339-DD9568692BA8}" type="presOf" srcId="{FB987B40-CD08-45C6-A921-0E5FAEE82F98}" destId="{6130DA44-0BD7-42D5-897E-C23202A67351}" srcOrd="0" destOrd="0" presId="urn:microsoft.com/office/officeart/2005/8/layout/hList1"/>
-    <dgm:cxn modelId="{098C5205-06D9-4010-83B5-56932FDF0EAB}" srcId="{972EEA30-1925-4C1A-AC7E-2B3DB4517989}" destId="{2E0FBEA3-84BB-467D-96A5-9836AF332835}" srcOrd="1" destOrd="0" parTransId="{72EE9CAF-0871-401A-A48E-207F98898E70}" sibTransId="{3EDE509C-AF9B-4FFA-B5C5-DAFAA34875E9}"/>
-    <dgm:cxn modelId="{ADBCBFBB-EA8C-4B63-A587-587505D80FD8}" srcId="{072BCCE2-37A1-4004-9924-FC77DDAB6410}" destId="{23FC9CF5-86EC-49D2-89F9-3FDCDCCD7CE1}" srcOrd="5" destOrd="0" parTransId="{21EC77A8-F57F-464B-B524-6E1A36758581}" sibTransId="{C7FFB41F-39BD-44D8-B338-42026E184F6D}"/>
-    <dgm:cxn modelId="{A154A736-D8A4-486E-ABF1-0E6FF5BAE413}" type="presOf" srcId="{985E6EA2-6D11-4D91-8F9D-0E0019A9EB92}" destId="{D01DDD35-C12F-4AFE-A885-A317C1155B5B}" srcOrd="0" destOrd="2" presId="urn:microsoft.com/office/officeart/2005/8/layout/hList1"/>
-    <dgm:cxn modelId="{1B95CFA9-C4DF-4705-AC4B-5E5B0976A970}" srcId="{2E0FBEA3-84BB-467D-96A5-9836AF332835}" destId="{2CEC434B-6CFD-4F4F-AAFD-EB4F8E9C3F18}" srcOrd="2" destOrd="0" parTransId="{F51EEC0B-B0BC-4A90-B4F8-6AF9B88A08FE}" sibTransId="{01992556-3357-44C2-AD0E-E2EF52EB9F32}"/>
-    <dgm:cxn modelId="{FB22DF15-7560-4CB8-8032-444FCA4078AB}" type="presOf" srcId="{B1E425E8-802C-418B-A8EC-28EE37196870}" destId="{C7CD115F-5D7F-47E6-B852-93032DF43A6B}" srcOrd="0" destOrd="1" presId="urn:microsoft.com/office/officeart/2005/8/layout/hList1"/>
-    <dgm:cxn modelId="{4B906E92-6A62-4FB8-A93E-4BDF4F9E29D6}" srcId="{83E5CBC5-47FE-41B5-ADE3-AF46F14AAEFE}" destId="{59CBDF42-A291-43A8-A867-446BA1D04115}" srcOrd="6" destOrd="0" parTransId="{A6148C4F-51B9-4D07-BC32-7C18BD91144E}" sibTransId="{3174FD22-6626-4762-87F0-3E4C87DE5657}"/>
-    <dgm:cxn modelId="{8EAA2D29-C982-4F08-99A2-878E9088C393}" type="presOf" srcId="{070FF091-BB19-4548-BBCC-EDBEED141E22}" destId="{C7CD115F-5D7F-47E6-B852-93032DF43A6B}" srcOrd="0" destOrd="4" presId="urn:microsoft.com/office/officeart/2005/8/layout/hList1"/>
-    <dgm:cxn modelId="{07838031-9ED9-43B2-BF8A-B8ED0228AB41}" srcId="{83E5CBC5-47FE-41B5-ADE3-AF46F14AAEFE}" destId="{C2428EC6-D0DA-4420-8692-CF7217AAC1F5}" srcOrd="0" destOrd="0" parTransId="{78C05B46-CCC2-472B-8642-E211B3A951F8}" sibTransId="{0663CC1C-71CD-4361-BC72-099A71AD2E47}"/>
-    <dgm:cxn modelId="{6C2B5CB9-80AD-411B-A2AF-EB70151C718C}" type="presOf" srcId="{7C3BEF89-F391-4C3C-A935-9AC30E06F3CF}" destId="{6130DA44-0BD7-42D5-897E-C23202A67351}" srcOrd="0" destOrd="1" presId="urn:microsoft.com/office/officeart/2005/8/layout/hList1"/>
-    <dgm:cxn modelId="{6634EBAD-1A34-4A14-AFF8-3D210929B13B}" type="presOf" srcId="{83E5CBC5-47FE-41B5-ADE3-AF46F14AAEFE}" destId="{84B60CA6-6F0D-4EF3-9C6F-21B1067FB248}" srcOrd="0" destOrd="0" presId="urn:microsoft.com/office/officeart/2005/8/layout/hList1"/>
-    <dgm:cxn modelId="{5AF28AD3-124C-4DF7-AEA6-C0048B26EEE9}" type="presOf" srcId="{23FC9CF5-86EC-49D2-89F9-3FDCDCCD7CE1}" destId="{C7CD115F-5D7F-47E6-B852-93032DF43A6B}" srcOrd="0" destOrd="5" presId="urn:microsoft.com/office/officeart/2005/8/layout/hList1"/>
-    <dgm:cxn modelId="{A486A04F-AA67-4D8C-82A2-0D3567ACBBC8}" srcId="{072BCCE2-37A1-4004-9924-FC77DDAB6410}" destId="{0F6433BF-A112-4547-BE56-916119A8FE61}" srcOrd="3" destOrd="0" parTransId="{229A454F-CCFA-41E2-BFA3-58098745A66E}" sibTransId="{8BF8F5BD-0BDE-4097-A056-3EA3E2F8F544}"/>
-    <dgm:cxn modelId="{CC3C6E46-A07D-49EF-BE2E-168AEE9D2D97}" type="presOf" srcId="{086449A9-F0ED-4F08-ACE2-149D4FF7B70B}" destId="{6130DA44-0BD7-42D5-897E-C23202A67351}" srcOrd="0" destOrd="6" presId="urn:microsoft.com/office/officeart/2005/8/layout/hList1"/>
-    <dgm:cxn modelId="{569953DE-638F-4729-A395-F0060F48BC29}" type="presOf" srcId="{DFBA26F2-6EBF-4FD0-8895-894CAB9A9D70}" destId="{6130DA44-0BD7-42D5-897E-C23202A67351}" srcOrd="0" destOrd="5" presId="urn:microsoft.com/office/officeart/2005/8/layout/hList1"/>
-    <dgm:cxn modelId="{46119593-AD3B-4827-9FF8-F6858802AF36}" srcId="{83E5CBC5-47FE-41B5-ADE3-AF46F14AAEFE}" destId="{985E6EA2-6D11-4D91-8F9D-0E0019A9EB92}" srcOrd="2" destOrd="0" parTransId="{E8C9CFC6-7DDD-40D0-84DC-190B9052A010}" sibTransId="{56278271-A895-4685-9433-896791D0D1E2}"/>
-    <dgm:cxn modelId="{1CCF0CD6-EF59-49BB-A223-D111C780466F}" srcId="{972EEA30-1925-4C1A-AC7E-2B3DB4517989}" destId="{072BCCE2-37A1-4004-9924-FC77DDAB6410}" srcOrd="0" destOrd="0" parTransId="{EE92D3DB-4F35-46C3-A9A9-6BC11045BD66}" sibTransId="{EF844835-98E2-436C-A273-24D559DA09F5}"/>
-    <dgm:cxn modelId="{06578BE1-75F0-46A9-97A8-24E6A728D433}" type="presOf" srcId="{59CBDF42-A291-43A8-A867-446BA1D04115}" destId="{D01DDD35-C12F-4AFE-A885-A317C1155B5B}" srcOrd="0" destOrd="6" presId="urn:microsoft.com/office/officeart/2005/8/layout/hList1"/>
-    <dgm:cxn modelId="{AC618599-D013-4939-AEF8-98F54400E9FA}" srcId="{2E0FBEA3-84BB-467D-96A5-9836AF332835}" destId="{7C3BEF89-F391-4C3C-A935-9AC30E06F3CF}" srcOrd="1" destOrd="0" parTransId="{D97B9F92-FF2F-44CD-8807-F128AD45848A}" sibTransId="{DF00F4A6-24D0-42F9-8DF5-730B4B13A16B}"/>
-    <dgm:cxn modelId="{075A4210-F8CE-4EF7-8A73-80809E02E8F7}" srcId="{2E0FBEA3-84BB-467D-96A5-9836AF332835}" destId="{C781F228-A113-4EF3-B639-47BBCDA2BE8A}" srcOrd="3" destOrd="0" parTransId="{CF2958D9-FD5D-43C5-8D5E-820DB2B44A89}" sibTransId="{0269983D-A6B9-4700-ABA3-707FD507A66B}"/>
-    <dgm:cxn modelId="{5C7BEBDC-CD36-459D-BEB0-3DDB26897396}" type="presOf" srcId="{C495E6A7-DA18-46C4-8B83-C00571DED6A4}" destId="{6130DA44-0BD7-42D5-897E-C23202A67351}" srcOrd="0" destOrd="4" presId="urn:microsoft.com/office/officeart/2005/8/layout/hList1"/>
-    <dgm:cxn modelId="{ED283095-0CA3-4A62-95C6-029686B46E75}" type="presOf" srcId="{C2428EC6-D0DA-4420-8692-CF7217AAC1F5}" destId="{D01DDD35-C12F-4AFE-A885-A317C1155B5B}" srcOrd="0" destOrd="0" presId="urn:microsoft.com/office/officeart/2005/8/layout/hList1"/>
-    <dgm:cxn modelId="{C1AC93B1-9688-476A-9A45-40827399129B}" srcId="{2E0FBEA3-84BB-467D-96A5-9836AF332835}" destId="{FB987B40-CD08-45C6-A921-0E5FAEE82F98}" srcOrd="0" destOrd="0" parTransId="{8B189EFB-C394-4D80-9EE1-E1EE8DD460F6}" sibTransId="{227388F9-B4C7-42DD-A587-6C6743B4D613}"/>
-    <dgm:cxn modelId="{622256FE-D344-4366-83ED-5BFF8717C75F}" srcId="{83E5CBC5-47FE-41B5-ADE3-AF46F14AAEFE}" destId="{BE498A8D-1F66-4D8C-92DC-3CCAF8B26AE2}" srcOrd="4" destOrd="0" parTransId="{3F971816-98CE-46A2-9BEA-5D456713835F}" sibTransId="{76463855-6FF6-4F78-9901-2E14C92F63C0}"/>
-    <dgm:cxn modelId="{DA1F582F-C73E-4907-80F7-99EC826F7B58}" type="presOf" srcId="{52901E77-F4EB-4922-BF04-072F154D5274}" destId="{C7CD115F-5D7F-47E6-B852-93032DF43A6B}" srcOrd="0" destOrd="6" presId="urn:microsoft.com/office/officeart/2005/8/layout/hList1"/>
     <dgm:cxn modelId="{D6698D54-8015-45E2-9AD4-48979F95A7FB}" type="presParOf" srcId="{D9592EEA-0EA9-4895-9D7A-B688FD59CF9B}" destId="{53B33B56-A589-4CC4-BB33-4FC48646F9D6}" srcOrd="0" destOrd="0" presId="urn:microsoft.com/office/officeart/2005/8/layout/hList1"/>
     <dgm:cxn modelId="{B66122FE-C64F-4367-B736-1649CE872F62}" type="presParOf" srcId="{53B33B56-A589-4CC4-BB33-4FC48646F9D6}" destId="{A8064CFC-3DA6-4911-B45C-68A8A5C862AF}" srcOrd="0" destOrd="0" presId="urn:microsoft.com/office/officeart/2005/8/layout/hList1"/>
     <dgm:cxn modelId="{2AA1302A-0F81-4CBD-9603-863552F2A930}" type="presParOf" srcId="{53B33B56-A589-4CC4-BB33-4FC48646F9D6}" destId="{C7CD115F-5D7F-47E6-B852-93032DF43A6B}" srcOrd="1" destOrd="0" presId="urn:microsoft.com/office/officeart/2005/8/layout/hList1"/>
@@ -2758,7 +3164,7 @@
         <a:p>
           <a:r>
             <a:rPr lang="en-US" dirty="0" smtClean="0"/>
-            <a:t>Id</a:t>
+            <a:t>id</a:t>
           </a:r>
           <a:endParaRPr lang="ru-RU" dirty="0"/>
         </a:p>
@@ -2869,7 +3275,7 @@
         <a:p>
           <a:r>
             <a:rPr lang="en-US" dirty="0" smtClean="0"/>
-            <a:t>Id</a:t>
+            <a:t>id</a:t>
           </a:r>
           <a:endParaRPr lang="ru-RU" dirty="0"/>
         </a:p>
@@ -2906,7 +3312,7 @@
         <a:p>
           <a:r>
             <a:rPr lang="en-US" dirty="0" smtClean="0"/>
-            <a:t>Type</a:t>
+            <a:t>type</a:t>
           </a:r>
           <a:endParaRPr lang="ru-RU" dirty="0"/>
         </a:p>
@@ -2943,7 +3349,7 @@
         <a:p>
           <a:r>
             <a:rPr lang="en-US" dirty="0" smtClean="0"/>
-            <a:t>User</a:t>
+            <a:t>user</a:t>
           </a:r>
           <a:endParaRPr lang="ru-RU" dirty="0"/>
         </a:p>
@@ -3087,7 +3493,7 @@
         <a:p>
           <a:r>
             <a:rPr lang="en-US" dirty="0" smtClean="0"/>
-            <a:t>Id</a:t>
+            <a:t>id</a:t>
           </a:r>
           <a:endParaRPr lang="ru-RU" dirty="0"/>
         </a:p>
@@ -3124,7 +3530,7 @@
         <a:p>
           <a:r>
             <a:rPr lang="en-US" dirty="0" smtClean="0"/>
-            <a:t>Type</a:t>
+            <a:t>type</a:t>
           </a:r>
           <a:endParaRPr lang="ru-RU" dirty="0"/>
         </a:p>
@@ -3235,7 +3641,7 @@
         <a:p>
           <a:r>
             <a:rPr lang="en-US" dirty="0" err="1" smtClean="0"/>
-            <a:t>Room_id</a:t>
+            <a:t>room_id</a:t>
           </a:r>
           <a:endParaRPr lang="ru-RU" dirty="0"/>
         </a:p>
@@ -3272,7 +3678,7 @@
         <a:p>
           <a:r>
             <a:rPr lang="en-US" dirty="0" smtClean="0"/>
-            <a:t>Inside</a:t>
+            <a:t>inside</a:t>
           </a:r>
           <a:endParaRPr lang="ru-RU" dirty="0"/>
         </a:p>
@@ -3346,13 +3752,20 @@
         </dgm:presLayoutVars>
       </dgm:prSet>
       <dgm:spPr/>
+      <dgm:t>
+        <a:bodyPr/>
+        <a:lstStyle/>
+        <a:p>
+          <a:endParaRPr lang="ru-RU"/>
+        </a:p>
+      </dgm:t>
     </dgm:pt>
     <dgm:pt modelId="{6747166B-6FF5-4DEF-B34A-EE31CBF452C8}" type="pres">
       <dgm:prSet presAssocID="{5F57960C-4235-4D82-B60B-855D4E6A7AEF}" presName="composite" presStyleCnt="0"/>
       <dgm:spPr/>
     </dgm:pt>
     <dgm:pt modelId="{C106FC5F-8A52-4475-A4CF-07627074C4F2}" type="pres">
-      <dgm:prSet presAssocID="{5F57960C-4235-4D82-B60B-855D4E6A7AEF}" presName="parTx" presStyleLbl="alignNode1" presStyleIdx="0" presStyleCnt="3">
+      <dgm:prSet presAssocID="{5F57960C-4235-4D82-B60B-855D4E6A7AEF}" presName="parTx" presStyleLbl="alignNode1" presStyleIdx="0" presStyleCnt="3" custLinFactX="14445" custLinFactNeighborX="100000" custLinFactNeighborY="5890">
         <dgm:presLayoutVars>
           <dgm:chMax val="0"/>
           <dgm:chPref val="0"/>
@@ -3369,12 +3782,19 @@
       </dgm:t>
     </dgm:pt>
     <dgm:pt modelId="{3F04D6E3-2A88-4B5D-9693-6197E0326257}" type="pres">
-      <dgm:prSet presAssocID="{5F57960C-4235-4D82-B60B-855D4E6A7AEF}" presName="desTx" presStyleLbl="alignAccFollowNode1" presStyleIdx="0" presStyleCnt="3">
+      <dgm:prSet presAssocID="{5F57960C-4235-4D82-B60B-855D4E6A7AEF}" presName="desTx" presStyleLbl="alignAccFollowNode1" presStyleIdx="0" presStyleCnt="3" custLinFactX="14011" custLinFactNeighborX="100000" custLinFactNeighborY="1060">
         <dgm:presLayoutVars>
           <dgm:bulletEnabled val="1"/>
         </dgm:presLayoutVars>
       </dgm:prSet>
       <dgm:spPr/>
+      <dgm:t>
+        <a:bodyPr/>
+        <a:lstStyle/>
+        <a:p>
+          <a:endParaRPr lang="ru-RU"/>
+        </a:p>
+      </dgm:t>
     </dgm:pt>
     <dgm:pt modelId="{AAACE69D-A999-42C0-BFF6-465FB20FA3D5}" type="pres">
       <dgm:prSet presAssocID="{BCF533D6-8476-49EF-8C37-24BAC3AC0FB1}" presName="space" presStyleCnt="0"/>
@@ -3385,7 +3805,7 @@
       <dgm:spPr/>
     </dgm:pt>
     <dgm:pt modelId="{2BC2DFC8-5E1D-4F84-AB3C-576F7A1C14BF}" type="pres">
-      <dgm:prSet presAssocID="{CF6B6E0F-0EDD-439B-BAC8-FE0AE07CB677}" presName="parTx" presStyleLbl="alignNode1" presStyleIdx="1" presStyleCnt="3">
+      <dgm:prSet presAssocID="{CF6B6E0F-0EDD-439B-BAC8-FE0AE07CB677}" presName="parTx" presStyleLbl="alignNode1" presStyleIdx="1" presStyleCnt="3" custLinFactX="-14103" custLinFactNeighborX="-100000" custLinFactNeighborY="5890">
         <dgm:presLayoutVars>
           <dgm:chMax val="0"/>
           <dgm:chPref val="0"/>
@@ -3402,12 +3822,19 @@
       </dgm:t>
     </dgm:pt>
     <dgm:pt modelId="{6B417FF8-968F-4ABE-B847-592B4F6B8384}" type="pres">
-      <dgm:prSet presAssocID="{CF6B6E0F-0EDD-439B-BAC8-FE0AE07CB677}" presName="desTx" presStyleLbl="alignAccFollowNode1" presStyleIdx="1" presStyleCnt="3">
+      <dgm:prSet presAssocID="{CF6B6E0F-0EDD-439B-BAC8-FE0AE07CB677}" presName="desTx" presStyleLbl="alignAccFollowNode1" presStyleIdx="1" presStyleCnt="3" custLinFactX="-14103" custLinFactNeighborX="-100000" custLinFactNeighborY="1172">
         <dgm:presLayoutVars>
           <dgm:bulletEnabled val="1"/>
         </dgm:presLayoutVars>
       </dgm:prSet>
       <dgm:spPr/>
+      <dgm:t>
+        <a:bodyPr/>
+        <a:lstStyle/>
+        <a:p>
+          <a:endParaRPr lang="ru-RU"/>
+        </a:p>
+      </dgm:t>
     </dgm:pt>
     <dgm:pt modelId="{04264F8A-8D2A-4B7E-99E9-137026854CA9}" type="pres">
       <dgm:prSet presAssocID="{CB5C09C9-D32F-4A10-B265-4A11E87E8497}" presName="space" presStyleCnt="0"/>
@@ -3418,7 +3845,7 @@
       <dgm:spPr/>
     </dgm:pt>
     <dgm:pt modelId="{C3F7B771-5E6D-46F0-B894-349B9E763B60}" type="pres">
-      <dgm:prSet presAssocID="{79C3B034-5C9B-4A20-A472-7279B493BBA8}" presName="parTx" presStyleLbl="alignNode1" presStyleIdx="2" presStyleCnt="3">
+      <dgm:prSet presAssocID="{79C3B034-5C9B-4A20-A472-7279B493BBA8}" presName="parTx" presStyleLbl="alignNode1" presStyleIdx="2" presStyleCnt="3" custLinFactNeighborX="-749" custLinFactNeighborY="5890">
         <dgm:presLayoutVars>
           <dgm:chMax val="0"/>
           <dgm:chPref val="0"/>
@@ -3435,7 +3862,7 @@
       </dgm:t>
     </dgm:pt>
     <dgm:pt modelId="{8FCADF33-6F33-4B93-905B-38234BA30063}" type="pres">
-      <dgm:prSet presAssocID="{79C3B034-5C9B-4A20-A472-7279B493BBA8}" presName="desTx" presStyleLbl="alignAccFollowNode1" presStyleIdx="2" presStyleCnt="3">
+      <dgm:prSet presAssocID="{79C3B034-5C9B-4A20-A472-7279B493BBA8}" presName="desTx" presStyleLbl="alignAccFollowNode1" presStyleIdx="2" presStyleCnt="3" custLinFactNeighborX="-1181" custLinFactNeighborY="908">
         <dgm:presLayoutVars>
           <dgm:bulletEnabled val="1"/>
         </dgm:presLayoutVars>
@@ -3451,41 +3878,41 @@
     </dgm:pt>
   </dgm:ptLst>
   <dgm:cxnLst>
+    <dgm:cxn modelId="{0EF11222-44DE-4984-947B-FFF87BCF4A37}" srcId="{972EEA30-1925-4C1A-AC7E-2B3DB4517989}" destId="{79C3B034-5C9B-4A20-A472-7279B493BBA8}" srcOrd="2" destOrd="0" parTransId="{1B55FC08-4C85-4D3F-B5D0-414BEC99EB5F}" sibTransId="{95B9F815-7F4E-436B-8C85-ACD4DDDAEFAE}"/>
+    <dgm:cxn modelId="{7C3CD862-C405-4E15-A900-B82D33EB9A36}" type="presOf" srcId="{A48B4B52-E8B9-4DDE-854A-E72BA7A910FD}" destId="{3F04D6E3-2A88-4B5D-9693-6197E0326257}" srcOrd="0" destOrd="1" presId="urn:microsoft.com/office/officeart/2005/8/layout/hList1"/>
+    <dgm:cxn modelId="{DE708754-A2ED-41C5-9558-A2D100BAB2BD}" type="presOf" srcId="{79C3B034-5C9B-4A20-A472-7279B493BBA8}" destId="{C3F7B771-5E6D-46F0-B894-349B9E763B60}" srcOrd="0" destOrd="0" presId="urn:microsoft.com/office/officeart/2005/8/layout/hList1"/>
     <dgm:cxn modelId="{852B6CE1-F407-451C-9293-70B1C2DBFFA5}" type="presOf" srcId="{00064C1B-9896-4CF9-B23F-50E8FA6D9D15}" destId="{6B417FF8-968F-4ABE-B847-592B4F6B8384}" srcOrd="0" destOrd="2" presId="urn:microsoft.com/office/officeart/2005/8/layout/hList1"/>
-    <dgm:cxn modelId="{DE708754-A2ED-41C5-9558-A2D100BAB2BD}" type="presOf" srcId="{79C3B034-5C9B-4A20-A472-7279B493BBA8}" destId="{C3F7B771-5E6D-46F0-B894-349B9E763B60}" srcOrd="0" destOrd="0" presId="urn:microsoft.com/office/officeart/2005/8/layout/hList1"/>
+    <dgm:cxn modelId="{65FDC4DF-D54B-4349-81A9-F15659828B48}" type="presOf" srcId="{77B81CA2-A844-4720-BB4C-C04DFA792A97}" destId="{3F04D6E3-2A88-4B5D-9693-6197E0326257}" srcOrd="0" destOrd="2" presId="urn:microsoft.com/office/officeart/2005/8/layout/hList1"/>
+    <dgm:cxn modelId="{4C0B32A1-9F19-4EF9-B29F-67E4123F4CD3}" srcId="{CF6B6E0F-0EDD-439B-BAC8-FE0AE07CB677}" destId="{CD361606-D8D2-4BF6-900B-AC96FFF31BF8}" srcOrd="0" destOrd="0" parTransId="{31F03B52-4570-4B41-9365-5022B7EDE074}" sibTransId="{926FC9B5-21ED-42B7-BF8E-65BAF012221B}"/>
+    <dgm:cxn modelId="{35FFD782-32F6-47A5-8BF8-4AE39025496D}" srcId="{5F57960C-4235-4D82-B60B-855D4E6A7AEF}" destId="{0BB4FAC6-B270-45B7-B83A-25A8B913B04E}" srcOrd="4" destOrd="0" parTransId="{B3DE8BC5-BBC0-4D4B-9EE2-5A14538A0F5B}" sibTransId="{513DA05C-7A79-4338-BF4F-E9C47B99D65E}"/>
+    <dgm:cxn modelId="{7449EA75-D3FA-4175-BCDF-F3E204E16F7B}" type="presOf" srcId="{0BB4FAC6-B270-45B7-B83A-25A8B913B04E}" destId="{3F04D6E3-2A88-4B5D-9693-6197E0326257}" srcOrd="0" destOrd="4" presId="urn:microsoft.com/office/officeart/2005/8/layout/hList1"/>
+    <dgm:cxn modelId="{525B6365-00C0-48D8-9381-000BE7F1B7B2}" type="presOf" srcId="{0D25D284-F873-4535-858B-03329D4E58A2}" destId="{6B417FF8-968F-4ABE-B847-592B4F6B8384}" srcOrd="0" destOrd="3" presId="urn:microsoft.com/office/officeart/2005/8/layout/hList1"/>
+    <dgm:cxn modelId="{A44DCE11-B860-4454-8C41-2F62DEA2536F}" srcId="{5F57960C-4235-4D82-B60B-855D4E6A7AEF}" destId="{AE8B2C52-DF24-4764-BEEB-5E6E5AAC92AE}" srcOrd="6" destOrd="0" parTransId="{B6EBFDF5-53B2-4A81-95D8-189991DFED84}" sibTransId="{5E528C3F-E48F-427F-87A1-CE89F27C5E1F}"/>
+    <dgm:cxn modelId="{DF3A2700-951A-4BC8-9D5D-2E736290A9ED}" type="presOf" srcId="{B01E1AFA-1CA5-4730-B284-CDA1C653A39A}" destId="{8FCADF33-6F33-4B93-905B-38234BA30063}" srcOrd="0" destOrd="0" presId="urn:microsoft.com/office/officeart/2005/8/layout/hList1"/>
+    <dgm:cxn modelId="{78CEA645-ED3C-4142-8138-0B997B028C2D}" srcId="{CF6B6E0F-0EDD-439B-BAC8-FE0AE07CB677}" destId="{3F85E07C-36FE-4114-899C-482D4AD22626}" srcOrd="1" destOrd="0" parTransId="{54BEB8FB-9EE8-46EA-826C-DC583782F31D}" sibTransId="{27EC7A7A-ADA4-4E05-BA38-FC6250D378DE}"/>
+    <dgm:cxn modelId="{3C59329B-FF44-434B-9A8D-FA6F29F1EE90}" srcId="{5F57960C-4235-4D82-B60B-855D4E6A7AEF}" destId="{FC85608F-13E9-4C95-948D-9DB84D070C27}" srcOrd="3" destOrd="0" parTransId="{9E3F86F7-7F79-4460-AEFE-2C6B60172BA7}" sibTransId="{4BFF6663-763B-4A17-B473-95664E936588}"/>
+    <dgm:cxn modelId="{671B9534-9993-41E6-923F-D075C0F34EB5}" type="presOf" srcId="{AE8B2C52-DF24-4764-BEEB-5E6E5AAC92AE}" destId="{3F04D6E3-2A88-4B5D-9693-6197E0326257}" srcOrd="0" destOrd="6" presId="urn:microsoft.com/office/officeart/2005/8/layout/hList1"/>
+    <dgm:cxn modelId="{CD0BE4ED-A959-4524-B73F-372E6ED71526}" type="presOf" srcId="{972EEA30-1925-4C1A-AC7E-2B3DB4517989}" destId="{D9592EEA-0EA9-4895-9D7A-B688FD59CF9B}" srcOrd="0" destOrd="0" presId="urn:microsoft.com/office/officeart/2005/8/layout/hList1"/>
+    <dgm:cxn modelId="{C43B9BCD-C460-4ED7-A4EC-574B4D846F3F}" type="presOf" srcId="{F33E32E6-95AC-41A7-A73D-F7148D8DBA9E}" destId="{8FCADF33-6F33-4B93-905B-38234BA30063}" srcOrd="0" destOrd="1" presId="urn:microsoft.com/office/officeart/2005/8/layout/hList1"/>
+    <dgm:cxn modelId="{5099D4E3-A96D-47A0-8527-E9B8D2A9F7C3}" srcId="{79C3B034-5C9B-4A20-A472-7279B493BBA8}" destId="{F33E32E6-95AC-41A7-A73D-F7148D8DBA9E}" srcOrd="1" destOrd="0" parTransId="{24CE0F7F-0288-423A-9132-AD9BB8A739A6}" sibTransId="{B8006313-8D1E-47FE-B338-5BAAA21F5FF0}"/>
+    <dgm:cxn modelId="{74305C89-00CB-4BC2-94BC-9832F2E3FBCB}" type="presOf" srcId="{52587AC8-F65B-4339-85E0-7AB38F1CA423}" destId="{8FCADF33-6F33-4B93-905B-38234BA30063}" srcOrd="0" destOrd="2" presId="urn:microsoft.com/office/officeart/2005/8/layout/hList1"/>
+    <dgm:cxn modelId="{38D603CD-8EBA-46F5-92E6-7ED4FF59B0BE}" type="presOf" srcId="{495615F3-9E80-47AD-81B3-D227CCB23802}" destId="{3F04D6E3-2A88-4B5D-9693-6197E0326257}" srcOrd="0" destOrd="5" presId="urn:microsoft.com/office/officeart/2005/8/layout/hList1"/>
+    <dgm:cxn modelId="{DA96B1D0-1B7F-44C3-86F2-9B8132385414}" type="presOf" srcId="{5F57960C-4235-4D82-B60B-855D4E6A7AEF}" destId="{C106FC5F-8A52-4475-A4CF-07627074C4F2}" srcOrd="0" destOrd="0" presId="urn:microsoft.com/office/officeart/2005/8/layout/hList1"/>
     <dgm:cxn modelId="{97D4CAD0-D327-40F5-B0DC-58BB09F7ECD9}" type="presOf" srcId="{FC85608F-13E9-4C95-948D-9DB84D070C27}" destId="{3F04D6E3-2A88-4B5D-9693-6197E0326257}" srcOrd="0" destOrd="3" presId="urn:microsoft.com/office/officeart/2005/8/layout/hList1"/>
-    <dgm:cxn modelId="{3C59329B-FF44-434B-9A8D-FA6F29F1EE90}" srcId="{5F57960C-4235-4D82-B60B-855D4E6A7AEF}" destId="{FC85608F-13E9-4C95-948D-9DB84D070C27}" srcOrd="3" destOrd="0" parTransId="{9E3F86F7-7F79-4460-AEFE-2C6B60172BA7}" sibTransId="{4BFF6663-763B-4A17-B473-95664E936588}"/>
+    <dgm:cxn modelId="{9A0712B7-2379-4417-B91F-42D6FB544755}" srcId="{972EEA30-1925-4C1A-AC7E-2B3DB4517989}" destId="{5F57960C-4235-4D82-B60B-855D4E6A7AEF}" srcOrd="0" destOrd="0" parTransId="{D99AE7CD-1AF4-40D1-9198-F180B96D8179}" sibTransId="{BCF533D6-8476-49EF-8C37-24BAC3AC0FB1}"/>
+    <dgm:cxn modelId="{1004DB7B-96E1-4530-A619-F48B02264FB4}" srcId="{CF6B6E0F-0EDD-439B-BAC8-FE0AE07CB677}" destId="{0D25D284-F873-4535-858B-03329D4E58A2}" srcOrd="3" destOrd="0" parTransId="{C4C540AC-3DC1-434F-B9F3-525FB949FA98}" sibTransId="{7DC5CB93-287A-4167-9DDF-114CC04712C4}"/>
+    <dgm:cxn modelId="{190C524B-CCF9-435E-8659-53210868012E}" srcId="{5F57960C-4235-4D82-B60B-855D4E6A7AEF}" destId="{A48B4B52-E8B9-4DDE-854A-E72BA7A910FD}" srcOrd="1" destOrd="0" parTransId="{A2A2060A-ADD4-4409-A72A-3C3D853D5F8D}" sibTransId="{5976CAE0-702A-4A72-9393-E51D4DAC1878}"/>
+    <dgm:cxn modelId="{E9DB2F2E-4DD4-45DD-9C86-901C2EE74BAB}" srcId="{5F57960C-4235-4D82-B60B-855D4E6A7AEF}" destId="{D977E9D7-FDC2-4413-81AC-4CC4237F7E3C}" srcOrd="0" destOrd="0" parTransId="{7AB657E0-D3F3-439C-B786-2D71B6ACD7E8}" sibTransId="{E7396AA9-BEFD-4FF4-BF32-986D3725CE2E}"/>
+    <dgm:cxn modelId="{37A23467-1C8E-4EAD-A84D-78559A60E993}" srcId="{CF6B6E0F-0EDD-439B-BAC8-FE0AE07CB677}" destId="{00064C1B-9896-4CF9-B23F-50E8FA6D9D15}" srcOrd="2" destOrd="0" parTransId="{DE323414-19FC-46C8-B7B0-5D00B5C7DD22}" sibTransId="{12A91231-5540-4F5B-A2EC-E37A46BB5CEE}"/>
+    <dgm:cxn modelId="{48C81E60-AAFF-4BA8-BAFB-1445AD310BD8}" srcId="{5F57960C-4235-4D82-B60B-855D4E6A7AEF}" destId="{77B81CA2-A844-4720-BB4C-C04DFA792A97}" srcOrd="2" destOrd="0" parTransId="{67632B9B-EB26-49D0-9322-621EE475E5CB}" sibTransId="{AF3508A7-6644-4752-86D2-B00629AD04D5}"/>
+    <dgm:cxn modelId="{72722AF7-A6D0-4702-BD34-2770225686D9}" type="presOf" srcId="{D977E9D7-FDC2-4413-81AC-4CC4237F7E3C}" destId="{3F04D6E3-2A88-4B5D-9693-6197E0326257}" srcOrd="0" destOrd="0" presId="urn:microsoft.com/office/officeart/2005/8/layout/hList1"/>
+    <dgm:cxn modelId="{AE1069FA-84EE-4776-93ED-CFE95BD071C3}" srcId="{5F57960C-4235-4D82-B60B-855D4E6A7AEF}" destId="{495615F3-9E80-47AD-81B3-D227CCB23802}" srcOrd="5" destOrd="0" parTransId="{C2F69ABD-DC03-485F-A0AE-E376DC13E596}" sibTransId="{44A052B1-5B51-498E-B27B-B168C5BFC070}"/>
+    <dgm:cxn modelId="{A20ED7C6-B4C8-4E98-A7CB-A386379A8F3C}" srcId="{79C3B034-5C9B-4A20-A472-7279B493BBA8}" destId="{52587AC8-F65B-4339-85E0-7AB38F1CA423}" srcOrd="2" destOrd="0" parTransId="{B79F5FAC-5BC9-475C-9080-660F26E01AA4}" sibTransId="{7328E5A3-F344-40DC-9FC0-48242C66E46C}"/>
+    <dgm:cxn modelId="{0CFBE964-6883-4BB4-8F28-AAC08FB418B6}" srcId="{972EEA30-1925-4C1A-AC7E-2B3DB4517989}" destId="{CF6B6E0F-0EDD-439B-BAC8-FE0AE07CB677}" srcOrd="1" destOrd="0" parTransId="{27B86E79-15A2-4CE2-8167-329C83341DEF}" sibTransId="{CB5C09C9-D32F-4A10-B265-4A11E87E8497}"/>
+    <dgm:cxn modelId="{420BE1A3-D923-41FA-80EF-E2FD5E6FF780}" type="presOf" srcId="{CD361606-D8D2-4BF6-900B-AC96FFF31BF8}" destId="{6B417FF8-968F-4ABE-B847-592B4F6B8384}" srcOrd="0" destOrd="0" presId="urn:microsoft.com/office/officeart/2005/8/layout/hList1"/>
+    <dgm:cxn modelId="{266BE45C-3990-46A9-B309-E92629D72941}" type="presOf" srcId="{3F85E07C-36FE-4114-899C-482D4AD22626}" destId="{6B417FF8-968F-4ABE-B847-592B4F6B8384}" srcOrd="0" destOrd="1" presId="urn:microsoft.com/office/officeart/2005/8/layout/hList1"/>
     <dgm:cxn modelId="{FD84562D-B4C9-484C-BDE3-DEE36F2DD2C5}" type="presOf" srcId="{CF6B6E0F-0EDD-439B-BAC8-FE0AE07CB677}" destId="{2BC2DFC8-5E1D-4F84-AB3C-576F7A1C14BF}" srcOrd="0" destOrd="0" presId="urn:microsoft.com/office/officeart/2005/8/layout/hList1"/>
-    <dgm:cxn modelId="{48C81E60-AAFF-4BA8-BAFB-1445AD310BD8}" srcId="{5F57960C-4235-4D82-B60B-855D4E6A7AEF}" destId="{77B81CA2-A844-4720-BB4C-C04DFA792A97}" srcOrd="2" destOrd="0" parTransId="{67632B9B-EB26-49D0-9322-621EE475E5CB}" sibTransId="{AF3508A7-6644-4752-86D2-B00629AD04D5}"/>
-    <dgm:cxn modelId="{7449EA75-D3FA-4175-BCDF-F3E204E16F7B}" type="presOf" srcId="{0BB4FAC6-B270-45B7-B83A-25A8B913B04E}" destId="{3F04D6E3-2A88-4B5D-9693-6197E0326257}" srcOrd="0" destOrd="4" presId="urn:microsoft.com/office/officeart/2005/8/layout/hList1"/>
-    <dgm:cxn modelId="{A44DCE11-B860-4454-8C41-2F62DEA2536F}" srcId="{5F57960C-4235-4D82-B60B-855D4E6A7AEF}" destId="{AE8B2C52-DF24-4764-BEEB-5E6E5AAC92AE}" srcOrd="6" destOrd="0" parTransId="{B6EBFDF5-53B2-4A81-95D8-189991DFED84}" sibTransId="{5E528C3F-E48F-427F-87A1-CE89F27C5E1F}"/>
-    <dgm:cxn modelId="{4C0B32A1-9F19-4EF9-B29F-67E4123F4CD3}" srcId="{CF6B6E0F-0EDD-439B-BAC8-FE0AE07CB677}" destId="{CD361606-D8D2-4BF6-900B-AC96FFF31BF8}" srcOrd="0" destOrd="0" parTransId="{31F03B52-4570-4B41-9365-5022B7EDE074}" sibTransId="{926FC9B5-21ED-42B7-BF8E-65BAF012221B}"/>
-    <dgm:cxn modelId="{37A23467-1C8E-4EAD-A84D-78559A60E993}" srcId="{CF6B6E0F-0EDD-439B-BAC8-FE0AE07CB677}" destId="{00064C1B-9896-4CF9-B23F-50E8FA6D9D15}" srcOrd="2" destOrd="0" parTransId="{DE323414-19FC-46C8-B7B0-5D00B5C7DD22}" sibTransId="{12A91231-5540-4F5B-A2EC-E37A46BB5CEE}"/>
-    <dgm:cxn modelId="{E9DB2F2E-4DD4-45DD-9C86-901C2EE74BAB}" srcId="{5F57960C-4235-4D82-B60B-855D4E6A7AEF}" destId="{D977E9D7-FDC2-4413-81AC-4CC4237F7E3C}" srcOrd="0" destOrd="0" parTransId="{7AB657E0-D3F3-439C-B786-2D71B6ACD7E8}" sibTransId="{E7396AA9-BEFD-4FF4-BF32-986D3725CE2E}"/>
-    <dgm:cxn modelId="{C43B9BCD-C460-4ED7-A4EC-574B4D846F3F}" type="presOf" srcId="{F33E32E6-95AC-41A7-A73D-F7148D8DBA9E}" destId="{8FCADF33-6F33-4B93-905B-38234BA30063}" srcOrd="0" destOrd="1" presId="urn:microsoft.com/office/officeart/2005/8/layout/hList1"/>
-    <dgm:cxn modelId="{7C3CD862-C405-4E15-A900-B82D33EB9A36}" type="presOf" srcId="{A48B4B52-E8B9-4DDE-854A-E72BA7A910FD}" destId="{3F04D6E3-2A88-4B5D-9693-6197E0326257}" srcOrd="0" destOrd="1" presId="urn:microsoft.com/office/officeart/2005/8/layout/hList1"/>
-    <dgm:cxn modelId="{266BE45C-3990-46A9-B309-E92629D72941}" type="presOf" srcId="{3F85E07C-36FE-4114-899C-482D4AD22626}" destId="{6B417FF8-968F-4ABE-B847-592B4F6B8384}" srcOrd="0" destOrd="1" presId="urn:microsoft.com/office/officeart/2005/8/layout/hList1"/>
-    <dgm:cxn modelId="{78CEA645-ED3C-4142-8138-0B997B028C2D}" srcId="{CF6B6E0F-0EDD-439B-BAC8-FE0AE07CB677}" destId="{3F85E07C-36FE-4114-899C-482D4AD22626}" srcOrd="1" destOrd="0" parTransId="{54BEB8FB-9EE8-46EA-826C-DC583782F31D}" sibTransId="{27EC7A7A-ADA4-4E05-BA38-FC6250D378DE}"/>
-    <dgm:cxn modelId="{38D603CD-8EBA-46F5-92E6-7ED4FF59B0BE}" type="presOf" srcId="{495615F3-9E80-47AD-81B3-D227CCB23802}" destId="{3F04D6E3-2A88-4B5D-9693-6197E0326257}" srcOrd="0" destOrd="5" presId="urn:microsoft.com/office/officeart/2005/8/layout/hList1"/>
-    <dgm:cxn modelId="{420BE1A3-D923-41FA-80EF-E2FD5E6FF780}" type="presOf" srcId="{CD361606-D8D2-4BF6-900B-AC96FFF31BF8}" destId="{6B417FF8-968F-4ABE-B847-592B4F6B8384}" srcOrd="0" destOrd="0" presId="urn:microsoft.com/office/officeart/2005/8/layout/hList1"/>
-    <dgm:cxn modelId="{9A0712B7-2379-4417-B91F-42D6FB544755}" srcId="{972EEA30-1925-4C1A-AC7E-2B3DB4517989}" destId="{5F57960C-4235-4D82-B60B-855D4E6A7AEF}" srcOrd="0" destOrd="0" parTransId="{D99AE7CD-1AF4-40D1-9198-F180B96D8179}" sibTransId="{BCF533D6-8476-49EF-8C37-24BAC3AC0FB1}"/>
-    <dgm:cxn modelId="{65FDC4DF-D54B-4349-81A9-F15659828B48}" type="presOf" srcId="{77B81CA2-A844-4720-BB4C-C04DFA792A97}" destId="{3F04D6E3-2A88-4B5D-9693-6197E0326257}" srcOrd="0" destOrd="2" presId="urn:microsoft.com/office/officeart/2005/8/layout/hList1"/>
-    <dgm:cxn modelId="{AE1069FA-84EE-4776-93ED-CFE95BD071C3}" srcId="{5F57960C-4235-4D82-B60B-855D4E6A7AEF}" destId="{495615F3-9E80-47AD-81B3-D227CCB23802}" srcOrd="5" destOrd="0" parTransId="{C2F69ABD-DC03-485F-A0AE-E376DC13E596}" sibTransId="{44A052B1-5B51-498E-B27B-B168C5BFC070}"/>
-    <dgm:cxn modelId="{0EF11222-44DE-4984-947B-FFF87BCF4A37}" srcId="{972EEA30-1925-4C1A-AC7E-2B3DB4517989}" destId="{79C3B034-5C9B-4A20-A472-7279B493BBA8}" srcOrd="2" destOrd="0" parTransId="{1B55FC08-4C85-4D3F-B5D0-414BEC99EB5F}" sibTransId="{95B9F815-7F4E-436B-8C85-ACD4DDDAEFAE}"/>
-    <dgm:cxn modelId="{671B9534-9993-41E6-923F-D075C0F34EB5}" type="presOf" srcId="{AE8B2C52-DF24-4764-BEEB-5E6E5AAC92AE}" destId="{3F04D6E3-2A88-4B5D-9693-6197E0326257}" srcOrd="0" destOrd="6" presId="urn:microsoft.com/office/officeart/2005/8/layout/hList1"/>
-    <dgm:cxn modelId="{74305C89-00CB-4BC2-94BC-9832F2E3FBCB}" type="presOf" srcId="{52587AC8-F65B-4339-85E0-7AB38F1CA423}" destId="{8FCADF33-6F33-4B93-905B-38234BA30063}" srcOrd="0" destOrd="2" presId="urn:microsoft.com/office/officeart/2005/8/layout/hList1"/>
-    <dgm:cxn modelId="{A20ED7C6-B4C8-4E98-A7CB-A386379A8F3C}" srcId="{79C3B034-5C9B-4A20-A472-7279B493BBA8}" destId="{52587AC8-F65B-4339-85E0-7AB38F1CA423}" srcOrd="2" destOrd="0" parTransId="{B79F5FAC-5BC9-475C-9080-660F26E01AA4}" sibTransId="{7328E5A3-F344-40DC-9FC0-48242C66E46C}"/>
-    <dgm:cxn modelId="{DF3A2700-951A-4BC8-9D5D-2E736290A9ED}" type="presOf" srcId="{B01E1AFA-1CA5-4730-B284-CDA1C653A39A}" destId="{8FCADF33-6F33-4B93-905B-38234BA30063}" srcOrd="0" destOrd="0" presId="urn:microsoft.com/office/officeart/2005/8/layout/hList1"/>
-    <dgm:cxn modelId="{35FFD782-32F6-47A5-8BF8-4AE39025496D}" srcId="{5F57960C-4235-4D82-B60B-855D4E6A7AEF}" destId="{0BB4FAC6-B270-45B7-B83A-25A8B913B04E}" srcOrd="4" destOrd="0" parTransId="{B3DE8BC5-BBC0-4D4B-9EE2-5A14538A0F5B}" sibTransId="{513DA05C-7A79-4338-BF4F-E9C47B99D65E}"/>
-    <dgm:cxn modelId="{1004DB7B-96E1-4530-A619-F48B02264FB4}" srcId="{CF6B6E0F-0EDD-439B-BAC8-FE0AE07CB677}" destId="{0D25D284-F873-4535-858B-03329D4E58A2}" srcOrd="3" destOrd="0" parTransId="{C4C540AC-3DC1-434F-B9F3-525FB949FA98}" sibTransId="{7DC5CB93-287A-4167-9DDF-114CC04712C4}"/>
-    <dgm:cxn modelId="{72722AF7-A6D0-4702-BD34-2770225686D9}" type="presOf" srcId="{D977E9D7-FDC2-4413-81AC-4CC4237F7E3C}" destId="{3F04D6E3-2A88-4B5D-9693-6197E0326257}" srcOrd="0" destOrd="0" presId="urn:microsoft.com/office/officeart/2005/8/layout/hList1"/>
-    <dgm:cxn modelId="{DA96B1D0-1B7F-44C3-86F2-9B8132385414}" type="presOf" srcId="{5F57960C-4235-4D82-B60B-855D4E6A7AEF}" destId="{C106FC5F-8A52-4475-A4CF-07627074C4F2}" srcOrd="0" destOrd="0" presId="urn:microsoft.com/office/officeart/2005/8/layout/hList1"/>
-    <dgm:cxn modelId="{525B6365-00C0-48D8-9381-000BE7F1B7B2}" type="presOf" srcId="{0D25D284-F873-4535-858B-03329D4E58A2}" destId="{6B417FF8-968F-4ABE-B847-592B4F6B8384}" srcOrd="0" destOrd="3" presId="urn:microsoft.com/office/officeart/2005/8/layout/hList1"/>
-    <dgm:cxn modelId="{5099D4E3-A96D-47A0-8527-E9B8D2A9F7C3}" srcId="{79C3B034-5C9B-4A20-A472-7279B493BBA8}" destId="{F33E32E6-95AC-41A7-A73D-F7148D8DBA9E}" srcOrd="1" destOrd="0" parTransId="{24CE0F7F-0288-423A-9132-AD9BB8A739A6}" sibTransId="{B8006313-8D1E-47FE-B338-5BAAA21F5FF0}"/>
     <dgm:cxn modelId="{F3C6793A-58C9-4D41-BC3F-A3467220E4F4}" srcId="{79C3B034-5C9B-4A20-A472-7279B493BBA8}" destId="{B01E1AFA-1CA5-4730-B284-CDA1C653A39A}" srcOrd="0" destOrd="0" parTransId="{595F3E91-0029-4AB0-A4AA-8ACF105EDD6C}" sibTransId="{5E127247-1498-4E45-BF68-3ACE9E9B2E99}"/>
-    <dgm:cxn modelId="{190C524B-CCF9-435E-8659-53210868012E}" srcId="{5F57960C-4235-4D82-B60B-855D4E6A7AEF}" destId="{A48B4B52-E8B9-4DDE-854A-E72BA7A910FD}" srcOrd="1" destOrd="0" parTransId="{A2A2060A-ADD4-4409-A72A-3C3D853D5F8D}" sibTransId="{5976CAE0-702A-4A72-9393-E51D4DAC1878}"/>
-    <dgm:cxn modelId="{CD0BE4ED-A959-4524-B73F-372E6ED71526}" type="presOf" srcId="{972EEA30-1925-4C1A-AC7E-2B3DB4517989}" destId="{D9592EEA-0EA9-4895-9D7A-B688FD59CF9B}" srcOrd="0" destOrd="0" presId="urn:microsoft.com/office/officeart/2005/8/layout/hList1"/>
-    <dgm:cxn modelId="{0CFBE964-6883-4BB4-8F28-AAC08FB418B6}" srcId="{972EEA30-1925-4C1A-AC7E-2B3DB4517989}" destId="{CF6B6E0F-0EDD-439B-BAC8-FE0AE07CB677}" srcOrd="1" destOrd="0" parTransId="{27B86E79-15A2-4CE2-8167-329C83341DEF}" sibTransId="{CB5C09C9-D32F-4A10-B265-4A11E87E8497}"/>
     <dgm:cxn modelId="{5D3E2E8F-796F-4A3A-81CC-36F299D1CE8A}" type="presParOf" srcId="{D9592EEA-0EA9-4895-9D7A-B688FD59CF9B}" destId="{6747166B-6FF5-4DEF-B34A-EE31CBF452C8}" srcOrd="0" destOrd="0" presId="urn:microsoft.com/office/officeart/2005/8/layout/hList1"/>
     <dgm:cxn modelId="{F56A5878-ED86-4C41-868F-D2BC2C6D1BC6}" type="presParOf" srcId="{6747166B-6FF5-4DEF-B34A-EE31CBF452C8}" destId="{C106FC5F-8A52-4475-A4CF-07627074C4F2}" srcOrd="0" destOrd="0" presId="urn:microsoft.com/office/officeart/2005/8/layout/hList1"/>
     <dgm:cxn modelId="{AC0BAF3D-7CB0-4AAF-ABA0-440B16FD48FF}" type="presParOf" srcId="{6747166B-6FF5-4DEF-B34A-EE31CBF452C8}" destId="{3F04D6E3-2A88-4B5D-9693-6197E0326257}" srcOrd="1" destOrd="0" presId="urn:microsoft.com/office/officeart/2005/8/layout/hList1"/>
@@ -3523,8 +3950,8 @@
       </dsp:nvSpPr>
       <dsp:spPr>
         <a:xfrm>
-          <a:off x="2304" y="39321"/>
-          <a:ext cx="2247091" cy="576000"/>
+          <a:off x="2304" y="83151"/>
+          <a:ext cx="2247091" cy="345600"/>
         </a:xfrm>
         <a:prstGeom prst="rect">
           <a:avLst/>
@@ -3565,12 +3992,12 @@
         </a:fontRef>
       </dsp:style>
       <dsp:txBody>
-        <a:bodyPr spcFirstLastPara="0" vert="horz" wrap="square" lIns="142240" tIns="81280" rIns="142240" bIns="81280" numCol="1" spcCol="1270" anchor="ctr" anchorCtr="0">
+        <a:bodyPr spcFirstLastPara="0" vert="horz" wrap="square" lIns="85344" tIns="48768" rIns="85344" bIns="48768" numCol="1" spcCol="1270" anchor="ctr" anchorCtr="0">
           <a:noAutofit/>
         </a:bodyPr>
         <a:lstStyle/>
         <a:p>
-          <a:pPr lvl="0" algn="ctr" defTabSz="889000">
+          <a:pPr lvl="0" algn="ctr" defTabSz="533400">
             <a:lnSpc>
               <a:spcPct val="90000"/>
             </a:lnSpc>
@@ -3582,15 +4009,15 @@
             </a:spcAft>
           </a:pPr>
           <a:r>
-            <a:rPr lang="en-US" sz="2000" kern="1200" dirty="0" smtClean="0"/>
+            <a:rPr lang="en-US" sz="1200" kern="1200" dirty="0" smtClean="0"/>
             <a:t>Users</a:t>
           </a:r>
-          <a:endParaRPr lang="ru-RU" sz="2000" kern="1200" dirty="0"/>
+          <a:endParaRPr lang="ru-RU" sz="1200" kern="1200" dirty="0"/>
         </a:p>
       </dsp:txBody>
       <dsp:txXfrm>
-        <a:off x="2304" y="39321"/>
-        <a:ext cx="2247091" cy="576000"/>
+        <a:off x="2304" y="83151"/>
+        <a:ext cx="2247091" cy="345600"/>
       </dsp:txXfrm>
     </dsp:sp>
     <dsp:sp modelId="{C7CD115F-5D7F-47E6-B852-93032DF43A6B}">
@@ -3600,8 +4027,8 @@
       </dsp:nvSpPr>
       <dsp:spPr>
         <a:xfrm>
-          <a:off x="2304" y="615321"/>
-          <a:ext cx="2247091" cy="2360699"/>
+          <a:off x="2304" y="428751"/>
+          <a:ext cx="2247091" cy="2503439"/>
         </a:xfrm>
         <a:prstGeom prst="rect">
           <a:avLst/>
@@ -3644,12 +4071,12 @@
         <a:fontRef idx="minor"/>
       </dsp:style>
       <dsp:txBody>
-        <a:bodyPr spcFirstLastPara="0" vert="horz" wrap="square" lIns="106680" tIns="106680" rIns="142240" bIns="160020" numCol="1" spcCol="1270" anchor="t" anchorCtr="0">
+        <a:bodyPr spcFirstLastPara="0" vert="horz" wrap="square" lIns="64008" tIns="64008" rIns="85344" bIns="96012" numCol="1" spcCol="1270" anchor="t" anchorCtr="0">
           <a:noAutofit/>
         </a:bodyPr>
         <a:lstStyle/>
         <a:p>
-          <a:pPr marL="228600" lvl="1" indent="-228600" algn="l" defTabSz="889000">
+          <a:pPr marL="114300" lvl="1" indent="-114300" algn="l" defTabSz="533400">
             <a:lnSpc>
               <a:spcPct val="90000"/>
             </a:lnSpc>
@@ -3662,13 +4089,13 @@
             <a:buChar char="••"/>
           </a:pPr>
           <a:r>
-            <a:rPr lang="en-US" sz="2000" kern="1200" dirty="0" err="1" smtClean="0"/>
-            <a:t>User_name</a:t>
+            <a:rPr lang="en-US" sz="1200" kern="1200" dirty="0" err="1" smtClean="0"/>
+            <a:t>user_name</a:t>
           </a:r>
-          <a:endParaRPr lang="ru-RU" sz="2000" kern="1200" dirty="0"/>
-        </a:p>
-        <a:p>
-          <a:pPr marL="228600" lvl="1" indent="-228600" algn="l" defTabSz="889000">
+          <a:endParaRPr lang="ru-RU" sz="1200" kern="1200" dirty="0"/>
+        </a:p>
+        <a:p>
+          <a:pPr marL="114300" lvl="1" indent="-114300" algn="l" defTabSz="533400">
             <a:lnSpc>
               <a:spcPct val="90000"/>
             </a:lnSpc>
@@ -3681,13 +4108,13 @@
             <a:buChar char="••"/>
           </a:pPr>
           <a:r>
-            <a:rPr lang="en-US" sz="2000" kern="1200" dirty="0" err="1" smtClean="0"/>
-            <a:t>Room_num</a:t>
+            <a:rPr lang="en-US" sz="1200" kern="1200" dirty="0" err="1" smtClean="0"/>
+            <a:t>room_num</a:t>
           </a:r>
-          <a:endParaRPr lang="ru-RU" sz="2000" kern="1200" dirty="0"/>
-        </a:p>
-        <a:p>
-          <a:pPr marL="228600" lvl="1" indent="-228600" algn="l" defTabSz="889000">
+          <a:endParaRPr lang="ru-RU" sz="1200" kern="1200" dirty="0"/>
+        </a:p>
+        <a:p>
+          <a:pPr marL="114300" lvl="1" indent="-114300" algn="l" defTabSz="533400">
             <a:lnSpc>
               <a:spcPct val="90000"/>
             </a:lnSpc>
@@ -3700,13 +4127,13 @@
             <a:buChar char="••"/>
           </a:pPr>
           <a:r>
-            <a:rPr lang="en-US" sz="2000" kern="1200" dirty="0" err="1" smtClean="0"/>
-            <a:t>Hit_points</a:t>
+            <a:rPr lang="en-US" sz="1200" kern="1200" dirty="0" err="1" smtClean="0"/>
+            <a:t>hit_points</a:t>
           </a:r>
-          <a:endParaRPr lang="ru-RU" sz="2000" kern="1200" dirty="0"/>
-        </a:p>
-        <a:p>
-          <a:pPr marL="228600" lvl="1" indent="-228600" algn="l" defTabSz="889000">
+          <a:endParaRPr lang="ru-RU" sz="1200" kern="1200" dirty="0"/>
+        </a:p>
+        <a:p>
+          <a:pPr marL="114300" lvl="1" indent="-114300" algn="l" defTabSz="533400">
             <a:lnSpc>
               <a:spcPct val="90000"/>
             </a:lnSpc>
@@ -3719,13 +4146,13 @@
             <a:buChar char="••"/>
           </a:pPr>
           <a:r>
-            <a:rPr lang="en-US" sz="2000" kern="1200" dirty="0" err="1" smtClean="0"/>
-            <a:t>Action_points</a:t>
+            <a:rPr lang="en-US" sz="1200" kern="1200" dirty="0" err="1" smtClean="0"/>
+            <a:t>max_hit_points</a:t>
           </a:r>
-          <a:endParaRPr lang="ru-RU" sz="2000" kern="1200" dirty="0"/>
-        </a:p>
-        <a:p>
-          <a:pPr marL="228600" lvl="1" indent="-228600" algn="l" defTabSz="889000">
+          <a:endParaRPr lang="ru-RU" sz="1200" kern="1200" dirty="0"/>
+        </a:p>
+        <a:p>
+          <a:pPr marL="114300" lvl="1" indent="-114300" algn="l" defTabSz="533400">
             <a:lnSpc>
               <a:spcPct val="90000"/>
             </a:lnSpc>
@@ -3738,13 +4165,13 @@
             <a:buChar char="••"/>
           </a:pPr>
           <a:r>
-            <a:rPr lang="en-US" sz="2000" kern="1200" dirty="0" smtClean="0"/>
-            <a:t>Damage</a:t>
+            <a:rPr lang="en-US" sz="1200" kern="1200" dirty="0" err="1" smtClean="0"/>
+            <a:t>action_points</a:t>
           </a:r>
-          <a:endParaRPr lang="ru-RU" sz="2000" kern="1200" dirty="0"/>
-        </a:p>
-        <a:p>
-          <a:pPr marL="228600" lvl="1" indent="-228600" algn="l" defTabSz="889000">
+          <a:endParaRPr lang="ru-RU" sz="1200" kern="1200" dirty="0"/>
+        </a:p>
+        <a:p>
+          <a:pPr marL="114300" lvl="1" indent="-114300" algn="l" defTabSz="533400">
             <a:lnSpc>
               <a:spcPct val="90000"/>
             </a:lnSpc>
@@ -3757,13 +4184,13 @@
             <a:buChar char="••"/>
           </a:pPr>
           <a:r>
-            <a:rPr lang="en-US" sz="2000" kern="1200" dirty="0" err="1" smtClean="0"/>
-            <a:t>posX</a:t>
+            <a:rPr lang="en-US" sz="1200" kern="1200" dirty="0" err="1" smtClean="0"/>
+            <a:t>max_action_points</a:t>
           </a:r>
-          <a:endParaRPr lang="ru-RU" sz="2000" kern="1200" dirty="0"/>
-        </a:p>
-        <a:p>
-          <a:pPr marL="228600" lvl="1" indent="-228600" algn="l" defTabSz="889000">
+          <a:endParaRPr lang="ru-RU" sz="1200" kern="1200" dirty="0"/>
+        </a:p>
+        <a:p>
+          <a:pPr marL="114300" lvl="1" indent="-114300" algn="l" defTabSz="533400">
             <a:lnSpc>
               <a:spcPct val="90000"/>
             </a:lnSpc>
@@ -3776,15 +4203,125 @@
             <a:buChar char="••"/>
           </a:pPr>
           <a:r>
-            <a:rPr lang="en-US" sz="2000" kern="1200" dirty="0" err="1" smtClean="0"/>
+            <a:rPr lang="en-US" sz="1200" kern="1200" dirty="0" smtClean="0"/>
+            <a:t>damage</a:t>
+          </a:r>
+          <a:endParaRPr lang="ru-RU" sz="1200" kern="1200" dirty="0"/>
+        </a:p>
+        <a:p>
+          <a:pPr marL="114300" lvl="1" indent="-114300" algn="l" defTabSz="533400">
+            <a:lnSpc>
+              <a:spcPct val="90000"/>
+            </a:lnSpc>
+            <a:spcBef>
+              <a:spcPct val="0"/>
+            </a:spcBef>
+            <a:spcAft>
+              <a:spcPct val="15000"/>
+            </a:spcAft>
+            <a:buChar char="••"/>
+          </a:pPr>
+          <a:r>
+            <a:rPr lang="en-US" sz="1200" kern="1200" dirty="0" err="1" smtClean="0"/>
+            <a:t>max_gamage</a:t>
+          </a:r>
+          <a:endParaRPr lang="ru-RU" sz="1200" kern="1200" dirty="0"/>
+        </a:p>
+        <a:p>
+          <a:pPr marL="114300" lvl="1" indent="-114300" algn="l" defTabSz="533400">
+            <a:lnSpc>
+              <a:spcPct val="90000"/>
+            </a:lnSpc>
+            <a:spcBef>
+              <a:spcPct val="0"/>
+            </a:spcBef>
+            <a:spcAft>
+              <a:spcPct val="15000"/>
+            </a:spcAft>
+            <a:buChar char="••"/>
+          </a:pPr>
+          <a:r>
+            <a:rPr lang="en-US" sz="1200" kern="1200" dirty="0" err="1" smtClean="0"/>
+            <a:t>posX</a:t>
+          </a:r>
+          <a:endParaRPr lang="ru-RU" sz="1200" kern="1200" dirty="0"/>
+        </a:p>
+        <a:p>
+          <a:pPr marL="114300" lvl="1" indent="-114300" algn="l" defTabSz="533400">
+            <a:lnSpc>
+              <a:spcPct val="90000"/>
+            </a:lnSpc>
+            <a:spcBef>
+              <a:spcPct val="0"/>
+            </a:spcBef>
+            <a:spcAft>
+              <a:spcPct val="15000"/>
+            </a:spcAft>
+            <a:buChar char="••"/>
+          </a:pPr>
+          <a:r>
+            <a:rPr lang="en-US" sz="1200" kern="1200" dirty="0" err="1" smtClean="0"/>
             <a:t>posY</a:t>
           </a:r>
-          <a:endParaRPr lang="ru-RU" sz="2000" kern="1200" dirty="0"/>
+          <a:endParaRPr lang="ru-RU" sz="1200" kern="1200" dirty="0"/>
+        </a:p>
+        <a:p>
+          <a:pPr marL="114300" lvl="1" indent="-114300" algn="l" defTabSz="533400">
+            <a:lnSpc>
+              <a:spcPct val="90000"/>
+            </a:lnSpc>
+            <a:spcBef>
+              <a:spcPct val="0"/>
+            </a:spcBef>
+            <a:spcAft>
+              <a:spcPct val="15000"/>
+            </a:spcAft>
+            <a:buChar char="••"/>
+          </a:pPr>
+          <a:r>
+            <a:rPr lang="en-US" sz="1200" kern="1200" dirty="0" smtClean="0"/>
+            <a:t>experience</a:t>
+          </a:r>
+          <a:endParaRPr lang="ru-RU" sz="1200" kern="1200" dirty="0"/>
+        </a:p>
+        <a:p>
+          <a:pPr marL="114300" lvl="1" indent="-114300" algn="l" defTabSz="533400">
+            <a:lnSpc>
+              <a:spcPct val="90000"/>
+            </a:lnSpc>
+            <a:spcBef>
+              <a:spcPct val="0"/>
+            </a:spcBef>
+            <a:spcAft>
+              <a:spcPct val="15000"/>
+            </a:spcAft>
+            <a:buChar char="••"/>
+          </a:pPr>
+          <a:r>
+            <a:rPr lang="en-US" sz="1200" kern="1200" dirty="0" err="1" smtClean="0"/>
+            <a:t>max_experience</a:t>
+          </a:r>
+          <a:endParaRPr lang="ru-RU" sz="1200" kern="1200" dirty="0"/>
+        </a:p>
+        <a:p>
+          <a:pPr marL="114300" lvl="1" indent="-114300" algn="l" defTabSz="533400">
+            <a:lnSpc>
+              <a:spcPct val="90000"/>
+            </a:lnSpc>
+            <a:spcBef>
+              <a:spcPct val="0"/>
+            </a:spcBef>
+            <a:spcAft>
+              <a:spcPct val="15000"/>
+            </a:spcAft>
+            <a:buChar char="••"/>
+          </a:pPr>
+          <a:endParaRPr lang="ru-RU" sz="1200" kern="1200" dirty="0"/>
         </a:p>
       </dsp:txBody>
       <dsp:txXfrm>
-        <a:off x="2304" y="615321"/>
-        <a:ext cx="2247091" cy="2360699"/>
+        <a:off x="2304" y="428751"/>
+        <a:ext cx="2247091" cy="2503439"/>
       </dsp:txXfrm>
     </dsp:sp>
     <dsp:sp modelId="{0A7EFED3-D232-4185-91DB-9F8A8FDF6742}">
@@ -3794,8 +4331,8 @@
       </dsp:nvSpPr>
       <dsp:spPr>
         <a:xfrm>
-          <a:off x="2563989" y="39321"/>
-          <a:ext cx="2247091" cy="576000"/>
+          <a:off x="2563989" y="83151"/>
+          <a:ext cx="2247091" cy="345600"/>
         </a:xfrm>
         <a:prstGeom prst="rect">
           <a:avLst/>
@@ -3836,12 +4373,12 @@
         </a:fontRef>
       </dsp:style>
       <dsp:txBody>
-        <a:bodyPr spcFirstLastPara="0" vert="horz" wrap="square" lIns="142240" tIns="81280" rIns="142240" bIns="81280" numCol="1" spcCol="1270" anchor="ctr" anchorCtr="0">
+        <a:bodyPr spcFirstLastPara="0" vert="horz" wrap="square" lIns="85344" tIns="48768" rIns="85344" bIns="48768" numCol="1" spcCol="1270" anchor="ctr" anchorCtr="0">
           <a:noAutofit/>
         </a:bodyPr>
         <a:lstStyle/>
         <a:p>
-          <a:pPr lvl="0" algn="ctr" defTabSz="889000">
+          <a:pPr lvl="0" algn="ctr" defTabSz="533400">
             <a:lnSpc>
               <a:spcPct val="90000"/>
             </a:lnSpc>
@@ -3853,15 +4390,15 @@
             </a:spcAft>
           </a:pPr>
           <a:r>
-            <a:rPr lang="en-US" sz="2000" kern="1200" dirty="0" smtClean="0"/>
+            <a:rPr lang="en-US" sz="1200" kern="1200" dirty="0" smtClean="0"/>
             <a:t>Rooms</a:t>
           </a:r>
-          <a:endParaRPr lang="ru-RU" sz="2000" kern="1200" dirty="0"/>
+          <a:endParaRPr lang="ru-RU" sz="1200" kern="1200" dirty="0"/>
         </a:p>
       </dsp:txBody>
       <dsp:txXfrm>
-        <a:off x="2563989" y="39321"/>
-        <a:ext cx="2247091" cy="576000"/>
+        <a:off x="2563989" y="83151"/>
+        <a:ext cx="2247091" cy="345600"/>
       </dsp:txXfrm>
     </dsp:sp>
     <dsp:sp modelId="{6130DA44-0BD7-42D5-897E-C23202A67351}">
@@ -3871,8 +4408,8 @@
       </dsp:nvSpPr>
       <dsp:spPr>
         <a:xfrm>
-          <a:off x="2563989" y="615321"/>
-          <a:ext cx="2247091" cy="2360699"/>
+          <a:off x="2563989" y="428751"/>
+          <a:ext cx="2247091" cy="2503439"/>
         </a:xfrm>
         <a:prstGeom prst="rect">
           <a:avLst/>
@@ -3915,12 +4452,12 @@
         <a:fontRef idx="minor"/>
       </dsp:style>
       <dsp:txBody>
-        <a:bodyPr spcFirstLastPara="0" vert="horz" wrap="square" lIns="106680" tIns="106680" rIns="142240" bIns="160020" numCol="1" spcCol="1270" anchor="t" anchorCtr="0">
+        <a:bodyPr spcFirstLastPara="0" vert="horz" wrap="square" lIns="64008" tIns="64008" rIns="85344" bIns="96012" numCol="1" spcCol="1270" anchor="t" anchorCtr="0">
           <a:noAutofit/>
         </a:bodyPr>
         <a:lstStyle/>
         <a:p>
-          <a:pPr marL="228600" lvl="1" indent="-228600" algn="l" defTabSz="889000">
+          <a:pPr marL="114300" lvl="1" indent="-114300" algn="l" defTabSz="533400">
             <a:lnSpc>
               <a:spcPct val="90000"/>
             </a:lnSpc>
@@ -3933,13 +4470,13 @@
             <a:buChar char="••"/>
           </a:pPr>
           <a:r>
-            <a:rPr lang="en-US" sz="2000" kern="1200" dirty="0" smtClean="0"/>
+            <a:rPr lang="en-US" sz="1200" kern="1200" dirty="0" smtClean="0"/>
             <a:t>id</a:t>
           </a:r>
-          <a:endParaRPr lang="ru-RU" sz="2000" kern="1200" dirty="0"/>
-        </a:p>
-        <a:p>
-          <a:pPr marL="228600" lvl="1" indent="-228600" algn="l" defTabSz="889000">
+          <a:endParaRPr lang="ru-RU" sz="1200" kern="1200" dirty="0"/>
+        </a:p>
+        <a:p>
+          <a:pPr marL="114300" lvl="1" indent="-114300" algn="l" defTabSz="533400">
             <a:lnSpc>
               <a:spcPct val="90000"/>
             </a:lnSpc>
@@ -3952,13 +4489,13 @@
             <a:buChar char="••"/>
           </a:pPr>
           <a:r>
-            <a:rPr lang="en-US" sz="2000" kern="1200" dirty="0" smtClean="0"/>
+            <a:rPr lang="en-US" sz="1200" kern="1200" dirty="0" smtClean="0"/>
             <a:t>Number</a:t>
           </a:r>
-          <a:endParaRPr lang="ru-RU" sz="2000" kern="1200" dirty="0"/>
-        </a:p>
-        <a:p>
-          <a:pPr marL="228600" lvl="1" indent="-228600" algn="l" defTabSz="889000">
+          <a:endParaRPr lang="ru-RU" sz="1200" kern="1200" dirty="0"/>
+        </a:p>
+        <a:p>
+          <a:pPr marL="114300" lvl="1" indent="-114300" algn="l" defTabSz="533400">
             <a:lnSpc>
               <a:spcPct val="90000"/>
             </a:lnSpc>
@@ -3971,13 +4508,13 @@
             <a:buChar char="••"/>
           </a:pPr>
           <a:r>
-            <a:rPr lang="en-US" sz="2000" kern="1200" dirty="0" err="1" smtClean="0"/>
+            <a:rPr lang="en-US" sz="1200" kern="1200" dirty="0" err="1" smtClean="0"/>
             <a:t>Enter_posX</a:t>
           </a:r>
-          <a:endParaRPr lang="ru-RU" sz="2000" kern="1200" dirty="0"/>
-        </a:p>
-        <a:p>
-          <a:pPr marL="228600" lvl="1" indent="-228600" algn="l" defTabSz="889000">
+          <a:endParaRPr lang="ru-RU" sz="1200" kern="1200" dirty="0"/>
+        </a:p>
+        <a:p>
+          <a:pPr marL="114300" lvl="1" indent="-114300" algn="l" defTabSz="533400">
             <a:lnSpc>
               <a:spcPct val="90000"/>
             </a:lnSpc>
@@ -3990,13 +4527,13 @@
             <a:buChar char="••"/>
           </a:pPr>
           <a:r>
-            <a:rPr lang="en-US" sz="2000" kern="1200" dirty="0" err="1" smtClean="0"/>
+            <a:rPr lang="en-US" sz="1200" kern="1200" dirty="0" err="1" smtClean="0"/>
             <a:t>Enter_posY</a:t>
           </a:r>
-          <a:endParaRPr lang="ru-RU" sz="2000" kern="1200" dirty="0"/>
-        </a:p>
-        <a:p>
-          <a:pPr marL="228600" lvl="1" indent="-228600" algn="l" defTabSz="889000">
+          <a:endParaRPr lang="ru-RU" sz="1200" kern="1200" dirty="0"/>
+        </a:p>
+        <a:p>
+          <a:pPr marL="114300" lvl="1" indent="-114300" algn="l" defTabSz="533400">
             <a:lnSpc>
               <a:spcPct val="90000"/>
             </a:lnSpc>
@@ -4009,13 +4546,13 @@
             <a:buChar char="••"/>
           </a:pPr>
           <a:r>
-            <a:rPr lang="en-US" sz="2000" kern="1200" dirty="0" err="1" smtClean="0"/>
+            <a:rPr lang="en-US" sz="1200" kern="1200" dirty="0" err="1" smtClean="0"/>
             <a:t>Exit_posX</a:t>
           </a:r>
-          <a:endParaRPr lang="ru-RU" sz="2000" kern="1200" dirty="0"/>
-        </a:p>
-        <a:p>
-          <a:pPr marL="228600" lvl="1" indent="-228600" algn="l" defTabSz="889000">
+          <a:endParaRPr lang="ru-RU" sz="1200" kern="1200" dirty="0"/>
+        </a:p>
+        <a:p>
+          <a:pPr marL="114300" lvl="1" indent="-114300" algn="l" defTabSz="533400">
             <a:lnSpc>
               <a:spcPct val="90000"/>
             </a:lnSpc>
@@ -4028,13 +4565,13 @@
             <a:buChar char="••"/>
           </a:pPr>
           <a:r>
-            <a:rPr lang="en-US" sz="2000" kern="1200" dirty="0" err="1" smtClean="0"/>
+            <a:rPr lang="en-US" sz="1200" kern="1200" dirty="0" err="1" smtClean="0"/>
             <a:t>exit_posY</a:t>
           </a:r>
-          <a:endParaRPr lang="ru-RU" sz="2000" kern="1200" dirty="0"/>
-        </a:p>
-        <a:p>
-          <a:pPr marL="228600" lvl="1" indent="-228600" algn="l" defTabSz="889000">
+          <a:endParaRPr lang="ru-RU" sz="1200" kern="1200" dirty="0"/>
+        </a:p>
+        <a:p>
+          <a:pPr marL="114300" lvl="1" indent="-114300" algn="l" defTabSz="533400">
             <a:lnSpc>
               <a:spcPct val="90000"/>
             </a:lnSpc>
@@ -4047,15 +4584,15 @@
             <a:buChar char="••"/>
           </a:pPr>
           <a:r>
-            <a:rPr lang="en-US" sz="2000" kern="1200" dirty="0" smtClean="0"/>
+            <a:rPr lang="en-US" sz="1200" kern="1200" dirty="0" smtClean="0"/>
             <a:t>user</a:t>
           </a:r>
-          <a:endParaRPr lang="ru-RU" sz="2000" kern="1200" dirty="0"/>
+          <a:endParaRPr lang="ru-RU" sz="1200" kern="1200" dirty="0"/>
         </a:p>
       </dsp:txBody>
       <dsp:txXfrm>
-        <a:off x="2563989" y="615321"/>
-        <a:ext cx="2247091" cy="2360699"/>
+        <a:off x="2563989" y="428751"/>
+        <a:ext cx="2247091" cy="2503439"/>
       </dsp:txXfrm>
     </dsp:sp>
     <dsp:sp modelId="{84B60CA6-6F0D-4EF3-9C6F-21B1067FB248}">
@@ -4065,8 +4602,8 @@
       </dsp:nvSpPr>
       <dsp:spPr>
         <a:xfrm>
-          <a:off x="5125674" y="39321"/>
-          <a:ext cx="2247091" cy="576000"/>
+          <a:off x="5125674" y="83151"/>
+          <a:ext cx="2247091" cy="345600"/>
         </a:xfrm>
         <a:prstGeom prst="rect">
           <a:avLst/>
@@ -4107,12 +4644,12 @@
         </a:fontRef>
       </dsp:style>
       <dsp:txBody>
-        <a:bodyPr spcFirstLastPara="0" vert="horz" wrap="square" lIns="142240" tIns="81280" rIns="142240" bIns="81280" numCol="1" spcCol="1270" anchor="ctr" anchorCtr="0">
+        <a:bodyPr spcFirstLastPara="0" vert="horz" wrap="square" lIns="85344" tIns="48768" rIns="85344" bIns="48768" numCol="1" spcCol="1270" anchor="ctr" anchorCtr="0">
           <a:noAutofit/>
         </a:bodyPr>
         <a:lstStyle/>
         <a:p>
-          <a:pPr lvl="0" algn="ctr" defTabSz="889000">
+          <a:pPr lvl="0" algn="ctr" defTabSz="533400">
             <a:lnSpc>
               <a:spcPct val="90000"/>
             </a:lnSpc>
@@ -4124,15 +4661,15 @@
             </a:spcAft>
           </a:pPr>
           <a:r>
-            <a:rPr lang="en-US" sz="2000" kern="1200" dirty="0" smtClean="0"/>
+            <a:rPr lang="en-US" sz="1200" kern="1200" dirty="0" smtClean="0"/>
             <a:t>Entities</a:t>
           </a:r>
-          <a:endParaRPr lang="ru-RU" sz="2000" kern="1200" dirty="0"/>
+          <a:endParaRPr lang="ru-RU" sz="1200" kern="1200" dirty="0"/>
         </a:p>
       </dsp:txBody>
       <dsp:txXfrm>
-        <a:off x="5125674" y="39321"/>
-        <a:ext cx="2247091" cy="576000"/>
+        <a:off x="5125674" y="83151"/>
+        <a:ext cx="2247091" cy="345600"/>
       </dsp:txXfrm>
     </dsp:sp>
     <dsp:sp modelId="{D01DDD35-C12F-4AFE-A885-A317C1155B5B}">
@@ -4142,8 +4679,8 @@
       </dsp:nvSpPr>
       <dsp:spPr>
         <a:xfrm>
-          <a:off x="5125674" y="615321"/>
-          <a:ext cx="2247091" cy="2360699"/>
+          <a:off x="5125674" y="428751"/>
+          <a:ext cx="2247091" cy="2503439"/>
         </a:xfrm>
         <a:prstGeom prst="rect">
           <a:avLst/>
@@ -4186,12 +4723,12 @@
         <a:fontRef idx="minor"/>
       </dsp:style>
       <dsp:txBody>
-        <a:bodyPr spcFirstLastPara="0" vert="horz" wrap="square" lIns="106680" tIns="106680" rIns="142240" bIns="160020" numCol="1" spcCol="1270" anchor="t" anchorCtr="0">
+        <a:bodyPr spcFirstLastPara="0" vert="horz" wrap="square" lIns="64008" tIns="64008" rIns="85344" bIns="96012" numCol="1" spcCol="1270" anchor="t" anchorCtr="0">
           <a:noAutofit/>
         </a:bodyPr>
         <a:lstStyle/>
         <a:p>
-          <a:pPr marL="228600" lvl="1" indent="-228600" algn="l" defTabSz="889000">
+          <a:pPr marL="114300" lvl="1" indent="-114300" algn="l" defTabSz="533400">
             <a:lnSpc>
               <a:spcPct val="90000"/>
             </a:lnSpc>
@@ -4204,13 +4741,13 @@
             <a:buChar char="••"/>
           </a:pPr>
           <a:r>
-            <a:rPr lang="en-US" sz="2000" kern="1200" dirty="0" err="1" smtClean="0"/>
-            <a:t>Room_id</a:t>
+            <a:rPr lang="en-US" sz="1200" kern="1200" dirty="0" smtClean="0"/>
+            <a:t>id </a:t>
           </a:r>
-          <a:endParaRPr lang="ru-RU" sz="2000" kern="1200" dirty="0"/>
-        </a:p>
-        <a:p>
-          <a:pPr marL="228600" lvl="1" indent="-228600" algn="l" defTabSz="889000">
+          <a:endParaRPr lang="ru-RU" sz="1200" kern="1200" dirty="0"/>
+        </a:p>
+        <a:p>
+          <a:pPr marL="114300" lvl="1" indent="-114300" algn="l" defTabSz="533400">
             <a:lnSpc>
               <a:spcPct val="90000"/>
             </a:lnSpc>
@@ -4223,13 +4760,13 @@
             <a:buChar char="••"/>
           </a:pPr>
           <a:r>
-            <a:rPr lang="en-US" sz="2000" kern="1200" dirty="0" smtClean="0"/>
-            <a:t>color</a:t>
+            <a:rPr lang="en-US" sz="1200" kern="1200" dirty="0" err="1" smtClean="0"/>
+            <a:t>room_id</a:t>
           </a:r>
-          <a:endParaRPr lang="ru-RU" sz="2000" kern="1200" dirty="0"/>
-        </a:p>
-        <a:p>
-          <a:pPr marL="228600" lvl="1" indent="-228600" algn="l" defTabSz="889000">
+          <a:endParaRPr lang="ru-RU" sz="1200" kern="1200" dirty="0"/>
+        </a:p>
+        <a:p>
+          <a:pPr marL="114300" lvl="1" indent="-114300" algn="l" defTabSz="533400">
             <a:lnSpc>
               <a:spcPct val="90000"/>
             </a:lnSpc>
@@ -4242,13 +4779,13 @@
             <a:buChar char="••"/>
           </a:pPr>
           <a:r>
-            <a:rPr lang="en-US" sz="2000" kern="1200" dirty="0" err="1" smtClean="0"/>
-            <a:t>Hit_points</a:t>
+            <a:rPr lang="en-US" sz="1200" kern="1200" dirty="0" smtClean="0"/>
+            <a:t>color</a:t>
           </a:r>
-          <a:endParaRPr lang="ru-RU" sz="2000" kern="1200" dirty="0"/>
-        </a:p>
-        <a:p>
-          <a:pPr marL="228600" lvl="1" indent="-228600" algn="l" defTabSz="889000">
+          <a:endParaRPr lang="ru-RU" sz="1200" kern="1200" dirty="0"/>
+        </a:p>
+        <a:p>
+          <a:pPr marL="114300" lvl="1" indent="-114300" algn="l" defTabSz="533400">
             <a:lnSpc>
               <a:spcPct val="90000"/>
             </a:lnSpc>
@@ -4261,13 +4798,13 @@
             <a:buChar char="••"/>
           </a:pPr>
           <a:r>
-            <a:rPr lang="en-US" sz="2000" kern="1200" smtClean="0"/>
-            <a:t>Action_points</a:t>
+            <a:rPr lang="en-US" sz="1200" kern="1200" dirty="0" err="1" smtClean="0"/>
+            <a:t>hit_points</a:t>
           </a:r>
-          <a:endParaRPr lang="ru-RU" sz="2000" kern="1200" dirty="0"/>
-        </a:p>
-        <a:p>
-          <a:pPr marL="228600" lvl="1" indent="-228600" algn="l" defTabSz="889000">
+          <a:endParaRPr lang="ru-RU" sz="1200" kern="1200" dirty="0"/>
+        </a:p>
+        <a:p>
+          <a:pPr marL="114300" lvl="1" indent="-114300" algn="l" defTabSz="533400">
             <a:lnSpc>
               <a:spcPct val="90000"/>
             </a:lnSpc>
@@ -4280,13 +4817,13 @@
             <a:buChar char="••"/>
           </a:pPr>
           <a:r>
-            <a:rPr lang="en-US" sz="2000" kern="1200" smtClean="0"/>
-            <a:t>Damage</a:t>
+            <a:rPr lang="en-US" sz="1200" kern="1200" smtClean="0"/>
+            <a:t>max_hit_points</a:t>
           </a:r>
-          <a:endParaRPr lang="ru-RU" sz="2000" kern="1200" dirty="0"/>
-        </a:p>
-        <a:p>
-          <a:pPr marL="228600" lvl="1" indent="-228600" algn="l" defTabSz="889000">
+          <a:endParaRPr lang="ru-RU" sz="1200" kern="1200" dirty="0"/>
+        </a:p>
+        <a:p>
+          <a:pPr marL="114300" lvl="1" indent="-114300" algn="l" defTabSz="533400">
             <a:lnSpc>
               <a:spcPct val="90000"/>
             </a:lnSpc>
@@ -4299,13 +4836,13 @@
             <a:buChar char="••"/>
           </a:pPr>
           <a:r>
-            <a:rPr lang="en-US" sz="2000" kern="1200" smtClean="0"/>
-            <a:t>posX</a:t>
+            <a:rPr lang="en-US" sz="1200" kern="1200" smtClean="0"/>
+            <a:t>action_points</a:t>
           </a:r>
-          <a:endParaRPr lang="ru-RU" sz="2000" kern="1200" dirty="0"/>
-        </a:p>
-        <a:p>
-          <a:pPr marL="228600" lvl="1" indent="-228600" algn="l" defTabSz="889000">
+          <a:endParaRPr lang="ru-RU" sz="1200" kern="1200" dirty="0"/>
+        </a:p>
+        <a:p>
+          <a:pPr marL="114300" lvl="1" indent="-114300" algn="l" defTabSz="533400">
             <a:lnSpc>
               <a:spcPct val="90000"/>
             </a:lnSpc>
@@ -4318,15 +4855,91 @@
             <a:buChar char="••"/>
           </a:pPr>
           <a:r>
-            <a:rPr lang="en-US" sz="2000" kern="1200" smtClean="0"/>
+            <a:rPr lang="en-US" sz="1200" kern="1200" smtClean="0"/>
+            <a:t>max_action_points</a:t>
+          </a:r>
+          <a:endParaRPr lang="ru-RU" sz="1200" kern="1200" dirty="0"/>
+        </a:p>
+        <a:p>
+          <a:pPr marL="114300" lvl="1" indent="-114300" algn="l" defTabSz="533400">
+            <a:lnSpc>
+              <a:spcPct val="90000"/>
+            </a:lnSpc>
+            <a:spcBef>
+              <a:spcPct val="0"/>
+            </a:spcBef>
+            <a:spcAft>
+              <a:spcPct val="15000"/>
+            </a:spcAft>
+            <a:buChar char="••"/>
+          </a:pPr>
+          <a:r>
+            <a:rPr lang="en-US" sz="1200" kern="1200" smtClean="0"/>
+            <a:t>damage</a:t>
+          </a:r>
+          <a:endParaRPr lang="ru-RU" sz="1200" kern="1200" dirty="0"/>
+        </a:p>
+        <a:p>
+          <a:pPr marL="114300" lvl="1" indent="-114300" algn="l" defTabSz="533400">
+            <a:lnSpc>
+              <a:spcPct val="90000"/>
+            </a:lnSpc>
+            <a:spcBef>
+              <a:spcPct val="0"/>
+            </a:spcBef>
+            <a:spcAft>
+              <a:spcPct val="15000"/>
+            </a:spcAft>
+            <a:buChar char="••"/>
+          </a:pPr>
+          <a:r>
+            <a:rPr lang="en-US" sz="1200" kern="1200" dirty="0" err="1" smtClean="0"/>
+            <a:t>max_gamage</a:t>
+          </a:r>
+          <a:endParaRPr lang="ru-RU" sz="1200" kern="1200" dirty="0"/>
+        </a:p>
+        <a:p>
+          <a:pPr marL="114300" lvl="1" indent="-114300" algn="l" defTabSz="533400">
+            <a:lnSpc>
+              <a:spcPct val="90000"/>
+            </a:lnSpc>
+            <a:spcBef>
+              <a:spcPct val="0"/>
+            </a:spcBef>
+            <a:spcAft>
+              <a:spcPct val="15000"/>
+            </a:spcAft>
+            <a:buChar char="••"/>
+          </a:pPr>
+          <a:r>
+            <a:rPr lang="en-US" sz="1200" kern="1200" smtClean="0"/>
+            <a:t>posX</a:t>
+          </a:r>
+          <a:endParaRPr lang="ru-RU" sz="1200" kern="1200" dirty="0"/>
+        </a:p>
+        <a:p>
+          <a:pPr marL="114300" lvl="1" indent="-114300" algn="l" defTabSz="533400">
+            <a:lnSpc>
+              <a:spcPct val="90000"/>
+            </a:lnSpc>
+            <a:spcBef>
+              <a:spcPct val="0"/>
+            </a:spcBef>
+            <a:spcAft>
+              <a:spcPct val="15000"/>
+            </a:spcAft>
+            <a:buChar char="••"/>
+          </a:pPr>
+          <a:r>
+            <a:rPr lang="en-US" sz="1200" kern="1200" smtClean="0"/>
             <a:t>posY</a:t>
           </a:r>
-          <a:endParaRPr lang="ru-RU" sz="2000" kern="1200" dirty="0"/>
+          <a:endParaRPr lang="ru-RU" sz="1200" kern="1200" dirty="0"/>
         </a:p>
       </dsp:txBody>
       <dsp:txXfrm>
-        <a:off x="5125674" y="615321"/>
-        <a:ext cx="2247091" cy="2360699"/>
+        <a:off x="5125674" y="428751"/>
+        <a:ext cx="2247091" cy="2503439"/>
       </dsp:txXfrm>
     </dsp:sp>
   </dsp:spTree>
@@ -4348,7 +4961,7 @@
       </dsp:nvSpPr>
       <dsp:spPr>
         <a:xfrm>
-          <a:off x="2360" y="531961"/>
+          <a:off x="2636676" y="567583"/>
           <a:ext cx="2301818" cy="604800"/>
         </a:xfrm>
         <a:prstGeom prst="rect">
@@ -4414,7 +5027,7 @@
         </a:p>
       </dsp:txBody>
       <dsp:txXfrm>
-        <a:off x="2360" y="531961"/>
+        <a:off x="2636676" y="567583"/>
         <a:ext cx="2301818" cy="604800"/>
       </dsp:txXfrm>
     </dsp:sp>
@@ -4425,7 +5038,7 @@
       </dsp:nvSpPr>
       <dsp:spPr>
         <a:xfrm>
-          <a:off x="2360" y="1136761"/>
+          <a:off x="2626687" y="1163035"/>
           <a:ext cx="2301818" cy="2478734"/>
         </a:xfrm>
         <a:prstGeom prst="rect">
@@ -4488,7 +5101,7 @@
           </a:pPr>
           <a:r>
             <a:rPr lang="en-US" sz="2100" kern="1200" dirty="0" smtClean="0"/>
-            <a:t>Id</a:t>
+            <a:t>id</a:t>
           </a:r>
           <a:endParaRPr lang="ru-RU" sz="2100" kern="1200" dirty="0"/>
         </a:p>
@@ -4507,7 +5120,7 @@
           </a:pPr>
           <a:r>
             <a:rPr lang="en-US" sz="2100" kern="1200" dirty="0" smtClean="0"/>
-            <a:t>Type</a:t>
+            <a:t>type</a:t>
           </a:r>
           <a:endParaRPr lang="ru-RU" sz="2100" kern="1200" dirty="0"/>
         </a:p>
@@ -4564,7 +5177,7 @@
           </a:pPr>
           <a:r>
             <a:rPr lang="en-US" sz="2100" kern="1200" dirty="0" err="1" smtClean="0"/>
-            <a:t>Room_id</a:t>
+            <a:t>room_id</a:t>
           </a:r>
           <a:endParaRPr lang="ru-RU" sz="2100" kern="1200" dirty="0"/>
         </a:p>
@@ -4583,7 +5196,7 @@
           </a:pPr>
           <a:r>
             <a:rPr lang="en-US" sz="2100" kern="1200" dirty="0" smtClean="0"/>
-            <a:t>Inside</a:t>
+            <a:t>inside</a:t>
           </a:r>
           <a:endParaRPr lang="ru-RU" sz="2100" kern="1200" dirty="0"/>
         </a:p>
@@ -4608,7 +5221,7 @@
         </a:p>
       </dsp:txBody>
       <dsp:txXfrm>
-        <a:off x="2360" y="1136761"/>
+        <a:off x="2626687" y="1163035"/>
         <a:ext cx="2301818" cy="2478734"/>
       </dsp:txXfrm>
     </dsp:sp>
@@ -4619,7 +5232,7 @@
       </dsp:nvSpPr>
       <dsp:spPr>
         <a:xfrm>
-          <a:off x="2626433" y="531961"/>
+          <a:off x="0" y="567583"/>
           <a:ext cx="2301818" cy="604800"/>
         </a:xfrm>
         <a:prstGeom prst="rect">
@@ -4685,7 +5298,7 @@
         </a:p>
       </dsp:txBody>
       <dsp:txXfrm>
-        <a:off x="2626433" y="531961"/>
+        <a:off x="0" y="567583"/>
         <a:ext cx="2301818" cy="604800"/>
       </dsp:txXfrm>
     </dsp:sp>
@@ -4696,7 +5309,7 @@
       </dsp:nvSpPr>
       <dsp:spPr>
         <a:xfrm>
-          <a:off x="2626433" y="1136761"/>
+          <a:off x="0" y="1165811"/>
           <a:ext cx="2301818" cy="2478734"/>
         </a:xfrm>
         <a:prstGeom prst="rect">
@@ -4759,7 +5372,7 @@
           </a:pPr>
           <a:r>
             <a:rPr lang="en-US" sz="2100" kern="1200" dirty="0" smtClean="0"/>
-            <a:t>Id</a:t>
+            <a:t>id</a:t>
           </a:r>
           <a:endParaRPr lang="ru-RU" sz="2100" kern="1200" dirty="0"/>
         </a:p>
@@ -4778,7 +5391,7 @@
           </a:pPr>
           <a:r>
             <a:rPr lang="en-US" sz="2100" kern="1200" dirty="0" smtClean="0"/>
-            <a:t>Type</a:t>
+            <a:t>type</a:t>
           </a:r>
           <a:endParaRPr lang="ru-RU" sz="2100" kern="1200" dirty="0"/>
         </a:p>
@@ -4797,7 +5410,7 @@
           </a:pPr>
           <a:r>
             <a:rPr lang="en-US" sz="2100" kern="1200" dirty="0" smtClean="0"/>
-            <a:t>User</a:t>
+            <a:t>user</a:t>
           </a:r>
           <a:endParaRPr lang="ru-RU" sz="2100" kern="1200" dirty="0"/>
         </a:p>
@@ -4822,7 +5435,7 @@
         </a:p>
       </dsp:txBody>
       <dsp:txXfrm>
-        <a:off x="2626433" y="1136761"/>
+        <a:off x="0" y="1165811"/>
         <a:ext cx="2301818" cy="2478734"/>
       </dsp:txXfrm>
     </dsp:sp>
@@ -4833,7 +5446,7 @@
       </dsp:nvSpPr>
       <dsp:spPr>
         <a:xfrm>
-          <a:off x="5250506" y="531961"/>
+          <a:off x="5233266" y="567583"/>
           <a:ext cx="2301818" cy="604800"/>
         </a:xfrm>
         <a:prstGeom prst="rect">
@@ -4899,7 +5512,7 @@
         </a:p>
       </dsp:txBody>
       <dsp:txXfrm>
-        <a:off x="5250506" y="531961"/>
+        <a:off x="5233266" y="567583"/>
         <a:ext cx="2301818" cy="604800"/>
       </dsp:txXfrm>
     </dsp:sp>
@@ -4910,7 +5523,7 @@
       </dsp:nvSpPr>
       <dsp:spPr>
         <a:xfrm>
-          <a:off x="5250506" y="1136761"/>
+          <a:off x="5223322" y="1159267"/>
           <a:ext cx="2301818" cy="2478734"/>
         </a:xfrm>
         <a:prstGeom prst="rect">
@@ -4973,7 +5586,7 @@
           </a:pPr>
           <a:r>
             <a:rPr lang="en-US" sz="2100" kern="1200" dirty="0" smtClean="0"/>
-            <a:t>Id</a:t>
+            <a:t>id</a:t>
           </a:r>
           <a:endParaRPr lang="ru-RU" sz="2100" kern="1200" dirty="0"/>
         </a:p>
@@ -5013,7 +5626,7 @@
         </a:p>
       </dsp:txBody>
       <dsp:txXfrm>
-        <a:off x="5250506" y="1136761"/>
+        <a:off x="5223322" y="1159267"/>
         <a:ext cx="2301818" cy="2478734"/>
       </dsp:txXfrm>
     </dsp:sp>
@@ -7692,7 +8305,7 @@
           <a:p>
             <a:fld id="{273A0F44-4DD4-41AE-9023-01EBF89AB89A}" type="datetimeFigureOut">
               <a:rPr lang="ru-RU" smtClean="0"/>
-              <a:t>11.01.2021</a:t>
+              <a:t>13.01.2021</a:t>
             </a:fld>
             <a:endParaRPr lang="ru-RU"/>
           </a:p>
@@ -8022,7 +8635,7 @@
           <a:p>
             <a:fld id="{273A0F44-4DD4-41AE-9023-01EBF89AB89A}" type="datetimeFigureOut">
               <a:rPr lang="ru-RU" smtClean="0"/>
-              <a:t>11.01.2021</a:t>
+              <a:t>13.01.2021</a:t>
             </a:fld>
             <a:endParaRPr lang="ru-RU"/>
           </a:p>
@@ -8202,7 +8815,7 @@
           <a:p>
             <a:fld id="{273A0F44-4DD4-41AE-9023-01EBF89AB89A}" type="datetimeFigureOut">
               <a:rPr lang="ru-RU" smtClean="0"/>
-              <a:t>11.01.2021</a:t>
+              <a:t>13.01.2021</a:t>
             </a:fld>
             <a:endParaRPr lang="ru-RU"/>
           </a:p>
@@ -8372,7 +8985,7 @@
           <a:p>
             <a:fld id="{273A0F44-4DD4-41AE-9023-01EBF89AB89A}" type="datetimeFigureOut">
               <a:rPr lang="ru-RU" smtClean="0"/>
-              <a:t>11.01.2021</a:t>
+              <a:t>13.01.2021</a:t>
             </a:fld>
             <a:endParaRPr lang="ru-RU"/>
           </a:p>
@@ -8649,7 +9262,7 @@
           <a:p>
             <a:fld id="{273A0F44-4DD4-41AE-9023-01EBF89AB89A}" type="datetimeFigureOut">
               <a:rPr lang="ru-RU" smtClean="0"/>
-              <a:t>11.01.2021</a:t>
+              <a:t>13.01.2021</a:t>
             </a:fld>
             <a:endParaRPr lang="ru-RU"/>
           </a:p>
@@ -9043,7 +9656,7 @@
           <a:p>
             <a:fld id="{273A0F44-4DD4-41AE-9023-01EBF89AB89A}" type="datetimeFigureOut">
               <a:rPr lang="ru-RU" smtClean="0"/>
-              <a:t>11.01.2021</a:t>
+              <a:t>13.01.2021</a:t>
             </a:fld>
             <a:endParaRPr lang="ru-RU"/>
           </a:p>
@@ -9520,7 +10133,7 @@
           <a:p>
             <a:fld id="{273A0F44-4DD4-41AE-9023-01EBF89AB89A}" type="datetimeFigureOut">
               <a:rPr lang="ru-RU" smtClean="0"/>
-              <a:t>11.01.2021</a:t>
+              <a:t>13.01.2021</a:t>
             </a:fld>
             <a:endParaRPr lang="ru-RU"/>
           </a:p>
@@ -9638,7 +10251,7 @@
           <a:p>
             <a:fld id="{273A0F44-4DD4-41AE-9023-01EBF89AB89A}" type="datetimeFigureOut">
               <a:rPr lang="ru-RU" smtClean="0"/>
-              <a:t>11.01.2021</a:t>
+              <a:t>13.01.2021</a:t>
             </a:fld>
             <a:endParaRPr lang="ru-RU"/>
           </a:p>
@@ -9733,7 +10346,7 @@
           <a:p>
             <a:fld id="{273A0F44-4DD4-41AE-9023-01EBF89AB89A}" type="datetimeFigureOut">
               <a:rPr lang="ru-RU" smtClean="0"/>
-              <a:t>11.01.2021</a:t>
+              <a:t>13.01.2021</a:t>
             </a:fld>
             <a:endParaRPr lang="ru-RU"/>
           </a:p>
@@ -10079,7 +10692,7 @@
           <a:p>
             <a:fld id="{273A0F44-4DD4-41AE-9023-01EBF89AB89A}" type="datetimeFigureOut">
               <a:rPr lang="ru-RU" smtClean="0"/>
-              <a:t>11.01.2021</a:t>
+              <a:t>13.01.2021</a:t>
             </a:fld>
             <a:endParaRPr lang="ru-RU"/>
           </a:p>
@@ -10467,7 +11080,7 @@
           <a:p>
             <a:fld id="{273A0F44-4DD4-41AE-9023-01EBF89AB89A}" type="datetimeFigureOut">
               <a:rPr lang="ru-RU" smtClean="0"/>
-              <a:t>11.01.2021</a:t>
+              <a:t>13.01.2021</a:t>
             </a:fld>
             <a:endParaRPr lang="ru-RU"/>
           </a:p>
@@ -10745,7 +11358,7 @@
           <a:p>
             <a:fld id="{273A0F44-4DD4-41AE-9023-01EBF89AB89A}" type="datetimeFigureOut">
               <a:rPr lang="ru-RU" smtClean="0"/>
-              <a:t>11.01.2021</a:t>
+              <a:t>13.01.2021</a:t>
             </a:fld>
             <a:endParaRPr lang="ru-RU"/>
           </a:p>
@@ -11194,42 +11807,42 @@
   <p:extLst mod="1">
     <p:ext uri="{27BBF7A9-308A-43DC-89C8-2F10F3537804}">
       <p15:sldGuideLst xmlns:p15="http://schemas.microsoft.com/office/powerpoint/2012/main">
-        <p15:guide id="4294967295" orient="horz" pos="1368">
+        <p15:guide id="1" orient="horz" pos="1368">
           <p15:clr>
             <a:srgbClr val="F26B43"/>
           </p15:clr>
         </p15:guide>
-        <p15:guide id="4294967295" orient="horz" pos="1440">
+        <p15:guide id="2" orient="horz" pos="1440">
           <p15:clr>
             <a:srgbClr val="F26B43"/>
           </p15:clr>
         </p15:guide>
-        <p15:guide id="4294967295" orient="horz" pos="3696">
+        <p15:guide id="3" orient="horz" pos="3696">
           <p15:clr>
             <a:srgbClr val="F26B43"/>
           </p15:clr>
         </p15:guide>
-        <p15:guide id="4294967295" orient="horz" pos="432">
+        <p15:guide id="4" orient="horz" pos="432">
           <p15:clr>
             <a:srgbClr val="F26B43"/>
           </p15:clr>
         </p15:guide>
-        <p15:guide id="4294967295" orient="horz" pos="1512">
+        <p15:guide id="5" orient="horz" pos="1512">
           <p15:clr>
             <a:srgbClr val="F26B43"/>
           </p15:clr>
         </p15:guide>
-        <p15:guide id="4294967295" pos="6912">
+        <p15:guide id="6" pos="6912">
           <p15:clr>
             <a:srgbClr val="F26B43"/>
           </p15:clr>
         </p15:guide>
-        <p15:guide id="4294967295" pos="936">
+        <p15:guide id="7" pos="936">
           <p15:clr>
             <a:srgbClr val="F26B43"/>
           </p15:clr>
         </p15:guide>
-        <p15:guide id="4294967295" pos="864">
+        <p15:guide id="8" pos="864">
           <p15:clr>
             <a:srgbClr val="F26B43"/>
           </p15:clr>
@@ -11625,8 +12238,8 @@
         </p:blipFill>
         <p:spPr>
           <a:xfrm>
-            <a:off x="2433887" y="2171700"/>
-            <a:ext cx="4767293" cy="3581400"/>
+            <a:off x="1729799" y="1696211"/>
+            <a:ext cx="6252913" cy="4697463"/>
           </a:xfrm>
         </p:spPr>
       </p:pic>
@@ -11679,7 +12292,7 @@
         </p:nvSpPr>
         <p:spPr>
           <a:xfrm>
-            <a:off x="1371600" y="261257"/>
+            <a:off x="1618488" y="133241"/>
             <a:ext cx="9601200" cy="990600"/>
           </a:xfrm>
         </p:spPr>
@@ -11709,13 +12322,13 @@
             <p:ph idx="1"/>
             <p:extLst>
               <p:ext uri="{D42A27DB-BD31-4B8C-83A1-F6EECF244321}">
-                <p14:modId xmlns:p14="http://schemas.microsoft.com/office/powerpoint/2010/main" val="1886486333"/>
+                <p14:modId xmlns:p14="http://schemas.microsoft.com/office/powerpoint/2010/main" val="1890353017"/>
               </p:ext>
             </p:extLst>
           </p:nvPr>
         </p:nvGraphicFramePr>
         <p:xfrm>
-          <a:off x="762000" y="903516"/>
+          <a:off x="990600" y="1031532"/>
           <a:ext cx="7375071" cy="3015342"/>
         </p:xfrm>
         <a:graphic>
@@ -11733,13 +12346,13 @@
           <p:nvPr>
             <p:extLst>
               <p:ext uri="{D42A27DB-BD31-4B8C-83A1-F6EECF244321}">
-                <p14:modId xmlns:p14="http://schemas.microsoft.com/office/powerpoint/2010/main" val="718403154"/>
+                <p14:modId xmlns:p14="http://schemas.microsoft.com/office/powerpoint/2010/main" val="991845948"/>
               </p:ext>
             </p:extLst>
           </p:nvPr>
         </p:nvGraphicFramePr>
         <p:xfrm>
-          <a:off x="4359728" y="3265713"/>
+          <a:off x="2741240" y="3064545"/>
           <a:ext cx="7554686" cy="4147457"/>
         </p:xfrm>
         <a:graphic>
@@ -11752,84 +12365,6 @@
     <p:extLst>
       <p:ext uri="{BB962C8B-B14F-4D97-AF65-F5344CB8AC3E}">
         <p14:creationId xmlns:p14="http://schemas.microsoft.com/office/powerpoint/2010/main" val="575881107"/>
-      </p:ext>
-    </p:extLst>
-  </p:cSld>
-  <p:clrMapOvr>
-    <a:masterClrMapping/>
-  </p:clrMapOvr>
-  <p:timing>
-    <p:tnLst>
-      <p:par>
-        <p:cTn id="1" dur="indefinite" restart="never" nodeType="tmRoot"/>
-      </p:par>
-    </p:tnLst>
-  </p:timing>
-</p:sld>
-</file>
-
-<file path=ppt/slides/slide6.xml><?xml version="1.0" encoding="utf-8"?>
-<p:sld xmlns:a="http://schemas.openxmlformats.org/drawingml/2006/main" xmlns:r="http://schemas.openxmlformats.org/officeDocument/2006/relationships" xmlns:p="http://schemas.openxmlformats.org/presentationml/2006/main">
-  <p:cSld>
-    <p:spTree>
-      <p:nvGrpSpPr>
-        <p:cNvPr id="1" name=""/>
-        <p:cNvGrpSpPr/>
-        <p:nvPr/>
-      </p:nvGrpSpPr>
-      <p:grpSpPr>
-        <a:xfrm>
-          <a:off x="0" y="0"/>
-          <a:ext cx="0" cy="0"/>
-          <a:chOff x="0" y="0"/>
-          <a:chExt cx="0" cy="0"/>
-        </a:xfrm>
-      </p:grpSpPr>
-      <p:sp>
-        <p:nvSpPr>
-          <p:cNvPr id="2" name="Заголовок 1"/>
-          <p:cNvSpPr>
-            <a:spLocks noGrp="1"/>
-          </p:cNvSpPr>
-          <p:nvPr>
-            <p:ph type="title"/>
-          </p:nvPr>
-        </p:nvSpPr>
-        <p:spPr/>
-        <p:txBody>
-          <a:bodyPr/>
-          <a:lstStyle/>
-          <a:p>
-            <a:r>
-              <a:rPr lang="ru-RU" dirty="0"/>
-              <a:t>Заключение</a:t>
-            </a:r>
-          </a:p>
-        </p:txBody>
-      </p:sp>
-      <p:sp>
-        <p:nvSpPr>
-          <p:cNvPr id="3" name="Объект 2"/>
-          <p:cNvSpPr>
-            <a:spLocks noGrp="1"/>
-          </p:cNvSpPr>
-          <p:nvPr>
-            <p:ph idx="1"/>
-          </p:nvPr>
-        </p:nvSpPr>
-        <p:spPr/>
-        <p:txBody>
-          <a:bodyPr/>
-          <a:lstStyle/>
-          <a:p>
-            <a:endParaRPr lang="ru-RU" dirty="0"/>
-          </a:p>
-        </p:txBody>
-      </p:sp>
-    </p:spTree>
-    <p:extLst>
-      <p:ext uri="{BB962C8B-B14F-4D97-AF65-F5344CB8AC3E}">
-        <p14:creationId xmlns:p14="http://schemas.microsoft.com/office/powerpoint/2010/main" val="2205149673"/>
       </p:ext>
     </p:extLst>
   </p:cSld>

--- a/MagicDungeon.pptx
+++ b/MagicDungeon.pptx
@@ -18,107 +18,132 @@
     <a:defPPr>
       <a:defRPr lang="ru-RU"/>
     </a:defPPr>
-    <a:lvl1pPr marL="0" algn="l" defTabSz="914400" rtl="0" eaLnBrk="1" latinLnBrk="0" hangingPunct="1">
-      <a:defRPr sz="1800" kern="1200">
+    <a:lvl1pPr algn="l" rtl="0" fontAlgn="base">
+      <a:spcBef>
+        <a:spcPct val="0"/>
+      </a:spcBef>
+      <a:spcAft>
+        <a:spcPct val="0"/>
+      </a:spcAft>
+      <a:defRPr kern="1200">
         <a:solidFill>
           <a:schemeClr val="tx1"/>
         </a:solidFill>
-        <a:latin typeface="+mn-lt"/>
+        <a:latin typeface="Arial" charset="0"/>
         <a:ea typeface="+mn-ea"/>
-        <a:cs typeface="+mn-cs"/>
+        <a:cs typeface="Arial" charset="0"/>
       </a:defRPr>
     </a:lvl1pPr>
-    <a:lvl2pPr marL="457200" algn="l" defTabSz="914400" rtl="0" eaLnBrk="1" latinLnBrk="0" hangingPunct="1">
-      <a:defRPr sz="1800" kern="1200">
+    <a:lvl2pPr marL="457200" algn="l" rtl="0" fontAlgn="base">
+      <a:spcBef>
+        <a:spcPct val="0"/>
+      </a:spcBef>
+      <a:spcAft>
+        <a:spcPct val="0"/>
+      </a:spcAft>
+      <a:defRPr kern="1200">
         <a:solidFill>
           <a:schemeClr val="tx1"/>
         </a:solidFill>
-        <a:latin typeface="+mn-lt"/>
+        <a:latin typeface="Arial" charset="0"/>
         <a:ea typeface="+mn-ea"/>
-        <a:cs typeface="+mn-cs"/>
+        <a:cs typeface="Arial" charset="0"/>
       </a:defRPr>
     </a:lvl2pPr>
-    <a:lvl3pPr marL="914400" algn="l" defTabSz="914400" rtl="0" eaLnBrk="1" latinLnBrk="0" hangingPunct="1">
-      <a:defRPr sz="1800" kern="1200">
+    <a:lvl3pPr marL="914400" algn="l" rtl="0" fontAlgn="base">
+      <a:spcBef>
+        <a:spcPct val="0"/>
+      </a:spcBef>
+      <a:spcAft>
+        <a:spcPct val="0"/>
+      </a:spcAft>
+      <a:defRPr kern="1200">
         <a:solidFill>
           <a:schemeClr val="tx1"/>
         </a:solidFill>
-        <a:latin typeface="+mn-lt"/>
+        <a:latin typeface="Arial" charset="0"/>
         <a:ea typeface="+mn-ea"/>
-        <a:cs typeface="+mn-cs"/>
+        <a:cs typeface="Arial" charset="0"/>
       </a:defRPr>
     </a:lvl3pPr>
-    <a:lvl4pPr marL="1371600" algn="l" defTabSz="914400" rtl="0" eaLnBrk="1" latinLnBrk="0" hangingPunct="1">
-      <a:defRPr sz="1800" kern="1200">
+    <a:lvl4pPr marL="1371600" algn="l" rtl="0" fontAlgn="base">
+      <a:spcBef>
+        <a:spcPct val="0"/>
+      </a:spcBef>
+      <a:spcAft>
+        <a:spcPct val="0"/>
+      </a:spcAft>
+      <a:defRPr kern="1200">
         <a:solidFill>
           <a:schemeClr val="tx1"/>
         </a:solidFill>
-        <a:latin typeface="+mn-lt"/>
+        <a:latin typeface="Arial" charset="0"/>
         <a:ea typeface="+mn-ea"/>
-        <a:cs typeface="+mn-cs"/>
+        <a:cs typeface="Arial" charset="0"/>
       </a:defRPr>
     </a:lvl4pPr>
-    <a:lvl5pPr marL="1828800" algn="l" defTabSz="914400" rtl="0" eaLnBrk="1" latinLnBrk="0" hangingPunct="1">
-      <a:defRPr sz="1800" kern="1200">
+    <a:lvl5pPr marL="1828800" algn="l" rtl="0" fontAlgn="base">
+      <a:spcBef>
+        <a:spcPct val="0"/>
+      </a:spcBef>
+      <a:spcAft>
+        <a:spcPct val="0"/>
+      </a:spcAft>
+      <a:defRPr kern="1200">
         <a:solidFill>
           <a:schemeClr val="tx1"/>
         </a:solidFill>
-        <a:latin typeface="+mn-lt"/>
+        <a:latin typeface="Arial" charset="0"/>
         <a:ea typeface="+mn-ea"/>
-        <a:cs typeface="+mn-cs"/>
+        <a:cs typeface="Arial" charset="0"/>
       </a:defRPr>
     </a:lvl5pPr>
     <a:lvl6pPr marL="2286000" algn="l" defTabSz="914400" rtl="0" eaLnBrk="1" latinLnBrk="0" hangingPunct="1">
-      <a:defRPr sz="1800" kern="1200">
+      <a:defRPr kern="1200">
         <a:solidFill>
           <a:schemeClr val="tx1"/>
         </a:solidFill>
-        <a:latin typeface="+mn-lt"/>
+        <a:latin typeface="Arial" charset="0"/>
         <a:ea typeface="+mn-ea"/>
-        <a:cs typeface="+mn-cs"/>
+        <a:cs typeface="Arial" charset="0"/>
       </a:defRPr>
     </a:lvl6pPr>
     <a:lvl7pPr marL="2743200" algn="l" defTabSz="914400" rtl="0" eaLnBrk="1" latinLnBrk="0" hangingPunct="1">
-      <a:defRPr sz="1800" kern="1200">
+      <a:defRPr kern="1200">
         <a:solidFill>
           <a:schemeClr val="tx1"/>
         </a:solidFill>
-        <a:latin typeface="+mn-lt"/>
+        <a:latin typeface="Arial" charset="0"/>
         <a:ea typeface="+mn-ea"/>
-        <a:cs typeface="+mn-cs"/>
+        <a:cs typeface="Arial" charset="0"/>
       </a:defRPr>
     </a:lvl7pPr>
     <a:lvl8pPr marL="3200400" algn="l" defTabSz="914400" rtl="0" eaLnBrk="1" latinLnBrk="0" hangingPunct="1">
-      <a:defRPr sz="1800" kern="1200">
+      <a:defRPr kern="1200">
         <a:solidFill>
           <a:schemeClr val="tx1"/>
         </a:solidFill>
-        <a:latin typeface="+mn-lt"/>
+        <a:latin typeface="Arial" charset="0"/>
         <a:ea typeface="+mn-ea"/>
-        <a:cs typeface="+mn-cs"/>
+        <a:cs typeface="Arial" charset="0"/>
       </a:defRPr>
     </a:lvl8pPr>
     <a:lvl9pPr marL="3657600" algn="l" defTabSz="914400" rtl="0" eaLnBrk="1" latinLnBrk="0" hangingPunct="1">
-      <a:defRPr sz="1800" kern="1200">
+      <a:defRPr kern="1200">
         <a:solidFill>
           <a:schemeClr val="tx1"/>
         </a:solidFill>
-        <a:latin typeface="+mn-lt"/>
+        <a:latin typeface="Arial" charset="0"/>
         <a:ea typeface="+mn-ea"/>
-        <a:cs typeface="+mn-cs"/>
+        <a:cs typeface="Arial" charset="0"/>
       </a:defRPr>
     </a:lvl9pPr>
   </p:defaultTextStyle>
-  <p:extLst>
-    <p:ext uri="{EFAFB233-063F-42B5-8137-9DF3F51BA10A}">
-      <p15:sldGuideLst xmlns:p15="http://schemas.microsoft.com/office/powerpoint/2012/main"/>
-    </p:ext>
-  </p:extLst>
 </p:presentation>
 </file>
 
 <file path=ppt/diagrams/colors1.xml><?xml version="1.0" encoding="utf-8"?>
-<dgm:colorsDef xmlns:dgm="http://schemas.openxmlformats.org/drawingml/2006/diagram" xmlns:a="http://schemas.openxmlformats.org/drawingml/2006/main" uniqueId="urn:microsoft.com/office/officeart/2005/8/colors/accent1_2">
+<dgm:colorsDef xmlns:dgm="http://schemas.openxmlformats.org/drawingml/2006/diagram" xmlns:a="http://schemas.openxmlformats.org/drawingml/2006/main" uniqueId="urn:microsoft.com/office/officeart/2005/8/colors/accent1_2#1">
   <dgm:title val=""/>
   <dgm:desc val=""/>
   <dgm:catLst>
@@ -865,7 +890,7 @@
 </file>
 
 <file path=ppt/diagrams/colors2.xml><?xml version="1.0" encoding="utf-8"?>
-<dgm:colorsDef xmlns:dgm="http://schemas.openxmlformats.org/drawingml/2006/diagram" xmlns:a="http://schemas.openxmlformats.org/drawingml/2006/main" uniqueId="urn:microsoft.com/office/officeart/2005/8/colors/accent1_2">
+<dgm:colorsDef xmlns:dgm="http://schemas.openxmlformats.org/drawingml/2006/diagram" xmlns:a="http://schemas.openxmlformats.org/drawingml/2006/main" uniqueId="urn:microsoft.com/office/officeart/2005/8/colors/accent1_2#2">
   <dgm:title val=""/>
   <dgm:desc val=""/>
   <dgm:catLst>
@@ -1615,7 +1640,7 @@
 <dgm:dataModel xmlns:dgm="http://schemas.openxmlformats.org/drawingml/2006/diagram" xmlns:a="http://schemas.openxmlformats.org/drawingml/2006/main">
   <dgm:ptLst>
     <dgm:pt modelId="{972EEA30-1925-4C1A-AC7E-2B3DB4517989}" type="doc">
-      <dgm:prSet loTypeId="urn:microsoft.com/office/officeart/2005/8/layout/hList1" loCatId="list" qsTypeId="urn:microsoft.com/office/officeart/2005/8/quickstyle/simple1" qsCatId="simple" csTypeId="urn:microsoft.com/office/officeart/2005/8/colors/accent1_2" csCatId="accent1" phldr="1"/>
+      <dgm:prSet loTypeId="urn:microsoft.com/office/officeart/2005/8/layout/hList1" loCatId="list" qsTypeId="urn:microsoft.com/office/officeart/2005/8/quickstyle/simple1#1" qsCatId="simple" csTypeId="urn:microsoft.com/office/officeart/2005/8/colors/accent1_2#1" csCatId="accent1" phldr="1"/>
       <dgm:spPr/>
       <dgm:t>
         <a:bodyPr/>
@@ -2522,6 +2547,13 @@
         </dgm:presLayoutVars>
       </dgm:prSet>
       <dgm:spPr/>
+      <dgm:t>
+        <a:bodyPr/>
+        <a:lstStyle/>
+        <a:p>
+          <a:endParaRPr lang="ru-RU"/>
+        </a:p>
+      </dgm:t>
     </dgm:pt>
     <dgm:pt modelId="{53B33B56-A589-4CC4-BB33-4FC48646F9D6}" type="pres">
       <dgm:prSet presAssocID="{072BCCE2-37A1-4004-9924-FC77DDAB6410}" presName="composite" presStyleCnt="0"/>
@@ -2536,6 +2568,13 @@
         </dgm:presLayoutVars>
       </dgm:prSet>
       <dgm:spPr/>
+      <dgm:t>
+        <a:bodyPr/>
+        <a:lstStyle/>
+        <a:p>
+          <a:endParaRPr lang="ru-RU"/>
+        </a:p>
+      </dgm:t>
     </dgm:pt>
     <dgm:pt modelId="{C7CD115F-5D7F-47E6-B852-93032DF43A6B}" type="pres">
       <dgm:prSet presAssocID="{072BCCE2-37A1-4004-9924-FC77DDAB6410}" presName="desTx" presStyleLbl="alignAccFollowNode1" presStyleIdx="0" presStyleCnt="3">
@@ -2569,6 +2608,13 @@
         </dgm:presLayoutVars>
       </dgm:prSet>
       <dgm:spPr/>
+      <dgm:t>
+        <a:bodyPr/>
+        <a:lstStyle/>
+        <a:p>
+          <a:endParaRPr lang="ru-RU"/>
+        </a:p>
+      </dgm:t>
     </dgm:pt>
     <dgm:pt modelId="{6130DA44-0BD7-42D5-897E-C23202A67351}" type="pres">
       <dgm:prSet presAssocID="{2E0FBEA3-84BB-467D-96A5-9836AF332835}" presName="desTx" presStyleLbl="alignAccFollowNode1" presStyleIdx="1" presStyleCnt="3">
@@ -2627,55 +2673,55 @@
     </dgm:pt>
   </dgm:ptLst>
   <dgm:cxnLst>
+    <dgm:cxn modelId="{4B9DF119-38CD-481E-998F-48D51AF4A188}" srcId="{2E0FBEA3-84BB-467D-96A5-9836AF332835}" destId="{C495E6A7-DA18-46C4-8B83-C00571DED6A4}" srcOrd="4" destOrd="0" parTransId="{9C4216D6-27FE-4F47-AEDC-3FD6080C106C}" sibTransId="{072977E8-10C7-46E5-8169-031AB2619A7C}"/>
+    <dgm:cxn modelId="{40839B18-A150-47BA-83FF-952363C88D41}" srcId="{072BCCE2-37A1-4004-9924-FC77DDAB6410}" destId="{AC853C07-8E44-4B4A-BFD1-10BDF881EDE1}" srcOrd="2" destOrd="0" parTransId="{DD285C7B-EEAB-4C0B-BC66-82D8102FB1AD}" sibTransId="{5CD3E7D5-F9C7-4FF3-900D-60DDDBB7AD51}"/>
+    <dgm:cxn modelId="{15FA697D-0D75-4D83-B339-DD9568692BA8}" type="presOf" srcId="{FB987B40-CD08-45C6-A921-0E5FAEE82F98}" destId="{6130DA44-0BD7-42D5-897E-C23202A67351}" srcOrd="0" destOrd="0" presId="urn:microsoft.com/office/officeart/2005/8/layout/hList1"/>
+    <dgm:cxn modelId="{622256FE-D344-4366-83ED-5BFF8717C75F}" srcId="{83E5CBC5-47FE-41B5-ADE3-AF46F14AAEFE}" destId="{BE498A8D-1F66-4D8C-92DC-3CCAF8B26AE2}" srcOrd="4" destOrd="0" parTransId="{3F971816-98CE-46A2-9BEA-5D456713835F}" sibTransId="{76463855-6FF6-4F78-9901-2E14C92F63C0}"/>
+    <dgm:cxn modelId="{ADBCBFBB-EA8C-4B63-A587-587505D80FD8}" srcId="{072BCCE2-37A1-4004-9924-FC77DDAB6410}" destId="{23FC9CF5-86EC-49D2-89F9-3FDCDCCD7CE1}" srcOrd="5" destOrd="0" parTransId="{21EC77A8-F57F-464B-B524-6E1A36758581}" sibTransId="{C7FFB41F-39BD-44D8-B338-42026E184F6D}"/>
+    <dgm:cxn modelId="{DA1F582F-C73E-4907-80F7-99EC826F7B58}" type="presOf" srcId="{52901E77-F4EB-4922-BF04-072F154D5274}" destId="{C7CD115F-5D7F-47E6-B852-93032DF43A6B}" srcOrd="0" destOrd="6" presId="urn:microsoft.com/office/officeart/2005/8/layout/hList1"/>
+    <dgm:cxn modelId="{EF370E66-BA9E-47B1-8DD1-197C655F3B3E}" srcId="{83E5CBC5-47FE-41B5-ADE3-AF46F14AAEFE}" destId="{2558A706-7114-4927-969A-71DB6B7A6197}" srcOrd="5" destOrd="0" parTransId="{F24E950A-DB48-4842-A244-6BE459440E40}" sibTransId="{9202D49D-2D7C-4162-AA97-E65038CBD562}"/>
+    <dgm:cxn modelId="{E7EEB759-4560-44B0-B5B8-4A943E339703}" type="presOf" srcId="{972EEA30-1925-4C1A-AC7E-2B3DB4517989}" destId="{D9592EEA-0EA9-4895-9D7A-B688FD59CF9B}" srcOrd="0" destOrd="0" presId="urn:microsoft.com/office/officeart/2005/8/layout/hList1"/>
+    <dgm:cxn modelId="{CA37C6C6-46E2-49CD-A2CE-9DF682553222}" type="presOf" srcId="{0F6433BF-A112-4547-BE56-916119A8FE61}" destId="{C7CD115F-5D7F-47E6-B852-93032DF43A6B}" srcOrd="0" destOrd="3" presId="urn:microsoft.com/office/officeart/2005/8/layout/hList1"/>
+    <dgm:cxn modelId="{569953DE-638F-4729-A395-F0060F48BC29}" type="presOf" srcId="{DFBA26F2-6EBF-4FD0-8895-894CAB9A9D70}" destId="{6130DA44-0BD7-42D5-897E-C23202A67351}" srcOrd="0" destOrd="5" presId="urn:microsoft.com/office/officeart/2005/8/layout/hList1"/>
+    <dgm:cxn modelId="{1B95CFA9-C4DF-4705-AC4B-5E5B0976A970}" srcId="{2E0FBEA3-84BB-467D-96A5-9836AF332835}" destId="{2CEC434B-6CFD-4F4F-AAFD-EB4F8E9C3F18}" srcOrd="2" destOrd="0" parTransId="{F51EEC0B-B0BC-4A90-B4F8-6AF9B88A08FE}" sibTransId="{01992556-3357-44C2-AD0E-E2EF52EB9F32}"/>
+    <dgm:cxn modelId="{DB090E5D-617A-4155-831A-CEFB02454A12}" type="presOf" srcId="{C781F228-A113-4EF3-B639-47BBCDA2BE8A}" destId="{6130DA44-0BD7-42D5-897E-C23202A67351}" srcOrd="0" destOrd="3" presId="urn:microsoft.com/office/officeart/2005/8/layout/hList1"/>
+    <dgm:cxn modelId="{DCFC238E-B9FC-489E-B99F-18F2AB7DF7F7}" type="presOf" srcId="{2CEC434B-6CFD-4F4F-AAFD-EB4F8E9C3F18}" destId="{6130DA44-0BD7-42D5-897E-C23202A67351}" srcOrd="0" destOrd="2" presId="urn:microsoft.com/office/officeart/2005/8/layout/hList1"/>
+    <dgm:cxn modelId="{CC3C6E46-A07D-49EF-BE2E-168AEE9D2D97}" type="presOf" srcId="{086449A9-F0ED-4F08-ACE2-149D4FF7B70B}" destId="{6130DA44-0BD7-42D5-897E-C23202A67351}" srcOrd="0" destOrd="6" presId="urn:microsoft.com/office/officeart/2005/8/layout/hList1"/>
+    <dgm:cxn modelId="{06578BE1-75F0-46A9-97A8-24E6A728D433}" type="presOf" srcId="{59CBDF42-A291-43A8-A867-446BA1D04115}" destId="{D01DDD35-C12F-4AFE-A885-A317C1155B5B}" srcOrd="0" destOrd="6" presId="urn:microsoft.com/office/officeart/2005/8/layout/hList1"/>
+    <dgm:cxn modelId="{A486A04F-AA67-4D8C-82A2-0D3567ACBBC8}" srcId="{072BCCE2-37A1-4004-9924-FC77DDAB6410}" destId="{0F6433BF-A112-4547-BE56-916119A8FE61}" srcOrd="3" destOrd="0" parTransId="{229A454F-CCFA-41E2-BFA3-58098745A66E}" sibTransId="{8BF8F5BD-0BDE-4097-A056-3EA3E2F8F544}"/>
+    <dgm:cxn modelId="{AC618599-D013-4939-AEF8-98F54400E9FA}" srcId="{2E0FBEA3-84BB-467D-96A5-9836AF332835}" destId="{7C3BEF89-F391-4C3C-A935-9AC30E06F3CF}" srcOrd="1" destOrd="0" parTransId="{D97B9F92-FF2F-44CD-8807-F128AD45848A}" sibTransId="{DF00F4A6-24D0-42F9-8DF5-730B4B13A16B}"/>
+    <dgm:cxn modelId="{921AA55A-28A5-448A-8C29-B819F0E81121}" srcId="{072BCCE2-37A1-4004-9924-FC77DDAB6410}" destId="{52901E77-F4EB-4922-BF04-072F154D5274}" srcOrd="6" destOrd="0" parTransId="{E0DC82F1-EF18-4D19-81FE-1DC6414E1C34}" sibTransId="{71BC8966-27DE-4A7D-BE0B-F935A4423245}"/>
+    <dgm:cxn modelId="{1775133E-771A-4137-93A2-BC7A4415E3B8}" srcId="{072BCCE2-37A1-4004-9924-FC77DDAB6410}" destId="{F8A6E171-5924-4AA2-83B8-78285B8362C8}" srcOrd="0" destOrd="0" parTransId="{9FB51446-CD4B-47B9-9474-8C48471E428D}" sibTransId="{00880EEF-9F9B-4031-9C6C-0AD81CE8BA2F}"/>
+    <dgm:cxn modelId="{FB22DF15-7560-4CB8-8032-444FCA4078AB}" type="presOf" srcId="{B1E425E8-802C-418B-A8EC-28EE37196870}" destId="{C7CD115F-5D7F-47E6-B852-93032DF43A6B}" srcOrd="0" destOrd="1" presId="urn:microsoft.com/office/officeart/2005/8/layout/hList1"/>
+    <dgm:cxn modelId="{098C5205-06D9-4010-83B5-56932FDF0EAB}" srcId="{972EEA30-1925-4C1A-AC7E-2B3DB4517989}" destId="{2E0FBEA3-84BB-467D-96A5-9836AF332835}" srcOrd="1" destOrd="0" parTransId="{72EE9CAF-0871-401A-A48E-207F98898E70}" sibTransId="{3EDE509C-AF9B-4FFA-B5C5-DAFAA34875E9}"/>
+    <dgm:cxn modelId="{0B736FD3-E756-400A-8D29-BFDD7BF2DEEB}" type="presOf" srcId="{BE498A8D-1F66-4D8C-92DC-3CCAF8B26AE2}" destId="{D01DDD35-C12F-4AFE-A885-A317C1155B5B}" srcOrd="0" destOrd="4" presId="urn:microsoft.com/office/officeart/2005/8/layout/hList1"/>
+    <dgm:cxn modelId="{C1AC93B1-9688-476A-9A45-40827399129B}" srcId="{2E0FBEA3-84BB-467D-96A5-9836AF332835}" destId="{FB987B40-CD08-45C6-A921-0E5FAEE82F98}" srcOrd="0" destOrd="0" parTransId="{8B189EFB-C394-4D80-9EE1-E1EE8DD460F6}" sibTransId="{227388F9-B4C7-42DD-A587-6C6743B4D613}"/>
+    <dgm:cxn modelId="{5AF28AD3-124C-4DF7-AEA6-C0048B26EEE9}" type="presOf" srcId="{23FC9CF5-86EC-49D2-89F9-3FDCDCCD7CE1}" destId="{C7CD115F-5D7F-47E6-B852-93032DF43A6B}" srcOrd="0" destOrd="5" presId="urn:microsoft.com/office/officeart/2005/8/layout/hList1"/>
     <dgm:cxn modelId="{D29A11EF-826C-40F7-92A4-D743313634A9}" type="presOf" srcId="{2E0FBEA3-84BB-467D-96A5-9836AF332835}" destId="{0A7EFED3-D232-4185-91DB-9F8A8FDF6742}" srcOrd="0" destOrd="0" presId="urn:microsoft.com/office/officeart/2005/8/layout/hList1"/>
+    <dgm:cxn modelId="{FA5184FE-9B96-4928-A3FB-94956CE9D92A}" srcId="{2E0FBEA3-84BB-467D-96A5-9836AF332835}" destId="{DFBA26F2-6EBF-4FD0-8895-894CAB9A9D70}" srcOrd="5" destOrd="0" parTransId="{99B825CD-E072-495B-996F-B08D358648DF}" sibTransId="{BDC819D9-77B0-4D05-B9FE-41B6E0BBBE62}"/>
+    <dgm:cxn modelId="{07838031-9ED9-43B2-BF8A-B8ED0228AB41}" srcId="{83E5CBC5-47FE-41B5-ADE3-AF46F14AAEFE}" destId="{C2428EC6-D0DA-4420-8692-CF7217AAC1F5}" srcOrd="0" destOrd="0" parTransId="{78C05B46-CCC2-472B-8642-E211B3A951F8}" sibTransId="{0663CC1C-71CD-4361-BC72-099A71AD2E47}"/>
+    <dgm:cxn modelId="{E9BD5030-7435-426C-BEB0-C5C72C2A1B11}" type="presOf" srcId="{F8A6E171-5924-4AA2-83B8-78285B8362C8}" destId="{C7CD115F-5D7F-47E6-B852-93032DF43A6B}" srcOrd="0" destOrd="0" presId="urn:microsoft.com/office/officeart/2005/8/layout/hList1"/>
+    <dgm:cxn modelId="{186D7D72-43DB-4D9B-A7F3-81DB35D7454A}" type="presOf" srcId="{072BCCE2-37A1-4004-9924-FC77DDAB6410}" destId="{A8064CFC-3DA6-4911-B45C-68A8A5C862AF}" srcOrd="0" destOrd="0" presId="urn:microsoft.com/office/officeart/2005/8/layout/hList1"/>
+    <dgm:cxn modelId="{4B906E92-6A62-4FB8-A93E-4BDF4F9E29D6}" srcId="{83E5CBC5-47FE-41B5-ADE3-AF46F14AAEFE}" destId="{59CBDF42-A291-43A8-A867-446BA1D04115}" srcOrd="6" destOrd="0" parTransId="{A6148C4F-51B9-4D07-BC32-7C18BD91144E}" sibTransId="{3174FD22-6626-4762-87F0-3E4C87DE5657}"/>
+    <dgm:cxn modelId="{A154A736-D8A4-486E-ABF1-0E6FF5BAE413}" type="presOf" srcId="{985E6EA2-6D11-4D91-8F9D-0E0019A9EB92}" destId="{D01DDD35-C12F-4AFE-A885-A317C1155B5B}" srcOrd="0" destOrd="2" presId="urn:microsoft.com/office/officeart/2005/8/layout/hList1"/>
+    <dgm:cxn modelId="{ED283095-0CA3-4A62-95C6-029686B46E75}" type="presOf" srcId="{C2428EC6-D0DA-4420-8692-CF7217AAC1F5}" destId="{D01DDD35-C12F-4AFE-A885-A317C1155B5B}" srcOrd="0" destOrd="0" presId="urn:microsoft.com/office/officeart/2005/8/layout/hList1"/>
+    <dgm:cxn modelId="{04FB1F3E-CAF5-4473-ACB2-874F7DD26CA5}" srcId="{83E5CBC5-47FE-41B5-ADE3-AF46F14AAEFE}" destId="{5F2A696C-5654-4A9E-9671-76DD679D1EB6}" srcOrd="3" destOrd="0" parTransId="{C2D65257-16F6-4071-93F7-1B3F880FAE73}" sibTransId="{AE443F6A-4DAA-40A7-810F-984C6E05786E}"/>
+    <dgm:cxn modelId="{6634EBAD-1A34-4A14-AFF8-3D210929B13B}" type="presOf" srcId="{83E5CBC5-47FE-41B5-ADE3-AF46F14AAEFE}" destId="{84B60CA6-6F0D-4EF3-9C6F-21B1067FB248}" srcOrd="0" destOrd="0" presId="urn:microsoft.com/office/officeart/2005/8/layout/hList1"/>
+    <dgm:cxn modelId="{1CCF0CD6-EF59-49BB-A223-D111C780466F}" srcId="{972EEA30-1925-4C1A-AC7E-2B3DB4517989}" destId="{072BCCE2-37A1-4004-9924-FC77DDAB6410}" srcOrd="0" destOrd="0" parTransId="{EE92D3DB-4F35-46C3-A9A9-6BC11045BD66}" sibTransId="{EF844835-98E2-436C-A273-24D559DA09F5}"/>
+    <dgm:cxn modelId="{FF73463E-E2C1-4213-A68B-51622B04122A}" type="presOf" srcId="{2558A706-7114-4927-969A-71DB6B7A6197}" destId="{D01DDD35-C12F-4AFE-A885-A317C1155B5B}" srcOrd="0" destOrd="5" presId="urn:microsoft.com/office/officeart/2005/8/layout/hList1"/>
+    <dgm:cxn modelId="{ADA98848-F625-4687-8928-C14382FF7DEB}" type="presOf" srcId="{AC853C07-8E44-4B4A-BFD1-10BDF881EDE1}" destId="{C7CD115F-5D7F-47E6-B852-93032DF43A6B}" srcOrd="0" destOrd="2" presId="urn:microsoft.com/office/officeart/2005/8/layout/hList1"/>
+    <dgm:cxn modelId="{8EAA2D29-C982-4F08-99A2-878E9088C393}" type="presOf" srcId="{070FF091-BB19-4548-BBCC-EDBEED141E22}" destId="{C7CD115F-5D7F-47E6-B852-93032DF43A6B}" srcOrd="0" destOrd="4" presId="urn:microsoft.com/office/officeart/2005/8/layout/hList1"/>
     <dgm:cxn modelId="{D3F4EE9E-99DD-4F0E-BD6D-B144C9C35B3A}" srcId="{072BCCE2-37A1-4004-9924-FC77DDAB6410}" destId="{070FF091-BB19-4548-BBCC-EDBEED141E22}" srcOrd="4" destOrd="0" parTransId="{C60467A0-73A9-4621-B73A-A8B31938ADF5}" sibTransId="{89D67D8A-CCB4-4C04-9ED6-008CFE2F8098}"/>
-    <dgm:cxn modelId="{DCFC238E-B9FC-489E-B99F-18F2AB7DF7F7}" type="presOf" srcId="{2CEC434B-6CFD-4F4F-AAFD-EB4F8E9C3F18}" destId="{6130DA44-0BD7-42D5-897E-C23202A67351}" srcOrd="0" destOrd="2" presId="urn:microsoft.com/office/officeart/2005/8/layout/hList1"/>
-    <dgm:cxn modelId="{40839B18-A150-47BA-83FF-952363C88D41}" srcId="{072BCCE2-37A1-4004-9924-FC77DDAB6410}" destId="{AC853C07-8E44-4B4A-BFD1-10BDF881EDE1}" srcOrd="2" destOrd="0" parTransId="{DD285C7B-EEAB-4C0B-BC66-82D8102FB1AD}" sibTransId="{5CD3E7D5-F9C7-4FF3-900D-60DDDBB7AD51}"/>
-    <dgm:cxn modelId="{FF73463E-E2C1-4213-A68B-51622B04122A}" type="presOf" srcId="{2558A706-7114-4927-969A-71DB6B7A6197}" destId="{D01DDD35-C12F-4AFE-A885-A317C1155B5B}" srcOrd="0" destOrd="5" presId="urn:microsoft.com/office/officeart/2005/8/layout/hList1"/>
-    <dgm:cxn modelId="{E9BD5030-7435-426C-BEB0-C5C72C2A1B11}" type="presOf" srcId="{F8A6E171-5924-4AA2-83B8-78285B8362C8}" destId="{C7CD115F-5D7F-47E6-B852-93032DF43A6B}" srcOrd="0" destOrd="0" presId="urn:microsoft.com/office/officeart/2005/8/layout/hList1"/>
-    <dgm:cxn modelId="{CA37C6C6-46E2-49CD-A2CE-9DF682553222}" type="presOf" srcId="{0F6433BF-A112-4547-BE56-916119A8FE61}" destId="{C7CD115F-5D7F-47E6-B852-93032DF43A6B}" srcOrd="0" destOrd="3" presId="urn:microsoft.com/office/officeart/2005/8/layout/hList1"/>
-    <dgm:cxn modelId="{EF370E66-BA9E-47B1-8DD1-197C655F3B3E}" srcId="{83E5CBC5-47FE-41B5-ADE3-AF46F14AAEFE}" destId="{2558A706-7114-4927-969A-71DB6B7A6197}" srcOrd="5" destOrd="0" parTransId="{F24E950A-DB48-4842-A244-6BE459440E40}" sibTransId="{9202D49D-2D7C-4162-AA97-E65038CBD562}"/>
-    <dgm:cxn modelId="{1775133E-771A-4137-93A2-BC7A4415E3B8}" srcId="{072BCCE2-37A1-4004-9924-FC77DDAB6410}" destId="{F8A6E171-5924-4AA2-83B8-78285B8362C8}" srcOrd="0" destOrd="0" parTransId="{9FB51446-CD4B-47B9-9474-8C48471E428D}" sibTransId="{00880EEF-9F9B-4031-9C6C-0AD81CE8BA2F}"/>
     <dgm:cxn modelId="{BC4772FA-5858-4C3E-9CA9-41935F678F91}" srcId="{2E0FBEA3-84BB-467D-96A5-9836AF332835}" destId="{086449A9-F0ED-4F08-ACE2-149D4FF7B70B}" srcOrd="6" destOrd="0" parTransId="{538A0D36-DDF1-4501-9F02-127A82072430}" sibTransId="{5F7685DC-85A2-4810-8111-DF4EA540402B}"/>
-    <dgm:cxn modelId="{ADA98848-F625-4687-8928-C14382FF7DEB}" type="presOf" srcId="{AC853C07-8E44-4B4A-BFD1-10BDF881EDE1}" destId="{C7CD115F-5D7F-47E6-B852-93032DF43A6B}" srcOrd="0" destOrd="2" presId="urn:microsoft.com/office/officeart/2005/8/layout/hList1"/>
-    <dgm:cxn modelId="{E7EEB759-4560-44B0-B5B8-4A943E339703}" type="presOf" srcId="{972EEA30-1925-4C1A-AC7E-2B3DB4517989}" destId="{D9592EEA-0EA9-4895-9D7A-B688FD59CF9B}" srcOrd="0" destOrd="0" presId="urn:microsoft.com/office/officeart/2005/8/layout/hList1"/>
+    <dgm:cxn modelId="{46119593-AD3B-4827-9FF8-F6858802AF36}" srcId="{83E5CBC5-47FE-41B5-ADE3-AF46F14AAEFE}" destId="{985E6EA2-6D11-4D91-8F9D-0E0019A9EB92}" srcOrd="2" destOrd="0" parTransId="{E8C9CFC6-7DDD-40D0-84DC-190B9052A010}" sibTransId="{56278271-A895-4685-9433-896791D0D1E2}"/>
+    <dgm:cxn modelId="{4E898BD4-04FD-4918-B3CF-E104F317CA14}" type="presOf" srcId="{EE1D6906-52A3-4777-86EF-44298666C619}" destId="{D01DDD35-C12F-4AFE-A885-A317C1155B5B}" srcOrd="0" destOrd="1" presId="urn:microsoft.com/office/officeart/2005/8/layout/hList1"/>
     <dgm:cxn modelId="{081D14DA-9C6E-4FE1-8869-BBF61D2E1A91}" srcId="{972EEA30-1925-4C1A-AC7E-2B3DB4517989}" destId="{83E5CBC5-47FE-41B5-ADE3-AF46F14AAEFE}" srcOrd="2" destOrd="0" parTransId="{8C75225C-A317-4AE6-BCBD-A9D0F1198042}" sibTransId="{8266D77A-7461-4FB3-B363-A129F2901B86}"/>
+    <dgm:cxn modelId="{5C7BEBDC-CD36-459D-BEB0-3DDB26897396}" type="presOf" srcId="{C495E6A7-DA18-46C4-8B83-C00571DED6A4}" destId="{6130DA44-0BD7-42D5-897E-C23202A67351}" srcOrd="0" destOrd="4" presId="urn:microsoft.com/office/officeart/2005/8/layout/hList1"/>
+    <dgm:cxn modelId="{27AAD415-7653-4A32-B286-D1135FEA83BA}" srcId="{072BCCE2-37A1-4004-9924-FC77DDAB6410}" destId="{B1E425E8-802C-418B-A8EC-28EE37196870}" srcOrd="1" destOrd="0" parTransId="{B452BDDF-4F81-4C1A-831F-2F96413DE936}" sibTransId="{7BF7DBCF-E4B6-4DFD-BB20-F1BED058DA5B}"/>
+    <dgm:cxn modelId="{68737098-9AC4-43E1-A0CF-6C10EF43B5F3}" type="presOf" srcId="{5F2A696C-5654-4A9E-9671-76DD679D1EB6}" destId="{D01DDD35-C12F-4AFE-A885-A317C1155B5B}" srcOrd="0" destOrd="3" presId="urn:microsoft.com/office/officeart/2005/8/layout/hList1"/>
     <dgm:cxn modelId="{ECCD028E-E492-40E8-BD0F-64241FB1EDCC}" srcId="{83E5CBC5-47FE-41B5-ADE3-AF46F14AAEFE}" destId="{EE1D6906-52A3-4777-86EF-44298666C619}" srcOrd="1" destOrd="0" parTransId="{40D79C0A-F172-40FE-9A6A-71AFC4A771F6}" sibTransId="{EFDA43E3-B49D-4342-BF0F-6E3A261B2892}"/>
-    <dgm:cxn modelId="{27AAD415-7653-4A32-B286-D1135FEA83BA}" srcId="{072BCCE2-37A1-4004-9924-FC77DDAB6410}" destId="{B1E425E8-802C-418B-A8EC-28EE37196870}" srcOrd="1" destOrd="0" parTransId="{B452BDDF-4F81-4C1A-831F-2F96413DE936}" sibTransId="{7BF7DBCF-E4B6-4DFD-BB20-F1BED058DA5B}"/>
-    <dgm:cxn modelId="{921AA55A-28A5-448A-8C29-B819F0E81121}" srcId="{072BCCE2-37A1-4004-9924-FC77DDAB6410}" destId="{52901E77-F4EB-4922-BF04-072F154D5274}" srcOrd="6" destOrd="0" parTransId="{E0DC82F1-EF18-4D19-81FE-1DC6414E1C34}" sibTransId="{71BC8966-27DE-4A7D-BE0B-F935A4423245}"/>
-    <dgm:cxn modelId="{4B9DF119-38CD-481E-998F-48D51AF4A188}" srcId="{2E0FBEA3-84BB-467D-96A5-9836AF332835}" destId="{C495E6A7-DA18-46C4-8B83-C00571DED6A4}" srcOrd="4" destOrd="0" parTransId="{9C4216D6-27FE-4F47-AEDC-3FD6080C106C}" sibTransId="{072977E8-10C7-46E5-8169-031AB2619A7C}"/>
-    <dgm:cxn modelId="{04FB1F3E-CAF5-4473-ACB2-874F7DD26CA5}" srcId="{83E5CBC5-47FE-41B5-ADE3-AF46F14AAEFE}" destId="{5F2A696C-5654-4A9E-9671-76DD679D1EB6}" srcOrd="3" destOrd="0" parTransId="{C2D65257-16F6-4071-93F7-1B3F880FAE73}" sibTransId="{AE443F6A-4DAA-40A7-810F-984C6E05786E}"/>
-    <dgm:cxn modelId="{DB090E5D-617A-4155-831A-CEFB02454A12}" type="presOf" srcId="{C781F228-A113-4EF3-B639-47BBCDA2BE8A}" destId="{6130DA44-0BD7-42D5-897E-C23202A67351}" srcOrd="0" destOrd="3" presId="urn:microsoft.com/office/officeart/2005/8/layout/hList1"/>
-    <dgm:cxn modelId="{0B736FD3-E756-400A-8D29-BFDD7BF2DEEB}" type="presOf" srcId="{BE498A8D-1F66-4D8C-92DC-3CCAF8B26AE2}" destId="{D01DDD35-C12F-4AFE-A885-A317C1155B5B}" srcOrd="0" destOrd="4" presId="urn:microsoft.com/office/officeart/2005/8/layout/hList1"/>
-    <dgm:cxn modelId="{FA5184FE-9B96-4928-A3FB-94956CE9D92A}" srcId="{2E0FBEA3-84BB-467D-96A5-9836AF332835}" destId="{DFBA26F2-6EBF-4FD0-8895-894CAB9A9D70}" srcOrd="5" destOrd="0" parTransId="{99B825CD-E072-495B-996F-B08D358648DF}" sibTransId="{BDC819D9-77B0-4D05-B9FE-41B6E0BBBE62}"/>
-    <dgm:cxn modelId="{186D7D72-43DB-4D9B-A7F3-81DB35D7454A}" type="presOf" srcId="{072BCCE2-37A1-4004-9924-FC77DDAB6410}" destId="{A8064CFC-3DA6-4911-B45C-68A8A5C862AF}" srcOrd="0" destOrd="0" presId="urn:microsoft.com/office/officeart/2005/8/layout/hList1"/>
-    <dgm:cxn modelId="{4E898BD4-04FD-4918-B3CF-E104F317CA14}" type="presOf" srcId="{EE1D6906-52A3-4777-86EF-44298666C619}" destId="{D01DDD35-C12F-4AFE-A885-A317C1155B5B}" srcOrd="0" destOrd="1" presId="urn:microsoft.com/office/officeart/2005/8/layout/hList1"/>
-    <dgm:cxn modelId="{68737098-9AC4-43E1-A0CF-6C10EF43B5F3}" type="presOf" srcId="{5F2A696C-5654-4A9E-9671-76DD679D1EB6}" destId="{D01DDD35-C12F-4AFE-A885-A317C1155B5B}" srcOrd="0" destOrd="3" presId="urn:microsoft.com/office/officeart/2005/8/layout/hList1"/>
-    <dgm:cxn modelId="{15FA697D-0D75-4D83-B339-DD9568692BA8}" type="presOf" srcId="{FB987B40-CD08-45C6-A921-0E5FAEE82F98}" destId="{6130DA44-0BD7-42D5-897E-C23202A67351}" srcOrd="0" destOrd="0" presId="urn:microsoft.com/office/officeart/2005/8/layout/hList1"/>
-    <dgm:cxn modelId="{098C5205-06D9-4010-83B5-56932FDF0EAB}" srcId="{972EEA30-1925-4C1A-AC7E-2B3DB4517989}" destId="{2E0FBEA3-84BB-467D-96A5-9836AF332835}" srcOrd="1" destOrd="0" parTransId="{72EE9CAF-0871-401A-A48E-207F98898E70}" sibTransId="{3EDE509C-AF9B-4FFA-B5C5-DAFAA34875E9}"/>
-    <dgm:cxn modelId="{ADBCBFBB-EA8C-4B63-A587-587505D80FD8}" srcId="{072BCCE2-37A1-4004-9924-FC77DDAB6410}" destId="{23FC9CF5-86EC-49D2-89F9-3FDCDCCD7CE1}" srcOrd="5" destOrd="0" parTransId="{21EC77A8-F57F-464B-B524-6E1A36758581}" sibTransId="{C7FFB41F-39BD-44D8-B338-42026E184F6D}"/>
-    <dgm:cxn modelId="{A154A736-D8A4-486E-ABF1-0E6FF5BAE413}" type="presOf" srcId="{985E6EA2-6D11-4D91-8F9D-0E0019A9EB92}" destId="{D01DDD35-C12F-4AFE-A885-A317C1155B5B}" srcOrd="0" destOrd="2" presId="urn:microsoft.com/office/officeart/2005/8/layout/hList1"/>
-    <dgm:cxn modelId="{1B95CFA9-C4DF-4705-AC4B-5E5B0976A970}" srcId="{2E0FBEA3-84BB-467D-96A5-9836AF332835}" destId="{2CEC434B-6CFD-4F4F-AAFD-EB4F8E9C3F18}" srcOrd="2" destOrd="0" parTransId="{F51EEC0B-B0BC-4A90-B4F8-6AF9B88A08FE}" sibTransId="{01992556-3357-44C2-AD0E-E2EF52EB9F32}"/>
-    <dgm:cxn modelId="{FB22DF15-7560-4CB8-8032-444FCA4078AB}" type="presOf" srcId="{B1E425E8-802C-418B-A8EC-28EE37196870}" destId="{C7CD115F-5D7F-47E6-B852-93032DF43A6B}" srcOrd="0" destOrd="1" presId="urn:microsoft.com/office/officeart/2005/8/layout/hList1"/>
-    <dgm:cxn modelId="{4B906E92-6A62-4FB8-A93E-4BDF4F9E29D6}" srcId="{83E5CBC5-47FE-41B5-ADE3-AF46F14AAEFE}" destId="{59CBDF42-A291-43A8-A867-446BA1D04115}" srcOrd="6" destOrd="0" parTransId="{A6148C4F-51B9-4D07-BC32-7C18BD91144E}" sibTransId="{3174FD22-6626-4762-87F0-3E4C87DE5657}"/>
-    <dgm:cxn modelId="{8EAA2D29-C982-4F08-99A2-878E9088C393}" type="presOf" srcId="{070FF091-BB19-4548-BBCC-EDBEED141E22}" destId="{C7CD115F-5D7F-47E6-B852-93032DF43A6B}" srcOrd="0" destOrd="4" presId="urn:microsoft.com/office/officeart/2005/8/layout/hList1"/>
-    <dgm:cxn modelId="{07838031-9ED9-43B2-BF8A-B8ED0228AB41}" srcId="{83E5CBC5-47FE-41B5-ADE3-AF46F14AAEFE}" destId="{C2428EC6-D0DA-4420-8692-CF7217AAC1F5}" srcOrd="0" destOrd="0" parTransId="{78C05B46-CCC2-472B-8642-E211B3A951F8}" sibTransId="{0663CC1C-71CD-4361-BC72-099A71AD2E47}"/>
     <dgm:cxn modelId="{6C2B5CB9-80AD-411B-A2AF-EB70151C718C}" type="presOf" srcId="{7C3BEF89-F391-4C3C-A935-9AC30E06F3CF}" destId="{6130DA44-0BD7-42D5-897E-C23202A67351}" srcOrd="0" destOrd="1" presId="urn:microsoft.com/office/officeart/2005/8/layout/hList1"/>
-    <dgm:cxn modelId="{6634EBAD-1A34-4A14-AFF8-3D210929B13B}" type="presOf" srcId="{83E5CBC5-47FE-41B5-ADE3-AF46F14AAEFE}" destId="{84B60CA6-6F0D-4EF3-9C6F-21B1067FB248}" srcOrd="0" destOrd="0" presId="urn:microsoft.com/office/officeart/2005/8/layout/hList1"/>
-    <dgm:cxn modelId="{5AF28AD3-124C-4DF7-AEA6-C0048B26EEE9}" type="presOf" srcId="{23FC9CF5-86EC-49D2-89F9-3FDCDCCD7CE1}" destId="{C7CD115F-5D7F-47E6-B852-93032DF43A6B}" srcOrd="0" destOrd="5" presId="urn:microsoft.com/office/officeart/2005/8/layout/hList1"/>
-    <dgm:cxn modelId="{A486A04F-AA67-4D8C-82A2-0D3567ACBBC8}" srcId="{072BCCE2-37A1-4004-9924-FC77DDAB6410}" destId="{0F6433BF-A112-4547-BE56-916119A8FE61}" srcOrd="3" destOrd="0" parTransId="{229A454F-CCFA-41E2-BFA3-58098745A66E}" sibTransId="{8BF8F5BD-0BDE-4097-A056-3EA3E2F8F544}"/>
-    <dgm:cxn modelId="{CC3C6E46-A07D-49EF-BE2E-168AEE9D2D97}" type="presOf" srcId="{086449A9-F0ED-4F08-ACE2-149D4FF7B70B}" destId="{6130DA44-0BD7-42D5-897E-C23202A67351}" srcOrd="0" destOrd="6" presId="urn:microsoft.com/office/officeart/2005/8/layout/hList1"/>
-    <dgm:cxn modelId="{569953DE-638F-4729-A395-F0060F48BC29}" type="presOf" srcId="{DFBA26F2-6EBF-4FD0-8895-894CAB9A9D70}" destId="{6130DA44-0BD7-42D5-897E-C23202A67351}" srcOrd="0" destOrd="5" presId="urn:microsoft.com/office/officeart/2005/8/layout/hList1"/>
-    <dgm:cxn modelId="{46119593-AD3B-4827-9FF8-F6858802AF36}" srcId="{83E5CBC5-47FE-41B5-ADE3-AF46F14AAEFE}" destId="{985E6EA2-6D11-4D91-8F9D-0E0019A9EB92}" srcOrd="2" destOrd="0" parTransId="{E8C9CFC6-7DDD-40D0-84DC-190B9052A010}" sibTransId="{56278271-A895-4685-9433-896791D0D1E2}"/>
-    <dgm:cxn modelId="{1CCF0CD6-EF59-49BB-A223-D111C780466F}" srcId="{972EEA30-1925-4C1A-AC7E-2B3DB4517989}" destId="{072BCCE2-37A1-4004-9924-FC77DDAB6410}" srcOrd="0" destOrd="0" parTransId="{EE92D3DB-4F35-46C3-A9A9-6BC11045BD66}" sibTransId="{EF844835-98E2-436C-A273-24D559DA09F5}"/>
-    <dgm:cxn modelId="{06578BE1-75F0-46A9-97A8-24E6A728D433}" type="presOf" srcId="{59CBDF42-A291-43A8-A867-446BA1D04115}" destId="{D01DDD35-C12F-4AFE-A885-A317C1155B5B}" srcOrd="0" destOrd="6" presId="urn:microsoft.com/office/officeart/2005/8/layout/hList1"/>
-    <dgm:cxn modelId="{AC618599-D013-4939-AEF8-98F54400E9FA}" srcId="{2E0FBEA3-84BB-467D-96A5-9836AF332835}" destId="{7C3BEF89-F391-4C3C-A935-9AC30E06F3CF}" srcOrd="1" destOrd="0" parTransId="{D97B9F92-FF2F-44CD-8807-F128AD45848A}" sibTransId="{DF00F4A6-24D0-42F9-8DF5-730B4B13A16B}"/>
     <dgm:cxn modelId="{075A4210-F8CE-4EF7-8A73-80809E02E8F7}" srcId="{2E0FBEA3-84BB-467D-96A5-9836AF332835}" destId="{C781F228-A113-4EF3-B639-47BBCDA2BE8A}" srcOrd="3" destOrd="0" parTransId="{CF2958D9-FD5D-43C5-8D5E-820DB2B44A89}" sibTransId="{0269983D-A6B9-4700-ABA3-707FD507A66B}"/>
-    <dgm:cxn modelId="{5C7BEBDC-CD36-459D-BEB0-3DDB26897396}" type="presOf" srcId="{C495E6A7-DA18-46C4-8B83-C00571DED6A4}" destId="{6130DA44-0BD7-42D5-897E-C23202A67351}" srcOrd="0" destOrd="4" presId="urn:microsoft.com/office/officeart/2005/8/layout/hList1"/>
-    <dgm:cxn modelId="{ED283095-0CA3-4A62-95C6-029686B46E75}" type="presOf" srcId="{C2428EC6-D0DA-4420-8692-CF7217AAC1F5}" destId="{D01DDD35-C12F-4AFE-A885-A317C1155B5B}" srcOrd="0" destOrd="0" presId="urn:microsoft.com/office/officeart/2005/8/layout/hList1"/>
-    <dgm:cxn modelId="{C1AC93B1-9688-476A-9A45-40827399129B}" srcId="{2E0FBEA3-84BB-467D-96A5-9836AF332835}" destId="{FB987B40-CD08-45C6-A921-0E5FAEE82F98}" srcOrd="0" destOrd="0" parTransId="{8B189EFB-C394-4D80-9EE1-E1EE8DD460F6}" sibTransId="{227388F9-B4C7-42DD-A587-6C6743B4D613}"/>
-    <dgm:cxn modelId="{622256FE-D344-4366-83ED-5BFF8717C75F}" srcId="{83E5CBC5-47FE-41B5-ADE3-AF46F14AAEFE}" destId="{BE498A8D-1F66-4D8C-92DC-3CCAF8B26AE2}" srcOrd="4" destOrd="0" parTransId="{3F971816-98CE-46A2-9BEA-5D456713835F}" sibTransId="{76463855-6FF6-4F78-9901-2E14C92F63C0}"/>
-    <dgm:cxn modelId="{DA1F582F-C73E-4907-80F7-99EC826F7B58}" type="presOf" srcId="{52901E77-F4EB-4922-BF04-072F154D5274}" destId="{C7CD115F-5D7F-47E6-B852-93032DF43A6B}" srcOrd="0" destOrd="6" presId="urn:microsoft.com/office/officeart/2005/8/layout/hList1"/>
     <dgm:cxn modelId="{D6698D54-8015-45E2-9AD4-48979F95A7FB}" type="presParOf" srcId="{D9592EEA-0EA9-4895-9D7A-B688FD59CF9B}" destId="{53B33B56-A589-4CC4-BB33-4FC48646F9D6}" srcOrd="0" destOrd="0" presId="urn:microsoft.com/office/officeart/2005/8/layout/hList1"/>
     <dgm:cxn modelId="{B66122FE-C64F-4367-B736-1649CE872F62}" type="presParOf" srcId="{53B33B56-A589-4CC4-BB33-4FC48646F9D6}" destId="{A8064CFC-3DA6-4911-B45C-68A8A5C862AF}" srcOrd="0" destOrd="0" presId="urn:microsoft.com/office/officeart/2005/8/layout/hList1"/>
     <dgm:cxn modelId="{2AA1302A-0F81-4CBD-9603-863552F2A930}" type="presParOf" srcId="{53B33B56-A589-4CC4-BB33-4FC48646F9D6}" destId="{C7CD115F-5D7F-47E6-B852-93032DF43A6B}" srcOrd="1" destOrd="0" presId="urn:microsoft.com/office/officeart/2005/8/layout/hList1"/>
@@ -2692,7 +2738,7 @@
   <dgm:whole/>
   <dgm:extLst>
     <a:ext uri="http://schemas.microsoft.com/office/drawing/2008/diagram">
-      <dsp:dataModelExt xmlns:dsp="http://schemas.microsoft.com/office/drawing/2008/diagram" relId="rId6" minVer="http://schemas.openxmlformats.org/drawingml/2006/diagram"/>
+      <dsp:dataModelExt xmlns:dsp="http://schemas.microsoft.com/office/drawing/2008/diagram" xmlns="" relId="rId6" minVer="http://schemas.openxmlformats.org/drawingml/2006/diagram"/>
     </a:ext>
   </dgm:extLst>
 </dgm:dataModel>
@@ -2702,7 +2748,7 @@
 <dgm:dataModel xmlns:dgm="http://schemas.openxmlformats.org/drawingml/2006/diagram" xmlns:a="http://schemas.openxmlformats.org/drawingml/2006/main">
   <dgm:ptLst>
     <dgm:pt modelId="{972EEA30-1925-4C1A-AC7E-2B3DB4517989}" type="doc">
-      <dgm:prSet loTypeId="urn:microsoft.com/office/officeart/2005/8/layout/hList1" loCatId="list" qsTypeId="urn:microsoft.com/office/officeart/2005/8/quickstyle/simple1" qsCatId="simple" csTypeId="urn:microsoft.com/office/officeart/2005/8/colors/accent1_2" csCatId="accent1" phldr="1"/>
+      <dgm:prSet loTypeId="urn:microsoft.com/office/officeart/2005/8/layout/hList1" loCatId="list" qsTypeId="urn:microsoft.com/office/officeart/2005/8/quickstyle/simple1#2" qsCatId="simple" csTypeId="urn:microsoft.com/office/officeart/2005/8/colors/accent1_2#2" csCatId="accent1" phldr="1"/>
       <dgm:spPr/>
       <dgm:t>
         <a:bodyPr/>
@@ -3346,6 +3392,13 @@
         </dgm:presLayoutVars>
       </dgm:prSet>
       <dgm:spPr/>
+      <dgm:t>
+        <a:bodyPr/>
+        <a:lstStyle/>
+        <a:p>
+          <a:endParaRPr lang="ru-RU"/>
+        </a:p>
+      </dgm:t>
     </dgm:pt>
     <dgm:pt modelId="{6747166B-6FF5-4DEF-B34A-EE31CBF452C8}" type="pres">
       <dgm:prSet presAssocID="{5F57960C-4235-4D82-B60B-855D4E6A7AEF}" presName="composite" presStyleCnt="0"/>
@@ -3375,6 +3428,13 @@
         </dgm:presLayoutVars>
       </dgm:prSet>
       <dgm:spPr/>
+      <dgm:t>
+        <a:bodyPr/>
+        <a:lstStyle/>
+        <a:p>
+          <a:endParaRPr lang="ru-RU"/>
+        </a:p>
+      </dgm:t>
     </dgm:pt>
     <dgm:pt modelId="{AAACE69D-A999-42C0-BFF6-465FB20FA3D5}" type="pres">
       <dgm:prSet presAssocID="{BCF533D6-8476-49EF-8C37-24BAC3AC0FB1}" presName="space" presStyleCnt="0"/>
@@ -3408,6 +3468,13 @@
         </dgm:presLayoutVars>
       </dgm:prSet>
       <dgm:spPr/>
+      <dgm:t>
+        <a:bodyPr/>
+        <a:lstStyle/>
+        <a:p>
+          <a:endParaRPr lang="ru-RU"/>
+        </a:p>
+      </dgm:t>
     </dgm:pt>
     <dgm:pt modelId="{04264F8A-8D2A-4B7E-99E9-137026854CA9}" type="pres">
       <dgm:prSet presAssocID="{CB5C09C9-D32F-4A10-B265-4A11E87E8497}" presName="space" presStyleCnt="0"/>
@@ -3451,41 +3518,41 @@
     </dgm:pt>
   </dgm:ptLst>
   <dgm:cxnLst>
+    <dgm:cxn modelId="{9A0712B7-2379-4417-B91F-42D6FB544755}" srcId="{972EEA30-1925-4C1A-AC7E-2B3DB4517989}" destId="{5F57960C-4235-4D82-B60B-855D4E6A7AEF}" srcOrd="0" destOrd="0" parTransId="{D99AE7CD-1AF4-40D1-9198-F180B96D8179}" sibTransId="{BCF533D6-8476-49EF-8C37-24BAC3AC0FB1}"/>
+    <dgm:cxn modelId="{7449EA75-D3FA-4175-BCDF-F3E204E16F7B}" type="presOf" srcId="{0BB4FAC6-B270-45B7-B83A-25A8B913B04E}" destId="{3F04D6E3-2A88-4B5D-9693-6197E0326257}" srcOrd="0" destOrd="4" presId="urn:microsoft.com/office/officeart/2005/8/layout/hList1"/>
+    <dgm:cxn modelId="{DE708754-A2ED-41C5-9558-A2D100BAB2BD}" type="presOf" srcId="{79C3B034-5C9B-4A20-A472-7279B493BBA8}" destId="{C3F7B771-5E6D-46F0-B894-349B9E763B60}" srcOrd="0" destOrd="0" presId="urn:microsoft.com/office/officeart/2005/8/layout/hList1"/>
+    <dgm:cxn modelId="{7C3CD862-C405-4E15-A900-B82D33EB9A36}" type="presOf" srcId="{A48B4B52-E8B9-4DDE-854A-E72BA7A910FD}" destId="{3F04D6E3-2A88-4B5D-9693-6197E0326257}" srcOrd="0" destOrd="1" presId="urn:microsoft.com/office/officeart/2005/8/layout/hList1"/>
+    <dgm:cxn modelId="{78CEA645-ED3C-4142-8138-0B997B028C2D}" srcId="{CF6B6E0F-0EDD-439B-BAC8-FE0AE07CB677}" destId="{3F85E07C-36FE-4114-899C-482D4AD22626}" srcOrd="1" destOrd="0" parTransId="{54BEB8FB-9EE8-46EA-826C-DC583782F31D}" sibTransId="{27EC7A7A-ADA4-4E05-BA38-FC6250D378DE}"/>
+    <dgm:cxn modelId="{A20ED7C6-B4C8-4E98-A7CB-A386379A8F3C}" srcId="{79C3B034-5C9B-4A20-A472-7279B493BBA8}" destId="{52587AC8-F65B-4339-85E0-7AB38F1CA423}" srcOrd="2" destOrd="0" parTransId="{B79F5FAC-5BC9-475C-9080-660F26E01AA4}" sibTransId="{7328E5A3-F344-40DC-9FC0-48242C66E46C}"/>
+    <dgm:cxn modelId="{190C524B-CCF9-435E-8659-53210868012E}" srcId="{5F57960C-4235-4D82-B60B-855D4E6A7AEF}" destId="{A48B4B52-E8B9-4DDE-854A-E72BA7A910FD}" srcOrd="1" destOrd="0" parTransId="{A2A2060A-ADD4-4409-A72A-3C3D853D5F8D}" sibTransId="{5976CAE0-702A-4A72-9393-E51D4DAC1878}"/>
+    <dgm:cxn modelId="{C43B9BCD-C460-4ED7-A4EC-574B4D846F3F}" type="presOf" srcId="{F33E32E6-95AC-41A7-A73D-F7148D8DBA9E}" destId="{8FCADF33-6F33-4B93-905B-38234BA30063}" srcOrd="0" destOrd="1" presId="urn:microsoft.com/office/officeart/2005/8/layout/hList1"/>
+    <dgm:cxn modelId="{37A23467-1C8E-4EAD-A84D-78559A60E993}" srcId="{CF6B6E0F-0EDD-439B-BAC8-FE0AE07CB677}" destId="{00064C1B-9896-4CF9-B23F-50E8FA6D9D15}" srcOrd="2" destOrd="0" parTransId="{DE323414-19FC-46C8-B7B0-5D00B5C7DD22}" sibTransId="{12A91231-5540-4F5B-A2EC-E37A46BB5CEE}"/>
+    <dgm:cxn modelId="{35FFD782-32F6-47A5-8BF8-4AE39025496D}" srcId="{5F57960C-4235-4D82-B60B-855D4E6A7AEF}" destId="{0BB4FAC6-B270-45B7-B83A-25A8B913B04E}" srcOrd="4" destOrd="0" parTransId="{B3DE8BC5-BBC0-4D4B-9EE2-5A14538A0F5B}" sibTransId="{513DA05C-7A79-4338-BF4F-E9C47B99D65E}"/>
+    <dgm:cxn modelId="{4C0B32A1-9F19-4EF9-B29F-67E4123F4CD3}" srcId="{CF6B6E0F-0EDD-439B-BAC8-FE0AE07CB677}" destId="{CD361606-D8D2-4BF6-900B-AC96FFF31BF8}" srcOrd="0" destOrd="0" parTransId="{31F03B52-4570-4B41-9365-5022B7EDE074}" sibTransId="{926FC9B5-21ED-42B7-BF8E-65BAF012221B}"/>
+    <dgm:cxn modelId="{65FDC4DF-D54B-4349-81A9-F15659828B48}" type="presOf" srcId="{77B81CA2-A844-4720-BB4C-C04DFA792A97}" destId="{3F04D6E3-2A88-4B5D-9693-6197E0326257}" srcOrd="0" destOrd="2" presId="urn:microsoft.com/office/officeart/2005/8/layout/hList1"/>
+    <dgm:cxn modelId="{A44DCE11-B860-4454-8C41-2F62DEA2536F}" srcId="{5F57960C-4235-4D82-B60B-855D4E6A7AEF}" destId="{AE8B2C52-DF24-4764-BEEB-5E6E5AAC92AE}" srcOrd="6" destOrd="0" parTransId="{B6EBFDF5-53B2-4A81-95D8-189991DFED84}" sibTransId="{5E528C3F-E48F-427F-87A1-CE89F27C5E1F}"/>
+    <dgm:cxn modelId="{48C81E60-AAFF-4BA8-BAFB-1445AD310BD8}" srcId="{5F57960C-4235-4D82-B60B-855D4E6A7AEF}" destId="{77B81CA2-A844-4720-BB4C-C04DFA792A97}" srcOrd="2" destOrd="0" parTransId="{67632B9B-EB26-49D0-9322-621EE475E5CB}" sibTransId="{AF3508A7-6644-4752-86D2-B00629AD04D5}"/>
+    <dgm:cxn modelId="{5099D4E3-A96D-47A0-8527-E9B8D2A9F7C3}" srcId="{79C3B034-5C9B-4A20-A472-7279B493BBA8}" destId="{F33E32E6-95AC-41A7-A73D-F7148D8DBA9E}" srcOrd="1" destOrd="0" parTransId="{24CE0F7F-0288-423A-9132-AD9BB8A739A6}" sibTransId="{B8006313-8D1E-47FE-B338-5BAAA21F5FF0}"/>
+    <dgm:cxn modelId="{0CFBE964-6883-4BB4-8F28-AAC08FB418B6}" srcId="{972EEA30-1925-4C1A-AC7E-2B3DB4517989}" destId="{CF6B6E0F-0EDD-439B-BAC8-FE0AE07CB677}" srcOrd="1" destOrd="0" parTransId="{27B86E79-15A2-4CE2-8167-329C83341DEF}" sibTransId="{CB5C09C9-D32F-4A10-B265-4A11E87E8497}"/>
+    <dgm:cxn modelId="{CD0BE4ED-A959-4524-B73F-372E6ED71526}" type="presOf" srcId="{972EEA30-1925-4C1A-AC7E-2B3DB4517989}" destId="{D9592EEA-0EA9-4895-9D7A-B688FD59CF9B}" srcOrd="0" destOrd="0" presId="urn:microsoft.com/office/officeart/2005/8/layout/hList1"/>
+    <dgm:cxn modelId="{F3C6793A-58C9-4D41-BC3F-A3467220E4F4}" srcId="{79C3B034-5C9B-4A20-A472-7279B493BBA8}" destId="{B01E1AFA-1CA5-4730-B284-CDA1C653A39A}" srcOrd="0" destOrd="0" parTransId="{595F3E91-0029-4AB0-A4AA-8ACF105EDD6C}" sibTransId="{5E127247-1498-4E45-BF68-3ACE9E9B2E99}"/>
+    <dgm:cxn modelId="{AE1069FA-84EE-4776-93ED-CFE95BD071C3}" srcId="{5F57960C-4235-4D82-B60B-855D4E6A7AEF}" destId="{495615F3-9E80-47AD-81B3-D227CCB23802}" srcOrd="5" destOrd="0" parTransId="{C2F69ABD-DC03-485F-A0AE-E376DC13E596}" sibTransId="{44A052B1-5B51-498E-B27B-B168C5BFC070}"/>
+    <dgm:cxn modelId="{671B9534-9993-41E6-923F-D075C0F34EB5}" type="presOf" srcId="{AE8B2C52-DF24-4764-BEEB-5E6E5AAC92AE}" destId="{3F04D6E3-2A88-4B5D-9693-6197E0326257}" srcOrd="0" destOrd="6" presId="urn:microsoft.com/office/officeart/2005/8/layout/hList1"/>
+    <dgm:cxn modelId="{3C59329B-FF44-434B-9A8D-FA6F29F1EE90}" srcId="{5F57960C-4235-4D82-B60B-855D4E6A7AEF}" destId="{FC85608F-13E9-4C95-948D-9DB84D070C27}" srcOrd="3" destOrd="0" parTransId="{9E3F86F7-7F79-4460-AEFE-2C6B60172BA7}" sibTransId="{4BFF6663-763B-4A17-B473-95664E936588}"/>
+    <dgm:cxn modelId="{38D603CD-8EBA-46F5-92E6-7ED4FF59B0BE}" type="presOf" srcId="{495615F3-9E80-47AD-81B3-D227CCB23802}" destId="{3F04D6E3-2A88-4B5D-9693-6197E0326257}" srcOrd="0" destOrd="5" presId="urn:microsoft.com/office/officeart/2005/8/layout/hList1"/>
+    <dgm:cxn modelId="{E9DB2F2E-4DD4-45DD-9C86-901C2EE74BAB}" srcId="{5F57960C-4235-4D82-B60B-855D4E6A7AEF}" destId="{D977E9D7-FDC2-4413-81AC-4CC4237F7E3C}" srcOrd="0" destOrd="0" parTransId="{7AB657E0-D3F3-439C-B786-2D71B6ACD7E8}" sibTransId="{E7396AA9-BEFD-4FF4-BF32-986D3725CE2E}"/>
+    <dgm:cxn modelId="{DF3A2700-951A-4BC8-9D5D-2E736290A9ED}" type="presOf" srcId="{B01E1AFA-1CA5-4730-B284-CDA1C653A39A}" destId="{8FCADF33-6F33-4B93-905B-38234BA30063}" srcOrd="0" destOrd="0" presId="urn:microsoft.com/office/officeart/2005/8/layout/hList1"/>
+    <dgm:cxn modelId="{74305C89-00CB-4BC2-94BC-9832F2E3FBCB}" type="presOf" srcId="{52587AC8-F65B-4339-85E0-7AB38F1CA423}" destId="{8FCADF33-6F33-4B93-905B-38234BA30063}" srcOrd="0" destOrd="2" presId="urn:microsoft.com/office/officeart/2005/8/layout/hList1"/>
+    <dgm:cxn modelId="{420BE1A3-D923-41FA-80EF-E2FD5E6FF780}" type="presOf" srcId="{CD361606-D8D2-4BF6-900B-AC96FFF31BF8}" destId="{6B417FF8-968F-4ABE-B847-592B4F6B8384}" srcOrd="0" destOrd="0" presId="urn:microsoft.com/office/officeart/2005/8/layout/hList1"/>
+    <dgm:cxn modelId="{DA96B1D0-1B7F-44C3-86F2-9B8132385414}" type="presOf" srcId="{5F57960C-4235-4D82-B60B-855D4E6A7AEF}" destId="{C106FC5F-8A52-4475-A4CF-07627074C4F2}" srcOrd="0" destOrd="0" presId="urn:microsoft.com/office/officeart/2005/8/layout/hList1"/>
+    <dgm:cxn modelId="{266BE45C-3990-46A9-B309-E92629D72941}" type="presOf" srcId="{3F85E07C-36FE-4114-899C-482D4AD22626}" destId="{6B417FF8-968F-4ABE-B847-592B4F6B8384}" srcOrd="0" destOrd="1" presId="urn:microsoft.com/office/officeart/2005/8/layout/hList1"/>
     <dgm:cxn modelId="{852B6CE1-F407-451C-9293-70B1C2DBFFA5}" type="presOf" srcId="{00064C1B-9896-4CF9-B23F-50E8FA6D9D15}" destId="{6B417FF8-968F-4ABE-B847-592B4F6B8384}" srcOrd="0" destOrd="2" presId="urn:microsoft.com/office/officeart/2005/8/layout/hList1"/>
-    <dgm:cxn modelId="{DE708754-A2ED-41C5-9558-A2D100BAB2BD}" type="presOf" srcId="{79C3B034-5C9B-4A20-A472-7279B493BBA8}" destId="{C3F7B771-5E6D-46F0-B894-349B9E763B60}" srcOrd="0" destOrd="0" presId="urn:microsoft.com/office/officeart/2005/8/layout/hList1"/>
     <dgm:cxn modelId="{97D4CAD0-D327-40F5-B0DC-58BB09F7ECD9}" type="presOf" srcId="{FC85608F-13E9-4C95-948D-9DB84D070C27}" destId="{3F04D6E3-2A88-4B5D-9693-6197E0326257}" srcOrd="0" destOrd="3" presId="urn:microsoft.com/office/officeart/2005/8/layout/hList1"/>
-    <dgm:cxn modelId="{3C59329B-FF44-434B-9A8D-FA6F29F1EE90}" srcId="{5F57960C-4235-4D82-B60B-855D4E6A7AEF}" destId="{FC85608F-13E9-4C95-948D-9DB84D070C27}" srcOrd="3" destOrd="0" parTransId="{9E3F86F7-7F79-4460-AEFE-2C6B60172BA7}" sibTransId="{4BFF6663-763B-4A17-B473-95664E936588}"/>
+    <dgm:cxn modelId="{525B6365-00C0-48D8-9381-000BE7F1B7B2}" type="presOf" srcId="{0D25D284-F873-4535-858B-03329D4E58A2}" destId="{6B417FF8-968F-4ABE-B847-592B4F6B8384}" srcOrd="0" destOrd="3" presId="urn:microsoft.com/office/officeart/2005/8/layout/hList1"/>
+    <dgm:cxn modelId="{0EF11222-44DE-4984-947B-FFF87BCF4A37}" srcId="{972EEA30-1925-4C1A-AC7E-2B3DB4517989}" destId="{79C3B034-5C9B-4A20-A472-7279B493BBA8}" srcOrd="2" destOrd="0" parTransId="{1B55FC08-4C85-4D3F-B5D0-414BEC99EB5F}" sibTransId="{95B9F815-7F4E-436B-8C85-ACD4DDDAEFAE}"/>
     <dgm:cxn modelId="{FD84562D-B4C9-484C-BDE3-DEE36F2DD2C5}" type="presOf" srcId="{CF6B6E0F-0EDD-439B-BAC8-FE0AE07CB677}" destId="{2BC2DFC8-5E1D-4F84-AB3C-576F7A1C14BF}" srcOrd="0" destOrd="0" presId="urn:microsoft.com/office/officeart/2005/8/layout/hList1"/>
-    <dgm:cxn modelId="{48C81E60-AAFF-4BA8-BAFB-1445AD310BD8}" srcId="{5F57960C-4235-4D82-B60B-855D4E6A7AEF}" destId="{77B81CA2-A844-4720-BB4C-C04DFA792A97}" srcOrd="2" destOrd="0" parTransId="{67632B9B-EB26-49D0-9322-621EE475E5CB}" sibTransId="{AF3508A7-6644-4752-86D2-B00629AD04D5}"/>
-    <dgm:cxn modelId="{7449EA75-D3FA-4175-BCDF-F3E204E16F7B}" type="presOf" srcId="{0BB4FAC6-B270-45B7-B83A-25A8B913B04E}" destId="{3F04D6E3-2A88-4B5D-9693-6197E0326257}" srcOrd="0" destOrd="4" presId="urn:microsoft.com/office/officeart/2005/8/layout/hList1"/>
-    <dgm:cxn modelId="{A44DCE11-B860-4454-8C41-2F62DEA2536F}" srcId="{5F57960C-4235-4D82-B60B-855D4E6A7AEF}" destId="{AE8B2C52-DF24-4764-BEEB-5E6E5AAC92AE}" srcOrd="6" destOrd="0" parTransId="{B6EBFDF5-53B2-4A81-95D8-189991DFED84}" sibTransId="{5E528C3F-E48F-427F-87A1-CE89F27C5E1F}"/>
-    <dgm:cxn modelId="{4C0B32A1-9F19-4EF9-B29F-67E4123F4CD3}" srcId="{CF6B6E0F-0EDD-439B-BAC8-FE0AE07CB677}" destId="{CD361606-D8D2-4BF6-900B-AC96FFF31BF8}" srcOrd="0" destOrd="0" parTransId="{31F03B52-4570-4B41-9365-5022B7EDE074}" sibTransId="{926FC9B5-21ED-42B7-BF8E-65BAF012221B}"/>
-    <dgm:cxn modelId="{37A23467-1C8E-4EAD-A84D-78559A60E993}" srcId="{CF6B6E0F-0EDD-439B-BAC8-FE0AE07CB677}" destId="{00064C1B-9896-4CF9-B23F-50E8FA6D9D15}" srcOrd="2" destOrd="0" parTransId="{DE323414-19FC-46C8-B7B0-5D00B5C7DD22}" sibTransId="{12A91231-5540-4F5B-A2EC-E37A46BB5CEE}"/>
-    <dgm:cxn modelId="{E9DB2F2E-4DD4-45DD-9C86-901C2EE74BAB}" srcId="{5F57960C-4235-4D82-B60B-855D4E6A7AEF}" destId="{D977E9D7-FDC2-4413-81AC-4CC4237F7E3C}" srcOrd="0" destOrd="0" parTransId="{7AB657E0-D3F3-439C-B786-2D71B6ACD7E8}" sibTransId="{E7396AA9-BEFD-4FF4-BF32-986D3725CE2E}"/>
-    <dgm:cxn modelId="{C43B9BCD-C460-4ED7-A4EC-574B4D846F3F}" type="presOf" srcId="{F33E32E6-95AC-41A7-A73D-F7148D8DBA9E}" destId="{8FCADF33-6F33-4B93-905B-38234BA30063}" srcOrd="0" destOrd="1" presId="urn:microsoft.com/office/officeart/2005/8/layout/hList1"/>
-    <dgm:cxn modelId="{7C3CD862-C405-4E15-A900-B82D33EB9A36}" type="presOf" srcId="{A48B4B52-E8B9-4DDE-854A-E72BA7A910FD}" destId="{3F04D6E3-2A88-4B5D-9693-6197E0326257}" srcOrd="0" destOrd="1" presId="urn:microsoft.com/office/officeart/2005/8/layout/hList1"/>
-    <dgm:cxn modelId="{266BE45C-3990-46A9-B309-E92629D72941}" type="presOf" srcId="{3F85E07C-36FE-4114-899C-482D4AD22626}" destId="{6B417FF8-968F-4ABE-B847-592B4F6B8384}" srcOrd="0" destOrd="1" presId="urn:microsoft.com/office/officeart/2005/8/layout/hList1"/>
-    <dgm:cxn modelId="{78CEA645-ED3C-4142-8138-0B997B028C2D}" srcId="{CF6B6E0F-0EDD-439B-BAC8-FE0AE07CB677}" destId="{3F85E07C-36FE-4114-899C-482D4AD22626}" srcOrd="1" destOrd="0" parTransId="{54BEB8FB-9EE8-46EA-826C-DC583782F31D}" sibTransId="{27EC7A7A-ADA4-4E05-BA38-FC6250D378DE}"/>
-    <dgm:cxn modelId="{38D603CD-8EBA-46F5-92E6-7ED4FF59B0BE}" type="presOf" srcId="{495615F3-9E80-47AD-81B3-D227CCB23802}" destId="{3F04D6E3-2A88-4B5D-9693-6197E0326257}" srcOrd="0" destOrd="5" presId="urn:microsoft.com/office/officeart/2005/8/layout/hList1"/>
-    <dgm:cxn modelId="{420BE1A3-D923-41FA-80EF-E2FD5E6FF780}" type="presOf" srcId="{CD361606-D8D2-4BF6-900B-AC96FFF31BF8}" destId="{6B417FF8-968F-4ABE-B847-592B4F6B8384}" srcOrd="0" destOrd="0" presId="urn:microsoft.com/office/officeart/2005/8/layout/hList1"/>
-    <dgm:cxn modelId="{9A0712B7-2379-4417-B91F-42D6FB544755}" srcId="{972EEA30-1925-4C1A-AC7E-2B3DB4517989}" destId="{5F57960C-4235-4D82-B60B-855D4E6A7AEF}" srcOrd="0" destOrd="0" parTransId="{D99AE7CD-1AF4-40D1-9198-F180B96D8179}" sibTransId="{BCF533D6-8476-49EF-8C37-24BAC3AC0FB1}"/>
-    <dgm:cxn modelId="{65FDC4DF-D54B-4349-81A9-F15659828B48}" type="presOf" srcId="{77B81CA2-A844-4720-BB4C-C04DFA792A97}" destId="{3F04D6E3-2A88-4B5D-9693-6197E0326257}" srcOrd="0" destOrd="2" presId="urn:microsoft.com/office/officeart/2005/8/layout/hList1"/>
-    <dgm:cxn modelId="{AE1069FA-84EE-4776-93ED-CFE95BD071C3}" srcId="{5F57960C-4235-4D82-B60B-855D4E6A7AEF}" destId="{495615F3-9E80-47AD-81B3-D227CCB23802}" srcOrd="5" destOrd="0" parTransId="{C2F69ABD-DC03-485F-A0AE-E376DC13E596}" sibTransId="{44A052B1-5B51-498E-B27B-B168C5BFC070}"/>
-    <dgm:cxn modelId="{0EF11222-44DE-4984-947B-FFF87BCF4A37}" srcId="{972EEA30-1925-4C1A-AC7E-2B3DB4517989}" destId="{79C3B034-5C9B-4A20-A472-7279B493BBA8}" srcOrd="2" destOrd="0" parTransId="{1B55FC08-4C85-4D3F-B5D0-414BEC99EB5F}" sibTransId="{95B9F815-7F4E-436B-8C85-ACD4DDDAEFAE}"/>
-    <dgm:cxn modelId="{671B9534-9993-41E6-923F-D075C0F34EB5}" type="presOf" srcId="{AE8B2C52-DF24-4764-BEEB-5E6E5AAC92AE}" destId="{3F04D6E3-2A88-4B5D-9693-6197E0326257}" srcOrd="0" destOrd="6" presId="urn:microsoft.com/office/officeart/2005/8/layout/hList1"/>
-    <dgm:cxn modelId="{74305C89-00CB-4BC2-94BC-9832F2E3FBCB}" type="presOf" srcId="{52587AC8-F65B-4339-85E0-7AB38F1CA423}" destId="{8FCADF33-6F33-4B93-905B-38234BA30063}" srcOrd="0" destOrd="2" presId="urn:microsoft.com/office/officeart/2005/8/layout/hList1"/>
-    <dgm:cxn modelId="{A20ED7C6-B4C8-4E98-A7CB-A386379A8F3C}" srcId="{79C3B034-5C9B-4A20-A472-7279B493BBA8}" destId="{52587AC8-F65B-4339-85E0-7AB38F1CA423}" srcOrd="2" destOrd="0" parTransId="{B79F5FAC-5BC9-475C-9080-660F26E01AA4}" sibTransId="{7328E5A3-F344-40DC-9FC0-48242C66E46C}"/>
-    <dgm:cxn modelId="{DF3A2700-951A-4BC8-9D5D-2E736290A9ED}" type="presOf" srcId="{B01E1AFA-1CA5-4730-B284-CDA1C653A39A}" destId="{8FCADF33-6F33-4B93-905B-38234BA30063}" srcOrd="0" destOrd="0" presId="urn:microsoft.com/office/officeart/2005/8/layout/hList1"/>
-    <dgm:cxn modelId="{35FFD782-32F6-47A5-8BF8-4AE39025496D}" srcId="{5F57960C-4235-4D82-B60B-855D4E6A7AEF}" destId="{0BB4FAC6-B270-45B7-B83A-25A8B913B04E}" srcOrd="4" destOrd="0" parTransId="{B3DE8BC5-BBC0-4D4B-9EE2-5A14538A0F5B}" sibTransId="{513DA05C-7A79-4338-BF4F-E9C47B99D65E}"/>
     <dgm:cxn modelId="{1004DB7B-96E1-4530-A619-F48B02264FB4}" srcId="{CF6B6E0F-0EDD-439B-BAC8-FE0AE07CB677}" destId="{0D25D284-F873-4535-858B-03329D4E58A2}" srcOrd="3" destOrd="0" parTransId="{C4C540AC-3DC1-434F-B9F3-525FB949FA98}" sibTransId="{7DC5CB93-287A-4167-9DDF-114CC04712C4}"/>
     <dgm:cxn modelId="{72722AF7-A6D0-4702-BD34-2770225686D9}" type="presOf" srcId="{D977E9D7-FDC2-4413-81AC-4CC4237F7E3C}" destId="{3F04D6E3-2A88-4B5D-9693-6197E0326257}" srcOrd="0" destOrd="0" presId="urn:microsoft.com/office/officeart/2005/8/layout/hList1"/>
-    <dgm:cxn modelId="{DA96B1D0-1B7F-44C3-86F2-9B8132385414}" type="presOf" srcId="{5F57960C-4235-4D82-B60B-855D4E6A7AEF}" destId="{C106FC5F-8A52-4475-A4CF-07627074C4F2}" srcOrd="0" destOrd="0" presId="urn:microsoft.com/office/officeart/2005/8/layout/hList1"/>
-    <dgm:cxn modelId="{525B6365-00C0-48D8-9381-000BE7F1B7B2}" type="presOf" srcId="{0D25D284-F873-4535-858B-03329D4E58A2}" destId="{6B417FF8-968F-4ABE-B847-592B4F6B8384}" srcOrd="0" destOrd="3" presId="urn:microsoft.com/office/officeart/2005/8/layout/hList1"/>
-    <dgm:cxn modelId="{5099D4E3-A96D-47A0-8527-E9B8D2A9F7C3}" srcId="{79C3B034-5C9B-4A20-A472-7279B493BBA8}" destId="{F33E32E6-95AC-41A7-A73D-F7148D8DBA9E}" srcOrd="1" destOrd="0" parTransId="{24CE0F7F-0288-423A-9132-AD9BB8A739A6}" sibTransId="{B8006313-8D1E-47FE-B338-5BAAA21F5FF0}"/>
-    <dgm:cxn modelId="{F3C6793A-58C9-4D41-BC3F-A3467220E4F4}" srcId="{79C3B034-5C9B-4A20-A472-7279B493BBA8}" destId="{B01E1AFA-1CA5-4730-B284-CDA1C653A39A}" srcOrd="0" destOrd="0" parTransId="{595F3E91-0029-4AB0-A4AA-8ACF105EDD6C}" sibTransId="{5E127247-1498-4E45-BF68-3ACE9E9B2E99}"/>
-    <dgm:cxn modelId="{190C524B-CCF9-435E-8659-53210868012E}" srcId="{5F57960C-4235-4D82-B60B-855D4E6A7AEF}" destId="{A48B4B52-E8B9-4DDE-854A-E72BA7A910FD}" srcOrd="1" destOrd="0" parTransId="{A2A2060A-ADD4-4409-A72A-3C3D853D5F8D}" sibTransId="{5976CAE0-702A-4A72-9393-E51D4DAC1878}"/>
-    <dgm:cxn modelId="{CD0BE4ED-A959-4524-B73F-372E6ED71526}" type="presOf" srcId="{972EEA30-1925-4C1A-AC7E-2B3DB4517989}" destId="{D9592EEA-0EA9-4895-9D7A-B688FD59CF9B}" srcOrd="0" destOrd="0" presId="urn:microsoft.com/office/officeart/2005/8/layout/hList1"/>
-    <dgm:cxn modelId="{0CFBE964-6883-4BB4-8F28-AAC08FB418B6}" srcId="{972EEA30-1925-4C1A-AC7E-2B3DB4517989}" destId="{CF6B6E0F-0EDD-439B-BAC8-FE0AE07CB677}" srcOrd="1" destOrd="0" parTransId="{27B86E79-15A2-4CE2-8167-329C83341DEF}" sibTransId="{CB5C09C9-D32F-4A10-B265-4A11E87E8497}"/>
     <dgm:cxn modelId="{5D3E2E8F-796F-4A3A-81CC-36F299D1CE8A}" type="presParOf" srcId="{D9592EEA-0EA9-4895-9D7A-B688FD59CF9B}" destId="{6747166B-6FF5-4DEF-B34A-EE31CBF452C8}" srcOrd="0" destOrd="0" presId="urn:microsoft.com/office/officeart/2005/8/layout/hList1"/>
     <dgm:cxn modelId="{F56A5878-ED86-4C41-868F-D2BC2C6D1BC6}" type="presParOf" srcId="{6747166B-6FF5-4DEF-B34A-EE31CBF452C8}" destId="{C106FC5F-8A52-4475-A4CF-07627074C4F2}" srcOrd="0" destOrd="0" presId="urn:microsoft.com/office/officeart/2005/8/layout/hList1"/>
     <dgm:cxn modelId="{AC0BAF3D-7CB0-4AAF-ABA0-440B16FD48FF}" type="presParOf" srcId="{6747166B-6FF5-4DEF-B34A-EE31CBF452C8}" destId="{3F04D6E3-2A88-4B5D-9693-6197E0326257}" srcOrd="1" destOrd="0" presId="urn:microsoft.com/office/officeart/2005/8/layout/hList1"/>
@@ -3502,1521 +3569,32 @@
   <dgm:whole/>
   <dgm:extLst>
     <a:ext uri="http://schemas.microsoft.com/office/drawing/2008/diagram">
-      <dsp:dataModelExt xmlns:dsp="http://schemas.microsoft.com/office/drawing/2008/diagram" relId="rId11" minVer="http://schemas.openxmlformats.org/drawingml/2006/diagram"/>
+      <dsp:dataModelExt xmlns:dsp="http://schemas.microsoft.com/office/drawing/2008/diagram" xmlns="" relId="rId11" minVer="http://schemas.openxmlformats.org/drawingml/2006/diagram"/>
     </a:ext>
   </dgm:extLst>
 </dgm:dataModel>
 </file>
 
 <file path=ppt/diagrams/drawing1.xml><?xml version="1.0" encoding="utf-8"?>
-<dsp:drawing xmlns:dgm="http://schemas.openxmlformats.org/drawingml/2006/diagram" xmlns:dsp="http://schemas.microsoft.com/office/drawing/2008/diagram" xmlns:a="http://schemas.openxmlformats.org/drawingml/2006/main">
+<dsp:drawing xmlns:dgm="http://schemas.openxmlformats.org/drawingml/2006/diagram" xmlns:a="http://schemas.openxmlformats.org/drawingml/2006/main" xmlns:dsp="http://schemas.microsoft.com/office/drawing/2008/diagram">
   <dsp:spTree>
     <dsp:nvGrpSpPr>
       <dsp:cNvPr id="0" name=""/>
       <dsp:cNvGrpSpPr/>
     </dsp:nvGrpSpPr>
     <dsp:grpSpPr/>
-    <dsp:sp modelId="{A8064CFC-3DA6-4911-B45C-68A8A5C862AF}">
-      <dsp:nvSpPr>
-        <dsp:cNvPr id="0" name=""/>
-        <dsp:cNvSpPr/>
-      </dsp:nvSpPr>
-      <dsp:spPr>
-        <a:xfrm>
-          <a:off x="2304" y="39321"/>
-          <a:ext cx="2247091" cy="576000"/>
-        </a:xfrm>
-        <a:prstGeom prst="rect">
-          <a:avLst/>
-        </a:prstGeom>
-        <a:solidFill>
-          <a:schemeClr val="accent1">
-            <a:hueOff val="0"/>
-            <a:satOff val="0"/>
-            <a:lumOff val="0"/>
-            <a:alphaOff val="0"/>
-          </a:schemeClr>
-        </a:solidFill>
-        <a:ln w="34925" cap="flat" cmpd="sng" algn="in">
-          <a:solidFill>
-            <a:schemeClr val="accent1">
-              <a:hueOff val="0"/>
-              <a:satOff val="0"/>
-              <a:lumOff val="0"/>
-              <a:alphaOff val="0"/>
-            </a:schemeClr>
-          </a:solidFill>
-          <a:prstDash val="solid"/>
-        </a:ln>
-        <a:effectLst/>
-      </dsp:spPr>
-      <dsp:style>
-        <a:lnRef idx="2">
-          <a:scrgbClr r="0" g="0" b="0"/>
-        </a:lnRef>
-        <a:fillRef idx="1">
-          <a:scrgbClr r="0" g="0" b="0"/>
-        </a:fillRef>
-        <a:effectRef idx="0">
-          <a:scrgbClr r="0" g="0" b="0"/>
-        </a:effectRef>
-        <a:fontRef idx="minor">
-          <a:schemeClr val="lt1"/>
-        </a:fontRef>
-      </dsp:style>
-      <dsp:txBody>
-        <a:bodyPr spcFirstLastPara="0" vert="horz" wrap="square" lIns="142240" tIns="81280" rIns="142240" bIns="81280" numCol="1" spcCol="1270" anchor="ctr" anchorCtr="0">
-          <a:noAutofit/>
-        </a:bodyPr>
-        <a:lstStyle/>
-        <a:p>
-          <a:pPr lvl="0" algn="ctr" defTabSz="889000">
-            <a:lnSpc>
-              <a:spcPct val="90000"/>
-            </a:lnSpc>
-            <a:spcBef>
-              <a:spcPct val="0"/>
-            </a:spcBef>
-            <a:spcAft>
-              <a:spcPct val="35000"/>
-            </a:spcAft>
-          </a:pPr>
-          <a:r>
-            <a:rPr lang="en-US" sz="2000" kern="1200" dirty="0" smtClean="0"/>
-            <a:t>Users</a:t>
-          </a:r>
-          <a:endParaRPr lang="ru-RU" sz="2000" kern="1200" dirty="0"/>
-        </a:p>
-      </dsp:txBody>
-      <dsp:txXfrm>
-        <a:off x="2304" y="39321"/>
-        <a:ext cx="2247091" cy="576000"/>
-      </dsp:txXfrm>
-    </dsp:sp>
-    <dsp:sp modelId="{C7CD115F-5D7F-47E6-B852-93032DF43A6B}">
-      <dsp:nvSpPr>
-        <dsp:cNvPr id="0" name=""/>
-        <dsp:cNvSpPr/>
-      </dsp:nvSpPr>
-      <dsp:spPr>
-        <a:xfrm>
-          <a:off x="2304" y="615321"/>
-          <a:ext cx="2247091" cy="2360699"/>
-        </a:xfrm>
-        <a:prstGeom prst="rect">
-          <a:avLst/>
-        </a:prstGeom>
-        <a:solidFill>
-          <a:schemeClr val="accent1">
-            <a:alpha val="90000"/>
-            <a:tint val="40000"/>
-            <a:hueOff val="0"/>
-            <a:satOff val="0"/>
-            <a:lumOff val="0"/>
-            <a:alphaOff val="0"/>
-          </a:schemeClr>
-        </a:solidFill>
-        <a:ln w="34925" cap="flat" cmpd="sng" algn="in">
-          <a:solidFill>
-            <a:schemeClr val="accent1">
-              <a:alpha val="90000"/>
-              <a:tint val="40000"/>
-              <a:hueOff val="0"/>
-              <a:satOff val="0"/>
-              <a:lumOff val="0"/>
-              <a:alphaOff val="0"/>
-            </a:schemeClr>
-          </a:solidFill>
-          <a:prstDash val="solid"/>
-        </a:ln>
-        <a:effectLst/>
-      </dsp:spPr>
-      <dsp:style>
-        <a:lnRef idx="2">
-          <a:scrgbClr r="0" g="0" b="0"/>
-        </a:lnRef>
-        <a:fillRef idx="1">
-          <a:scrgbClr r="0" g="0" b="0"/>
-        </a:fillRef>
-        <a:effectRef idx="0">
-          <a:scrgbClr r="0" g="0" b="0"/>
-        </a:effectRef>
-        <a:fontRef idx="minor"/>
-      </dsp:style>
-      <dsp:txBody>
-        <a:bodyPr spcFirstLastPara="0" vert="horz" wrap="square" lIns="106680" tIns="106680" rIns="142240" bIns="160020" numCol="1" spcCol="1270" anchor="t" anchorCtr="0">
-          <a:noAutofit/>
-        </a:bodyPr>
-        <a:lstStyle/>
-        <a:p>
-          <a:pPr marL="228600" lvl="1" indent="-228600" algn="l" defTabSz="889000">
-            <a:lnSpc>
-              <a:spcPct val="90000"/>
-            </a:lnSpc>
-            <a:spcBef>
-              <a:spcPct val="0"/>
-            </a:spcBef>
-            <a:spcAft>
-              <a:spcPct val="15000"/>
-            </a:spcAft>
-            <a:buChar char="••"/>
-          </a:pPr>
-          <a:r>
-            <a:rPr lang="en-US" sz="2000" kern="1200" dirty="0" err="1" smtClean="0"/>
-            <a:t>User_name</a:t>
-          </a:r>
-          <a:endParaRPr lang="ru-RU" sz="2000" kern="1200" dirty="0"/>
-        </a:p>
-        <a:p>
-          <a:pPr marL="228600" lvl="1" indent="-228600" algn="l" defTabSz="889000">
-            <a:lnSpc>
-              <a:spcPct val="90000"/>
-            </a:lnSpc>
-            <a:spcBef>
-              <a:spcPct val="0"/>
-            </a:spcBef>
-            <a:spcAft>
-              <a:spcPct val="15000"/>
-            </a:spcAft>
-            <a:buChar char="••"/>
-          </a:pPr>
-          <a:r>
-            <a:rPr lang="en-US" sz="2000" kern="1200" dirty="0" err="1" smtClean="0"/>
-            <a:t>Room_num</a:t>
-          </a:r>
-          <a:endParaRPr lang="ru-RU" sz="2000" kern="1200" dirty="0"/>
-        </a:p>
-        <a:p>
-          <a:pPr marL="228600" lvl="1" indent="-228600" algn="l" defTabSz="889000">
-            <a:lnSpc>
-              <a:spcPct val="90000"/>
-            </a:lnSpc>
-            <a:spcBef>
-              <a:spcPct val="0"/>
-            </a:spcBef>
-            <a:spcAft>
-              <a:spcPct val="15000"/>
-            </a:spcAft>
-            <a:buChar char="••"/>
-          </a:pPr>
-          <a:r>
-            <a:rPr lang="en-US" sz="2000" kern="1200" dirty="0" err="1" smtClean="0"/>
-            <a:t>Hit_points</a:t>
-          </a:r>
-          <a:endParaRPr lang="ru-RU" sz="2000" kern="1200" dirty="0"/>
-        </a:p>
-        <a:p>
-          <a:pPr marL="228600" lvl="1" indent="-228600" algn="l" defTabSz="889000">
-            <a:lnSpc>
-              <a:spcPct val="90000"/>
-            </a:lnSpc>
-            <a:spcBef>
-              <a:spcPct val="0"/>
-            </a:spcBef>
-            <a:spcAft>
-              <a:spcPct val="15000"/>
-            </a:spcAft>
-            <a:buChar char="••"/>
-          </a:pPr>
-          <a:r>
-            <a:rPr lang="en-US" sz="2000" kern="1200" dirty="0" err="1" smtClean="0"/>
-            <a:t>Action_points</a:t>
-          </a:r>
-          <a:endParaRPr lang="ru-RU" sz="2000" kern="1200" dirty="0"/>
-        </a:p>
-        <a:p>
-          <a:pPr marL="228600" lvl="1" indent="-228600" algn="l" defTabSz="889000">
-            <a:lnSpc>
-              <a:spcPct val="90000"/>
-            </a:lnSpc>
-            <a:spcBef>
-              <a:spcPct val="0"/>
-            </a:spcBef>
-            <a:spcAft>
-              <a:spcPct val="15000"/>
-            </a:spcAft>
-            <a:buChar char="••"/>
-          </a:pPr>
-          <a:r>
-            <a:rPr lang="en-US" sz="2000" kern="1200" dirty="0" smtClean="0"/>
-            <a:t>Damage</a:t>
-          </a:r>
-          <a:endParaRPr lang="ru-RU" sz="2000" kern="1200" dirty="0"/>
-        </a:p>
-        <a:p>
-          <a:pPr marL="228600" lvl="1" indent="-228600" algn="l" defTabSz="889000">
-            <a:lnSpc>
-              <a:spcPct val="90000"/>
-            </a:lnSpc>
-            <a:spcBef>
-              <a:spcPct val="0"/>
-            </a:spcBef>
-            <a:spcAft>
-              <a:spcPct val="15000"/>
-            </a:spcAft>
-            <a:buChar char="••"/>
-          </a:pPr>
-          <a:r>
-            <a:rPr lang="en-US" sz="2000" kern="1200" dirty="0" err="1" smtClean="0"/>
-            <a:t>posX</a:t>
-          </a:r>
-          <a:endParaRPr lang="ru-RU" sz="2000" kern="1200" dirty="0"/>
-        </a:p>
-        <a:p>
-          <a:pPr marL="228600" lvl="1" indent="-228600" algn="l" defTabSz="889000">
-            <a:lnSpc>
-              <a:spcPct val="90000"/>
-            </a:lnSpc>
-            <a:spcBef>
-              <a:spcPct val="0"/>
-            </a:spcBef>
-            <a:spcAft>
-              <a:spcPct val="15000"/>
-            </a:spcAft>
-            <a:buChar char="••"/>
-          </a:pPr>
-          <a:r>
-            <a:rPr lang="en-US" sz="2000" kern="1200" dirty="0" err="1" smtClean="0"/>
-            <a:t>posY</a:t>
-          </a:r>
-          <a:endParaRPr lang="ru-RU" sz="2000" kern="1200" dirty="0"/>
-        </a:p>
-      </dsp:txBody>
-      <dsp:txXfrm>
-        <a:off x="2304" y="615321"/>
-        <a:ext cx="2247091" cy="2360699"/>
-      </dsp:txXfrm>
-    </dsp:sp>
-    <dsp:sp modelId="{0A7EFED3-D232-4185-91DB-9F8A8FDF6742}">
-      <dsp:nvSpPr>
-        <dsp:cNvPr id="0" name=""/>
-        <dsp:cNvSpPr/>
-      </dsp:nvSpPr>
-      <dsp:spPr>
-        <a:xfrm>
-          <a:off x="2563989" y="39321"/>
-          <a:ext cx="2247091" cy="576000"/>
-        </a:xfrm>
-        <a:prstGeom prst="rect">
-          <a:avLst/>
-        </a:prstGeom>
-        <a:solidFill>
-          <a:schemeClr val="accent1">
-            <a:hueOff val="0"/>
-            <a:satOff val="0"/>
-            <a:lumOff val="0"/>
-            <a:alphaOff val="0"/>
-          </a:schemeClr>
-        </a:solidFill>
-        <a:ln w="34925" cap="flat" cmpd="sng" algn="in">
-          <a:solidFill>
-            <a:schemeClr val="accent1">
-              <a:hueOff val="0"/>
-              <a:satOff val="0"/>
-              <a:lumOff val="0"/>
-              <a:alphaOff val="0"/>
-            </a:schemeClr>
-          </a:solidFill>
-          <a:prstDash val="solid"/>
-        </a:ln>
-        <a:effectLst/>
-      </dsp:spPr>
-      <dsp:style>
-        <a:lnRef idx="2">
-          <a:scrgbClr r="0" g="0" b="0"/>
-        </a:lnRef>
-        <a:fillRef idx="1">
-          <a:scrgbClr r="0" g="0" b="0"/>
-        </a:fillRef>
-        <a:effectRef idx="0">
-          <a:scrgbClr r="0" g="0" b="0"/>
-        </a:effectRef>
-        <a:fontRef idx="minor">
-          <a:schemeClr val="lt1"/>
-        </a:fontRef>
-      </dsp:style>
-      <dsp:txBody>
-        <a:bodyPr spcFirstLastPara="0" vert="horz" wrap="square" lIns="142240" tIns="81280" rIns="142240" bIns="81280" numCol="1" spcCol="1270" anchor="ctr" anchorCtr="0">
-          <a:noAutofit/>
-        </a:bodyPr>
-        <a:lstStyle/>
-        <a:p>
-          <a:pPr lvl="0" algn="ctr" defTabSz="889000">
-            <a:lnSpc>
-              <a:spcPct val="90000"/>
-            </a:lnSpc>
-            <a:spcBef>
-              <a:spcPct val="0"/>
-            </a:spcBef>
-            <a:spcAft>
-              <a:spcPct val="35000"/>
-            </a:spcAft>
-          </a:pPr>
-          <a:r>
-            <a:rPr lang="en-US" sz="2000" kern="1200" dirty="0" smtClean="0"/>
-            <a:t>Rooms</a:t>
-          </a:r>
-          <a:endParaRPr lang="ru-RU" sz="2000" kern="1200" dirty="0"/>
-        </a:p>
-      </dsp:txBody>
-      <dsp:txXfrm>
-        <a:off x="2563989" y="39321"/>
-        <a:ext cx="2247091" cy="576000"/>
-      </dsp:txXfrm>
-    </dsp:sp>
-    <dsp:sp modelId="{6130DA44-0BD7-42D5-897E-C23202A67351}">
-      <dsp:nvSpPr>
-        <dsp:cNvPr id="0" name=""/>
-        <dsp:cNvSpPr/>
-      </dsp:nvSpPr>
-      <dsp:spPr>
-        <a:xfrm>
-          <a:off x="2563989" y="615321"/>
-          <a:ext cx="2247091" cy="2360699"/>
-        </a:xfrm>
-        <a:prstGeom prst="rect">
-          <a:avLst/>
-        </a:prstGeom>
-        <a:solidFill>
-          <a:schemeClr val="accent1">
-            <a:alpha val="90000"/>
-            <a:tint val="40000"/>
-            <a:hueOff val="0"/>
-            <a:satOff val="0"/>
-            <a:lumOff val="0"/>
-            <a:alphaOff val="0"/>
-          </a:schemeClr>
-        </a:solidFill>
-        <a:ln w="34925" cap="flat" cmpd="sng" algn="in">
-          <a:solidFill>
-            <a:schemeClr val="accent1">
-              <a:alpha val="90000"/>
-              <a:tint val="40000"/>
-              <a:hueOff val="0"/>
-              <a:satOff val="0"/>
-              <a:lumOff val="0"/>
-              <a:alphaOff val="0"/>
-            </a:schemeClr>
-          </a:solidFill>
-          <a:prstDash val="solid"/>
-        </a:ln>
-        <a:effectLst/>
-      </dsp:spPr>
-      <dsp:style>
-        <a:lnRef idx="2">
-          <a:scrgbClr r="0" g="0" b="0"/>
-        </a:lnRef>
-        <a:fillRef idx="1">
-          <a:scrgbClr r="0" g="0" b="0"/>
-        </a:fillRef>
-        <a:effectRef idx="0">
-          <a:scrgbClr r="0" g="0" b="0"/>
-        </a:effectRef>
-        <a:fontRef idx="minor"/>
-      </dsp:style>
-      <dsp:txBody>
-        <a:bodyPr spcFirstLastPara="0" vert="horz" wrap="square" lIns="106680" tIns="106680" rIns="142240" bIns="160020" numCol="1" spcCol="1270" anchor="t" anchorCtr="0">
-          <a:noAutofit/>
-        </a:bodyPr>
-        <a:lstStyle/>
-        <a:p>
-          <a:pPr marL="228600" lvl="1" indent="-228600" algn="l" defTabSz="889000">
-            <a:lnSpc>
-              <a:spcPct val="90000"/>
-            </a:lnSpc>
-            <a:spcBef>
-              <a:spcPct val="0"/>
-            </a:spcBef>
-            <a:spcAft>
-              <a:spcPct val="15000"/>
-            </a:spcAft>
-            <a:buChar char="••"/>
-          </a:pPr>
-          <a:r>
-            <a:rPr lang="en-US" sz="2000" kern="1200" dirty="0" smtClean="0"/>
-            <a:t>id</a:t>
-          </a:r>
-          <a:endParaRPr lang="ru-RU" sz="2000" kern="1200" dirty="0"/>
-        </a:p>
-        <a:p>
-          <a:pPr marL="228600" lvl="1" indent="-228600" algn="l" defTabSz="889000">
-            <a:lnSpc>
-              <a:spcPct val="90000"/>
-            </a:lnSpc>
-            <a:spcBef>
-              <a:spcPct val="0"/>
-            </a:spcBef>
-            <a:spcAft>
-              <a:spcPct val="15000"/>
-            </a:spcAft>
-            <a:buChar char="••"/>
-          </a:pPr>
-          <a:r>
-            <a:rPr lang="en-US" sz="2000" kern="1200" dirty="0" smtClean="0"/>
-            <a:t>Number</a:t>
-          </a:r>
-          <a:endParaRPr lang="ru-RU" sz="2000" kern="1200" dirty="0"/>
-        </a:p>
-        <a:p>
-          <a:pPr marL="228600" lvl="1" indent="-228600" algn="l" defTabSz="889000">
-            <a:lnSpc>
-              <a:spcPct val="90000"/>
-            </a:lnSpc>
-            <a:spcBef>
-              <a:spcPct val="0"/>
-            </a:spcBef>
-            <a:spcAft>
-              <a:spcPct val="15000"/>
-            </a:spcAft>
-            <a:buChar char="••"/>
-          </a:pPr>
-          <a:r>
-            <a:rPr lang="en-US" sz="2000" kern="1200" dirty="0" err="1" smtClean="0"/>
-            <a:t>Enter_posX</a:t>
-          </a:r>
-          <a:endParaRPr lang="ru-RU" sz="2000" kern="1200" dirty="0"/>
-        </a:p>
-        <a:p>
-          <a:pPr marL="228600" lvl="1" indent="-228600" algn="l" defTabSz="889000">
-            <a:lnSpc>
-              <a:spcPct val="90000"/>
-            </a:lnSpc>
-            <a:spcBef>
-              <a:spcPct val="0"/>
-            </a:spcBef>
-            <a:spcAft>
-              <a:spcPct val="15000"/>
-            </a:spcAft>
-            <a:buChar char="••"/>
-          </a:pPr>
-          <a:r>
-            <a:rPr lang="en-US" sz="2000" kern="1200" dirty="0" err="1" smtClean="0"/>
-            <a:t>Enter_posY</a:t>
-          </a:r>
-          <a:endParaRPr lang="ru-RU" sz="2000" kern="1200" dirty="0"/>
-        </a:p>
-        <a:p>
-          <a:pPr marL="228600" lvl="1" indent="-228600" algn="l" defTabSz="889000">
-            <a:lnSpc>
-              <a:spcPct val="90000"/>
-            </a:lnSpc>
-            <a:spcBef>
-              <a:spcPct val="0"/>
-            </a:spcBef>
-            <a:spcAft>
-              <a:spcPct val="15000"/>
-            </a:spcAft>
-            <a:buChar char="••"/>
-          </a:pPr>
-          <a:r>
-            <a:rPr lang="en-US" sz="2000" kern="1200" dirty="0" err="1" smtClean="0"/>
-            <a:t>Exit_posX</a:t>
-          </a:r>
-          <a:endParaRPr lang="ru-RU" sz="2000" kern="1200" dirty="0"/>
-        </a:p>
-        <a:p>
-          <a:pPr marL="228600" lvl="1" indent="-228600" algn="l" defTabSz="889000">
-            <a:lnSpc>
-              <a:spcPct val="90000"/>
-            </a:lnSpc>
-            <a:spcBef>
-              <a:spcPct val="0"/>
-            </a:spcBef>
-            <a:spcAft>
-              <a:spcPct val="15000"/>
-            </a:spcAft>
-            <a:buChar char="••"/>
-          </a:pPr>
-          <a:r>
-            <a:rPr lang="en-US" sz="2000" kern="1200" dirty="0" err="1" smtClean="0"/>
-            <a:t>exit_posY</a:t>
-          </a:r>
-          <a:endParaRPr lang="ru-RU" sz="2000" kern="1200" dirty="0"/>
-        </a:p>
-        <a:p>
-          <a:pPr marL="228600" lvl="1" indent="-228600" algn="l" defTabSz="889000">
-            <a:lnSpc>
-              <a:spcPct val="90000"/>
-            </a:lnSpc>
-            <a:spcBef>
-              <a:spcPct val="0"/>
-            </a:spcBef>
-            <a:spcAft>
-              <a:spcPct val="15000"/>
-            </a:spcAft>
-            <a:buChar char="••"/>
-          </a:pPr>
-          <a:r>
-            <a:rPr lang="en-US" sz="2000" kern="1200" dirty="0" smtClean="0"/>
-            <a:t>user</a:t>
-          </a:r>
-          <a:endParaRPr lang="ru-RU" sz="2000" kern="1200" dirty="0"/>
-        </a:p>
-      </dsp:txBody>
-      <dsp:txXfrm>
-        <a:off x="2563989" y="615321"/>
-        <a:ext cx="2247091" cy="2360699"/>
-      </dsp:txXfrm>
-    </dsp:sp>
-    <dsp:sp modelId="{84B60CA6-6F0D-4EF3-9C6F-21B1067FB248}">
-      <dsp:nvSpPr>
-        <dsp:cNvPr id="0" name=""/>
-        <dsp:cNvSpPr/>
-      </dsp:nvSpPr>
-      <dsp:spPr>
-        <a:xfrm>
-          <a:off x="5125674" y="39321"/>
-          <a:ext cx="2247091" cy="576000"/>
-        </a:xfrm>
-        <a:prstGeom prst="rect">
-          <a:avLst/>
-        </a:prstGeom>
-        <a:solidFill>
-          <a:schemeClr val="accent1">
-            <a:hueOff val="0"/>
-            <a:satOff val="0"/>
-            <a:lumOff val="0"/>
-            <a:alphaOff val="0"/>
-          </a:schemeClr>
-        </a:solidFill>
-        <a:ln w="34925" cap="flat" cmpd="sng" algn="in">
-          <a:solidFill>
-            <a:schemeClr val="accent1">
-              <a:hueOff val="0"/>
-              <a:satOff val="0"/>
-              <a:lumOff val="0"/>
-              <a:alphaOff val="0"/>
-            </a:schemeClr>
-          </a:solidFill>
-          <a:prstDash val="solid"/>
-        </a:ln>
-        <a:effectLst/>
-      </dsp:spPr>
-      <dsp:style>
-        <a:lnRef idx="2">
-          <a:scrgbClr r="0" g="0" b="0"/>
-        </a:lnRef>
-        <a:fillRef idx="1">
-          <a:scrgbClr r="0" g="0" b="0"/>
-        </a:fillRef>
-        <a:effectRef idx="0">
-          <a:scrgbClr r="0" g="0" b="0"/>
-        </a:effectRef>
-        <a:fontRef idx="minor">
-          <a:schemeClr val="lt1"/>
-        </a:fontRef>
-      </dsp:style>
-      <dsp:txBody>
-        <a:bodyPr spcFirstLastPara="0" vert="horz" wrap="square" lIns="142240" tIns="81280" rIns="142240" bIns="81280" numCol="1" spcCol="1270" anchor="ctr" anchorCtr="0">
-          <a:noAutofit/>
-        </a:bodyPr>
-        <a:lstStyle/>
-        <a:p>
-          <a:pPr lvl="0" algn="ctr" defTabSz="889000">
-            <a:lnSpc>
-              <a:spcPct val="90000"/>
-            </a:lnSpc>
-            <a:spcBef>
-              <a:spcPct val="0"/>
-            </a:spcBef>
-            <a:spcAft>
-              <a:spcPct val="35000"/>
-            </a:spcAft>
-          </a:pPr>
-          <a:r>
-            <a:rPr lang="en-US" sz="2000" kern="1200" dirty="0" smtClean="0"/>
-            <a:t>Entities</a:t>
-          </a:r>
-          <a:endParaRPr lang="ru-RU" sz="2000" kern="1200" dirty="0"/>
-        </a:p>
-      </dsp:txBody>
-      <dsp:txXfrm>
-        <a:off x="5125674" y="39321"/>
-        <a:ext cx="2247091" cy="576000"/>
-      </dsp:txXfrm>
-    </dsp:sp>
-    <dsp:sp modelId="{D01DDD35-C12F-4AFE-A885-A317C1155B5B}">
-      <dsp:nvSpPr>
-        <dsp:cNvPr id="0" name=""/>
-        <dsp:cNvSpPr/>
-      </dsp:nvSpPr>
-      <dsp:spPr>
-        <a:xfrm>
-          <a:off x="5125674" y="615321"/>
-          <a:ext cx="2247091" cy="2360699"/>
-        </a:xfrm>
-        <a:prstGeom prst="rect">
-          <a:avLst/>
-        </a:prstGeom>
-        <a:solidFill>
-          <a:schemeClr val="accent1">
-            <a:alpha val="90000"/>
-            <a:tint val="40000"/>
-            <a:hueOff val="0"/>
-            <a:satOff val="0"/>
-            <a:lumOff val="0"/>
-            <a:alphaOff val="0"/>
-          </a:schemeClr>
-        </a:solidFill>
-        <a:ln w="34925" cap="flat" cmpd="sng" algn="in">
-          <a:solidFill>
-            <a:schemeClr val="accent1">
-              <a:alpha val="90000"/>
-              <a:tint val="40000"/>
-              <a:hueOff val="0"/>
-              <a:satOff val="0"/>
-              <a:lumOff val="0"/>
-              <a:alphaOff val="0"/>
-            </a:schemeClr>
-          </a:solidFill>
-          <a:prstDash val="solid"/>
-        </a:ln>
-        <a:effectLst/>
-      </dsp:spPr>
-      <dsp:style>
-        <a:lnRef idx="2">
-          <a:scrgbClr r="0" g="0" b="0"/>
-        </a:lnRef>
-        <a:fillRef idx="1">
-          <a:scrgbClr r="0" g="0" b="0"/>
-        </a:fillRef>
-        <a:effectRef idx="0">
-          <a:scrgbClr r="0" g="0" b="0"/>
-        </a:effectRef>
-        <a:fontRef idx="minor"/>
-      </dsp:style>
-      <dsp:txBody>
-        <a:bodyPr spcFirstLastPara="0" vert="horz" wrap="square" lIns="106680" tIns="106680" rIns="142240" bIns="160020" numCol="1" spcCol="1270" anchor="t" anchorCtr="0">
-          <a:noAutofit/>
-        </a:bodyPr>
-        <a:lstStyle/>
-        <a:p>
-          <a:pPr marL="228600" lvl="1" indent="-228600" algn="l" defTabSz="889000">
-            <a:lnSpc>
-              <a:spcPct val="90000"/>
-            </a:lnSpc>
-            <a:spcBef>
-              <a:spcPct val="0"/>
-            </a:spcBef>
-            <a:spcAft>
-              <a:spcPct val="15000"/>
-            </a:spcAft>
-            <a:buChar char="••"/>
-          </a:pPr>
-          <a:r>
-            <a:rPr lang="en-US" sz="2000" kern="1200" dirty="0" err="1" smtClean="0"/>
-            <a:t>Room_id</a:t>
-          </a:r>
-          <a:endParaRPr lang="ru-RU" sz="2000" kern="1200" dirty="0"/>
-        </a:p>
-        <a:p>
-          <a:pPr marL="228600" lvl="1" indent="-228600" algn="l" defTabSz="889000">
-            <a:lnSpc>
-              <a:spcPct val="90000"/>
-            </a:lnSpc>
-            <a:spcBef>
-              <a:spcPct val="0"/>
-            </a:spcBef>
-            <a:spcAft>
-              <a:spcPct val="15000"/>
-            </a:spcAft>
-            <a:buChar char="••"/>
-          </a:pPr>
-          <a:r>
-            <a:rPr lang="en-US" sz="2000" kern="1200" dirty="0" smtClean="0"/>
-            <a:t>color</a:t>
-          </a:r>
-          <a:endParaRPr lang="ru-RU" sz="2000" kern="1200" dirty="0"/>
-        </a:p>
-        <a:p>
-          <a:pPr marL="228600" lvl="1" indent="-228600" algn="l" defTabSz="889000">
-            <a:lnSpc>
-              <a:spcPct val="90000"/>
-            </a:lnSpc>
-            <a:spcBef>
-              <a:spcPct val="0"/>
-            </a:spcBef>
-            <a:spcAft>
-              <a:spcPct val="15000"/>
-            </a:spcAft>
-            <a:buChar char="••"/>
-          </a:pPr>
-          <a:r>
-            <a:rPr lang="en-US" sz="2000" kern="1200" dirty="0" err="1" smtClean="0"/>
-            <a:t>Hit_points</a:t>
-          </a:r>
-          <a:endParaRPr lang="ru-RU" sz="2000" kern="1200" dirty="0"/>
-        </a:p>
-        <a:p>
-          <a:pPr marL="228600" lvl="1" indent="-228600" algn="l" defTabSz="889000">
-            <a:lnSpc>
-              <a:spcPct val="90000"/>
-            </a:lnSpc>
-            <a:spcBef>
-              <a:spcPct val="0"/>
-            </a:spcBef>
-            <a:spcAft>
-              <a:spcPct val="15000"/>
-            </a:spcAft>
-            <a:buChar char="••"/>
-          </a:pPr>
-          <a:r>
-            <a:rPr lang="en-US" sz="2000" kern="1200" smtClean="0"/>
-            <a:t>Action_points</a:t>
-          </a:r>
-          <a:endParaRPr lang="ru-RU" sz="2000" kern="1200" dirty="0"/>
-        </a:p>
-        <a:p>
-          <a:pPr marL="228600" lvl="1" indent="-228600" algn="l" defTabSz="889000">
-            <a:lnSpc>
-              <a:spcPct val="90000"/>
-            </a:lnSpc>
-            <a:spcBef>
-              <a:spcPct val="0"/>
-            </a:spcBef>
-            <a:spcAft>
-              <a:spcPct val="15000"/>
-            </a:spcAft>
-            <a:buChar char="••"/>
-          </a:pPr>
-          <a:r>
-            <a:rPr lang="en-US" sz="2000" kern="1200" smtClean="0"/>
-            <a:t>Damage</a:t>
-          </a:r>
-          <a:endParaRPr lang="ru-RU" sz="2000" kern="1200" dirty="0"/>
-        </a:p>
-        <a:p>
-          <a:pPr marL="228600" lvl="1" indent="-228600" algn="l" defTabSz="889000">
-            <a:lnSpc>
-              <a:spcPct val="90000"/>
-            </a:lnSpc>
-            <a:spcBef>
-              <a:spcPct val="0"/>
-            </a:spcBef>
-            <a:spcAft>
-              <a:spcPct val="15000"/>
-            </a:spcAft>
-            <a:buChar char="••"/>
-          </a:pPr>
-          <a:r>
-            <a:rPr lang="en-US" sz="2000" kern="1200" smtClean="0"/>
-            <a:t>posX</a:t>
-          </a:r>
-          <a:endParaRPr lang="ru-RU" sz="2000" kern="1200" dirty="0"/>
-        </a:p>
-        <a:p>
-          <a:pPr marL="228600" lvl="1" indent="-228600" algn="l" defTabSz="889000">
-            <a:lnSpc>
-              <a:spcPct val="90000"/>
-            </a:lnSpc>
-            <a:spcBef>
-              <a:spcPct val="0"/>
-            </a:spcBef>
-            <a:spcAft>
-              <a:spcPct val="15000"/>
-            </a:spcAft>
-            <a:buChar char="••"/>
-          </a:pPr>
-          <a:r>
-            <a:rPr lang="en-US" sz="2000" kern="1200" smtClean="0"/>
-            <a:t>posY</a:t>
-          </a:r>
-          <a:endParaRPr lang="ru-RU" sz="2000" kern="1200" dirty="0"/>
-        </a:p>
-      </dsp:txBody>
-      <dsp:txXfrm>
-        <a:off x="5125674" y="615321"/>
-        <a:ext cx="2247091" cy="2360699"/>
-      </dsp:txXfrm>
-    </dsp:sp>
   </dsp:spTree>
 </dsp:drawing>
 </file>
 
 <file path=ppt/diagrams/drawing2.xml><?xml version="1.0" encoding="utf-8"?>
-<dsp:drawing xmlns:dgm="http://schemas.openxmlformats.org/drawingml/2006/diagram" xmlns:dsp="http://schemas.microsoft.com/office/drawing/2008/diagram" xmlns:a="http://schemas.openxmlformats.org/drawingml/2006/main">
+<dsp:drawing xmlns:dgm="http://schemas.openxmlformats.org/drawingml/2006/diagram" xmlns:a="http://schemas.openxmlformats.org/drawingml/2006/main" xmlns:dsp="http://schemas.microsoft.com/office/drawing/2008/diagram">
   <dsp:spTree>
     <dsp:nvGrpSpPr>
       <dsp:cNvPr id="0" name=""/>
       <dsp:cNvGrpSpPr/>
     </dsp:nvGrpSpPr>
     <dsp:grpSpPr/>
-    <dsp:sp modelId="{C106FC5F-8A52-4475-A4CF-07627074C4F2}">
-      <dsp:nvSpPr>
-        <dsp:cNvPr id="0" name=""/>
-        <dsp:cNvSpPr/>
-      </dsp:nvSpPr>
-      <dsp:spPr>
-        <a:xfrm>
-          <a:off x="2360" y="531961"/>
-          <a:ext cx="2301818" cy="604800"/>
-        </a:xfrm>
-        <a:prstGeom prst="rect">
-          <a:avLst/>
-        </a:prstGeom>
-        <a:solidFill>
-          <a:schemeClr val="accent1">
-            <a:hueOff val="0"/>
-            <a:satOff val="0"/>
-            <a:lumOff val="0"/>
-            <a:alphaOff val="0"/>
-          </a:schemeClr>
-        </a:solidFill>
-        <a:ln w="34925" cap="flat" cmpd="sng" algn="in">
-          <a:solidFill>
-            <a:schemeClr val="accent1">
-              <a:hueOff val="0"/>
-              <a:satOff val="0"/>
-              <a:lumOff val="0"/>
-              <a:alphaOff val="0"/>
-            </a:schemeClr>
-          </a:solidFill>
-          <a:prstDash val="solid"/>
-        </a:ln>
-        <a:effectLst/>
-      </dsp:spPr>
-      <dsp:style>
-        <a:lnRef idx="2">
-          <a:scrgbClr r="0" g="0" b="0"/>
-        </a:lnRef>
-        <a:fillRef idx="1">
-          <a:scrgbClr r="0" g="0" b="0"/>
-        </a:fillRef>
-        <a:effectRef idx="0">
-          <a:scrgbClr r="0" g="0" b="0"/>
-        </a:effectRef>
-        <a:fontRef idx="minor">
-          <a:schemeClr val="lt1"/>
-        </a:fontRef>
-      </dsp:style>
-      <dsp:txBody>
-        <a:bodyPr spcFirstLastPara="0" vert="horz" wrap="square" lIns="149352" tIns="85344" rIns="149352" bIns="85344" numCol="1" spcCol="1270" anchor="ctr" anchorCtr="0">
-          <a:noAutofit/>
-        </a:bodyPr>
-        <a:lstStyle/>
-        <a:p>
-          <a:pPr lvl="0" algn="ctr" defTabSz="933450">
-            <a:lnSpc>
-              <a:spcPct val="90000"/>
-            </a:lnSpc>
-            <a:spcBef>
-              <a:spcPct val="0"/>
-            </a:spcBef>
-            <a:spcAft>
-              <a:spcPct val="35000"/>
-            </a:spcAft>
-          </a:pPr>
-          <a:r>
-            <a:rPr lang="en-US" sz="2100" kern="1200" dirty="0" smtClean="0"/>
-            <a:t>Objects</a:t>
-          </a:r>
-          <a:endParaRPr lang="ru-RU" sz="2100" kern="1200" dirty="0"/>
-        </a:p>
-      </dsp:txBody>
-      <dsp:txXfrm>
-        <a:off x="2360" y="531961"/>
-        <a:ext cx="2301818" cy="604800"/>
-      </dsp:txXfrm>
-    </dsp:sp>
-    <dsp:sp modelId="{3F04D6E3-2A88-4B5D-9693-6197E0326257}">
-      <dsp:nvSpPr>
-        <dsp:cNvPr id="0" name=""/>
-        <dsp:cNvSpPr/>
-      </dsp:nvSpPr>
-      <dsp:spPr>
-        <a:xfrm>
-          <a:off x="2360" y="1136761"/>
-          <a:ext cx="2301818" cy="2478734"/>
-        </a:xfrm>
-        <a:prstGeom prst="rect">
-          <a:avLst/>
-        </a:prstGeom>
-        <a:solidFill>
-          <a:schemeClr val="accent1">
-            <a:alpha val="90000"/>
-            <a:tint val="40000"/>
-            <a:hueOff val="0"/>
-            <a:satOff val="0"/>
-            <a:lumOff val="0"/>
-            <a:alphaOff val="0"/>
-          </a:schemeClr>
-        </a:solidFill>
-        <a:ln w="34925" cap="flat" cmpd="sng" algn="in">
-          <a:solidFill>
-            <a:schemeClr val="accent1">
-              <a:alpha val="90000"/>
-              <a:tint val="40000"/>
-              <a:hueOff val="0"/>
-              <a:satOff val="0"/>
-              <a:lumOff val="0"/>
-              <a:alphaOff val="0"/>
-            </a:schemeClr>
-          </a:solidFill>
-          <a:prstDash val="solid"/>
-        </a:ln>
-        <a:effectLst/>
-      </dsp:spPr>
-      <dsp:style>
-        <a:lnRef idx="2">
-          <a:scrgbClr r="0" g="0" b="0"/>
-        </a:lnRef>
-        <a:fillRef idx="1">
-          <a:scrgbClr r="0" g="0" b="0"/>
-        </a:fillRef>
-        <a:effectRef idx="0">
-          <a:scrgbClr r="0" g="0" b="0"/>
-        </a:effectRef>
-        <a:fontRef idx="minor"/>
-      </dsp:style>
-      <dsp:txBody>
-        <a:bodyPr spcFirstLastPara="0" vert="horz" wrap="square" lIns="112014" tIns="112014" rIns="149352" bIns="168021" numCol="1" spcCol="1270" anchor="t" anchorCtr="0">
-          <a:noAutofit/>
-        </a:bodyPr>
-        <a:lstStyle/>
-        <a:p>
-          <a:pPr marL="228600" lvl="1" indent="-228600" algn="l" defTabSz="933450">
-            <a:lnSpc>
-              <a:spcPct val="90000"/>
-            </a:lnSpc>
-            <a:spcBef>
-              <a:spcPct val="0"/>
-            </a:spcBef>
-            <a:spcAft>
-              <a:spcPct val="15000"/>
-            </a:spcAft>
-            <a:buChar char="••"/>
-          </a:pPr>
-          <a:r>
-            <a:rPr lang="en-US" sz="2100" kern="1200" dirty="0" smtClean="0"/>
-            <a:t>Id</a:t>
-          </a:r>
-          <a:endParaRPr lang="ru-RU" sz="2100" kern="1200" dirty="0"/>
-        </a:p>
-        <a:p>
-          <a:pPr marL="228600" lvl="1" indent="-228600" algn="l" defTabSz="933450">
-            <a:lnSpc>
-              <a:spcPct val="90000"/>
-            </a:lnSpc>
-            <a:spcBef>
-              <a:spcPct val="0"/>
-            </a:spcBef>
-            <a:spcAft>
-              <a:spcPct val="15000"/>
-            </a:spcAft>
-            <a:buChar char="••"/>
-          </a:pPr>
-          <a:r>
-            <a:rPr lang="en-US" sz="2100" kern="1200" dirty="0" smtClean="0"/>
-            <a:t>Type</a:t>
-          </a:r>
-          <a:endParaRPr lang="ru-RU" sz="2100" kern="1200" dirty="0"/>
-        </a:p>
-        <a:p>
-          <a:pPr marL="228600" lvl="1" indent="-228600" algn="l" defTabSz="933450">
-            <a:lnSpc>
-              <a:spcPct val="90000"/>
-            </a:lnSpc>
-            <a:spcBef>
-              <a:spcPct val="0"/>
-            </a:spcBef>
-            <a:spcAft>
-              <a:spcPct val="15000"/>
-            </a:spcAft>
-            <a:buChar char="••"/>
-          </a:pPr>
-          <a:r>
-            <a:rPr lang="en-US" sz="2100" kern="1200" dirty="0" err="1" smtClean="0"/>
-            <a:t>posX</a:t>
-          </a:r>
-          <a:endParaRPr lang="ru-RU" sz="2100" kern="1200" dirty="0"/>
-        </a:p>
-        <a:p>
-          <a:pPr marL="228600" lvl="1" indent="-228600" algn="l" defTabSz="933450">
-            <a:lnSpc>
-              <a:spcPct val="90000"/>
-            </a:lnSpc>
-            <a:spcBef>
-              <a:spcPct val="0"/>
-            </a:spcBef>
-            <a:spcAft>
-              <a:spcPct val="15000"/>
-            </a:spcAft>
-            <a:buChar char="••"/>
-          </a:pPr>
-          <a:r>
-            <a:rPr lang="en-US" sz="2100" kern="1200" dirty="0" err="1" smtClean="0"/>
-            <a:t>posY</a:t>
-          </a:r>
-          <a:endParaRPr lang="ru-RU" sz="2100" kern="1200" dirty="0"/>
-        </a:p>
-        <a:p>
-          <a:pPr marL="228600" lvl="1" indent="-228600" algn="l" defTabSz="933450">
-            <a:lnSpc>
-              <a:spcPct val="90000"/>
-            </a:lnSpc>
-            <a:spcBef>
-              <a:spcPct val="0"/>
-            </a:spcBef>
-            <a:spcAft>
-              <a:spcPct val="15000"/>
-            </a:spcAft>
-            <a:buChar char="••"/>
-          </a:pPr>
-          <a:r>
-            <a:rPr lang="en-US" sz="2100" kern="1200" dirty="0" err="1" smtClean="0"/>
-            <a:t>Room_id</a:t>
-          </a:r>
-          <a:endParaRPr lang="ru-RU" sz="2100" kern="1200" dirty="0"/>
-        </a:p>
-        <a:p>
-          <a:pPr marL="228600" lvl="1" indent="-228600" algn="l" defTabSz="933450">
-            <a:lnSpc>
-              <a:spcPct val="90000"/>
-            </a:lnSpc>
-            <a:spcBef>
-              <a:spcPct val="0"/>
-            </a:spcBef>
-            <a:spcAft>
-              <a:spcPct val="15000"/>
-            </a:spcAft>
-            <a:buChar char="••"/>
-          </a:pPr>
-          <a:r>
-            <a:rPr lang="en-US" sz="2100" kern="1200" dirty="0" smtClean="0"/>
-            <a:t>Inside</a:t>
-          </a:r>
-          <a:endParaRPr lang="ru-RU" sz="2100" kern="1200" dirty="0"/>
-        </a:p>
-        <a:p>
-          <a:pPr marL="228600" lvl="1" indent="-228600" algn="l" defTabSz="933450">
-            <a:lnSpc>
-              <a:spcPct val="90000"/>
-            </a:lnSpc>
-            <a:spcBef>
-              <a:spcPct val="0"/>
-            </a:spcBef>
-            <a:spcAft>
-              <a:spcPct val="15000"/>
-            </a:spcAft>
-            <a:buChar char="••"/>
-          </a:pPr>
-          <a:r>
-            <a:rPr lang="en-US" sz="2100" kern="1200" dirty="0" smtClean="0"/>
-            <a:t>color</a:t>
-          </a:r>
-          <a:endParaRPr lang="ru-RU" sz="2100" kern="1200" dirty="0"/>
-        </a:p>
-      </dsp:txBody>
-      <dsp:txXfrm>
-        <a:off x="2360" y="1136761"/>
-        <a:ext cx="2301818" cy="2478734"/>
-      </dsp:txXfrm>
-    </dsp:sp>
-    <dsp:sp modelId="{2BC2DFC8-5E1D-4F84-AB3C-576F7A1C14BF}">
-      <dsp:nvSpPr>
-        <dsp:cNvPr id="0" name=""/>
-        <dsp:cNvSpPr/>
-      </dsp:nvSpPr>
-      <dsp:spPr>
-        <a:xfrm>
-          <a:off x="2626433" y="531961"/>
-          <a:ext cx="2301818" cy="604800"/>
-        </a:xfrm>
-        <a:prstGeom prst="rect">
-          <a:avLst/>
-        </a:prstGeom>
-        <a:solidFill>
-          <a:schemeClr val="accent1">
-            <a:hueOff val="0"/>
-            <a:satOff val="0"/>
-            <a:lumOff val="0"/>
-            <a:alphaOff val="0"/>
-          </a:schemeClr>
-        </a:solidFill>
-        <a:ln w="34925" cap="flat" cmpd="sng" algn="in">
-          <a:solidFill>
-            <a:schemeClr val="accent1">
-              <a:hueOff val="0"/>
-              <a:satOff val="0"/>
-              <a:lumOff val="0"/>
-              <a:alphaOff val="0"/>
-            </a:schemeClr>
-          </a:solidFill>
-          <a:prstDash val="solid"/>
-        </a:ln>
-        <a:effectLst/>
-      </dsp:spPr>
-      <dsp:style>
-        <a:lnRef idx="2">
-          <a:scrgbClr r="0" g="0" b="0"/>
-        </a:lnRef>
-        <a:fillRef idx="1">
-          <a:scrgbClr r="0" g="0" b="0"/>
-        </a:fillRef>
-        <a:effectRef idx="0">
-          <a:scrgbClr r="0" g="0" b="0"/>
-        </a:effectRef>
-        <a:fontRef idx="minor">
-          <a:schemeClr val="lt1"/>
-        </a:fontRef>
-      </dsp:style>
-      <dsp:txBody>
-        <a:bodyPr spcFirstLastPara="0" vert="horz" wrap="square" lIns="149352" tIns="85344" rIns="149352" bIns="85344" numCol="1" spcCol="1270" anchor="ctr" anchorCtr="0">
-          <a:noAutofit/>
-        </a:bodyPr>
-        <a:lstStyle/>
-        <a:p>
-          <a:pPr lvl="0" algn="ctr" defTabSz="933450">
-            <a:lnSpc>
-              <a:spcPct val="90000"/>
-            </a:lnSpc>
-            <a:spcBef>
-              <a:spcPct val="0"/>
-            </a:spcBef>
-            <a:spcAft>
-              <a:spcPct val="35000"/>
-            </a:spcAft>
-          </a:pPr>
-          <a:r>
-            <a:rPr lang="en-US" sz="2100" kern="1200" dirty="0" smtClean="0"/>
-            <a:t>Inventory</a:t>
-          </a:r>
-          <a:endParaRPr lang="ru-RU" sz="2100" kern="1200" dirty="0"/>
-        </a:p>
-      </dsp:txBody>
-      <dsp:txXfrm>
-        <a:off x="2626433" y="531961"/>
-        <a:ext cx="2301818" cy="604800"/>
-      </dsp:txXfrm>
-    </dsp:sp>
-    <dsp:sp modelId="{6B417FF8-968F-4ABE-B847-592B4F6B8384}">
-      <dsp:nvSpPr>
-        <dsp:cNvPr id="0" name=""/>
-        <dsp:cNvSpPr/>
-      </dsp:nvSpPr>
-      <dsp:spPr>
-        <a:xfrm>
-          <a:off x="2626433" y="1136761"/>
-          <a:ext cx="2301818" cy="2478734"/>
-        </a:xfrm>
-        <a:prstGeom prst="rect">
-          <a:avLst/>
-        </a:prstGeom>
-        <a:solidFill>
-          <a:schemeClr val="accent1">
-            <a:alpha val="90000"/>
-            <a:tint val="40000"/>
-            <a:hueOff val="0"/>
-            <a:satOff val="0"/>
-            <a:lumOff val="0"/>
-            <a:alphaOff val="0"/>
-          </a:schemeClr>
-        </a:solidFill>
-        <a:ln w="34925" cap="flat" cmpd="sng" algn="in">
-          <a:solidFill>
-            <a:schemeClr val="accent1">
-              <a:alpha val="90000"/>
-              <a:tint val="40000"/>
-              <a:hueOff val="0"/>
-              <a:satOff val="0"/>
-              <a:lumOff val="0"/>
-              <a:alphaOff val="0"/>
-            </a:schemeClr>
-          </a:solidFill>
-          <a:prstDash val="solid"/>
-        </a:ln>
-        <a:effectLst/>
-      </dsp:spPr>
-      <dsp:style>
-        <a:lnRef idx="2">
-          <a:scrgbClr r="0" g="0" b="0"/>
-        </a:lnRef>
-        <a:fillRef idx="1">
-          <a:scrgbClr r="0" g="0" b="0"/>
-        </a:fillRef>
-        <a:effectRef idx="0">
-          <a:scrgbClr r="0" g="0" b="0"/>
-        </a:effectRef>
-        <a:fontRef idx="minor"/>
-      </dsp:style>
-      <dsp:txBody>
-        <a:bodyPr spcFirstLastPara="0" vert="horz" wrap="square" lIns="112014" tIns="112014" rIns="149352" bIns="168021" numCol="1" spcCol="1270" anchor="t" anchorCtr="0">
-          <a:noAutofit/>
-        </a:bodyPr>
-        <a:lstStyle/>
-        <a:p>
-          <a:pPr marL="228600" lvl="1" indent="-228600" algn="l" defTabSz="933450">
-            <a:lnSpc>
-              <a:spcPct val="90000"/>
-            </a:lnSpc>
-            <a:spcBef>
-              <a:spcPct val="0"/>
-            </a:spcBef>
-            <a:spcAft>
-              <a:spcPct val="15000"/>
-            </a:spcAft>
-            <a:buChar char="••"/>
-          </a:pPr>
-          <a:r>
-            <a:rPr lang="en-US" sz="2100" kern="1200" dirty="0" smtClean="0"/>
-            <a:t>Id</a:t>
-          </a:r>
-          <a:endParaRPr lang="ru-RU" sz="2100" kern="1200" dirty="0"/>
-        </a:p>
-        <a:p>
-          <a:pPr marL="228600" lvl="1" indent="-228600" algn="l" defTabSz="933450">
-            <a:lnSpc>
-              <a:spcPct val="90000"/>
-            </a:lnSpc>
-            <a:spcBef>
-              <a:spcPct val="0"/>
-            </a:spcBef>
-            <a:spcAft>
-              <a:spcPct val="15000"/>
-            </a:spcAft>
-            <a:buChar char="••"/>
-          </a:pPr>
-          <a:r>
-            <a:rPr lang="en-US" sz="2100" kern="1200" dirty="0" smtClean="0"/>
-            <a:t>Type</a:t>
-          </a:r>
-          <a:endParaRPr lang="ru-RU" sz="2100" kern="1200" dirty="0"/>
-        </a:p>
-        <a:p>
-          <a:pPr marL="228600" lvl="1" indent="-228600" algn="l" defTabSz="933450">
-            <a:lnSpc>
-              <a:spcPct val="90000"/>
-            </a:lnSpc>
-            <a:spcBef>
-              <a:spcPct val="0"/>
-            </a:spcBef>
-            <a:spcAft>
-              <a:spcPct val="15000"/>
-            </a:spcAft>
-            <a:buChar char="••"/>
-          </a:pPr>
-          <a:r>
-            <a:rPr lang="en-US" sz="2100" kern="1200" dirty="0" smtClean="0"/>
-            <a:t>User</a:t>
-          </a:r>
-          <a:endParaRPr lang="ru-RU" sz="2100" kern="1200" dirty="0"/>
-        </a:p>
-        <a:p>
-          <a:pPr marL="228600" lvl="1" indent="-228600" algn="l" defTabSz="933450">
-            <a:lnSpc>
-              <a:spcPct val="90000"/>
-            </a:lnSpc>
-            <a:spcBef>
-              <a:spcPct val="0"/>
-            </a:spcBef>
-            <a:spcAft>
-              <a:spcPct val="15000"/>
-            </a:spcAft>
-            <a:buChar char="••"/>
-          </a:pPr>
-          <a:r>
-            <a:rPr lang="en-US" sz="2100" kern="1200" dirty="0" smtClean="0"/>
-            <a:t>used</a:t>
-          </a:r>
-          <a:endParaRPr lang="ru-RU" sz="2100" kern="1200" dirty="0"/>
-        </a:p>
-      </dsp:txBody>
-      <dsp:txXfrm>
-        <a:off x="2626433" y="1136761"/>
-        <a:ext cx="2301818" cy="2478734"/>
-      </dsp:txXfrm>
-    </dsp:sp>
-    <dsp:sp modelId="{C3F7B771-5E6D-46F0-B894-349B9E763B60}">
-      <dsp:nvSpPr>
-        <dsp:cNvPr id="0" name=""/>
-        <dsp:cNvSpPr/>
-      </dsp:nvSpPr>
-      <dsp:spPr>
-        <a:xfrm>
-          <a:off x="5250506" y="531961"/>
-          <a:ext cx="2301818" cy="604800"/>
-        </a:xfrm>
-        <a:prstGeom prst="rect">
-          <a:avLst/>
-        </a:prstGeom>
-        <a:solidFill>
-          <a:schemeClr val="accent1">
-            <a:hueOff val="0"/>
-            <a:satOff val="0"/>
-            <a:lumOff val="0"/>
-            <a:alphaOff val="0"/>
-          </a:schemeClr>
-        </a:solidFill>
-        <a:ln w="34925" cap="flat" cmpd="sng" algn="in">
-          <a:solidFill>
-            <a:schemeClr val="accent1">
-              <a:hueOff val="0"/>
-              <a:satOff val="0"/>
-              <a:lumOff val="0"/>
-              <a:alphaOff val="0"/>
-            </a:schemeClr>
-          </a:solidFill>
-          <a:prstDash val="solid"/>
-        </a:ln>
-        <a:effectLst/>
-      </dsp:spPr>
-      <dsp:style>
-        <a:lnRef idx="2">
-          <a:scrgbClr r="0" g="0" b="0"/>
-        </a:lnRef>
-        <a:fillRef idx="1">
-          <a:scrgbClr r="0" g="0" b="0"/>
-        </a:fillRef>
-        <a:effectRef idx="0">
-          <a:scrgbClr r="0" g="0" b="0"/>
-        </a:effectRef>
-        <a:fontRef idx="minor">
-          <a:schemeClr val="lt1"/>
-        </a:fontRef>
-      </dsp:style>
-      <dsp:txBody>
-        <a:bodyPr spcFirstLastPara="0" vert="horz" wrap="square" lIns="149352" tIns="85344" rIns="149352" bIns="85344" numCol="1" spcCol="1270" anchor="ctr" anchorCtr="0">
-          <a:noAutofit/>
-        </a:bodyPr>
-        <a:lstStyle/>
-        <a:p>
-          <a:pPr lvl="0" algn="ctr" defTabSz="933450">
-            <a:lnSpc>
-              <a:spcPct val="90000"/>
-            </a:lnSpc>
-            <a:spcBef>
-              <a:spcPct val="0"/>
-            </a:spcBef>
-            <a:spcAft>
-              <a:spcPct val="35000"/>
-            </a:spcAft>
-          </a:pPr>
-          <a:r>
-            <a:rPr lang="en-US" sz="2100" kern="1200" dirty="0" err="1" smtClean="0"/>
-            <a:t>Types_of_objects</a:t>
-          </a:r>
-          <a:endParaRPr lang="ru-RU" sz="2100" kern="1200" dirty="0"/>
-        </a:p>
-      </dsp:txBody>
-      <dsp:txXfrm>
-        <a:off x="5250506" y="531961"/>
-        <a:ext cx="2301818" cy="604800"/>
-      </dsp:txXfrm>
-    </dsp:sp>
-    <dsp:sp modelId="{8FCADF33-6F33-4B93-905B-38234BA30063}">
-      <dsp:nvSpPr>
-        <dsp:cNvPr id="0" name=""/>
-        <dsp:cNvSpPr/>
-      </dsp:nvSpPr>
-      <dsp:spPr>
-        <a:xfrm>
-          <a:off x="5250506" y="1136761"/>
-          <a:ext cx="2301818" cy="2478734"/>
-        </a:xfrm>
-        <a:prstGeom prst="rect">
-          <a:avLst/>
-        </a:prstGeom>
-        <a:solidFill>
-          <a:schemeClr val="accent1">
-            <a:alpha val="90000"/>
-            <a:tint val="40000"/>
-            <a:hueOff val="0"/>
-            <a:satOff val="0"/>
-            <a:lumOff val="0"/>
-            <a:alphaOff val="0"/>
-          </a:schemeClr>
-        </a:solidFill>
-        <a:ln w="34925" cap="flat" cmpd="sng" algn="in">
-          <a:solidFill>
-            <a:schemeClr val="accent1">
-              <a:alpha val="90000"/>
-              <a:tint val="40000"/>
-              <a:hueOff val="0"/>
-              <a:satOff val="0"/>
-              <a:lumOff val="0"/>
-              <a:alphaOff val="0"/>
-            </a:schemeClr>
-          </a:solidFill>
-          <a:prstDash val="solid"/>
-        </a:ln>
-        <a:effectLst/>
-      </dsp:spPr>
-      <dsp:style>
-        <a:lnRef idx="2">
-          <a:scrgbClr r="0" g="0" b="0"/>
-        </a:lnRef>
-        <a:fillRef idx="1">
-          <a:scrgbClr r="0" g="0" b="0"/>
-        </a:fillRef>
-        <a:effectRef idx="0">
-          <a:scrgbClr r="0" g="0" b="0"/>
-        </a:effectRef>
-        <a:fontRef idx="minor"/>
-      </dsp:style>
-      <dsp:txBody>
-        <a:bodyPr spcFirstLastPara="0" vert="horz" wrap="square" lIns="112014" tIns="112014" rIns="149352" bIns="168021" numCol="1" spcCol="1270" anchor="t" anchorCtr="0">
-          <a:noAutofit/>
-        </a:bodyPr>
-        <a:lstStyle/>
-        <a:p>
-          <a:pPr marL="228600" lvl="1" indent="-228600" algn="l" defTabSz="933450">
-            <a:lnSpc>
-              <a:spcPct val="90000"/>
-            </a:lnSpc>
-            <a:spcBef>
-              <a:spcPct val="0"/>
-            </a:spcBef>
-            <a:spcAft>
-              <a:spcPct val="15000"/>
-            </a:spcAft>
-            <a:buChar char="••"/>
-          </a:pPr>
-          <a:r>
-            <a:rPr lang="en-US" sz="2100" kern="1200" dirty="0" smtClean="0"/>
-            <a:t>Id</a:t>
-          </a:r>
-          <a:endParaRPr lang="ru-RU" sz="2100" kern="1200" dirty="0"/>
-        </a:p>
-        <a:p>
-          <a:pPr marL="228600" lvl="1" indent="-228600" algn="l" defTabSz="933450">
-            <a:lnSpc>
-              <a:spcPct val="90000"/>
-            </a:lnSpc>
-            <a:spcBef>
-              <a:spcPct val="0"/>
-            </a:spcBef>
-            <a:spcAft>
-              <a:spcPct val="15000"/>
-            </a:spcAft>
-            <a:buChar char="••"/>
-          </a:pPr>
-          <a:r>
-            <a:rPr lang="en-US" sz="2100" kern="1200" dirty="0" smtClean="0"/>
-            <a:t>Name</a:t>
-          </a:r>
-          <a:endParaRPr lang="ru-RU" sz="2100" kern="1200" dirty="0"/>
-        </a:p>
-        <a:p>
-          <a:pPr marL="228600" lvl="1" indent="-228600" algn="l" defTabSz="933450">
-            <a:lnSpc>
-              <a:spcPct val="90000"/>
-            </a:lnSpc>
-            <a:spcBef>
-              <a:spcPct val="0"/>
-            </a:spcBef>
-            <a:spcAft>
-              <a:spcPct val="15000"/>
-            </a:spcAft>
-            <a:buChar char="••"/>
-          </a:pPr>
-          <a:endParaRPr lang="ru-RU" sz="2100" kern="1200" dirty="0"/>
-        </a:p>
-      </dsp:txBody>
-      <dsp:txXfrm>
-        <a:off x="5250506" y="1136761"/>
-        <a:ext cx="2301818" cy="2478734"/>
-      </dsp:txXfrm>
-    </dsp:sp>
   </dsp:spTree>
 </dsp:drawing>
 </file>
@@ -5456,7 +4034,7 @@
 </file>
 
 <file path=ppt/diagrams/quickStyle1.xml><?xml version="1.0" encoding="utf-8"?>
-<dgm:styleDef xmlns:dgm="http://schemas.openxmlformats.org/drawingml/2006/diagram" xmlns:a="http://schemas.openxmlformats.org/drawingml/2006/main" uniqueId="urn:microsoft.com/office/officeart/2005/8/quickstyle/simple1">
+<dgm:styleDef xmlns:dgm="http://schemas.openxmlformats.org/drawingml/2006/diagram" xmlns:a="http://schemas.openxmlformats.org/drawingml/2006/main" uniqueId="urn:microsoft.com/office/officeart/2005/8/quickstyle/simple1#1">
   <dgm:title val=""/>
   <dgm:desc val=""/>
   <dgm:catLst>
@@ -6490,7 +5068,7 @@
 </file>
 
 <file path=ppt/diagrams/quickStyle2.xml><?xml version="1.0" encoding="utf-8"?>
-<dgm:styleDef xmlns:dgm="http://schemas.openxmlformats.org/drawingml/2006/diagram" xmlns:a="http://schemas.openxmlformats.org/drawingml/2006/main" uniqueId="urn:microsoft.com/office/officeart/2005/8/quickstyle/simple1">
+<dgm:styleDef xmlns:dgm="http://schemas.openxmlformats.org/drawingml/2006/diagram" xmlns:a="http://schemas.openxmlformats.org/drawingml/2006/main" uniqueId="urn:microsoft.com/office/officeart/2005/8/quickstyle/simple1#2">
   <dgm:title val=""/>
   <dgm:desc val=""/>
   <dgm:catLst>
@@ -7526,14 +6104,6 @@
 <file path=ppt/slideLayouts/slideLayout1.xml><?xml version="1.0" encoding="utf-8"?>
 <p:sldLayout xmlns:a="http://schemas.openxmlformats.org/drawingml/2006/main" xmlns:r="http://schemas.openxmlformats.org/officeDocument/2006/relationships" xmlns:p="http://schemas.openxmlformats.org/presentationml/2006/main" showMasterSp="0" type="title" preserve="1">
   <p:cSld name="Титульный слайд">
-    <p:bg>
-      <p:bgPr>
-        <a:solidFill>
-          <a:schemeClr val="bg2"/>
-        </a:solidFill>
-        <a:effectLst/>
-      </p:bgPr>
-    </p:bg>
     <p:spTree>
       <p:nvGrpSpPr>
         <p:cNvPr id="1" name=""/>
@@ -7548,6 +6118,199 @@
           <a:chExt cx="0" cy="0"/>
         </a:xfrm>
       </p:grpSpPr>
+      <p:grpSp>
+        <p:nvGrpSpPr>
+          <p:cNvPr id="4" name="Group 6"/>
+          <p:cNvGrpSpPr>
+            <a:grpSpLocks/>
+          </p:cNvGrpSpPr>
+          <p:nvPr/>
+        </p:nvGrpSpPr>
+        <p:grpSpPr bwMode="auto">
+          <a:xfrm>
+            <a:off x="752475" y="744538"/>
+            <a:ext cx="10674350" cy="5349875"/>
+            <a:chOff x="752858" y="744469"/>
+            <a:chExt cx="10674117" cy="5349671"/>
+          </a:xfrm>
+        </p:grpSpPr>
+        <p:sp>
+          <p:nvSpPr>
+            <p:cNvPr id="5" name="Freeform 6"/>
+            <p:cNvSpPr>
+              <a:spLocks/>
+            </p:cNvSpPr>
+            <p:nvPr/>
+          </p:nvSpPr>
+          <p:spPr bwMode="auto">
+            <a:xfrm>
+              <a:off x="8151962" y="1685652"/>
+              <a:ext cx="3275013" cy="4408488"/>
+            </a:xfrm>
+            <a:custGeom>
+              <a:avLst/>
+              <a:gdLst/>
+              <a:ahLst/>
+              <a:cxnLst>
+                <a:cxn ang="0">
+                  <a:pos x="8761" y="0"/>
+                </a:cxn>
+                <a:cxn ang="0">
+                  <a:pos x="10000" y="0"/>
+                </a:cxn>
+                <a:cxn ang="0">
+                  <a:pos x="10000" y="10000"/>
+                </a:cxn>
+                <a:cxn ang="0">
+                  <a:pos x="0" y="10000"/>
+                </a:cxn>
+                <a:cxn ang="0">
+                  <a:pos x="0" y="9126"/>
+                </a:cxn>
+                <a:cxn ang="0">
+                  <a:pos x="8761" y="9127"/>
+                </a:cxn>
+                <a:cxn ang="0">
+                  <a:pos x="8761" y="0"/>
+                </a:cxn>
+              </a:cxnLst>
+              <a:rect l="0" t="0" r="r" b="b"/>
+              <a:pathLst>
+                <a:path w="10000" h="10000">
+                  <a:moveTo>
+                    <a:pt x="8761" y="0"/>
+                  </a:moveTo>
+                  <a:lnTo>
+                    <a:pt x="10000" y="0"/>
+                  </a:lnTo>
+                  <a:lnTo>
+                    <a:pt x="10000" y="10000"/>
+                  </a:lnTo>
+                  <a:lnTo>
+                    <a:pt x="0" y="10000"/>
+                  </a:lnTo>
+                  <a:lnTo>
+                    <a:pt x="0" y="9126"/>
+                  </a:lnTo>
+                  <a:lnTo>
+                    <a:pt x="8761" y="9127"/>
+                  </a:lnTo>
+                  <a:lnTo>
+                    <a:pt x="8761" y="0"/>
+                  </a:lnTo>
+                  <a:close/>
+                </a:path>
+              </a:pathLst>
+            </a:custGeom>
+            <a:solidFill>
+              <a:schemeClr val="tx2"/>
+            </a:solidFill>
+            <a:ln w="0">
+              <a:noFill/>
+              <a:prstDash val="solid"/>
+              <a:round/>
+              <a:headEnd/>
+              <a:tailEnd/>
+            </a:ln>
+          </p:spPr>
+          <p:txBody>
+            <a:bodyPr/>
+            <a:lstStyle/>
+            <a:p>
+              <a:endParaRPr lang="ru-RU"/>
+            </a:p>
+          </p:txBody>
+        </p:sp>
+        <p:sp>
+          <p:nvSpPr>
+            <p:cNvPr id="6" name="Freeform 6"/>
+            <p:cNvSpPr>
+              <a:spLocks/>
+            </p:cNvSpPr>
+            <p:nvPr/>
+          </p:nvSpPr>
+          <p:spPr bwMode="auto">
+            <a:xfrm flipH="1" flipV="1">
+              <a:off x="752858" y="744469"/>
+              <a:ext cx="3275668" cy="4408488"/>
+            </a:xfrm>
+            <a:custGeom>
+              <a:avLst/>
+              <a:gdLst/>
+              <a:ahLst/>
+              <a:cxnLst>
+                <a:cxn ang="0">
+                  <a:pos x="8763" y="0"/>
+                </a:cxn>
+                <a:cxn ang="0">
+                  <a:pos x="10002" y="0"/>
+                </a:cxn>
+                <a:cxn ang="0">
+                  <a:pos x="10002" y="10000"/>
+                </a:cxn>
+                <a:cxn ang="0">
+                  <a:pos x="2" y="10000"/>
+                </a:cxn>
+                <a:cxn ang="0">
+                  <a:pos x="0" y="9125"/>
+                </a:cxn>
+                <a:cxn ang="0">
+                  <a:pos x="8763" y="9128"/>
+                </a:cxn>
+                <a:cxn ang="0">
+                  <a:pos x="8763" y="0"/>
+                </a:cxn>
+              </a:cxnLst>
+              <a:rect l="0" t="0" r="r" b="b"/>
+              <a:pathLst>
+                <a:path w="10002" h="10000">
+                  <a:moveTo>
+                    <a:pt x="8763" y="0"/>
+                  </a:moveTo>
+                  <a:lnTo>
+                    <a:pt x="10002" y="0"/>
+                  </a:lnTo>
+                  <a:lnTo>
+                    <a:pt x="10002" y="10000"/>
+                  </a:lnTo>
+                  <a:lnTo>
+                    <a:pt x="2" y="10000"/>
+                  </a:lnTo>
+                  <a:cubicBezTo>
+                    <a:pt x="-2" y="9698"/>
+                    <a:pt x="4" y="9427"/>
+                    <a:pt x="0" y="9125"/>
+                  </a:cubicBezTo>
+                  <a:lnTo>
+                    <a:pt x="8763" y="9128"/>
+                  </a:lnTo>
+                  <a:lnTo>
+                    <a:pt x="8763" y="0"/>
+                  </a:lnTo>
+                  <a:close/>
+                </a:path>
+              </a:pathLst>
+            </a:custGeom>
+            <a:solidFill>
+              <a:schemeClr val="tx2"/>
+            </a:solidFill>
+            <a:ln w="0">
+              <a:noFill/>
+              <a:prstDash val="solid"/>
+              <a:round/>
+              <a:headEnd/>
+              <a:tailEnd/>
+            </a:ln>
+          </p:spPr>
+          <p:txBody>
+            <a:bodyPr/>
+            <a:lstStyle/>
+            <a:p>
+              <a:endParaRPr lang="ru-RU"/>
+            </a:p>
+          </p:txBody>
+        </p:sp>
+      </p:grpSp>
       <p:sp>
         <p:nvSpPr>
           <p:cNvPr id="2" name="Title 1"/>
@@ -7664,7 +6427,7 @@
       </p:sp>
       <p:sp>
         <p:nvSpPr>
-          <p:cNvPr id="4" name="Date Placeholder 3"/>
+          <p:cNvPr id="7" name="Date Placeholder 3"/>
           <p:cNvSpPr>
             <a:spLocks noGrp="1"/>
           </p:cNvSpPr>
@@ -7674,15 +6437,15 @@
         </p:nvSpPr>
         <p:spPr>
           <a:xfrm>
-            <a:off x="752858" y="6453386"/>
-            <a:ext cx="1607944" cy="404614"/>
+            <a:off x="752475" y="6453188"/>
+            <a:ext cx="1608138" cy="404812"/>
           </a:xfrm>
         </p:spPr>
         <p:txBody>
           <a:bodyPr/>
           <a:lstStyle>
             <a:lvl1pPr>
-              <a:defRPr baseline="0">
+              <a:defRPr baseline="0" smtClean="0">
                 <a:solidFill>
                   <a:schemeClr val="tx2"/>
                 </a:solidFill>
@@ -7690,9 +6453,15 @@
             </a:lvl1pPr>
           </a:lstStyle>
           <a:p>
-            <a:fld id="{273A0F44-4DD4-41AE-9023-01EBF89AB89A}" type="datetimeFigureOut">
-              <a:rPr lang="ru-RU" smtClean="0"/>
-              <a:t>11.01.2021</a:t>
+            <a:pPr>
+              <a:defRPr/>
+            </a:pPr>
+            <a:fld id="{02024A90-A04B-46D5-96D5-1D89FC499C06}" type="datetimeFigureOut">
+              <a:rPr lang="ru-RU"/>
+              <a:pPr>
+                <a:defRPr/>
+              </a:pPr>
+              <a:t>13.01.2021</a:t>
             </a:fld>
             <a:endParaRPr lang="ru-RU"/>
           </a:p>
@@ -7700,7 +6469,7 @@
       </p:sp>
       <p:sp>
         <p:nvSpPr>
-          <p:cNvPr id="5" name="Footer Placeholder 4"/>
+          <p:cNvPr id="8" name="Footer Placeholder 4"/>
           <p:cNvSpPr>
             <a:spLocks noGrp="1"/>
           </p:cNvSpPr>
@@ -7710,8 +6479,8 @@
         </p:nvSpPr>
         <p:spPr>
           <a:xfrm>
-            <a:off x="2584054" y="6453386"/>
-            <a:ext cx="7023377" cy="404614"/>
+            <a:off x="2584450" y="6453188"/>
+            <a:ext cx="7023100" cy="404812"/>
           </a:xfrm>
         </p:spPr>
         <p:txBody>
@@ -7726,13 +6495,16 @@
             </a:lvl1pPr>
           </a:lstStyle>
           <a:p>
+            <a:pPr>
+              <a:defRPr/>
+            </a:pPr>
             <a:endParaRPr lang="ru-RU"/>
           </a:p>
         </p:txBody>
       </p:sp>
       <p:sp>
         <p:nvSpPr>
-          <p:cNvPr id="6" name="Slide Number Placeholder 5"/>
+          <p:cNvPr id="9" name="Slide Number Placeholder 5"/>
           <p:cNvSpPr>
             <a:spLocks noGrp="1"/>
           </p:cNvSpPr>
@@ -7742,15 +6514,15 @@
         </p:nvSpPr>
         <p:spPr>
           <a:xfrm>
-            <a:off x="9830683" y="6453386"/>
-            <a:ext cx="1596292" cy="404614"/>
+            <a:off x="9831388" y="6453188"/>
+            <a:ext cx="1595437" cy="404812"/>
           </a:xfrm>
         </p:spPr>
         <p:txBody>
           <a:bodyPr/>
           <a:lstStyle>
             <a:lvl1pPr>
-              <a:defRPr baseline="0">
+              <a:defRPr baseline="0" smtClean="0">
                 <a:solidFill>
                   <a:schemeClr val="tx2"/>
                 </a:solidFill>
@@ -7758,149 +6530,21 @@
             </a:lvl1pPr>
           </a:lstStyle>
           <a:p>
-            <a:fld id="{B178AB46-B030-4BB1-8398-635506F4651E}" type="slidenum">
-              <a:rPr lang="ru-RU" smtClean="0"/>
+            <a:pPr>
+              <a:defRPr/>
+            </a:pPr>
+            <a:fld id="{83B77DE8-951D-4138-9180-2DD35FAA9C68}" type="slidenum">
+              <a:rPr lang="ru-RU"/>
+              <a:pPr>
+                <a:defRPr/>
+              </a:pPr>
               <a:t>‹#›</a:t>
             </a:fld>
             <a:endParaRPr lang="ru-RU"/>
           </a:p>
         </p:txBody>
       </p:sp>
-      <p:grpSp>
-        <p:nvGrpSpPr>
-          <p:cNvPr id="7" name="Group 6"/>
-          <p:cNvGrpSpPr/>
-          <p:nvPr/>
-        </p:nvGrpSpPr>
-        <p:grpSpPr>
-          <a:xfrm>
-            <a:off x="752858" y="744469"/>
-            <a:ext cx="10674117" cy="5349671"/>
-            <a:chOff x="752858" y="744469"/>
-            <a:chExt cx="10674117" cy="5349671"/>
-          </a:xfrm>
-        </p:grpSpPr>
-        <p:sp>
-          <p:nvSpPr>
-            <p:cNvPr id="11" name="Freeform 6"/>
-            <p:cNvSpPr/>
-            <p:nvPr/>
-          </p:nvSpPr>
-          <p:spPr bwMode="auto">
-            <a:xfrm>
-              <a:off x="8151962" y="1685652"/>
-              <a:ext cx="3275013" cy="4408488"/>
-            </a:xfrm>
-            <a:custGeom>
-              <a:avLst/>
-              <a:gdLst/>
-              <a:ahLst/>
-              <a:cxnLst/>
-              <a:rect l="l" t="t" r="r" b="b"/>
-              <a:pathLst>
-                <a:path w="10000" h="10000">
-                  <a:moveTo>
-                    <a:pt x="8761" y="0"/>
-                  </a:moveTo>
-                  <a:lnTo>
-                    <a:pt x="10000" y="0"/>
-                  </a:lnTo>
-                  <a:lnTo>
-                    <a:pt x="10000" y="10000"/>
-                  </a:lnTo>
-                  <a:lnTo>
-                    <a:pt x="0" y="10000"/>
-                  </a:lnTo>
-                  <a:lnTo>
-                    <a:pt x="0" y="9126"/>
-                  </a:lnTo>
-                  <a:lnTo>
-                    <a:pt x="8761" y="9127"/>
-                  </a:lnTo>
-                  <a:lnTo>
-                    <a:pt x="8761" y="0"/>
-                  </a:lnTo>
-                  <a:close/>
-                </a:path>
-              </a:pathLst>
-            </a:custGeom>
-            <a:solidFill>
-              <a:schemeClr val="tx2"/>
-            </a:solidFill>
-            <a:ln w="0">
-              <a:noFill/>
-              <a:prstDash val="solid"/>
-              <a:round/>
-              <a:headEnd/>
-              <a:tailEnd/>
-            </a:ln>
-          </p:spPr>
-        </p:sp>
-        <p:sp>
-          <p:nvSpPr>
-            <p:cNvPr id="14" name="Freeform 6"/>
-            <p:cNvSpPr/>
-            <p:nvPr/>
-          </p:nvSpPr>
-          <p:spPr bwMode="auto">
-            <a:xfrm flipH="1" flipV="1">
-              <a:off x="752858" y="744469"/>
-              <a:ext cx="3275668" cy="4408488"/>
-            </a:xfrm>
-            <a:custGeom>
-              <a:avLst/>
-              <a:gdLst/>
-              <a:ahLst/>
-              <a:cxnLst/>
-              <a:rect l="l" t="t" r="r" b="b"/>
-              <a:pathLst>
-                <a:path w="10002" h="10000">
-                  <a:moveTo>
-                    <a:pt x="8763" y="0"/>
-                  </a:moveTo>
-                  <a:lnTo>
-                    <a:pt x="10002" y="0"/>
-                  </a:lnTo>
-                  <a:lnTo>
-                    <a:pt x="10002" y="10000"/>
-                  </a:lnTo>
-                  <a:lnTo>
-                    <a:pt x="2" y="10000"/>
-                  </a:lnTo>
-                  <a:cubicBezTo>
-                    <a:pt x="-2" y="9698"/>
-                    <a:pt x="4" y="9427"/>
-                    <a:pt x="0" y="9125"/>
-                  </a:cubicBezTo>
-                  <a:lnTo>
-                    <a:pt x="8763" y="9128"/>
-                  </a:lnTo>
-                  <a:lnTo>
-                    <a:pt x="8763" y="0"/>
-                  </a:lnTo>
-                  <a:close/>
-                </a:path>
-              </a:pathLst>
-            </a:custGeom>
-            <a:solidFill>
-              <a:schemeClr val="tx2"/>
-            </a:solidFill>
-            <a:ln w="0">
-              <a:noFill/>
-              <a:prstDash val="solid"/>
-              <a:round/>
-              <a:headEnd/>
-              <a:tailEnd/>
-            </a:ln>
-          </p:spPr>
-        </p:sp>
-      </p:grpSp>
     </p:spTree>
-    <p:extLst>
-      <p:ext uri="{BB962C8B-B14F-4D97-AF65-F5344CB8AC3E}">
-        <p14:creationId xmlns:p14="http://schemas.microsoft.com/office/powerpoint/2010/main" val="3781125663"/>
-      </p:ext>
-    </p:extLst>
   </p:cSld>
   <p:clrMapOvr>
     <a:overrideClrMapping bg1="lt1" tx1="dk1" bg2="lt2" tx2="dk2" accent1="accent1" accent2="accent2" accent3="accent3" accent4="accent4" accent5="accent5" accent6="accent6" hlink="hlink" folHlink="folHlink"/>
@@ -8018,11 +6662,21 @@
         <p:spPr/>
         <p:txBody>
           <a:bodyPr/>
-          <a:lstStyle/>
-          <a:p>
-            <a:fld id="{273A0F44-4DD4-41AE-9023-01EBF89AB89A}" type="datetimeFigureOut">
-              <a:rPr lang="ru-RU" smtClean="0"/>
-              <a:t>11.01.2021</a:t>
+          <a:lstStyle>
+            <a:lvl1pPr>
+              <a:defRPr/>
+            </a:lvl1pPr>
+          </a:lstStyle>
+          <a:p>
+            <a:pPr>
+              <a:defRPr/>
+            </a:pPr>
+            <a:fld id="{642014AA-D080-4493-B8F3-124023C6D5C7}" type="datetimeFigureOut">
+              <a:rPr lang="ru-RU"/>
+              <a:pPr>
+                <a:defRPr/>
+              </a:pPr>
+              <a:t>13.01.2021</a:t>
             </a:fld>
             <a:endParaRPr lang="ru-RU"/>
           </a:p>
@@ -8041,8 +6695,15 @@
         <p:spPr/>
         <p:txBody>
           <a:bodyPr/>
-          <a:lstStyle/>
-          <a:p>
+          <a:lstStyle>
+            <a:lvl1pPr>
+              <a:defRPr/>
+            </a:lvl1pPr>
+          </a:lstStyle>
+          <a:p>
+            <a:pPr>
+              <a:defRPr/>
+            </a:pPr>
             <a:endParaRPr lang="ru-RU"/>
           </a:p>
         </p:txBody>
@@ -8060,10 +6721,20 @@
         <p:spPr/>
         <p:txBody>
           <a:bodyPr/>
-          <a:lstStyle/>
-          <a:p>
-            <a:fld id="{B178AB46-B030-4BB1-8398-635506F4651E}" type="slidenum">
-              <a:rPr lang="ru-RU" smtClean="0"/>
+          <a:lstStyle>
+            <a:lvl1pPr>
+              <a:defRPr/>
+            </a:lvl1pPr>
+          </a:lstStyle>
+          <a:p>
+            <a:pPr>
+              <a:defRPr/>
+            </a:pPr>
+            <a:fld id="{22D63541-AF11-4F17-A45B-4BB480C94BCB}" type="slidenum">
+              <a:rPr lang="ru-RU"/>
+              <a:pPr>
+                <a:defRPr/>
+              </a:pPr>
               <a:t>‹#›</a:t>
             </a:fld>
             <a:endParaRPr lang="ru-RU"/>
@@ -8071,11 +6742,6 @@
         </p:txBody>
       </p:sp>
     </p:spTree>
-    <p:extLst>
-      <p:ext uri="{BB962C8B-B14F-4D97-AF65-F5344CB8AC3E}">
-        <p14:creationId xmlns:p14="http://schemas.microsoft.com/office/powerpoint/2010/main" val="2486210220"/>
-      </p:ext>
-    </p:extLst>
   </p:cSld>
   <p:clrMapOvr>
     <a:masterClrMapping/>
@@ -8198,11 +6864,21 @@
         <p:spPr/>
         <p:txBody>
           <a:bodyPr/>
-          <a:lstStyle/>
-          <a:p>
-            <a:fld id="{273A0F44-4DD4-41AE-9023-01EBF89AB89A}" type="datetimeFigureOut">
-              <a:rPr lang="ru-RU" smtClean="0"/>
-              <a:t>11.01.2021</a:t>
+          <a:lstStyle>
+            <a:lvl1pPr>
+              <a:defRPr/>
+            </a:lvl1pPr>
+          </a:lstStyle>
+          <a:p>
+            <a:pPr>
+              <a:defRPr/>
+            </a:pPr>
+            <a:fld id="{E4BFBBA8-B3CA-49B1-9049-5360A66675E4}" type="datetimeFigureOut">
+              <a:rPr lang="ru-RU"/>
+              <a:pPr>
+                <a:defRPr/>
+              </a:pPr>
+              <a:t>13.01.2021</a:t>
             </a:fld>
             <a:endParaRPr lang="ru-RU"/>
           </a:p>
@@ -8221,8 +6897,15 @@
         <p:spPr/>
         <p:txBody>
           <a:bodyPr/>
-          <a:lstStyle/>
-          <a:p>
+          <a:lstStyle>
+            <a:lvl1pPr>
+              <a:defRPr/>
+            </a:lvl1pPr>
+          </a:lstStyle>
+          <a:p>
+            <a:pPr>
+              <a:defRPr/>
+            </a:pPr>
             <a:endParaRPr lang="ru-RU"/>
           </a:p>
         </p:txBody>
@@ -8240,10 +6923,20 @@
         <p:spPr/>
         <p:txBody>
           <a:bodyPr/>
-          <a:lstStyle/>
-          <a:p>
-            <a:fld id="{B178AB46-B030-4BB1-8398-635506F4651E}" type="slidenum">
-              <a:rPr lang="ru-RU" smtClean="0"/>
+          <a:lstStyle>
+            <a:lvl1pPr>
+              <a:defRPr/>
+            </a:lvl1pPr>
+          </a:lstStyle>
+          <a:p>
+            <a:pPr>
+              <a:defRPr/>
+            </a:pPr>
+            <a:fld id="{4C8D5A3F-417B-42D7-91BB-60C4A09DF3F1}" type="slidenum">
+              <a:rPr lang="ru-RU"/>
+              <a:pPr>
+                <a:defRPr/>
+              </a:pPr>
               <a:t>‹#›</a:t>
             </a:fld>
             <a:endParaRPr lang="ru-RU"/>
@@ -8251,11 +6944,6 @@
         </p:txBody>
       </p:sp>
     </p:spTree>
-    <p:extLst>
-      <p:ext uri="{BB962C8B-B14F-4D97-AF65-F5344CB8AC3E}">
-        <p14:creationId xmlns:p14="http://schemas.microsoft.com/office/powerpoint/2010/main" val="2010242191"/>
-      </p:ext>
-    </p:extLst>
   </p:cSld>
   <p:clrMapOvr>
     <a:masterClrMapping/>
@@ -8368,11 +7056,21 @@
         <p:spPr/>
         <p:txBody>
           <a:bodyPr/>
-          <a:lstStyle/>
-          <a:p>
-            <a:fld id="{273A0F44-4DD4-41AE-9023-01EBF89AB89A}" type="datetimeFigureOut">
-              <a:rPr lang="ru-RU" smtClean="0"/>
-              <a:t>11.01.2021</a:t>
+          <a:lstStyle>
+            <a:lvl1pPr>
+              <a:defRPr/>
+            </a:lvl1pPr>
+          </a:lstStyle>
+          <a:p>
+            <a:pPr>
+              <a:defRPr/>
+            </a:pPr>
+            <a:fld id="{78AF2177-4788-4721-9BF9-7F5C9978859D}" type="datetimeFigureOut">
+              <a:rPr lang="ru-RU"/>
+              <a:pPr>
+                <a:defRPr/>
+              </a:pPr>
+              <a:t>13.01.2021</a:t>
             </a:fld>
             <a:endParaRPr lang="ru-RU"/>
           </a:p>
@@ -8391,8 +7089,15 @@
         <p:spPr/>
         <p:txBody>
           <a:bodyPr/>
-          <a:lstStyle/>
-          <a:p>
+          <a:lstStyle>
+            <a:lvl1pPr>
+              <a:defRPr/>
+            </a:lvl1pPr>
+          </a:lstStyle>
+          <a:p>
+            <a:pPr>
+              <a:defRPr/>
+            </a:pPr>
             <a:endParaRPr lang="ru-RU"/>
           </a:p>
         </p:txBody>
@@ -8410,10 +7115,20 @@
         <p:spPr/>
         <p:txBody>
           <a:bodyPr/>
-          <a:lstStyle/>
-          <a:p>
-            <a:fld id="{B178AB46-B030-4BB1-8398-635506F4651E}" type="slidenum">
-              <a:rPr lang="ru-RU" smtClean="0"/>
+          <a:lstStyle>
+            <a:lvl1pPr>
+              <a:defRPr/>
+            </a:lvl1pPr>
+          </a:lstStyle>
+          <a:p>
+            <a:pPr>
+              <a:defRPr/>
+            </a:pPr>
+            <a:fld id="{A29E3AE0-1F67-4E64-B05D-49CFF1465727}" type="slidenum">
+              <a:rPr lang="ru-RU"/>
+              <a:pPr>
+                <a:defRPr/>
+              </a:pPr>
               <a:t>‹#›</a:t>
             </a:fld>
             <a:endParaRPr lang="ru-RU"/>
@@ -8421,11 +7136,6 @@
         </p:txBody>
       </p:sp>
     </p:spTree>
-    <p:extLst>
-      <p:ext uri="{BB962C8B-B14F-4D97-AF65-F5344CB8AC3E}">
-        <p14:creationId xmlns:p14="http://schemas.microsoft.com/office/powerpoint/2010/main" val="2288993096"/>
-      </p:ext>
-    </p:extLst>
   </p:cSld>
   <p:clrMapOvr>
     <a:masterClrMapping/>
@@ -8455,6 +7165,98 @@
           <a:chExt cx="0" cy="0"/>
         </a:xfrm>
       </p:grpSpPr>
+      <p:sp>
+        <p:nvSpPr>
+          <p:cNvPr id="4" name="Freeform 6"/>
+          <p:cNvSpPr>
+            <a:spLocks/>
+          </p:cNvSpPr>
+          <p:nvPr/>
+        </p:nvSpPr>
+        <p:spPr bwMode="auto">
+          <a:xfrm>
+            <a:off x="8151813" y="1685925"/>
+            <a:ext cx="3275012" cy="4408488"/>
+          </a:xfrm>
+          <a:custGeom>
+            <a:avLst/>
+            <a:gdLst>
+              <a:gd name="T0" fmla="*/ 0 w 4125"/>
+              <a:gd name="T1" fmla="*/ 0 h 5554"/>
+              <a:gd name="T2" fmla="*/ 4125 w 4125"/>
+              <a:gd name="T3" fmla="*/ 5554 h 5554"/>
+            </a:gdLst>
+            <a:ahLst/>
+            <a:cxnLst>
+              <a:cxn ang="0">
+                <a:pos x="3614" y="0"/>
+              </a:cxn>
+              <a:cxn ang="0">
+                <a:pos x="4125" y="0"/>
+              </a:cxn>
+              <a:cxn ang="0">
+                <a:pos x="4125" y="5554"/>
+              </a:cxn>
+              <a:cxn ang="0">
+                <a:pos x="0" y="5554"/>
+              </a:cxn>
+              <a:cxn ang="0">
+                <a:pos x="0" y="5074"/>
+              </a:cxn>
+              <a:cxn ang="0">
+                <a:pos x="3614" y="5074"/>
+              </a:cxn>
+              <a:cxn ang="0">
+                <a:pos x="3614" y="0"/>
+              </a:cxn>
+            </a:cxnLst>
+            <a:rect l="T0" t="T1" r="T2" b="T3"/>
+            <a:pathLst>
+              <a:path w="4125" h="5554">
+                <a:moveTo>
+                  <a:pt x="3614" y="0"/>
+                </a:moveTo>
+                <a:lnTo>
+                  <a:pt x="4125" y="0"/>
+                </a:lnTo>
+                <a:lnTo>
+                  <a:pt x="4125" y="5554"/>
+                </a:lnTo>
+                <a:lnTo>
+                  <a:pt x="0" y="5554"/>
+                </a:lnTo>
+                <a:lnTo>
+                  <a:pt x="0" y="5074"/>
+                </a:lnTo>
+                <a:lnTo>
+                  <a:pt x="3614" y="5074"/>
+                </a:lnTo>
+                <a:lnTo>
+                  <a:pt x="3614" y="0"/>
+                </a:lnTo>
+                <a:close/>
+              </a:path>
+            </a:pathLst>
+          </a:custGeom>
+          <a:solidFill>
+            <a:schemeClr val="tx2"/>
+          </a:solidFill>
+          <a:ln w="0">
+            <a:noFill/>
+            <a:prstDash val="solid"/>
+            <a:round/>
+            <a:headEnd/>
+            <a:tailEnd/>
+          </a:ln>
+        </p:spPr>
+        <p:txBody>
+          <a:bodyPr/>
+          <a:lstStyle/>
+          <a:p>
+            <a:endParaRPr lang="ru-RU"/>
+          </a:p>
+        </p:txBody>
+      </p:sp>
       <p:sp>
         <p:nvSpPr>
           <p:cNvPr id="2" name="Title 1"/>
@@ -8621,7 +7423,7 @@
       </p:sp>
       <p:sp>
         <p:nvSpPr>
-          <p:cNvPr id="4" name="Date Placeholder 3"/>
+          <p:cNvPr id="5" name="Date Placeholder 3"/>
           <p:cNvSpPr>
             <a:spLocks noGrp="1"/>
           </p:cNvSpPr>
@@ -8631,15 +7433,15 @@
         </p:nvSpPr>
         <p:spPr>
           <a:xfrm>
-            <a:off x="738908" y="6453386"/>
-            <a:ext cx="1622409" cy="404614"/>
+            <a:off x="738188" y="6453188"/>
+            <a:ext cx="1622425" cy="404812"/>
           </a:xfrm>
         </p:spPr>
         <p:txBody>
           <a:bodyPr/>
           <a:lstStyle>
             <a:lvl1pPr>
-              <a:defRPr>
+              <a:defRPr smtClean="0">
                 <a:solidFill>
                   <a:schemeClr val="tx2"/>
                 </a:solidFill>
@@ -8647,9 +7449,15 @@
             </a:lvl1pPr>
           </a:lstStyle>
           <a:p>
-            <a:fld id="{273A0F44-4DD4-41AE-9023-01EBF89AB89A}" type="datetimeFigureOut">
-              <a:rPr lang="ru-RU" smtClean="0"/>
-              <a:t>11.01.2021</a:t>
+            <a:pPr>
+              <a:defRPr/>
+            </a:pPr>
+            <a:fld id="{7DED482A-FEEE-42E4-946A-F3AF0EA7F34D}" type="datetimeFigureOut">
+              <a:rPr lang="ru-RU"/>
+              <a:pPr>
+                <a:defRPr/>
+              </a:pPr>
+              <a:t>13.01.2021</a:t>
             </a:fld>
             <a:endParaRPr lang="ru-RU"/>
           </a:p>
@@ -8657,7 +7465,7 @@
       </p:sp>
       <p:sp>
         <p:nvSpPr>
-          <p:cNvPr id="5" name="Footer Placeholder 4"/>
+          <p:cNvPr id="6" name="Footer Placeholder 4"/>
           <p:cNvSpPr>
             <a:spLocks noGrp="1"/>
           </p:cNvSpPr>
@@ -8667,8 +7475,8 @@
         </p:nvSpPr>
         <p:spPr>
           <a:xfrm>
-            <a:off x="2584312" y="6453386"/>
-            <a:ext cx="7023377" cy="404614"/>
+            <a:off x="2584450" y="6453188"/>
+            <a:ext cx="7023100" cy="404812"/>
           </a:xfrm>
         </p:spPr>
         <p:txBody>
@@ -8683,13 +7491,16 @@
             </a:lvl1pPr>
           </a:lstStyle>
           <a:p>
+            <a:pPr>
+              <a:defRPr/>
+            </a:pPr>
             <a:endParaRPr lang="ru-RU"/>
           </a:p>
         </p:txBody>
       </p:sp>
       <p:sp>
         <p:nvSpPr>
-          <p:cNvPr id="6" name="Slide Number Placeholder 5"/>
+          <p:cNvPr id="7" name="Slide Number Placeholder 5"/>
           <p:cNvSpPr>
             <a:spLocks noGrp="1"/>
           </p:cNvSpPr>
@@ -8699,15 +7510,15 @@
         </p:nvSpPr>
         <p:spPr>
           <a:xfrm>
-            <a:off x="9830683" y="6453386"/>
-            <a:ext cx="1596292" cy="404614"/>
+            <a:off x="9831388" y="6453188"/>
+            <a:ext cx="1595437" cy="404812"/>
           </a:xfrm>
         </p:spPr>
         <p:txBody>
           <a:bodyPr/>
           <a:lstStyle>
             <a:lvl1pPr>
-              <a:defRPr>
+              <a:defRPr smtClean="0">
                 <a:solidFill>
                   <a:schemeClr val="tx2"/>
                 </a:solidFill>
@@ -8715,76 +7526,21 @@
             </a:lvl1pPr>
           </a:lstStyle>
           <a:p>
-            <a:fld id="{B178AB46-B030-4BB1-8398-635506F4651E}" type="slidenum">
-              <a:rPr lang="ru-RU" smtClean="0"/>
+            <a:pPr>
+              <a:defRPr/>
+            </a:pPr>
+            <a:fld id="{71A99B4D-7AFB-4AE9-B9D3-26D411D4BF9D}" type="slidenum">
+              <a:rPr lang="ru-RU"/>
+              <a:pPr>
+                <a:defRPr/>
+              </a:pPr>
               <a:t>‹#›</a:t>
             </a:fld>
             <a:endParaRPr lang="ru-RU"/>
           </a:p>
         </p:txBody>
       </p:sp>
-      <p:sp>
-        <p:nvSpPr>
-          <p:cNvPr id="7" name="Freeform 6" title="Crop Mark"/>
-          <p:cNvSpPr/>
-          <p:nvPr/>
-        </p:nvSpPr>
-        <p:spPr bwMode="auto">
-          <a:xfrm>
-            <a:off x="8151962" y="1685652"/>
-            <a:ext cx="3275013" cy="4408488"/>
-          </a:xfrm>
-          <a:custGeom>
-            <a:avLst/>
-            <a:gdLst/>
-            <a:ahLst/>
-            <a:cxnLst/>
-            <a:rect l="0" t="0" r="r" b="b"/>
-            <a:pathLst>
-              <a:path w="4125" h="5554">
-                <a:moveTo>
-                  <a:pt x="3614" y="0"/>
-                </a:moveTo>
-                <a:lnTo>
-                  <a:pt x="4125" y="0"/>
-                </a:lnTo>
-                <a:lnTo>
-                  <a:pt x="4125" y="5554"/>
-                </a:lnTo>
-                <a:lnTo>
-                  <a:pt x="0" y="5554"/>
-                </a:lnTo>
-                <a:lnTo>
-                  <a:pt x="0" y="5074"/>
-                </a:lnTo>
-                <a:lnTo>
-                  <a:pt x="3614" y="5074"/>
-                </a:lnTo>
-                <a:lnTo>
-                  <a:pt x="3614" y="0"/>
-                </a:lnTo>
-                <a:close/>
-              </a:path>
-            </a:pathLst>
-          </a:custGeom>
-          <a:solidFill>
-            <a:schemeClr val="tx2"/>
-          </a:solidFill>
-          <a:ln w="0">
-            <a:noFill/>
-            <a:prstDash val="solid"/>
-            <a:round/>
-            <a:headEnd/>
-            <a:tailEnd/>
-          </a:ln>
-        </p:spPr>
-      </p:sp>
     </p:spTree>
-    <p:extLst>
-      <p:ext uri="{BB962C8B-B14F-4D97-AF65-F5344CB8AC3E}">
-        <p14:creationId xmlns:p14="http://schemas.microsoft.com/office/powerpoint/2010/main" val="3398021193"/>
-      </p:ext>
-    </p:extLst>
   </p:cSld>
   <p:clrMapOvr>
     <a:overrideClrMapping bg1="dk1" tx1="lt1" bg2="dk2" tx2="lt2" accent1="accent1" accent2="accent2" accent3="accent3" accent4="accent4" accent5="accent5" accent6="accent6" hlink="hlink" folHlink="folHlink"/>
@@ -9028,7 +7784,7 @@
       </p:sp>
       <p:sp>
         <p:nvSpPr>
-          <p:cNvPr id="5" name="Date Placeholder 4"/>
+          <p:cNvPr id="5" name="Date Placeholder 3"/>
           <p:cNvSpPr>
             <a:spLocks noGrp="1"/>
           </p:cNvSpPr>
@@ -9039,11 +7795,21 @@
         <p:spPr/>
         <p:txBody>
           <a:bodyPr/>
-          <a:lstStyle/>
-          <a:p>
-            <a:fld id="{273A0F44-4DD4-41AE-9023-01EBF89AB89A}" type="datetimeFigureOut">
-              <a:rPr lang="ru-RU" smtClean="0"/>
-              <a:t>11.01.2021</a:t>
+          <a:lstStyle>
+            <a:lvl1pPr>
+              <a:defRPr/>
+            </a:lvl1pPr>
+          </a:lstStyle>
+          <a:p>
+            <a:pPr>
+              <a:defRPr/>
+            </a:pPr>
+            <a:fld id="{7BEA25CC-94EE-4547-83CA-98A855946EC9}" type="datetimeFigureOut">
+              <a:rPr lang="ru-RU"/>
+              <a:pPr>
+                <a:defRPr/>
+              </a:pPr>
+              <a:t>13.01.2021</a:t>
             </a:fld>
             <a:endParaRPr lang="ru-RU"/>
           </a:p>
@@ -9051,7 +7817,7 @@
       </p:sp>
       <p:sp>
         <p:nvSpPr>
-          <p:cNvPr id="6" name="Footer Placeholder 5"/>
+          <p:cNvPr id="6" name="Footer Placeholder 4"/>
           <p:cNvSpPr>
             <a:spLocks noGrp="1"/>
           </p:cNvSpPr>
@@ -9062,15 +7828,22 @@
         <p:spPr/>
         <p:txBody>
           <a:bodyPr/>
-          <a:lstStyle/>
-          <a:p>
+          <a:lstStyle>
+            <a:lvl1pPr>
+              <a:defRPr/>
+            </a:lvl1pPr>
+          </a:lstStyle>
+          <a:p>
+            <a:pPr>
+              <a:defRPr/>
+            </a:pPr>
             <a:endParaRPr lang="ru-RU"/>
           </a:p>
         </p:txBody>
       </p:sp>
       <p:sp>
         <p:nvSpPr>
-          <p:cNvPr id="7" name="Slide Number Placeholder 6"/>
+          <p:cNvPr id="7" name="Slide Number Placeholder 5"/>
           <p:cNvSpPr>
             <a:spLocks noGrp="1"/>
           </p:cNvSpPr>
@@ -9081,10 +7854,20 @@
         <p:spPr/>
         <p:txBody>
           <a:bodyPr/>
-          <a:lstStyle/>
-          <a:p>
-            <a:fld id="{B178AB46-B030-4BB1-8398-635506F4651E}" type="slidenum">
-              <a:rPr lang="ru-RU" smtClean="0"/>
+          <a:lstStyle>
+            <a:lvl1pPr>
+              <a:defRPr/>
+            </a:lvl1pPr>
+          </a:lstStyle>
+          <a:p>
+            <a:pPr>
+              <a:defRPr/>
+            </a:pPr>
+            <a:fld id="{BBC15CF6-DA8F-4AC4-BB26-BB3A06D4E127}" type="slidenum">
+              <a:rPr lang="ru-RU"/>
+              <a:pPr>
+                <a:defRPr/>
+              </a:pPr>
               <a:t>‹#›</a:t>
             </a:fld>
             <a:endParaRPr lang="ru-RU"/>
@@ -9092,11 +7875,6 @@
         </p:txBody>
       </p:sp>
     </p:spTree>
-    <p:extLst>
-      <p:ext uri="{BB962C8B-B14F-4D97-AF65-F5344CB8AC3E}">
-        <p14:creationId xmlns:p14="http://schemas.microsoft.com/office/powerpoint/2010/main" val="3664448484"/>
-      </p:ext>
-    </p:extLst>
   </p:cSld>
   <p:clrMapOvr>
     <a:masterClrMapping/>
@@ -9505,7 +8283,7 @@
       </p:sp>
       <p:sp>
         <p:nvSpPr>
-          <p:cNvPr id="7" name="Date Placeholder 6"/>
+          <p:cNvPr id="7" name="Date Placeholder 3"/>
           <p:cNvSpPr>
             <a:spLocks noGrp="1"/>
           </p:cNvSpPr>
@@ -9516,11 +8294,21 @@
         <p:spPr/>
         <p:txBody>
           <a:bodyPr/>
-          <a:lstStyle/>
-          <a:p>
-            <a:fld id="{273A0F44-4DD4-41AE-9023-01EBF89AB89A}" type="datetimeFigureOut">
-              <a:rPr lang="ru-RU" smtClean="0"/>
-              <a:t>11.01.2021</a:t>
+          <a:lstStyle>
+            <a:lvl1pPr>
+              <a:defRPr/>
+            </a:lvl1pPr>
+          </a:lstStyle>
+          <a:p>
+            <a:pPr>
+              <a:defRPr/>
+            </a:pPr>
+            <a:fld id="{841DA4A1-8E1E-497B-B344-1F4EF53BDAA0}" type="datetimeFigureOut">
+              <a:rPr lang="ru-RU"/>
+              <a:pPr>
+                <a:defRPr/>
+              </a:pPr>
+              <a:t>13.01.2021</a:t>
             </a:fld>
             <a:endParaRPr lang="ru-RU"/>
           </a:p>
@@ -9528,7 +8316,7 @@
       </p:sp>
       <p:sp>
         <p:nvSpPr>
-          <p:cNvPr id="8" name="Footer Placeholder 7"/>
+          <p:cNvPr id="8" name="Footer Placeholder 4"/>
           <p:cNvSpPr>
             <a:spLocks noGrp="1"/>
           </p:cNvSpPr>
@@ -9539,15 +8327,22 @@
         <p:spPr/>
         <p:txBody>
           <a:bodyPr/>
-          <a:lstStyle/>
-          <a:p>
+          <a:lstStyle>
+            <a:lvl1pPr>
+              <a:defRPr/>
+            </a:lvl1pPr>
+          </a:lstStyle>
+          <a:p>
+            <a:pPr>
+              <a:defRPr/>
+            </a:pPr>
             <a:endParaRPr lang="ru-RU"/>
           </a:p>
         </p:txBody>
       </p:sp>
       <p:sp>
         <p:nvSpPr>
-          <p:cNvPr id="9" name="Slide Number Placeholder 8"/>
+          <p:cNvPr id="9" name="Slide Number Placeholder 5"/>
           <p:cNvSpPr>
             <a:spLocks noGrp="1"/>
           </p:cNvSpPr>
@@ -9558,10 +8353,20 @@
         <p:spPr/>
         <p:txBody>
           <a:bodyPr/>
-          <a:lstStyle/>
-          <a:p>
-            <a:fld id="{B178AB46-B030-4BB1-8398-635506F4651E}" type="slidenum">
-              <a:rPr lang="ru-RU" smtClean="0"/>
+          <a:lstStyle>
+            <a:lvl1pPr>
+              <a:defRPr/>
+            </a:lvl1pPr>
+          </a:lstStyle>
+          <a:p>
+            <a:pPr>
+              <a:defRPr/>
+            </a:pPr>
+            <a:fld id="{102B62DC-5C4C-4F73-B5E1-89C74930E768}" type="slidenum">
+              <a:rPr lang="ru-RU"/>
+              <a:pPr>
+                <a:defRPr/>
+              </a:pPr>
               <a:t>‹#›</a:t>
             </a:fld>
             <a:endParaRPr lang="ru-RU"/>
@@ -9569,11 +8374,6 @@
         </p:txBody>
       </p:sp>
     </p:spTree>
-    <p:extLst>
-      <p:ext uri="{BB962C8B-B14F-4D97-AF65-F5344CB8AC3E}">
-        <p14:creationId xmlns:p14="http://schemas.microsoft.com/office/powerpoint/2010/main" val="1071398637"/>
-      </p:ext>
-    </p:extLst>
   </p:cSld>
   <p:clrMapOvr>
     <a:masterClrMapping/>
@@ -9623,7 +8423,7 @@
       </p:sp>
       <p:sp>
         <p:nvSpPr>
-          <p:cNvPr id="3" name="Date Placeholder 2"/>
+          <p:cNvPr id="3" name="Date Placeholder 3"/>
           <p:cNvSpPr>
             <a:spLocks noGrp="1"/>
           </p:cNvSpPr>
@@ -9634,11 +8434,21 @@
         <p:spPr/>
         <p:txBody>
           <a:bodyPr/>
-          <a:lstStyle/>
-          <a:p>
-            <a:fld id="{273A0F44-4DD4-41AE-9023-01EBF89AB89A}" type="datetimeFigureOut">
-              <a:rPr lang="ru-RU" smtClean="0"/>
-              <a:t>11.01.2021</a:t>
+          <a:lstStyle>
+            <a:lvl1pPr>
+              <a:defRPr/>
+            </a:lvl1pPr>
+          </a:lstStyle>
+          <a:p>
+            <a:pPr>
+              <a:defRPr/>
+            </a:pPr>
+            <a:fld id="{6D1EB3AF-6259-4914-95E0-F3DDC58FFF6C}" type="datetimeFigureOut">
+              <a:rPr lang="ru-RU"/>
+              <a:pPr>
+                <a:defRPr/>
+              </a:pPr>
+              <a:t>13.01.2021</a:t>
             </a:fld>
             <a:endParaRPr lang="ru-RU"/>
           </a:p>
@@ -9646,7 +8456,7 @@
       </p:sp>
       <p:sp>
         <p:nvSpPr>
-          <p:cNvPr id="4" name="Footer Placeholder 3"/>
+          <p:cNvPr id="4" name="Footer Placeholder 4"/>
           <p:cNvSpPr>
             <a:spLocks noGrp="1"/>
           </p:cNvSpPr>
@@ -9657,15 +8467,22 @@
         <p:spPr/>
         <p:txBody>
           <a:bodyPr/>
-          <a:lstStyle/>
-          <a:p>
+          <a:lstStyle>
+            <a:lvl1pPr>
+              <a:defRPr/>
+            </a:lvl1pPr>
+          </a:lstStyle>
+          <a:p>
+            <a:pPr>
+              <a:defRPr/>
+            </a:pPr>
             <a:endParaRPr lang="ru-RU"/>
           </a:p>
         </p:txBody>
       </p:sp>
       <p:sp>
         <p:nvSpPr>
-          <p:cNvPr id="5" name="Slide Number Placeholder 4"/>
+          <p:cNvPr id="5" name="Slide Number Placeholder 5"/>
           <p:cNvSpPr>
             <a:spLocks noGrp="1"/>
           </p:cNvSpPr>
@@ -9676,10 +8493,20 @@
         <p:spPr/>
         <p:txBody>
           <a:bodyPr/>
-          <a:lstStyle/>
-          <a:p>
-            <a:fld id="{B178AB46-B030-4BB1-8398-635506F4651E}" type="slidenum">
-              <a:rPr lang="ru-RU" smtClean="0"/>
+          <a:lstStyle>
+            <a:lvl1pPr>
+              <a:defRPr/>
+            </a:lvl1pPr>
+          </a:lstStyle>
+          <a:p>
+            <a:pPr>
+              <a:defRPr/>
+            </a:pPr>
+            <a:fld id="{42175D22-1D86-4401-811F-BF187DE7877E}" type="slidenum">
+              <a:rPr lang="ru-RU"/>
+              <a:pPr>
+                <a:defRPr/>
+              </a:pPr>
               <a:t>‹#›</a:t>
             </a:fld>
             <a:endParaRPr lang="ru-RU"/>
@@ -9687,11 +8514,6 @@
         </p:txBody>
       </p:sp>
     </p:spTree>
-    <p:extLst>
-      <p:ext uri="{BB962C8B-B14F-4D97-AF65-F5344CB8AC3E}">
-        <p14:creationId xmlns:p14="http://schemas.microsoft.com/office/powerpoint/2010/main" val="991201069"/>
-      </p:ext>
-    </p:extLst>
   </p:cSld>
   <p:clrMapOvr>
     <a:masterClrMapping/>
@@ -9718,7 +8540,7 @@
       </p:grpSpPr>
       <p:sp>
         <p:nvSpPr>
-          <p:cNvPr id="2" name="Date Placeholder 1"/>
+          <p:cNvPr id="2" name="Date Placeholder 3"/>
           <p:cNvSpPr>
             <a:spLocks noGrp="1"/>
           </p:cNvSpPr>
@@ -9729,11 +8551,21 @@
         <p:spPr/>
         <p:txBody>
           <a:bodyPr/>
-          <a:lstStyle/>
-          <a:p>
-            <a:fld id="{273A0F44-4DD4-41AE-9023-01EBF89AB89A}" type="datetimeFigureOut">
-              <a:rPr lang="ru-RU" smtClean="0"/>
-              <a:t>11.01.2021</a:t>
+          <a:lstStyle>
+            <a:lvl1pPr>
+              <a:defRPr/>
+            </a:lvl1pPr>
+          </a:lstStyle>
+          <a:p>
+            <a:pPr>
+              <a:defRPr/>
+            </a:pPr>
+            <a:fld id="{37BD078D-B871-42FA-93AF-7E47602539A0}" type="datetimeFigureOut">
+              <a:rPr lang="ru-RU"/>
+              <a:pPr>
+                <a:defRPr/>
+              </a:pPr>
+              <a:t>13.01.2021</a:t>
             </a:fld>
             <a:endParaRPr lang="ru-RU"/>
           </a:p>
@@ -9741,7 +8573,7 @@
       </p:sp>
       <p:sp>
         <p:nvSpPr>
-          <p:cNvPr id="3" name="Footer Placeholder 2"/>
+          <p:cNvPr id="3" name="Footer Placeholder 4"/>
           <p:cNvSpPr>
             <a:spLocks noGrp="1"/>
           </p:cNvSpPr>
@@ -9752,15 +8584,22 @@
         <p:spPr/>
         <p:txBody>
           <a:bodyPr/>
-          <a:lstStyle/>
-          <a:p>
+          <a:lstStyle>
+            <a:lvl1pPr>
+              <a:defRPr/>
+            </a:lvl1pPr>
+          </a:lstStyle>
+          <a:p>
+            <a:pPr>
+              <a:defRPr/>
+            </a:pPr>
             <a:endParaRPr lang="ru-RU"/>
           </a:p>
         </p:txBody>
       </p:sp>
       <p:sp>
         <p:nvSpPr>
-          <p:cNvPr id="4" name="Slide Number Placeholder 3"/>
+          <p:cNvPr id="4" name="Slide Number Placeholder 5"/>
           <p:cNvSpPr>
             <a:spLocks noGrp="1"/>
           </p:cNvSpPr>
@@ -9771,10 +8610,20 @@
         <p:spPr/>
         <p:txBody>
           <a:bodyPr/>
-          <a:lstStyle/>
-          <a:p>
-            <a:fld id="{B178AB46-B030-4BB1-8398-635506F4651E}" type="slidenum">
-              <a:rPr lang="ru-RU" smtClean="0"/>
+          <a:lstStyle>
+            <a:lvl1pPr>
+              <a:defRPr/>
+            </a:lvl1pPr>
+          </a:lstStyle>
+          <a:p>
+            <a:pPr>
+              <a:defRPr/>
+            </a:pPr>
+            <a:fld id="{877643BF-CCB2-4158-981A-560DBA4B232E}" type="slidenum">
+              <a:rPr lang="ru-RU"/>
+              <a:pPr>
+                <a:defRPr/>
+              </a:pPr>
               <a:t>‹#›</a:t>
             </a:fld>
             <a:endParaRPr lang="ru-RU"/>
@@ -9782,11 +8631,6 @@
         </p:txBody>
       </p:sp>
     </p:spTree>
-    <p:extLst>
-      <p:ext uri="{BB962C8B-B14F-4D97-AF65-F5344CB8AC3E}">
-        <p14:creationId xmlns:p14="http://schemas.microsoft.com/office/powerpoint/2010/main" val="2904121319"/>
-      </p:ext>
-    </p:extLst>
   </p:cSld>
   <p:clrMapOvr>
     <a:masterClrMapping/>
@@ -9813,20 +8657,58 @@
       </p:grpSpPr>
       <p:sp>
         <p:nvSpPr>
-          <p:cNvPr id="8" name="Rectangle 7" title="Background Shape"/>
+          <p:cNvPr id="5" name="Rectangle 7"/>
           <p:cNvSpPr/>
           <p:nvPr/>
         </p:nvSpPr>
         <p:spPr>
           <a:xfrm>
-            <a:off x="0" y="376"/>
-            <a:ext cx="5303520" cy="6857624"/>
+            <a:off x="0" y="0"/>
+            <a:ext cx="5303838" cy="6858000"/>
           </a:xfrm>
           <a:prstGeom prst="rect">
             <a:avLst/>
           </a:prstGeom>
           <a:solidFill>
             <a:schemeClr val="accent1"/>
+          </a:solidFill>
+          <a:ln>
+            <a:noFill/>
+          </a:ln>
+        </p:spPr>
+        <p:style>
+          <a:lnRef idx="2">
+            <a:schemeClr val="accent1">
+              <a:shade val="50000"/>
+            </a:schemeClr>
+          </a:lnRef>
+          <a:fillRef idx="1">
+            <a:schemeClr val="accent1"/>
+          </a:fillRef>
+          <a:effectRef idx="0">
+            <a:schemeClr val="accent1"/>
+          </a:effectRef>
+          <a:fontRef idx="minor">
+            <a:schemeClr val="lt1"/>
+          </a:fontRef>
+        </p:style>
+      </p:sp>
+      <p:sp>
+        <p:nvSpPr>
+          <p:cNvPr id="6" name="Rectangle 8"/>
+          <p:cNvSpPr/>
+          <p:nvPr/>
+        </p:nvSpPr>
+        <p:spPr>
+          <a:xfrm>
+            <a:off x="5303838" y="0"/>
+            <a:ext cx="228600" cy="6858000"/>
+          </a:xfrm>
+          <a:prstGeom prst="rect">
+            <a:avLst/>
+          </a:prstGeom>
+          <a:solidFill>
+            <a:schemeClr val="tx2"/>
           </a:solidFill>
           <a:ln>
             <a:noFill/>
@@ -9866,7 +8748,7 @@
           </a:xfrm>
         </p:spPr>
         <p:txBody>
-          <a:bodyPr anchor="t">
+          <a:bodyPr>
             <a:noAutofit/>
           </a:bodyPr>
           <a:lstStyle>
@@ -10051,7 +8933,7 @@
       </p:sp>
       <p:sp>
         <p:nvSpPr>
-          <p:cNvPr id="5" name="Date Placeholder 4"/>
+          <p:cNvPr id="7" name="Date Placeholder 4"/>
           <p:cNvSpPr>
             <a:spLocks noGrp="1"/>
           </p:cNvSpPr>
@@ -10061,8 +8943,50 @@
         </p:nvSpPr>
         <p:spPr>
           <a:xfrm>
-            <a:off x="723900" y="6453386"/>
-            <a:ext cx="1204572" cy="404614"/>
+            <a:off x="723900" y="6453188"/>
+            <a:ext cx="1204913" cy="404812"/>
+          </a:xfrm>
+        </p:spPr>
+        <p:txBody>
+          <a:bodyPr/>
+          <a:lstStyle>
+            <a:lvl1pPr>
+              <a:defRPr smtClean="0">
+                <a:solidFill>
+                  <a:schemeClr val="tx2"/>
+                </a:solidFill>
+              </a:defRPr>
+            </a:lvl1pPr>
+          </a:lstStyle>
+          <a:p>
+            <a:pPr>
+              <a:defRPr/>
+            </a:pPr>
+            <a:fld id="{2E4CF250-5966-4109-BD5F-C0B57D62025B}" type="datetimeFigureOut">
+              <a:rPr lang="ru-RU"/>
+              <a:pPr>
+                <a:defRPr/>
+              </a:pPr>
+              <a:t>13.01.2021</a:t>
+            </a:fld>
+            <a:endParaRPr lang="ru-RU"/>
+          </a:p>
+        </p:txBody>
+      </p:sp>
+      <p:sp>
+        <p:nvSpPr>
+          <p:cNvPr id="8" name="Footer Placeholder 5"/>
+          <p:cNvSpPr>
+            <a:spLocks noGrp="1"/>
+          </p:cNvSpPr>
+          <p:nvPr>
+            <p:ph type="ftr" sz="quarter" idx="11"/>
+          </p:nvPr>
+        </p:nvSpPr>
+        <p:spPr>
+          <a:xfrm>
+            <a:off x="2206625" y="6453188"/>
+            <a:ext cx="2373313" cy="404812"/>
           </a:xfrm>
         </p:spPr>
         <p:txBody>
@@ -10077,49 +9001,16 @@
             </a:lvl1pPr>
           </a:lstStyle>
           <a:p>
-            <a:fld id="{273A0F44-4DD4-41AE-9023-01EBF89AB89A}" type="datetimeFigureOut">
-              <a:rPr lang="ru-RU" smtClean="0"/>
-              <a:t>11.01.2021</a:t>
-            </a:fld>
+            <a:pPr>
+              <a:defRPr/>
+            </a:pPr>
             <a:endParaRPr lang="ru-RU"/>
           </a:p>
         </p:txBody>
       </p:sp>
       <p:sp>
         <p:nvSpPr>
-          <p:cNvPr id="6" name="Footer Placeholder 5"/>
-          <p:cNvSpPr>
-            <a:spLocks noGrp="1"/>
-          </p:cNvSpPr>
-          <p:nvPr>
-            <p:ph type="ftr" sz="quarter" idx="11"/>
-          </p:nvPr>
-        </p:nvSpPr>
-        <p:spPr>
-          <a:xfrm>
-            <a:off x="2205945" y="6453386"/>
-            <a:ext cx="2373675" cy="404614"/>
-          </a:xfrm>
-        </p:spPr>
-        <p:txBody>
-          <a:bodyPr/>
-          <a:lstStyle>
-            <a:lvl1pPr>
-              <a:defRPr>
-                <a:solidFill>
-                  <a:schemeClr val="tx2"/>
-                </a:solidFill>
-              </a:defRPr>
-            </a:lvl1pPr>
-          </a:lstStyle>
-          <a:p>
-            <a:endParaRPr lang="ru-RU"/>
-          </a:p>
-        </p:txBody>
-      </p:sp>
-      <p:sp>
-        <p:nvSpPr>
-          <p:cNvPr id="7" name="Slide Number Placeholder 6"/>
+          <p:cNvPr id="9" name="Slide Number Placeholder 6"/>
           <p:cNvSpPr>
             <a:spLocks noGrp="1"/>
           </p:cNvSpPr>
@@ -10129,15 +9020,15 @@
         </p:nvSpPr>
         <p:spPr>
           <a:xfrm>
-            <a:off x="9883140" y="6453386"/>
-            <a:ext cx="1596292" cy="404614"/>
+            <a:off x="9883775" y="6453188"/>
+            <a:ext cx="1595438" cy="404812"/>
           </a:xfrm>
         </p:spPr>
         <p:txBody>
           <a:bodyPr/>
           <a:lstStyle>
             <a:lvl1pPr>
-              <a:defRPr>
+              <a:defRPr smtClean="0">
                 <a:solidFill>
                   <a:schemeClr val="tx2"/>
                 </a:solidFill>
@@ -10145,58 +9036,21 @@
             </a:lvl1pPr>
           </a:lstStyle>
           <a:p>
-            <a:fld id="{B178AB46-B030-4BB1-8398-635506F4651E}" type="slidenum">
-              <a:rPr lang="ru-RU" smtClean="0"/>
+            <a:pPr>
+              <a:defRPr/>
+            </a:pPr>
+            <a:fld id="{0F45262F-8B9B-45DC-ACCE-DD6C844E218B}" type="slidenum">
+              <a:rPr lang="ru-RU"/>
+              <a:pPr>
+                <a:defRPr/>
+              </a:pPr>
               <a:t>‹#›</a:t>
             </a:fld>
             <a:endParaRPr lang="ru-RU"/>
           </a:p>
         </p:txBody>
       </p:sp>
-      <p:sp>
-        <p:nvSpPr>
-          <p:cNvPr id="9" name="Rectangle 8" title="Divider Bar"/>
-          <p:cNvSpPr/>
-          <p:nvPr/>
-        </p:nvSpPr>
-        <p:spPr>
-          <a:xfrm>
-            <a:off x="5303520" y="376"/>
-            <a:ext cx="228600" cy="6858000"/>
-          </a:xfrm>
-          <a:prstGeom prst="rect">
-            <a:avLst/>
-          </a:prstGeom>
-          <a:solidFill>
-            <a:schemeClr val="tx2"/>
-          </a:solidFill>
-          <a:ln>
-            <a:noFill/>
-          </a:ln>
-        </p:spPr>
-        <p:style>
-          <a:lnRef idx="2">
-            <a:schemeClr val="accent1">
-              <a:shade val="50000"/>
-            </a:schemeClr>
-          </a:lnRef>
-          <a:fillRef idx="1">
-            <a:schemeClr val="accent1"/>
-          </a:fillRef>
-          <a:effectRef idx="0">
-            <a:schemeClr val="accent1"/>
-          </a:effectRef>
-          <a:fontRef idx="minor">
-            <a:schemeClr val="lt1"/>
-          </a:fontRef>
-        </p:style>
-      </p:sp>
     </p:spTree>
-    <p:extLst>
-      <p:ext uri="{BB962C8B-B14F-4D97-AF65-F5344CB8AC3E}">
-        <p14:creationId xmlns:p14="http://schemas.microsoft.com/office/powerpoint/2010/main" val="2943431320"/>
-      </p:ext>
-    </p:extLst>
   </p:cSld>
   <p:clrMapOvr>
     <a:masterClrMapping/>
@@ -10223,20 +9077,58 @@
       </p:grpSpPr>
       <p:sp>
         <p:nvSpPr>
-          <p:cNvPr id="8" name="Rectangle 7" title="Background Shape"/>
+          <p:cNvPr id="5" name="Rectangle 7"/>
           <p:cNvSpPr/>
           <p:nvPr/>
         </p:nvSpPr>
         <p:spPr>
           <a:xfrm>
-            <a:off x="0" y="376"/>
-            <a:ext cx="5303520" cy="6857624"/>
+            <a:off x="0" y="0"/>
+            <a:ext cx="5303838" cy="6858000"/>
           </a:xfrm>
           <a:prstGeom prst="rect">
             <a:avLst/>
           </a:prstGeom>
           <a:solidFill>
             <a:schemeClr val="accent1"/>
+          </a:solidFill>
+          <a:ln>
+            <a:noFill/>
+          </a:ln>
+        </p:spPr>
+        <p:style>
+          <a:lnRef idx="2">
+            <a:schemeClr val="accent1">
+              <a:shade val="50000"/>
+            </a:schemeClr>
+          </a:lnRef>
+          <a:fillRef idx="1">
+            <a:schemeClr val="accent1"/>
+          </a:fillRef>
+          <a:effectRef idx="0">
+            <a:schemeClr val="accent1"/>
+          </a:effectRef>
+          <a:fontRef idx="minor">
+            <a:schemeClr val="lt1"/>
+          </a:fontRef>
+        </p:style>
+      </p:sp>
+      <p:sp>
+        <p:nvSpPr>
+          <p:cNvPr id="6" name="Rectangle 8"/>
+          <p:cNvSpPr/>
+          <p:nvPr/>
+        </p:nvSpPr>
+        <p:spPr>
+          <a:xfrm>
+            <a:off x="5303838" y="0"/>
+            <a:ext cx="228600" cy="6858000"/>
+          </a:xfrm>
+          <a:prstGeom prst="rect">
+            <a:avLst/>
+          </a:prstGeom>
+          <a:solidFill>
+            <a:schemeClr val="tx2"/>
           </a:solidFill>
           <a:ln>
             <a:noFill/>
@@ -10276,7 +9168,7 @@
           </a:xfrm>
         </p:spPr>
         <p:txBody>
-          <a:bodyPr anchor="t">
+          <a:bodyPr>
             <a:normAutofit/>
           </a:bodyPr>
           <a:lstStyle>
@@ -10313,7 +9205,7 @@
           </a:xfrm>
         </p:spPr>
         <p:txBody>
-          <a:bodyPr anchor="t">
+          <a:bodyPr rtlCol="0">
             <a:normAutofit/>
           </a:bodyPr>
           <a:lstStyle>
@@ -10355,11 +9247,12 @@
             </a:lvl9pPr>
           </a:lstStyle>
           <a:p>
+            <a:pPr lvl="0"/>
             <a:r>
-              <a:rPr lang="ru-RU" smtClean="0"/>
+              <a:rPr lang="ru-RU" noProof="0" smtClean="0"/>
               <a:t>Вставка рисунка</a:t>
             </a:r>
-            <a:endParaRPr lang="en-US" dirty="0"/>
+            <a:endParaRPr lang="en-US" noProof="0" dirty="0"/>
           </a:p>
         </p:txBody>
       </p:sp>
@@ -10439,7 +9332,7 @@
       </p:sp>
       <p:sp>
         <p:nvSpPr>
-          <p:cNvPr id="5" name="Date Placeholder 4"/>
+          <p:cNvPr id="7" name="Date Placeholder 4"/>
           <p:cNvSpPr>
             <a:spLocks noGrp="1"/>
           </p:cNvSpPr>
@@ -10449,8 +9342,50 @@
         </p:nvSpPr>
         <p:spPr>
           <a:xfrm>
-            <a:off x="723900" y="6453386"/>
-            <a:ext cx="1204572" cy="404614"/>
+            <a:off x="723900" y="6453188"/>
+            <a:ext cx="1204913" cy="404812"/>
+          </a:xfrm>
+        </p:spPr>
+        <p:txBody>
+          <a:bodyPr/>
+          <a:lstStyle>
+            <a:lvl1pPr>
+              <a:defRPr smtClean="0">
+                <a:solidFill>
+                  <a:schemeClr val="tx2"/>
+                </a:solidFill>
+              </a:defRPr>
+            </a:lvl1pPr>
+          </a:lstStyle>
+          <a:p>
+            <a:pPr>
+              <a:defRPr/>
+            </a:pPr>
+            <a:fld id="{54F80E58-F26C-4DBB-B58C-99E77DC06EE9}" type="datetimeFigureOut">
+              <a:rPr lang="ru-RU"/>
+              <a:pPr>
+                <a:defRPr/>
+              </a:pPr>
+              <a:t>13.01.2021</a:t>
+            </a:fld>
+            <a:endParaRPr lang="ru-RU"/>
+          </a:p>
+        </p:txBody>
+      </p:sp>
+      <p:sp>
+        <p:nvSpPr>
+          <p:cNvPr id="8" name="Footer Placeholder 5"/>
+          <p:cNvSpPr>
+            <a:spLocks noGrp="1"/>
+          </p:cNvSpPr>
+          <p:nvPr>
+            <p:ph type="ftr" sz="quarter" idx="11"/>
+          </p:nvPr>
+        </p:nvSpPr>
+        <p:spPr>
+          <a:xfrm>
+            <a:off x="2206625" y="6453188"/>
+            <a:ext cx="2373313" cy="404812"/>
           </a:xfrm>
         </p:spPr>
         <p:txBody>
@@ -10465,49 +9400,16 @@
             </a:lvl1pPr>
           </a:lstStyle>
           <a:p>
-            <a:fld id="{273A0F44-4DD4-41AE-9023-01EBF89AB89A}" type="datetimeFigureOut">
-              <a:rPr lang="ru-RU" smtClean="0"/>
-              <a:t>11.01.2021</a:t>
-            </a:fld>
+            <a:pPr>
+              <a:defRPr/>
+            </a:pPr>
             <a:endParaRPr lang="ru-RU"/>
           </a:p>
         </p:txBody>
       </p:sp>
       <p:sp>
         <p:nvSpPr>
-          <p:cNvPr id="6" name="Footer Placeholder 5"/>
-          <p:cNvSpPr>
-            <a:spLocks noGrp="1"/>
-          </p:cNvSpPr>
-          <p:nvPr>
-            <p:ph type="ftr" sz="quarter" idx="11"/>
-          </p:nvPr>
-        </p:nvSpPr>
-        <p:spPr>
-          <a:xfrm>
-            <a:off x="2205945" y="6453386"/>
-            <a:ext cx="2373675" cy="404614"/>
-          </a:xfrm>
-        </p:spPr>
-        <p:txBody>
-          <a:bodyPr/>
-          <a:lstStyle>
-            <a:lvl1pPr>
-              <a:defRPr>
-                <a:solidFill>
-                  <a:schemeClr val="tx2"/>
-                </a:solidFill>
-              </a:defRPr>
-            </a:lvl1pPr>
-          </a:lstStyle>
-          <a:p>
-            <a:endParaRPr lang="ru-RU"/>
-          </a:p>
-        </p:txBody>
-      </p:sp>
-      <p:sp>
-        <p:nvSpPr>
-          <p:cNvPr id="7" name="Slide Number Placeholder 6"/>
+          <p:cNvPr id="9" name="Slide Number Placeholder 6"/>
           <p:cNvSpPr>
             <a:spLocks noGrp="1"/>
           </p:cNvSpPr>
@@ -10517,15 +9419,15 @@
         </p:nvSpPr>
         <p:spPr>
           <a:xfrm>
-            <a:off x="9883140" y="6453386"/>
-            <a:ext cx="1596292" cy="404614"/>
+            <a:off x="9883775" y="6453188"/>
+            <a:ext cx="1595438" cy="404812"/>
           </a:xfrm>
         </p:spPr>
         <p:txBody>
           <a:bodyPr/>
           <a:lstStyle>
             <a:lvl1pPr>
-              <a:defRPr>
+              <a:defRPr smtClean="0">
                 <a:solidFill>
                   <a:schemeClr val="tx2"/>
                 </a:solidFill>
@@ -10533,58 +9435,21 @@
             </a:lvl1pPr>
           </a:lstStyle>
           <a:p>
-            <a:fld id="{B178AB46-B030-4BB1-8398-635506F4651E}" type="slidenum">
-              <a:rPr lang="ru-RU" smtClean="0"/>
+            <a:pPr>
+              <a:defRPr/>
+            </a:pPr>
+            <a:fld id="{37F401C2-7A74-4AB0-B75B-836C48CF3B6C}" type="slidenum">
+              <a:rPr lang="ru-RU"/>
+              <a:pPr>
+                <a:defRPr/>
+              </a:pPr>
               <a:t>‹#›</a:t>
             </a:fld>
             <a:endParaRPr lang="ru-RU"/>
           </a:p>
         </p:txBody>
       </p:sp>
-      <p:sp>
-        <p:nvSpPr>
-          <p:cNvPr id="9" name="Rectangle 8" title="Divider Bar"/>
-          <p:cNvSpPr/>
-          <p:nvPr/>
-        </p:nvSpPr>
-        <p:spPr>
-          <a:xfrm>
-            <a:off x="5303520" y="376"/>
-            <a:ext cx="228600" cy="6858000"/>
-          </a:xfrm>
-          <a:prstGeom prst="rect">
-            <a:avLst/>
-          </a:prstGeom>
-          <a:solidFill>
-            <a:schemeClr val="tx2"/>
-          </a:solidFill>
-          <a:ln>
-            <a:noFill/>
-          </a:ln>
-        </p:spPr>
-        <p:style>
-          <a:lnRef idx="2">
-            <a:schemeClr val="accent1">
-              <a:shade val="50000"/>
-            </a:schemeClr>
-          </a:lnRef>
-          <a:fillRef idx="1">
-            <a:schemeClr val="accent1"/>
-          </a:fillRef>
-          <a:effectRef idx="0">
-            <a:schemeClr val="accent1"/>
-          </a:effectRef>
-          <a:fontRef idx="minor">
-            <a:schemeClr val="lt1"/>
-          </a:fontRef>
-        </p:style>
-      </p:sp>
     </p:spTree>
-    <p:extLst>
-      <p:ext uri="{BB962C8B-B14F-4D97-AF65-F5344CB8AC3E}">
-        <p14:creationId xmlns:p14="http://schemas.microsoft.com/office/powerpoint/2010/main" val="1852281604"/>
-      </p:ext>
-    </p:extLst>
   </p:cSld>
   <p:clrMapOvr>
     <a:masterClrMapping/>
@@ -10619,7 +9484,7 @@
       </p:grpSpPr>
       <p:sp>
         <p:nvSpPr>
-          <p:cNvPr id="2" name="Title Placeholder 1"/>
+          <p:cNvPr id="1026" name="Title Placeholder 1"/>
           <p:cNvSpPr>
             <a:spLocks noGrp="1"/>
           </p:cNvSpPr>
@@ -10627,7 +9492,7 @@
             <p:ph type="title"/>
           </p:nvPr>
         </p:nvSpPr>
-        <p:spPr>
+        <p:spPr bwMode="auto">
           <a:xfrm>
             <a:off x="1371600" y="685800"/>
             <a:ext cx="9601200" cy="1485900"/>
@@ -10635,24 +9500,34 @@
           <a:prstGeom prst="rect">
             <a:avLst/>
           </a:prstGeom>
+          <a:noFill/>
+          <a:ln w="9525">
+            <a:noFill/>
+            <a:miter lim="800000"/>
+            <a:headEnd/>
+            <a:tailEnd/>
+          </a:ln>
         </p:spPr>
         <p:txBody>
-          <a:bodyPr vert="horz" lIns="91440" tIns="45720" rIns="91440" bIns="45720" rtlCol="0" anchor="t">
-            <a:normAutofit/>
+          <a:bodyPr vert="horz" wrap="square" lIns="91440" tIns="45720" rIns="91440" bIns="45720" numCol="1" anchor="t" anchorCtr="0" compatLnSpc="1">
+            <a:prstTxWarp prst="textNoShape">
+              <a:avLst/>
+            </a:prstTxWarp>
           </a:bodyPr>
           <a:lstStyle/>
           <a:p>
+            <a:pPr lvl="0"/>
             <a:r>
               <a:rPr lang="ru-RU" smtClean="0"/>
               <a:t>Образец заголовка</a:t>
             </a:r>
-            <a:endParaRPr lang="en-US" dirty="0"/>
+            <a:endParaRPr lang="en-US" smtClean="0"/>
           </a:p>
         </p:txBody>
       </p:sp>
       <p:sp>
         <p:nvSpPr>
-          <p:cNvPr id="3" name="Text Placeholder 2"/>
+          <p:cNvPr id="1027" name="Text Placeholder 2"/>
           <p:cNvSpPr>
             <a:spLocks noGrp="1"/>
           </p:cNvSpPr>
@@ -10660,7 +9535,7 @@
             <p:ph type="body" idx="1"/>
           </p:nvPr>
         </p:nvSpPr>
-        <p:spPr>
+        <p:spPr bwMode="auto">
           <a:xfrm>
             <a:off x="1371600" y="2286000"/>
             <a:ext cx="9601200" cy="3581400"/>
@@ -10668,10 +9543,19 @@
           <a:prstGeom prst="rect">
             <a:avLst/>
           </a:prstGeom>
+          <a:noFill/>
+          <a:ln w="9525">
+            <a:noFill/>
+            <a:miter lim="800000"/>
+            <a:headEnd/>
+            <a:tailEnd/>
+          </a:ln>
         </p:spPr>
         <p:txBody>
-          <a:bodyPr vert="horz" lIns="91440" tIns="45720" rIns="91440" bIns="45720" rtlCol="0">
-            <a:normAutofit/>
+          <a:bodyPr vert="horz" wrap="square" lIns="91440" tIns="45720" rIns="91440" bIns="45720" numCol="1" anchor="t" anchorCtr="0" compatLnSpc="1">
+            <a:prstTxWarp prst="textNoShape">
+              <a:avLst/>
+            </a:prstTxWarp>
           </a:bodyPr>
           <a:lstStyle/>
           <a:p>
@@ -10708,7 +9592,7 @@
               <a:rPr lang="ru-RU" smtClean="0"/>
               <a:t>Пятый уровень</a:t>
             </a:r>
-            <a:endParaRPr lang="en-US" dirty="0"/>
+            <a:endParaRPr lang="en-US" smtClean="0"/>
           </a:p>
         </p:txBody>
       </p:sp>
@@ -10724,8 +9608,8 @@
         </p:nvSpPr>
         <p:spPr>
           <a:xfrm>
-            <a:off x="1390650" y="6453386"/>
-            <a:ext cx="1204572" cy="404614"/>
+            <a:off x="1390650" y="6453188"/>
+            <a:ext cx="1204913" cy="404812"/>
           </a:xfrm>
           <a:prstGeom prst="rect">
             <a:avLst/>
@@ -10734,18 +9618,32 @@
         <p:txBody>
           <a:bodyPr vert="horz" lIns="91440" tIns="45720" rIns="91440" bIns="45720" rtlCol="0" anchor="ctr"/>
           <a:lstStyle>
-            <a:lvl1pPr algn="l">
-              <a:defRPr sz="1200" baseline="0">
+            <a:lvl1pPr algn="l" fontAlgn="auto">
+              <a:spcBef>
+                <a:spcPts val="0"/>
+              </a:spcBef>
+              <a:spcAft>
+                <a:spcPts val="0"/>
+              </a:spcAft>
+              <a:defRPr sz="1200" baseline="0" smtClean="0">
                 <a:solidFill>
                   <a:schemeClr val="tx2"/>
                 </a:solidFill>
+                <a:latin typeface="+mn-lt"/>
+                <a:cs typeface="+mn-cs"/>
               </a:defRPr>
             </a:lvl1pPr>
           </a:lstStyle>
           <a:p>
-            <a:fld id="{273A0F44-4DD4-41AE-9023-01EBF89AB89A}" type="datetimeFigureOut">
-              <a:rPr lang="ru-RU" smtClean="0"/>
-              <a:t>11.01.2021</a:t>
+            <a:pPr>
+              <a:defRPr/>
+            </a:pPr>
+            <a:fld id="{81F3EF9E-82C4-44F8-B878-1D969DDA0B02}" type="datetimeFigureOut">
+              <a:rPr lang="ru-RU"/>
+              <a:pPr>
+                <a:defRPr/>
+              </a:pPr>
+              <a:t>13.01.2021</a:t>
             </a:fld>
             <a:endParaRPr lang="ru-RU"/>
           </a:p>
@@ -10763,8 +9661,8 @@
         </p:nvSpPr>
         <p:spPr>
           <a:xfrm>
-            <a:off x="2893564" y="6453386"/>
-            <a:ext cx="6280830" cy="404614"/>
+            <a:off x="2894013" y="6453188"/>
+            <a:ext cx="6280150" cy="404812"/>
           </a:xfrm>
           <a:prstGeom prst="rect">
             <a:avLst/>
@@ -10773,15 +9671,26 @@
         <p:txBody>
           <a:bodyPr vert="horz" lIns="91440" tIns="45720" rIns="91440" bIns="45720" rtlCol="0" anchor="ctr"/>
           <a:lstStyle>
-            <a:lvl1pPr algn="l">
+            <a:lvl1pPr algn="l" fontAlgn="auto">
+              <a:spcBef>
+                <a:spcPts val="0"/>
+              </a:spcBef>
+              <a:spcAft>
+                <a:spcPts val="0"/>
+              </a:spcAft>
               <a:defRPr sz="1200" baseline="0">
                 <a:solidFill>
                   <a:schemeClr val="tx2"/>
                 </a:solidFill>
+                <a:latin typeface="+mn-lt"/>
+                <a:cs typeface="+mn-cs"/>
               </a:defRPr>
             </a:lvl1pPr>
           </a:lstStyle>
           <a:p>
+            <a:pPr>
+              <a:defRPr/>
+            </a:pPr>
             <a:endParaRPr lang="ru-RU"/>
           </a:p>
         </p:txBody>
@@ -10798,8 +9707,8 @@
         </p:nvSpPr>
         <p:spPr>
           <a:xfrm>
-            <a:off x="9472736" y="6453386"/>
-            <a:ext cx="1596292" cy="404614"/>
+            <a:off x="9472613" y="6453188"/>
+            <a:ext cx="1597025" cy="404812"/>
           </a:xfrm>
           <a:prstGeom prst="rect">
             <a:avLst/>
@@ -10808,17 +9717,31 @@
         <p:txBody>
           <a:bodyPr vert="horz" lIns="91440" tIns="45720" rIns="91440" bIns="45720" rtlCol="0" anchor="ctr"/>
           <a:lstStyle>
-            <a:lvl1pPr algn="r">
-              <a:defRPr sz="1200" baseline="0">
+            <a:lvl1pPr algn="r" fontAlgn="auto">
+              <a:spcBef>
+                <a:spcPts val="0"/>
+              </a:spcBef>
+              <a:spcAft>
+                <a:spcPts val="0"/>
+              </a:spcAft>
+              <a:defRPr sz="1200" baseline="0" smtClean="0">
                 <a:solidFill>
                   <a:schemeClr val="tx2"/>
                 </a:solidFill>
+                <a:latin typeface="+mn-lt"/>
+                <a:cs typeface="+mn-cs"/>
               </a:defRPr>
             </a:lvl1pPr>
           </a:lstStyle>
           <a:p>
-            <a:fld id="{B178AB46-B030-4BB1-8398-635506F4651E}" type="slidenum">
-              <a:rPr lang="ru-RU" smtClean="0"/>
+            <a:pPr>
+              <a:defRPr/>
+            </a:pPr>
+            <a:fld id="{3940E569-7D5E-4683-93ED-A955DA097D81}" type="slidenum">
+              <a:rPr lang="ru-RU"/>
+              <a:pPr>
+                <a:defRPr/>
+              </a:pPr>
               <a:t>‹#›</a:t>
             </a:fld>
             <a:endParaRPr lang="ru-RU"/>
@@ -10827,13 +9750,13 @@
       </p:sp>
       <p:sp>
         <p:nvSpPr>
-          <p:cNvPr id="9" name="Rectangle 8" title="Side bar"/>
+          <p:cNvPr id="9" name="Rectangle 8"/>
           <p:cNvSpPr/>
           <p:nvPr/>
         </p:nvSpPr>
         <p:spPr>
           <a:xfrm>
-            <a:off x="478095" y="376"/>
+            <a:off x="477838" y="0"/>
             <a:ext cx="228600" cy="6858000"/>
           </a:xfrm>
           <a:prstGeom prst="rect">
@@ -10864,37 +9787,34 @@
         </p:style>
       </p:sp>
     </p:spTree>
-    <p:extLst>
-      <p:ext uri="{BB962C8B-B14F-4D97-AF65-F5344CB8AC3E}">
-        <p14:creationId xmlns:p14="http://schemas.microsoft.com/office/powerpoint/2010/main" val="2299471188"/>
-      </p:ext>
-    </p:extLst>
   </p:cSld>
   <p:clrMap bg1="lt1" tx1="dk1" bg2="lt2" tx2="dk2" accent1="accent1" accent2="accent2" accent3="accent3" accent4="accent4" accent5="accent5" accent6="accent6" hlink="hlink" folHlink="folHlink"/>
   <p:sldLayoutIdLst>
-    <p:sldLayoutId id="2147483661" r:id="rId1"/>
-    <p:sldLayoutId id="2147483662" r:id="rId2"/>
-    <p:sldLayoutId id="2147483663" r:id="rId3"/>
-    <p:sldLayoutId id="2147483664" r:id="rId4"/>
-    <p:sldLayoutId id="2147483665" r:id="rId5"/>
-    <p:sldLayoutId id="2147483666" r:id="rId6"/>
+    <p:sldLayoutId id="2147483672" r:id="rId1"/>
+    <p:sldLayoutId id="2147483671" r:id="rId2"/>
+    <p:sldLayoutId id="2147483673" r:id="rId3"/>
+    <p:sldLayoutId id="2147483670" r:id="rId4"/>
+    <p:sldLayoutId id="2147483669" r:id="rId5"/>
+    <p:sldLayoutId id="2147483668" r:id="rId6"/>
     <p:sldLayoutId id="2147483667" r:id="rId7"/>
-    <p:sldLayoutId id="2147483668" r:id="rId8"/>
-    <p:sldLayoutId id="2147483669" r:id="rId9"/>
-    <p:sldLayoutId id="2147483670" r:id="rId10"/>
-    <p:sldLayoutId id="2147483671" r:id="rId11"/>
+    <p:sldLayoutId id="2147483674" r:id="rId8"/>
+    <p:sldLayoutId id="2147483675" r:id="rId9"/>
+    <p:sldLayoutId id="2147483666" r:id="rId10"/>
+    <p:sldLayoutId id="2147483665" r:id="rId11"/>
   </p:sldLayoutIdLst>
   <p:txStyles>
     <p:titleStyle>
-      <a:lvl1pPr algn="l" defTabSz="914400" rtl="0" eaLnBrk="1" latinLnBrk="0" hangingPunct="1">
+      <a:lvl1pPr algn="l" rtl="0" fontAlgn="base">
         <a:lnSpc>
           <a:spcPct val="89000"/>
         </a:lnSpc>
         <a:spcBef>
           <a:spcPct val="0"/>
         </a:spcBef>
-        <a:buNone/>
-        <a:defRPr sz="4400" kern="1200" baseline="0">
+        <a:spcAft>
+          <a:spcPct val="0"/>
+        </a:spcAft>
+        <a:defRPr sz="4400" kern="1200">
           <a:solidFill>
             <a:schemeClr val="tx2"/>
           </a:solidFill>
@@ -10903,9 +9823,145 @@
           <a:cs typeface="+mj-cs"/>
         </a:defRPr>
       </a:lvl1pPr>
+      <a:lvl2pPr algn="l" rtl="0" fontAlgn="base">
+        <a:lnSpc>
+          <a:spcPct val="89000"/>
+        </a:lnSpc>
+        <a:spcBef>
+          <a:spcPct val="0"/>
+        </a:spcBef>
+        <a:spcAft>
+          <a:spcPct val="0"/>
+        </a:spcAft>
+        <a:defRPr sz="4400">
+          <a:solidFill>
+            <a:schemeClr val="tx2"/>
+          </a:solidFill>
+          <a:latin typeface="Franklin Gothic Book"/>
+        </a:defRPr>
+      </a:lvl2pPr>
+      <a:lvl3pPr algn="l" rtl="0" fontAlgn="base">
+        <a:lnSpc>
+          <a:spcPct val="89000"/>
+        </a:lnSpc>
+        <a:spcBef>
+          <a:spcPct val="0"/>
+        </a:spcBef>
+        <a:spcAft>
+          <a:spcPct val="0"/>
+        </a:spcAft>
+        <a:defRPr sz="4400">
+          <a:solidFill>
+            <a:schemeClr val="tx2"/>
+          </a:solidFill>
+          <a:latin typeface="Franklin Gothic Book"/>
+        </a:defRPr>
+      </a:lvl3pPr>
+      <a:lvl4pPr algn="l" rtl="0" fontAlgn="base">
+        <a:lnSpc>
+          <a:spcPct val="89000"/>
+        </a:lnSpc>
+        <a:spcBef>
+          <a:spcPct val="0"/>
+        </a:spcBef>
+        <a:spcAft>
+          <a:spcPct val="0"/>
+        </a:spcAft>
+        <a:defRPr sz="4400">
+          <a:solidFill>
+            <a:schemeClr val="tx2"/>
+          </a:solidFill>
+          <a:latin typeface="Franklin Gothic Book"/>
+        </a:defRPr>
+      </a:lvl4pPr>
+      <a:lvl5pPr algn="l" rtl="0" fontAlgn="base">
+        <a:lnSpc>
+          <a:spcPct val="89000"/>
+        </a:lnSpc>
+        <a:spcBef>
+          <a:spcPct val="0"/>
+        </a:spcBef>
+        <a:spcAft>
+          <a:spcPct val="0"/>
+        </a:spcAft>
+        <a:defRPr sz="4400">
+          <a:solidFill>
+            <a:schemeClr val="tx2"/>
+          </a:solidFill>
+          <a:latin typeface="Franklin Gothic Book"/>
+        </a:defRPr>
+      </a:lvl5pPr>
+      <a:lvl6pPr marL="457200" algn="l" rtl="0" fontAlgn="base">
+        <a:lnSpc>
+          <a:spcPct val="89000"/>
+        </a:lnSpc>
+        <a:spcBef>
+          <a:spcPct val="0"/>
+        </a:spcBef>
+        <a:spcAft>
+          <a:spcPct val="0"/>
+        </a:spcAft>
+        <a:defRPr sz="4400">
+          <a:solidFill>
+            <a:schemeClr val="tx2"/>
+          </a:solidFill>
+          <a:latin typeface="Franklin Gothic Book"/>
+        </a:defRPr>
+      </a:lvl6pPr>
+      <a:lvl7pPr marL="914400" algn="l" rtl="0" fontAlgn="base">
+        <a:lnSpc>
+          <a:spcPct val="89000"/>
+        </a:lnSpc>
+        <a:spcBef>
+          <a:spcPct val="0"/>
+        </a:spcBef>
+        <a:spcAft>
+          <a:spcPct val="0"/>
+        </a:spcAft>
+        <a:defRPr sz="4400">
+          <a:solidFill>
+            <a:schemeClr val="tx2"/>
+          </a:solidFill>
+          <a:latin typeface="Franklin Gothic Book"/>
+        </a:defRPr>
+      </a:lvl7pPr>
+      <a:lvl8pPr marL="1371600" algn="l" rtl="0" fontAlgn="base">
+        <a:lnSpc>
+          <a:spcPct val="89000"/>
+        </a:lnSpc>
+        <a:spcBef>
+          <a:spcPct val="0"/>
+        </a:spcBef>
+        <a:spcAft>
+          <a:spcPct val="0"/>
+        </a:spcAft>
+        <a:defRPr sz="4400">
+          <a:solidFill>
+            <a:schemeClr val="tx2"/>
+          </a:solidFill>
+          <a:latin typeface="Franklin Gothic Book"/>
+        </a:defRPr>
+      </a:lvl8pPr>
+      <a:lvl9pPr marL="1828800" algn="l" rtl="0" fontAlgn="base">
+        <a:lnSpc>
+          <a:spcPct val="89000"/>
+        </a:lnSpc>
+        <a:spcBef>
+          <a:spcPct val="0"/>
+        </a:spcBef>
+        <a:spcAft>
+          <a:spcPct val="0"/>
+        </a:spcAft>
+        <a:defRPr sz="4400">
+          <a:solidFill>
+            <a:schemeClr val="tx2"/>
+          </a:solidFill>
+          <a:latin typeface="Franklin Gothic Book"/>
+        </a:defRPr>
+      </a:lvl9pPr>
     </p:titleStyle>
     <p:bodyStyle>
-      <a:lvl1pPr marL="384048" indent="-384048" algn="l" defTabSz="914400" rtl="0" eaLnBrk="1" latinLnBrk="0" hangingPunct="1">
+      <a:lvl1pPr marL="382588" indent="-382588" algn="l" rtl="0" fontAlgn="base">
         <a:lnSpc>
           <a:spcPct val="94000"/>
         </a:lnSpc>
@@ -10915,9 +9971,9 @@
         <a:spcAft>
           <a:spcPts val="200"/>
         </a:spcAft>
-        <a:buFont typeface="Franklin Gothic Book" panose="020B0503020102020204" pitchFamily="34" charset="0"/>
+        <a:buFont typeface="Franklin Gothic Book"/>
         <a:buChar char="■"/>
-        <a:defRPr sz="2000" kern="1200" baseline="0">
+        <a:defRPr sz="2000" kern="1200">
           <a:solidFill>
             <a:schemeClr val="tx2"/>
           </a:solidFill>
@@ -10926,7 +9982,7 @@
           <a:cs typeface="+mn-cs"/>
         </a:defRPr>
       </a:lvl1pPr>
-      <a:lvl2pPr marL="914400" indent="-384048" algn="l" defTabSz="914400" rtl="0" eaLnBrk="1" latinLnBrk="0" hangingPunct="1">
+      <a:lvl2pPr marL="914400" indent="-382588" algn="l" rtl="0" fontAlgn="base">
         <a:lnSpc>
           <a:spcPct val="94000"/>
         </a:lnSpc>
@@ -10936,9 +9992,9 @@
         <a:spcAft>
           <a:spcPts val="200"/>
         </a:spcAft>
-        <a:buFont typeface="Franklin Gothic Book" panose="020B0503020102020204" pitchFamily="34" charset="0"/>
+        <a:buFont typeface="Franklin Gothic Book"/>
         <a:buChar char="–"/>
-        <a:defRPr sz="2000" i="1" kern="1200" baseline="0">
+        <a:defRPr sz="2000" i="1" kern="1200">
           <a:solidFill>
             <a:schemeClr val="tx2"/>
           </a:solidFill>
@@ -10947,7 +10003,7 @@
           <a:cs typeface="+mn-cs"/>
         </a:defRPr>
       </a:lvl2pPr>
-      <a:lvl3pPr marL="1371600" indent="-384048" algn="l" defTabSz="914400" rtl="0" eaLnBrk="1" latinLnBrk="0" hangingPunct="1">
+      <a:lvl3pPr marL="1371600" indent="-382588" algn="l" rtl="0" fontAlgn="base">
         <a:lnSpc>
           <a:spcPct val="94000"/>
         </a:lnSpc>
@@ -10957,9 +10013,9 @@
         <a:spcAft>
           <a:spcPts val="200"/>
         </a:spcAft>
-        <a:buFont typeface="Franklin Gothic Book" panose="020B0503020102020204" pitchFamily="34" charset="0"/>
+        <a:buFont typeface="Franklin Gothic Book"/>
         <a:buChar char="■"/>
-        <a:defRPr sz="1800" kern="1200" baseline="0">
+        <a:defRPr kern="1200">
           <a:solidFill>
             <a:schemeClr val="tx2"/>
           </a:solidFill>
@@ -10968,7 +10024,7 @@
           <a:cs typeface="+mn-cs"/>
         </a:defRPr>
       </a:lvl3pPr>
-      <a:lvl4pPr marL="1828800" indent="-384048" algn="l" defTabSz="914400" rtl="0" eaLnBrk="1" latinLnBrk="0" hangingPunct="1">
+      <a:lvl4pPr marL="1828800" indent="-382588" algn="l" rtl="0" fontAlgn="base">
         <a:lnSpc>
           <a:spcPct val="94000"/>
         </a:lnSpc>
@@ -10978,9 +10034,9 @@
         <a:spcAft>
           <a:spcPts val="200"/>
         </a:spcAft>
-        <a:buFont typeface="Franklin Gothic Book" panose="020B0503020102020204" pitchFamily="34" charset="0"/>
+        <a:buFont typeface="Franklin Gothic Book"/>
         <a:buChar char="–"/>
-        <a:defRPr sz="1800" i="1" kern="1200" baseline="0">
+        <a:defRPr i="1" kern="1200">
           <a:solidFill>
             <a:schemeClr val="tx2"/>
           </a:solidFill>
@@ -10989,7 +10045,7 @@
           <a:cs typeface="+mn-cs"/>
         </a:defRPr>
       </a:lvl4pPr>
-      <a:lvl5pPr marL="2286000" indent="-384048" algn="l" defTabSz="914400" rtl="0" eaLnBrk="1" latinLnBrk="0" hangingPunct="1">
+      <a:lvl5pPr marL="2286000" indent="-382588" algn="l" rtl="0" fontAlgn="base">
         <a:lnSpc>
           <a:spcPct val="94000"/>
         </a:lnSpc>
@@ -10999,9 +10055,9 @@
         <a:spcAft>
           <a:spcPts val="200"/>
         </a:spcAft>
-        <a:buFont typeface="Franklin Gothic Book" panose="020B0503020102020204" pitchFamily="34" charset="0"/>
+        <a:buFont typeface="Franklin Gothic Book"/>
         <a:buChar char="■"/>
-        <a:defRPr sz="1600" kern="1200" baseline="0">
+        <a:defRPr sz="1600" kern="1200">
           <a:solidFill>
             <a:schemeClr val="tx2"/>
           </a:solidFill>
@@ -11191,52 +10247,6 @@
       </a:lvl9pPr>
     </p:otherStyle>
   </p:txStyles>
-  <p:extLst mod="1">
-    <p:ext uri="{27BBF7A9-308A-43DC-89C8-2F10F3537804}">
-      <p15:sldGuideLst xmlns:p15="http://schemas.microsoft.com/office/powerpoint/2012/main">
-        <p15:guide id="4294967295" orient="horz" pos="1368">
-          <p15:clr>
-            <a:srgbClr val="F26B43"/>
-          </p15:clr>
-        </p15:guide>
-        <p15:guide id="4294967295" orient="horz" pos="1440">
-          <p15:clr>
-            <a:srgbClr val="F26B43"/>
-          </p15:clr>
-        </p15:guide>
-        <p15:guide id="4294967295" orient="horz" pos="3696">
-          <p15:clr>
-            <a:srgbClr val="F26B43"/>
-          </p15:clr>
-        </p15:guide>
-        <p15:guide id="4294967295" orient="horz" pos="432">
-          <p15:clr>
-            <a:srgbClr val="F26B43"/>
-          </p15:clr>
-        </p15:guide>
-        <p15:guide id="4294967295" orient="horz" pos="1512">
-          <p15:clr>
-            <a:srgbClr val="F26B43"/>
-          </p15:clr>
-        </p15:guide>
-        <p15:guide id="4294967295" pos="6912">
-          <p15:clr>
-            <a:srgbClr val="F26B43"/>
-          </p15:clr>
-        </p15:guide>
-        <p15:guide id="4294967295" pos="936">
-          <p15:clr>
-            <a:srgbClr val="F26B43"/>
-          </p15:clr>
-        </p15:guide>
-        <p15:guide id="4294967295" pos="864">
-          <p15:clr>
-            <a:srgbClr val="F26B43"/>
-          </p15:clr>
-        </p15:guide>
-      </p15:sldGuideLst>
-    </p:ext>
-  </p:extLst>
 </p:sldMaster>
 </file>
 
@@ -11267,11 +10277,22 @@
             <p:ph type="ctrTitle"/>
           </p:nvPr>
         </p:nvSpPr>
-        <p:spPr/>
+        <p:spPr>
+          <a:xfrm>
+            <a:off x="1914525" y="1789113"/>
+            <a:ext cx="8361363" cy="2097087"/>
+          </a:xfrm>
+        </p:spPr>
         <p:txBody>
-          <a:bodyPr/>
+          <a:bodyPr rtlCol="0"/>
           <a:lstStyle/>
           <a:p>
+            <a:pPr fontAlgn="auto">
+              <a:spcAft>
+                <a:spcPts val="0"/>
+              </a:spcAft>
+              <a:defRPr/>
+            </a:pPr>
             <a:r>
               <a:rPr lang="en-US" dirty="0" smtClean="0"/>
               <a:t>Magic Dungeon</a:t>
@@ -11282,7 +10303,7 @@
       </p:sp>
       <p:sp>
         <p:nvSpPr>
-          <p:cNvPr id="3" name="Подзаголовок 2"/>
+          <p:cNvPr id="13314" name="Подзаголовок 2"/>
           <p:cNvSpPr>
             <a:spLocks noGrp="1"/>
           </p:cNvSpPr>
@@ -11290,35 +10311,46 @@
             <p:ph type="subTitle" idx="1"/>
           </p:nvPr>
         </p:nvSpPr>
-        <p:spPr/>
+        <p:spPr>
+          <a:xfrm>
+            <a:off x="2679700" y="3956050"/>
+            <a:ext cx="6832600" cy="1085850"/>
+          </a:xfrm>
+        </p:spPr>
         <p:txBody>
           <a:bodyPr/>
           <a:lstStyle/>
           <a:p>
+            <a:pPr>
+              <a:spcBef>
+                <a:spcPct val="0"/>
+              </a:spcBef>
+              <a:spcAft>
+                <a:spcPct val="0"/>
+              </a:spcAft>
+            </a:pPr>
             <a:r>
-              <a:rPr lang="ru-RU" dirty="0" smtClean="0"/>
+              <a:rPr lang="ru-RU" smtClean="0"/>
               <a:t>Суворова Дарья </a:t>
             </a:r>
           </a:p>
           <a:p>
+            <a:pPr>
+              <a:spcBef>
+                <a:spcPct val="0"/>
+              </a:spcBef>
+              <a:spcAft>
+                <a:spcPct val="0"/>
+              </a:spcAft>
+            </a:pPr>
             <a:r>
-              <a:rPr lang="ru-RU" dirty="0" err="1" smtClean="0"/>
-              <a:t>Мещанов</a:t>
+              <a:rPr lang="ru-RU" smtClean="0"/>
+              <a:t>Мещанов Михаил</a:t>
             </a:r>
-            <a:r>
-              <a:rPr lang="ru-RU" dirty="0" smtClean="0"/>
-              <a:t> Михаил</a:t>
-            </a:r>
-            <a:endParaRPr lang="ru-RU" dirty="0"/>
           </a:p>
         </p:txBody>
       </p:sp>
     </p:spTree>
-    <p:extLst>
-      <p:ext uri="{BB962C8B-B14F-4D97-AF65-F5344CB8AC3E}">
-        <p14:creationId xmlns:p14="http://schemas.microsoft.com/office/powerpoint/2010/main" val="3013847167"/>
-      </p:ext>
-    </p:extLst>
   </p:cSld>
   <p:clrMapOvr>
     <a:masterClrMapping/>
@@ -11345,7 +10377,7 @@
       </p:grpSpPr>
       <p:sp>
         <p:nvSpPr>
-          <p:cNvPr id="2" name="Заголовок 1"/>
+          <p:cNvPr id="14337" name="Заголовок 1"/>
           <p:cNvSpPr>
             <a:spLocks noGrp="1"/>
           </p:cNvSpPr>
@@ -11355,8 +10387,8 @@
         </p:nvSpPr>
         <p:spPr>
           <a:xfrm>
-            <a:off x="760474" y="20891"/>
-            <a:ext cx="5087112" cy="1325563"/>
+            <a:off x="760413" y="20638"/>
+            <a:ext cx="5087937" cy="1325562"/>
           </a:xfrm>
         </p:spPr>
         <p:txBody>
@@ -11364,16 +10396,15 @@
           <a:lstStyle/>
           <a:p>
             <a:r>
-              <a:rPr lang="ru-RU" dirty="0" smtClean="0"/>
+              <a:rPr lang="ru-RU" smtClean="0"/>
               <a:t>Введение</a:t>
             </a:r>
-            <a:endParaRPr lang="ru-RU" dirty="0"/>
           </a:p>
         </p:txBody>
       </p:sp>
       <p:pic>
         <p:nvPicPr>
-          <p:cNvPr id="6" name="Рисунок 5"/>
+          <p:cNvPr id="14338" name="Рисунок 5"/>
           <p:cNvPicPr>
             <a:picLocks noChangeAspect="1"/>
           </p:cNvPicPr>
@@ -11381,23 +10412,31 @@
         </p:nvPicPr>
         <p:blipFill>
           <a:blip r:embed="rId2"/>
+          <a:srcRect/>
           <a:stretch>
             <a:fillRect/>
           </a:stretch>
         </p:blipFill>
-        <p:spPr>
+        <p:spPr bwMode="auto">
           <a:xfrm>
-            <a:off x="1114294" y="926022"/>
-            <a:ext cx="5318508" cy="5602794"/>
+            <a:off x="1114425" y="925513"/>
+            <a:ext cx="5318125" cy="5603875"/>
           </a:xfrm>
           <a:prstGeom prst="rect">
             <a:avLst/>
           </a:prstGeom>
+          <a:noFill/>
+          <a:ln w="9525">
+            <a:noFill/>
+            <a:miter lim="800000"/>
+            <a:headEnd/>
+            <a:tailEnd/>
+          </a:ln>
         </p:spPr>
       </p:pic>
       <p:pic>
         <p:nvPicPr>
-          <p:cNvPr id="7" name="Рисунок 6"/>
+          <p:cNvPr id="14339" name="Рисунок 6"/>
           <p:cNvPicPr>
             <a:picLocks noChangeAspect="1"/>
           </p:cNvPicPr>
@@ -11405,26 +10444,29 @@
         </p:nvPicPr>
         <p:blipFill>
           <a:blip r:embed="rId3"/>
+          <a:srcRect/>
           <a:stretch>
             <a:fillRect/>
           </a:stretch>
         </p:blipFill>
-        <p:spPr>
+        <p:spPr bwMode="auto">
           <a:xfrm>
-            <a:off x="6670545" y="926022"/>
-            <a:ext cx="5344453" cy="5624799"/>
+            <a:off x="6670675" y="925513"/>
+            <a:ext cx="5345113" cy="5626100"/>
           </a:xfrm>
           <a:prstGeom prst="rect">
             <a:avLst/>
           </a:prstGeom>
+          <a:noFill/>
+          <a:ln w="9525">
+            <a:noFill/>
+            <a:miter lim="800000"/>
+            <a:headEnd/>
+            <a:tailEnd/>
+          </a:ln>
         </p:spPr>
       </p:pic>
     </p:spTree>
-    <p:extLst>
-      <p:ext uri="{BB962C8B-B14F-4D97-AF65-F5344CB8AC3E}">
-        <p14:creationId xmlns:p14="http://schemas.microsoft.com/office/powerpoint/2010/main" val="500863929"/>
-      </p:ext>
-    </p:extLst>
   </p:cSld>
   <p:clrMapOvr>
     <a:masterClrMapping/>
@@ -11458,7 +10500,7 @@
       </p:grpSpPr>
       <p:sp>
         <p:nvSpPr>
-          <p:cNvPr id="2" name="Заголовок 1"/>
+          <p:cNvPr id="15361" name="Заголовок 1"/>
           <p:cNvSpPr>
             <a:spLocks noGrp="1"/>
           </p:cNvSpPr>
@@ -11472,16 +10514,15 @@
           <a:lstStyle/>
           <a:p>
             <a:r>
-              <a:rPr lang="ru-RU" dirty="0" smtClean="0"/>
+              <a:rPr lang="ru-RU" smtClean="0"/>
               <a:t>Примененные технологии</a:t>
             </a:r>
-            <a:endParaRPr lang="ru-RU" dirty="0"/>
           </a:p>
         </p:txBody>
       </p:sp>
       <p:sp>
         <p:nvSpPr>
-          <p:cNvPr id="3" name="Объект 2"/>
+          <p:cNvPr id="15362" name="Объект 2"/>
           <p:cNvSpPr>
             <a:spLocks noGrp="1"/>
           </p:cNvSpPr>
@@ -11491,62 +10532,41 @@
         </p:nvSpPr>
         <p:spPr>
           <a:xfrm>
-            <a:off x="2843784" y="2171700"/>
+            <a:off x="2843213" y="2171700"/>
             <a:ext cx="9601200" cy="3581400"/>
           </a:xfrm>
         </p:spPr>
         <p:txBody>
-          <a:bodyPr>
-            <a:normAutofit/>
-          </a:bodyPr>
+          <a:bodyPr/>
           <a:lstStyle/>
           <a:p>
             <a:r>
-              <a:rPr lang="en-US" sz="3200" dirty="0" err="1"/>
-              <a:t>p</a:t>
+              <a:rPr lang="en-US" sz="3200" smtClean="0"/>
+              <a:t>pygame</a:t>
             </a:r>
+          </a:p>
+          <a:p>
             <a:r>
-              <a:rPr lang="en-US" sz="3200" dirty="0" err="1" smtClean="0"/>
-              <a:t>ygame</a:t>
+              <a:rPr lang="en-US" sz="3200" smtClean="0"/>
+              <a:t>sqlite3</a:t>
             </a:r>
-            <a:endParaRPr lang="en-US" sz="3200" dirty="0" smtClean="0"/>
           </a:p>
           <a:p>
             <a:r>
-              <a:rPr lang="en-US" sz="3200" dirty="0"/>
-              <a:t>s</a:t>
-            </a:r>
-            <a:r>
-              <a:rPr lang="en-US" sz="3200" dirty="0" smtClean="0"/>
-              <a:t>qlite2</a:t>
-            </a:r>
-          </a:p>
-          <a:p>
-            <a:r>
-              <a:rPr lang="en-US" sz="3200" dirty="0" err="1" smtClean="0"/>
+              <a:rPr lang="en-US" sz="3200" smtClean="0"/>
               <a:t>os</a:t>
             </a:r>
-            <a:endParaRPr lang="en-US" sz="3200" dirty="0" smtClean="0"/>
           </a:p>
           <a:p>
             <a:r>
-              <a:rPr lang="en-US" sz="3200" dirty="0"/>
-              <a:t>s</a:t>
+              <a:rPr lang="en-US" sz="3200" smtClean="0"/>
+              <a:t>sys</a:t>
             </a:r>
-            <a:r>
-              <a:rPr lang="en-US" sz="3200" dirty="0" smtClean="0"/>
-              <a:t>ys</a:t>
-            </a:r>
-            <a:endParaRPr lang="ru-RU" sz="3200" dirty="0"/>
+            <a:endParaRPr lang="ru-RU" sz="3200" smtClean="0"/>
           </a:p>
         </p:txBody>
       </p:sp>
     </p:spTree>
-    <p:extLst>
-      <p:ext uri="{BB962C8B-B14F-4D97-AF65-F5344CB8AC3E}">
-        <p14:creationId xmlns:p14="http://schemas.microsoft.com/office/powerpoint/2010/main" val="363891145"/>
-      </p:ext>
-    </p:extLst>
   </p:cSld>
   <p:clrMapOvr>
     <a:masterClrMapping/>
@@ -11580,7 +10600,7 @@
       </p:grpSpPr>
       <p:sp>
         <p:nvSpPr>
-          <p:cNvPr id="2" name="Заголовок 1"/>
+          <p:cNvPr id="16385" name="Заголовок 1"/>
           <p:cNvSpPr>
             <a:spLocks noGrp="1"/>
           </p:cNvSpPr>
@@ -11588,54 +10608,51 @@
             <p:ph type="title"/>
           </p:nvPr>
         </p:nvSpPr>
-        <p:spPr/>
+        <p:spPr>
+          <a:xfrm>
+            <a:off x="0" y="0"/>
+            <a:ext cx="12192000" cy="1485900"/>
+          </a:xfrm>
+        </p:spPr>
         <p:txBody>
           <a:bodyPr/>
           <a:lstStyle/>
           <a:p>
+            <a:pPr algn="ctr"/>
             <a:r>
-              <a:rPr lang="ru-RU" dirty="0" smtClean="0"/>
+              <a:rPr lang="ru-RU" smtClean="0"/>
               <a:t>Структура кода</a:t>
             </a:r>
-            <a:endParaRPr lang="ru-RU" dirty="0"/>
           </a:p>
         </p:txBody>
       </p:sp>
       <p:pic>
         <p:nvPicPr>
-          <p:cNvPr id="4" name="Объект 3"/>
+          <p:cNvPr id="16388" name="Picture 4" descr="Ресурс 200"/>
           <p:cNvPicPr>
-            <a:picLocks noGrp="1" noChangeAspect="1"/>
+            <a:picLocks noChangeAspect="1" noChangeArrowheads="1"/>
           </p:cNvPicPr>
-          <p:nvPr>
-            <p:ph idx="1"/>
-          </p:nvPr>
+          <p:nvPr/>
         </p:nvPicPr>
         <p:blipFill>
-          <a:blip r:embed="rId2">
-            <a:extLst>
-              <a:ext uri="{28A0092B-C50C-407E-A947-70E740481C1C}">
-                <a14:useLocalDpi xmlns:a14="http://schemas.microsoft.com/office/drawing/2010/main" val="0"/>
-              </a:ext>
-            </a:extLst>
-          </a:blip>
+          <a:blip r:embed="rId2"/>
+          <a:srcRect/>
           <a:stretch>
             <a:fillRect/>
           </a:stretch>
         </p:blipFill>
-        <p:spPr>
+        <p:spPr bwMode="auto">
           <a:xfrm>
-            <a:off x="2433887" y="2171700"/>
-            <a:ext cx="4767293" cy="3581400"/>
+            <a:off x="1446213" y="752475"/>
+            <a:ext cx="8772525" cy="5862638"/>
           </a:xfrm>
+          <a:prstGeom prst="rect">
+            <a:avLst/>
+          </a:prstGeom>
+          <a:noFill/>
         </p:spPr>
       </p:pic>
     </p:spTree>
-    <p:extLst>
-      <p:ext uri="{BB962C8B-B14F-4D97-AF65-F5344CB8AC3E}">
-        <p14:creationId xmlns:p14="http://schemas.microsoft.com/office/powerpoint/2010/main" val="3446771287"/>
-      </p:ext>
-    </p:extLst>
   </p:cSld>
   <p:clrMapOvr>
     <a:masterClrMapping/>
@@ -11669,7 +10686,7 @@
       </p:grpSpPr>
       <p:sp>
         <p:nvSpPr>
-          <p:cNvPr id="2" name="Заголовок 1"/>
+          <p:cNvPr id="17409" name="Заголовок 1"/>
           <p:cNvSpPr>
             <a:spLocks noGrp="1"/>
           </p:cNvSpPr>
@@ -11679,7 +10696,7 @@
         </p:nvSpPr>
         <p:spPr>
           <a:xfrm>
-            <a:off x="1371600" y="261257"/>
+            <a:off x="1371600" y="261938"/>
             <a:ext cx="9601200" cy="990600"/>
           </a:xfrm>
         </p:spPr>
@@ -11688,14 +10705,14 @@
           <a:lstStyle/>
           <a:p>
             <a:r>
-              <a:rPr lang="ru-RU" dirty="0" smtClean="0"/>
+              <a:rPr lang="ru-RU" smtClean="0"/>
               <a:t>База данных </a:t>
             </a:r>
             <a:r>
-              <a:rPr lang="en-US" dirty="0" err="1" smtClean="0"/>
+              <a:rPr lang="en-US" smtClean="0"/>
               <a:t>dungeonBase.db</a:t>
             </a:r>
-            <a:endParaRPr lang="ru-RU" dirty="0"/>
+            <a:endParaRPr lang="ru-RU" smtClean="0"/>
           </a:p>
         </p:txBody>
       </p:sp>
@@ -11707,11 +10724,6 @@
           </p:cNvGraphicFramePr>
           <p:nvPr>
             <p:ph idx="1"/>
-            <p:extLst>
-              <p:ext uri="{D42A27DB-BD31-4B8C-83A1-F6EECF244321}">
-                <p14:modId xmlns:p14="http://schemas.microsoft.com/office/powerpoint/2010/main" val="1886486333"/>
-              </p:ext>
-            </p:extLst>
           </p:nvPr>
         </p:nvGraphicFramePr>
         <p:xfrm>
@@ -11730,13 +10742,7 @@
           <p:cNvGraphicFramePr>
             <a:graphicFrameLocks/>
           </p:cNvGraphicFramePr>
-          <p:nvPr>
-            <p:extLst>
-              <p:ext uri="{D42A27DB-BD31-4B8C-83A1-F6EECF244321}">
-                <p14:modId xmlns:p14="http://schemas.microsoft.com/office/powerpoint/2010/main" val="718403154"/>
-              </p:ext>
-            </p:extLst>
-          </p:nvPr>
+          <p:nvPr/>
         </p:nvGraphicFramePr>
         <p:xfrm>
           <a:off x="4359728" y="3265713"/>
@@ -11749,11 +10755,6 @@
         </a:graphic>
       </p:graphicFrame>
     </p:spTree>
-    <p:extLst>
-      <p:ext uri="{BB962C8B-B14F-4D97-AF65-F5344CB8AC3E}">
-        <p14:creationId xmlns:p14="http://schemas.microsoft.com/office/powerpoint/2010/main" val="575881107"/>
-      </p:ext>
-    </p:extLst>
   </p:cSld>
   <p:clrMapOvr>
     <a:masterClrMapping/>
@@ -11787,7 +10788,7 @@
       </p:grpSpPr>
       <p:sp>
         <p:nvSpPr>
-          <p:cNvPr id="2" name="Заголовок 1"/>
+          <p:cNvPr id="18433" name="Заголовок 1"/>
           <p:cNvSpPr>
             <a:spLocks noGrp="1"/>
           </p:cNvSpPr>
@@ -11801,7 +10802,7 @@
           <a:lstStyle/>
           <a:p>
             <a:r>
-              <a:rPr lang="ru-RU" dirty="0"/>
+              <a:rPr lang="ru-RU" smtClean="0"/>
               <a:t>Заключение</a:t>
             </a:r>
           </a:p>
@@ -11809,7 +10810,7 @@
       </p:sp>
       <p:sp>
         <p:nvSpPr>
-          <p:cNvPr id="3" name="Объект 2"/>
+          <p:cNvPr id="18434" name="Объект 2"/>
           <p:cNvSpPr>
             <a:spLocks noGrp="1"/>
           </p:cNvSpPr>
@@ -11822,16 +10823,11 @@
           <a:bodyPr/>
           <a:lstStyle/>
           <a:p>
-            <a:endParaRPr lang="ru-RU" dirty="0"/>
+            <a:endParaRPr lang="ru-RU" smtClean="0"/>
           </a:p>
         </p:txBody>
       </p:sp>
     </p:spTree>
-    <p:extLst>
-      <p:ext uri="{BB962C8B-B14F-4D97-AF65-F5344CB8AC3E}">
-        <p14:creationId xmlns:p14="http://schemas.microsoft.com/office/powerpoint/2010/main" val="2205149673"/>
-      </p:ext>
-    </p:extLst>
   </p:cSld>
   <p:clrMapOvr>
     <a:masterClrMapping/>
@@ -11889,7 +10885,7 @@
     </a:clrScheme>
     <a:fontScheme name="Crop">
       <a:majorFont>
-        <a:latin typeface="Franklin Gothic Book" panose="020B0503020102020204"/>
+        <a:latin typeface="Franklin Gothic Book"/>
         <a:ea typeface=""/>
         <a:cs typeface=""/>
         <a:font script="Jpan" typeface="メイリオ"/>
@@ -11924,7 +10920,7 @@
         <a:font script="Geor" typeface="Sylfaen"/>
       </a:majorFont>
       <a:minorFont>
-        <a:latin typeface="Franklin Gothic Book" panose="020B0503020102020204"/>
+        <a:latin typeface="Franklin Gothic Book"/>
         <a:ea typeface=""/>
         <a:cs typeface=""/>
         <a:font script="Jpan" typeface="メイリオ"/>
@@ -12098,8 +11094,51 @@
   <a:extraClrSchemeLst/>
   <a:extLst>
     <a:ext uri="{05A4C25C-085E-4340-85A3-A5531E510DB2}">
-      <thm15:themeFamily xmlns:thm15="http://schemas.microsoft.com/office/thememl/2012/main" name="Crop" id="{EC9488ED-E761-4D60-9AC4-764D1FE2C171}" vid="{CE19780C-D67D-4C13-9DE9-A52BC3BA51B4}"/>
+      <thm15:themeFamily xmlns="" xmlns:thm15="http://schemas.microsoft.com/office/thememl/2012/main" name="Crop" id="{EC9488ED-E761-4D60-9AC4-764D1FE2C171}" vid="{CE19780C-D67D-4C13-9DE9-A52BC3BA51B4}"/>
     </a:ext>
   </a:extLst>
 </a:theme>
+</file>
+
+<file path=ppt/theme/themeOverride1.xml><?xml version="1.0" encoding="utf-8"?>
+<a:themeOverride xmlns:a="http://schemas.openxmlformats.org/drawingml/2006/main">
+  <a:clrScheme name="Crop">
+    <a:dk1>
+      <a:sysClr val="windowText" lastClr="000000"/>
+    </a:dk1>
+    <a:lt1>
+      <a:sysClr val="window" lastClr="FFFFFF"/>
+    </a:lt1>
+    <a:dk2>
+      <a:srgbClr val="191B0E"/>
+    </a:dk2>
+    <a:lt2>
+      <a:srgbClr val="EFEDE3"/>
+    </a:lt2>
+    <a:accent1>
+      <a:srgbClr val="8C8D86"/>
+    </a:accent1>
+    <a:accent2>
+      <a:srgbClr val="E6C069"/>
+    </a:accent2>
+    <a:accent3>
+      <a:srgbClr val="897B61"/>
+    </a:accent3>
+    <a:accent4>
+      <a:srgbClr val="8DAB8E"/>
+    </a:accent4>
+    <a:accent5>
+      <a:srgbClr val="77A2BB"/>
+    </a:accent5>
+    <a:accent6>
+      <a:srgbClr val="E28394"/>
+    </a:accent6>
+    <a:hlink>
+      <a:srgbClr val="77A2BB"/>
+    </a:hlink>
+    <a:folHlink>
+      <a:srgbClr val="957A99"/>
+    </a:folHlink>
+  </a:clrScheme>
+</a:themeOverride>
 </file>
--- a/MagicDungeon.pptx
+++ b/MagicDungeon.pptx
@@ -10,7 +10,6 @@
     <p:sldId id="261" r:id="rId4"/>
     <p:sldId id="258" r:id="rId5"/>
     <p:sldId id="259" r:id="rId6"/>
-    <p:sldId id="260" r:id="rId7"/>
   </p:sldIdLst>
   <p:sldSz cx="12192000" cy="6858000"/>
   <p:notesSz cx="6858000" cy="9144000"/>
@@ -139,6 +138,22 @@
       </a:defRPr>
     </a:lvl9pPr>
   </p:defaultTextStyle>
+  <p:extLst>
+    <p:ext uri="{EFAFB233-063F-42B5-8137-9DF3F51BA10A}">
+      <p15:sldGuideLst xmlns:p15="http://schemas.microsoft.com/office/powerpoint/2012/main">
+        <p15:guide id="1" orient="horz" pos="2160">
+          <p15:clr>
+            <a:srgbClr val="A4A3A4"/>
+          </p15:clr>
+        </p15:guide>
+        <p15:guide id="2" pos="3840">
+          <p15:clr>
+            <a:srgbClr val="A4A3A4"/>
+          </p15:clr>
+        </p15:guide>
+      </p15:sldGuideLst>
+    </p:ext>
+  </p:extLst>
 </p:presentation>
 </file>
 
@@ -1651,7 +1666,22 @@
       </dgm:t>
     </dgm:pt>
     <dgm:pt modelId="{072BCCE2-37A1-4004-9924-FC77DDAB6410}">
-      <dgm:prSet phldrT="[Текст]"/>
+      <dgm:prSet phldrT="[Текст]">
+        <dgm:style>
+          <a:lnRef idx="0">
+            <a:schemeClr val="dk1"/>
+          </a:lnRef>
+          <a:fillRef idx="3">
+            <a:schemeClr val="dk1"/>
+          </a:fillRef>
+          <a:effectRef idx="3">
+            <a:schemeClr val="dk1"/>
+          </a:effectRef>
+          <a:fontRef idx="minor">
+            <a:schemeClr val="lt1"/>
+          </a:fontRef>
+        </dgm:style>
+      </dgm:prSet>
       <dgm:spPr/>
       <dgm:t>
         <a:bodyPr/>
@@ -1688,17 +1718,42 @@
       </dgm:t>
     </dgm:pt>
     <dgm:pt modelId="{F8A6E171-5924-4AA2-83B8-78285B8362C8}">
-      <dgm:prSet phldrT="[Текст]"/>
+      <dgm:prSet phldrT="[Текст]">
+        <dgm:style>
+          <a:lnRef idx="2">
+            <a:schemeClr val="accent1">
+              <a:shade val="50000"/>
+            </a:schemeClr>
+          </a:lnRef>
+          <a:fillRef idx="1">
+            <a:schemeClr val="accent1"/>
+          </a:fillRef>
+          <a:effectRef idx="0">
+            <a:schemeClr val="accent1"/>
+          </a:effectRef>
+          <a:fontRef idx="minor">
+            <a:schemeClr val="lt1"/>
+          </a:fontRef>
+        </dgm:style>
+      </dgm:prSet>
       <dgm:spPr/>
       <dgm:t>
         <a:bodyPr/>
         <a:lstStyle/>
         <a:p>
           <a:r>
-            <a:rPr lang="en-US" dirty="0" err="1" smtClean="0"/>
+            <a:rPr lang="en-US" dirty="0" err="1" smtClean="0">
+              <a:solidFill>
+                <a:schemeClr val="bg1"/>
+              </a:solidFill>
+            </a:rPr>
             <a:t>User_name</a:t>
           </a:r>
-          <a:endParaRPr lang="ru-RU" dirty="0"/>
+          <a:endParaRPr lang="ru-RU" dirty="0">
+            <a:solidFill>
+              <a:schemeClr val="bg1"/>
+            </a:solidFill>
+          </a:endParaRPr>
         </a:p>
       </dgm:t>
     </dgm:pt>
@@ -1725,17 +1780,42 @@
       </dgm:t>
     </dgm:pt>
     <dgm:pt modelId="{B1E425E8-802C-418B-A8EC-28EE37196870}">
-      <dgm:prSet phldrT="[Текст]"/>
+      <dgm:prSet phldrT="[Текст]">
+        <dgm:style>
+          <a:lnRef idx="2">
+            <a:schemeClr val="accent1">
+              <a:shade val="50000"/>
+            </a:schemeClr>
+          </a:lnRef>
+          <a:fillRef idx="1">
+            <a:schemeClr val="accent1"/>
+          </a:fillRef>
+          <a:effectRef idx="0">
+            <a:schemeClr val="accent1"/>
+          </a:effectRef>
+          <a:fontRef idx="minor">
+            <a:schemeClr val="lt1"/>
+          </a:fontRef>
+        </dgm:style>
+      </dgm:prSet>
       <dgm:spPr/>
       <dgm:t>
         <a:bodyPr/>
         <a:lstStyle/>
         <a:p>
           <a:r>
-            <a:rPr lang="en-US" dirty="0" err="1" smtClean="0"/>
+            <a:rPr lang="en-US" dirty="0" err="1" smtClean="0">
+              <a:solidFill>
+                <a:schemeClr val="bg1"/>
+              </a:solidFill>
+            </a:rPr>
             <a:t>Room_num</a:t>
           </a:r>
-          <a:endParaRPr lang="ru-RU" dirty="0"/>
+          <a:endParaRPr lang="ru-RU" dirty="0">
+            <a:solidFill>
+              <a:schemeClr val="bg1"/>
+            </a:solidFill>
+          </a:endParaRPr>
         </a:p>
       </dgm:t>
     </dgm:pt>
@@ -1762,7 +1842,22 @@
       </dgm:t>
     </dgm:pt>
     <dgm:pt modelId="{2E0FBEA3-84BB-467D-96A5-9836AF332835}">
-      <dgm:prSet phldrT="[Текст]"/>
+      <dgm:prSet phldrT="[Текст]">
+        <dgm:style>
+          <a:lnRef idx="1">
+            <a:schemeClr val="dk1"/>
+          </a:lnRef>
+          <a:fillRef idx="3">
+            <a:schemeClr val="dk1"/>
+          </a:fillRef>
+          <a:effectRef idx="2">
+            <a:schemeClr val="dk1"/>
+          </a:effectRef>
+          <a:fontRef idx="minor">
+            <a:schemeClr val="lt1"/>
+          </a:fontRef>
+        </dgm:style>
+      </dgm:prSet>
       <dgm:spPr/>
       <dgm:t>
         <a:bodyPr/>
@@ -1799,17 +1894,42 @@
       </dgm:t>
     </dgm:pt>
     <dgm:pt modelId="{FB987B40-CD08-45C6-A921-0E5FAEE82F98}">
-      <dgm:prSet phldrT="[Текст]"/>
+      <dgm:prSet phldrT="[Текст]">
+        <dgm:style>
+          <a:lnRef idx="2">
+            <a:schemeClr val="accent1">
+              <a:shade val="50000"/>
+            </a:schemeClr>
+          </a:lnRef>
+          <a:fillRef idx="1">
+            <a:schemeClr val="accent1"/>
+          </a:fillRef>
+          <a:effectRef idx="0">
+            <a:schemeClr val="accent1"/>
+          </a:effectRef>
+          <a:fontRef idx="minor">
+            <a:schemeClr val="lt1"/>
+          </a:fontRef>
+        </dgm:style>
+      </dgm:prSet>
       <dgm:spPr/>
       <dgm:t>
         <a:bodyPr/>
         <a:lstStyle/>
         <a:p>
           <a:r>
-            <a:rPr lang="en-US" dirty="0" smtClean="0"/>
+            <a:rPr lang="en-US" dirty="0" smtClean="0">
+              <a:solidFill>
+                <a:schemeClr val="bg1"/>
+              </a:solidFill>
+            </a:rPr>
             <a:t>id</a:t>
           </a:r>
-          <a:endParaRPr lang="ru-RU" dirty="0"/>
+          <a:endParaRPr lang="ru-RU" dirty="0">
+            <a:solidFill>
+              <a:schemeClr val="bg1"/>
+            </a:solidFill>
+          </a:endParaRPr>
         </a:p>
       </dgm:t>
     </dgm:pt>
@@ -1836,17 +1956,42 @@
       </dgm:t>
     </dgm:pt>
     <dgm:pt modelId="{7C3BEF89-F391-4C3C-A935-9AC30E06F3CF}">
-      <dgm:prSet phldrT="[Текст]"/>
+      <dgm:prSet phldrT="[Текст]">
+        <dgm:style>
+          <a:lnRef idx="2">
+            <a:schemeClr val="accent1">
+              <a:shade val="50000"/>
+            </a:schemeClr>
+          </a:lnRef>
+          <a:fillRef idx="1">
+            <a:schemeClr val="accent1"/>
+          </a:fillRef>
+          <a:effectRef idx="0">
+            <a:schemeClr val="accent1"/>
+          </a:effectRef>
+          <a:fontRef idx="minor">
+            <a:schemeClr val="lt1"/>
+          </a:fontRef>
+        </dgm:style>
+      </dgm:prSet>
       <dgm:spPr/>
       <dgm:t>
         <a:bodyPr/>
         <a:lstStyle/>
         <a:p>
           <a:r>
-            <a:rPr lang="en-US" dirty="0" smtClean="0"/>
+            <a:rPr lang="en-US" dirty="0" smtClean="0">
+              <a:solidFill>
+                <a:schemeClr val="bg1"/>
+              </a:solidFill>
+            </a:rPr>
             <a:t>Number</a:t>
           </a:r>
-          <a:endParaRPr lang="ru-RU" dirty="0"/>
+          <a:endParaRPr lang="ru-RU" dirty="0">
+            <a:solidFill>
+              <a:schemeClr val="bg1"/>
+            </a:solidFill>
+          </a:endParaRPr>
         </a:p>
       </dgm:t>
     </dgm:pt>
@@ -1873,7 +2018,22 @@
       </dgm:t>
     </dgm:pt>
     <dgm:pt modelId="{83E5CBC5-47FE-41B5-ADE3-AF46F14AAEFE}">
-      <dgm:prSet phldrT="[Текст]"/>
+      <dgm:prSet phldrT="[Текст]">
+        <dgm:style>
+          <a:lnRef idx="0">
+            <a:schemeClr val="dk1"/>
+          </a:lnRef>
+          <a:fillRef idx="3">
+            <a:schemeClr val="dk1"/>
+          </a:fillRef>
+          <a:effectRef idx="3">
+            <a:schemeClr val="dk1"/>
+          </a:effectRef>
+          <a:fontRef idx="minor">
+            <a:schemeClr val="lt1"/>
+          </a:fontRef>
+        </dgm:style>
+      </dgm:prSet>
       <dgm:spPr/>
       <dgm:t>
         <a:bodyPr/>
@@ -1910,17 +2070,42 @@
       </dgm:t>
     </dgm:pt>
     <dgm:pt modelId="{AC853C07-8E44-4B4A-BFD1-10BDF881EDE1}">
-      <dgm:prSet phldrT="[Текст]"/>
+      <dgm:prSet phldrT="[Текст]">
+        <dgm:style>
+          <a:lnRef idx="2">
+            <a:schemeClr val="accent1">
+              <a:shade val="50000"/>
+            </a:schemeClr>
+          </a:lnRef>
+          <a:fillRef idx="1">
+            <a:schemeClr val="accent1"/>
+          </a:fillRef>
+          <a:effectRef idx="0">
+            <a:schemeClr val="accent1"/>
+          </a:effectRef>
+          <a:fontRef idx="minor">
+            <a:schemeClr val="lt1"/>
+          </a:fontRef>
+        </dgm:style>
+      </dgm:prSet>
       <dgm:spPr/>
       <dgm:t>
         <a:bodyPr/>
         <a:lstStyle/>
         <a:p>
           <a:r>
-            <a:rPr lang="en-US" dirty="0" err="1" smtClean="0"/>
+            <a:rPr lang="en-US" dirty="0" err="1" smtClean="0">
+              <a:solidFill>
+                <a:schemeClr val="bg1"/>
+              </a:solidFill>
+            </a:rPr>
             <a:t>Hit_points</a:t>
           </a:r>
-          <a:endParaRPr lang="ru-RU" dirty="0"/>
+          <a:endParaRPr lang="ru-RU" dirty="0">
+            <a:solidFill>
+              <a:schemeClr val="bg1"/>
+            </a:solidFill>
+          </a:endParaRPr>
         </a:p>
       </dgm:t>
     </dgm:pt>
@@ -1947,17 +2132,42 @@
       </dgm:t>
     </dgm:pt>
     <dgm:pt modelId="{0F6433BF-A112-4547-BE56-916119A8FE61}">
-      <dgm:prSet phldrT="[Текст]"/>
+      <dgm:prSet phldrT="[Текст]">
+        <dgm:style>
+          <a:lnRef idx="2">
+            <a:schemeClr val="accent1">
+              <a:shade val="50000"/>
+            </a:schemeClr>
+          </a:lnRef>
+          <a:fillRef idx="1">
+            <a:schemeClr val="accent1"/>
+          </a:fillRef>
+          <a:effectRef idx="0">
+            <a:schemeClr val="accent1"/>
+          </a:effectRef>
+          <a:fontRef idx="minor">
+            <a:schemeClr val="lt1"/>
+          </a:fontRef>
+        </dgm:style>
+      </dgm:prSet>
       <dgm:spPr/>
       <dgm:t>
         <a:bodyPr/>
         <a:lstStyle/>
         <a:p>
           <a:r>
-            <a:rPr lang="en-US" dirty="0" err="1" smtClean="0"/>
+            <a:rPr lang="en-US" dirty="0" err="1" smtClean="0">
+              <a:solidFill>
+                <a:schemeClr val="bg1"/>
+              </a:solidFill>
+            </a:rPr>
             <a:t>Action_points</a:t>
           </a:r>
-          <a:endParaRPr lang="ru-RU" dirty="0"/>
+          <a:endParaRPr lang="ru-RU" dirty="0">
+            <a:solidFill>
+              <a:schemeClr val="bg1"/>
+            </a:solidFill>
+          </a:endParaRPr>
         </a:p>
       </dgm:t>
     </dgm:pt>
@@ -1984,17 +2194,42 @@
       </dgm:t>
     </dgm:pt>
     <dgm:pt modelId="{070FF091-BB19-4548-BBCC-EDBEED141E22}">
-      <dgm:prSet phldrT="[Текст]"/>
+      <dgm:prSet phldrT="[Текст]">
+        <dgm:style>
+          <a:lnRef idx="2">
+            <a:schemeClr val="accent1">
+              <a:shade val="50000"/>
+            </a:schemeClr>
+          </a:lnRef>
+          <a:fillRef idx="1">
+            <a:schemeClr val="accent1"/>
+          </a:fillRef>
+          <a:effectRef idx="0">
+            <a:schemeClr val="accent1"/>
+          </a:effectRef>
+          <a:fontRef idx="minor">
+            <a:schemeClr val="lt1"/>
+          </a:fontRef>
+        </dgm:style>
+      </dgm:prSet>
       <dgm:spPr/>
       <dgm:t>
         <a:bodyPr/>
         <a:lstStyle/>
         <a:p>
           <a:r>
-            <a:rPr lang="en-US" dirty="0" smtClean="0"/>
+            <a:rPr lang="en-US" dirty="0" smtClean="0">
+              <a:solidFill>
+                <a:schemeClr val="bg1"/>
+              </a:solidFill>
+            </a:rPr>
             <a:t>Damage</a:t>
           </a:r>
-          <a:endParaRPr lang="ru-RU" dirty="0"/>
+          <a:endParaRPr lang="ru-RU" dirty="0">
+            <a:solidFill>
+              <a:schemeClr val="bg1"/>
+            </a:solidFill>
+          </a:endParaRPr>
         </a:p>
       </dgm:t>
     </dgm:pt>
@@ -2021,17 +2256,42 @@
       </dgm:t>
     </dgm:pt>
     <dgm:pt modelId="{23FC9CF5-86EC-49D2-89F9-3FDCDCCD7CE1}">
-      <dgm:prSet phldrT="[Текст]"/>
+      <dgm:prSet phldrT="[Текст]">
+        <dgm:style>
+          <a:lnRef idx="2">
+            <a:schemeClr val="accent1">
+              <a:shade val="50000"/>
+            </a:schemeClr>
+          </a:lnRef>
+          <a:fillRef idx="1">
+            <a:schemeClr val="accent1"/>
+          </a:fillRef>
+          <a:effectRef idx="0">
+            <a:schemeClr val="accent1"/>
+          </a:effectRef>
+          <a:fontRef idx="minor">
+            <a:schemeClr val="lt1"/>
+          </a:fontRef>
+        </dgm:style>
+      </dgm:prSet>
       <dgm:spPr/>
       <dgm:t>
         <a:bodyPr/>
         <a:lstStyle/>
         <a:p>
           <a:r>
-            <a:rPr lang="en-US" dirty="0" err="1" smtClean="0"/>
+            <a:rPr lang="en-US" dirty="0" err="1" smtClean="0">
+              <a:solidFill>
+                <a:schemeClr val="bg1"/>
+              </a:solidFill>
+            </a:rPr>
             <a:t>posX</a:t>
           </a:r>
-          <a:endParaRPr lang="ru-RU" dirty="0"/>
+          <a:endParaRPr lang="ru-RU" dirty="0">
+            <a:solidFill>
+              <a:schemeClr val="bg1"/>
+            </a:solidFill>
+          </a:endParaRPr>
         </a:p>
       </dgm:t>
     </dgm:pt>
@@ -2058,17 +2318,42 @@
       </dgm:t>
     </dgm:pt>
     <dgm:pt modelId="{52901E77-F4EB-4922-BF04-072F154D5274}">
-      <dgm:prSet phldrT="[Текст]"/>
+      <dgm:prSet phldrT="[Текст]">
+        <dgm:style>
+          <a:lnRef idx="2">
+            <a:schemeClr val="accent1">
+              <a:shade val="50000"/>
+            </a:schemeClr>
+          </a:lnRef>
+          <a:fillRef idx="1">
+            <a:schemeClr val="accent1"/>
+          </a:fillRef>
+          <a:effectRef idx="0">
+            <a:schemeClr val="accent1"/>
+          </a:effectRef>
+          <a:fontRef idx="minor">
+            <a:schemeClr val="lt1"/>
+          </a:fontRef>
+        </dgm:style>
+      </dgm:prSet>
       <dgm:spPr/>
       <dgm:t>
         <a:bodyPr/>
         <a:lstStyle/>
         <a:p>
           <a:r>
-            <a:rPr lang="en-US" dirty="0" err="1" smtClean="0"/>
+            <a:rPr lang="en-US" dirty="0" err="1" smtClean="0">
+              <a:solidFill>
+                <a:schemeClr val="bg1"/>
+              </a:solidFill>
+            </a:rPr>
             <a:t>posY</a:t>
           </a:r>
-          <a:endParaRPr lang="ru-RU" dirty="0"/>
+          <a:endParaRPr lang="ru-RU" dirty="0">
+            <a:solidFill>
+              <a:schemeClr val="bg1"/>
+            </a:solidFill>
+          </a:endParaRPr>
         </a:p>
       </dgm:t>
     </dgm:pt>
@@ -2095,17 +2380,42 @@
       </dgm:t>
     </dgm:pt>
     <dgm:pt modelId="{2CEC434B-6CFD-4F4F-AAFD-EB4F8E9C3F18}">
-      <dgm:prSet phldrT="[Текст]"/>
+      <dgm:prSet phldrT="[Текст]">
+        <dgm:style>
+          <a:lnRef idx="2">
+            <a:schemeClr val="accent1">
+              <a:shade val="50000"/>
+            </a:schemeClr>
+          </a:lnRef>
+          <a:fillRef idx="1">
+            <a:schemeClr val="accent1"/>
+          </a:fillRef>
+          <a:effectRef idx="0">
+            <a:schemeClr val="accent1"/>
+          </a:effectRef>
+          <a:fontRef idx="minor">
+            <a:schemeClr val="lt1"/>
+          </a:fontRef>
+        </dgm:style>
+      </dgm:prSet>
       <dgm:spPr/>
       <dgm:t>
         <a:bodyPr/>
         <a:lstStyle/>
         <a:p>
           <a:r>
-            <a:rPr lang="en-US" dirty="0" err="1" smtClean="0"/>
+            <a:rPr lang="en-US" dirty="0" err="1" smtClean="0">
+              <a:solidFill>
+                <a:schemeClr val="bg1"/>
+              </a:solidFill>
+            </a:rPr>
             <a:t>Enter_posX</a:t>
           </a:r>
-          <a:endParaRPr lang="ru-RU" dirty="0"/>
+          <a:endParaRPr lang="ru-RU" dirty="0">
+            <a:solidFill>
+              <a:schemeClr val="bg1"/>
+            </a:solidFill>
+          </a:endParaRPr>
         </a:p>
       </dgm:t>
     </dgm:pt>
@@ -2132,17 +2442,42 @@
       </dgm:t>
     </dgm:pt>
     <dgm:pt modelId="{C781F228-A113-4EF3-B639-47BBCDA2BE8A}">
-      <dgm:prSet phldrT="[Текст]"/>
+      <dgm:prSet phldrT="[Текст]">
+        <dgm:style>
+          <a:lnRef idx="2">
+            <a:schemeClr val="accent1">
+              <a:shade val="50000"/>
+            </a:schemeClr>
+          </a:lnRef>
+          <a:fillRef idx="1">
+            <a:schemeClr val="accent1"/>
+          </a:fillRef>
+          <a:effectRef idx="0">
+            <a:schemeClr val="accent1"/>
+          </a:effectRef>
+          <a:fontRef idx="minor">
+            <a:schemeClr val="lt1"/>
+          </a:fontRef>
+        </dgm:style>
+      </dgm:prSet>
       <dgm:spPr/>
       <dgm:t>
         <a:bodyPr/>
         <a:lstStyle/>
         <a:p>
           <a:r>
-            <a:rPr lang="en-US" dirty="0" err="1" smtClean="0"/>
+            <a:rPr lang="en-US" dirty="0" err="1" smtClean="0">
+              <a:solidFill>
+                <a:schemeClr val="bg1"/>
+              </a:solidFill>
+            </a:rPr>
             <a:t>Enter_posY</a:t>
           </a:r>
-          <a:endParaRPr lang="ru-RU" dirty="0"/>
+          <a:endParaRPr lang="ru-RU" dirty="0">
+            <a:solidFill>
+              <a:schemeClr val="bg1"/>
+            </a:solidFill>
+          </a:endParaRPr>
         </a:p>
       </dgm:t>
     </dgm:pt>
@@ -2169,17 +2504,42 @@
       </dgm:t>
     </dgm:pt>
     <dgm:pt modelId="{C495E6A7-DA18-46C4-8B83-C00571DED6A4}">
-      <dgm:prSet phldrT="[Текст]"/>
+      <dgm:prSet phldrT="[Текст]">
+        <dgm:style>
+          <a:lnRef idx="2">
+            <a:schemeClr val="accent1">
+              <a:shade val="50000"/>
+            </a:schemeClr>
+          </a:lnRef>
+          <a:fillRef idx="1">
+            <a:schemeClr val="accent1"/>
+          </a:fillRef>
+          <a:effectRef idx="0">
+            <a:schemeClr val="accent1"/>
+          </a:effectRef>
+          <a:fontRef idx="minor">
+            <a:schemeClr val="lt1"/>
+          </a:fontRef>
+        </dgm:style>
+      </dgm:prSet>
       <dgm:spPr/>
       <dgm:t>
         <a:bodyPr/>
         <a:lstStyle/>
         <a:p>
           <a:r>
-            <a:rPr lang="en-US" dirty="0" err="1" smtClean="0"/>
+            <a:rPr lang="en-US" dirty="0" err="1" smtClean="0">
+              <a:solidFill>
+                <a:schemeClr val="bg1"/>
+              </a:solidFill>
+            </a:rPr>
             <a:t>Exit_posX</a:t>
           </a:r>
-          <a:endParaRPr lang="ru-RU" dirty="0"/>
+          <a:endParaRPr lang="ru-RU" dirty="0">
+            <a:solidFill>
+              <a:schemeClr val="bg1"/>
+            </a:solidFill>
+          </a:endParaRPr>
         </a:p>
       </dgm:t>
     </dgm:pt>
@@ -2206,17 +2566,42 @@
       </dgm:t>
     </dgm:pt>
     <dgm:pt modelId="{DFBA26F2-6EBF-4FD0-8895-894CAB9A9D70}">
-      <dgm:prSet phldrT="[Текст]"/>
+      <dgm:prSet phldrT="[Текст]">
+        <dgm:style>
+          <a:lnRef idx="2">
+            <a:schemeClr val="accent1">
+              <a:shade val="50000"/>
+            </a:schemeClr>
+          </a:lnRef>
+          <a:fillRef idx="1">
+            <a:schemeClr val="accent1"/>
+          </a:fillRef>
+          <a:effectRef idx="0">
+            <a:schemeClr val="accent1"/>
+          </a:effectRef>
+          <a:fontRef idx="minor">
+            <a:schemeClr val="lt1"/>
+          </a:fontRef>
+        </dgm:style>
+      </dgm:prSet>
       <dgm:spPr/>
       <dgm:t>
         <a:bodyPr/>
         <a:lstStyle/>
         <a:p>
           <a:r>
-            <a:rPr lang="en-US" dirty="0" err="1" smtClean="0"/>
+            <a:rPr lang="en-US" dirty="0" err="1" smtClean="0">
+              <a:solidFill>
+                <a:schemeClr val="bg1"/>
+              </a:solidFill>
+            </a:rPr>
             <a:t>exit_posY</a:t>
           </a:r>
-          <a:endParaRPr lang="ru-RU" dirty="0"/>
+          <a:endParaRPr lang="ru-RU" dirty="0">
+            <a:solidFill>
+              <a:schemeClr val="bg1"/>
+            </a:solidFill>
+          </a:endParaRPr>
         </a:p>
       </dgm:t>
     </dgm:pt>
@@ -2243,17 +2628,42 @@
       </dgm:t>
     </dgm:pt>
     <dgm:pt modelId="{086449A9-F0ED-4F08-ACE2-149D4FF7B70B}">
-      <dgm:prSet phldrT="[Текст]"/>
+      <dgm:prSet phldrT="[Текст]">
+        <dgm:style>
+          <a:lnRef idx="2">
+            <a:schemeClr val="accent1">
+              <a:shade val="50000"/>
+            </a:schemeClr>
+          </a:lnRef>
+          <a:fillRef idx="1">
+            <a:schemeClr val="accent1"/>
+          </a:fillRef>
+          <a:effectRef idx="0">
+            <a:schemeClr val="accent1"/>
+          </a:effectRef>
+          <a:fontRef idx="minor">
+            <a:schemeClr val="lt1"/>
+          </a:fontRef>
+        </dgm:style>
+      </dgm:prSet>
       <dgm:spPr/>
       <dgm:t>
         <a:bodyPr/>
         <a:lstStyle/>
         <a:p>
           <a:r>
-            <a:rPr lang="en-US" dirty="0" smtClean="0"/>
+            <a:rPr lang="en-US" dirty="0" smtClean="0">
+              <a:solidFill>
+                <a:schemeClr val="bg1"/>
+              </a:solidFill>
+            </a:rPr>
             <a:t>user</a:t>
           </a:r>
-          <a:endParaRPr lang="ru-RU" dirty="0"/>
+          <a:endParaRPr lang="ru-RU" dirty="0">
+            <a:solidFill>
+              <a:schemeClr val="bg1"/>
+            </a:solidFill>
+          </a:endParaRPr>
         </a:p>
       </dgm:t>
     </dgm:pt>
@@ -2280,17 +2690,42 @@
       </dgm:t>
     </dgm:pt>
     <dgm:pt modelId="{C2428EC6-D0DA-4420-8692-CF7217AAC1F5}">
-      <dgm:prSet/>
+      <dgm:prSet>
+        <dgm:style>
+          <a:lnRef idx="2">
+            <a:schemeClr val="accent1">
+              <a:shade val="50000"/>
+            </a:schemeClr>
+          </a:lnRef>
+          <a:fillRef idx="1">
+            <a:schemeClr val="accent1"/>
+          </a:fillRef>
+          <a:effectRef idx="0">
+            <a:schemeClr val="accent1"/>
+          </a:effectRef>
+          <a:fontRef idx="minor">
+            <a:schemeClr val="lt1"/>
+          </a:fontRef>
+        </dgm:style>
+      </dgm:prSet>
       <dgm:spPr/>
       <dgm:t>
         <a:bodyPr/>
         <a:lstStyle/>
         <a:p>
           <a:r>
-            <a:rPr lang="en-US" dirty="0" err="1" smtClean="0"/>
+            <a:rPr lang="en-US" dirty="0" err="1" smtClean="0">
+              <a:solidFill>
+                <a:schemeClr val="bg1"/>
+              </a:solidFill>
+            </a:rPr>
             <a:t>Room_id</a:t>
           </a:r>
-          <a:endParaRPr lang="ru-RU" dirty="0"/>
+          <a:endParaRPr lang="ru-RU" dirty="0">
+            <a:solidFill>
+              <a:schemeClr val="bg1"/>
+            </a:solidFill>
+          </a:endParaRPr>
         </a:p>
       </dgm:t>
     </dgm:pt>
@@ -2317,17 +2752,42 @@
       </dgm:t>
     </dgm:pt>
     <dgm:pt modelId="{EE1D6906-52A3-4777-86EF-44298666C619}">
-      <dgm:prSet/>
+      <dgm:prSet>
+        <dgm:style>
+          <a:lnRef idx="2">
+            <a:schemeClr val="accent1">
+              <a:shade val="50000"/>
+            </a:schemeClr>
+          </a:lnRef>
+          <a:fillRef idx="1">
+            <a:schemeClr val="accent1"/>
+          </a:fillRef>
+          <a:effectRef idx="0">
+            <a:schemeClr val="accent1"/>
+          </a:effectRef>
+          <a:fontRef idx="minor">
+            <a:schemeClr val="lt1"/>
+          </a:fontRef>
+        </dgm:style>
+      </dgm:prSet>
       <dgm:spPr/>
       <dgm:t>
         <a:bodyPr/>
         <a:lstStyle/>
         <a:p>
           <a:r>
-            <a:rPr lang="en-US" dirty="0" smtClean="0"/>
+            <a:rPr lang="en-US" dirty="0" smtClean="0">
+              <a:solidFill>
+                <a:schemeClr val="bg1"/>
+              </a:solidFill>
+            </a:rPr>
             <a:t>color</a:t>
           </a:r>
-          <a:endParaRPr lang="ru-RU" dirty="0"/>
+          <a:endParaRPr lang="ru-RU" dirty="0">
+            <a:solidFill>
+              <a:schemeClr val="bg1"/>
+            </a:solidFill>
+          </a:endParaRPr>
         </a:p>
       </dgm:t>
     </dgm:pt>
@@ -2354,17 +2814,42 @@
       </dgm:t>
     </dgm:pt>
     <dgm:pt modelId="{985E6EA2-6D11-4D91-8F9D-0E0019A9EB92}">
-      <dgm:prSet/>
+      <dgm:prSet>
+        <dgm:style>
+          <a:lnRef idx="2">
+            <a:schemeClr val="accent1">
+              <a:shade val="50000"/>
+            </a:schemeClr>
+          </a:lnRef>
+          <a:fillRef idx="1">
+            <a:schemeClr val="accent1"/>
+          </a:fillRef>
+          <a:effectRef idx="0">
+            <a:schemeClr val="accent1"/>
+          </a:effectRef>
+          <a:fontRef idx="minor">
+            <a:schemeClr val="lt1"/>
+          </a:fontRef>
+        </dgm:style>
+      </dgm:prSet>
       <dgm:spPr/>
       <dgm:t>
         <a:bodyPr/>
         <a:lstStyle/>
         <a:p>
           <a:r>
-            <a:rPr lang="en-US" dirty="0" err="1" smtClean="0"/>
+            <a:rPr lang="en-US" dirty="0" err="1" smtClean="0">
+              <a:solidFill>
+                <a:schemeClr val="bg1"/>
+              </a:solidFill>
+            </a:rPr>
             <a:t>Hit_points</a:t>
           </a:r>
-          <a:endParaRPr lang="ru-RU" dirty="0"/>
+          <a:endParaRPr lang="ru-RU" dirty="0">
+            <a:solidFill>
+              <a:schemeClr val="bg1"/>
+            </a:solidFill>
+          </a:endParaRPr>
         </a:p>
       </dgm:t>
     </dgm:pt>
@@ -2391,17 +2876,42 @@
       </dgm:t>
     </dgm:pt>
     <dgm:pt modelId="{5F2A696C-5654-4A9E-9671-76DD679D1EB6}">
-      <dgm:prSet/>
+      <dgm:prSet>
+        <dgm:style>
+          <a:lnRef idx="2">
+            <a:schemeClr val="accent1">
+              <a:shade val="50000"/>
+            </a:schemeClr>
+          </a:lnRef>
+          <a:fillRef idx="1">
+            <a:schemeClr val="accent1"/>
+          </a:fillRef>
+          <a:effectRef idx="0">
+            <a:schemeClr val="accent1"/>
+          </a:effectRef>
+          <a:fontRef idx="minor">
+            <a:schemeClr val="lt1"/>
+          </a:fontRef>
+        </dgm:style>
+      </dgm:prSet>
       <dgm:spPr/>
       <dgm:t>
         <a:bodyPr/>
         <a:lstStyle/>
         <a:p>
           <a:r>
-            <a:rPr lang="en-US" smtClean="0"/>
+            <a:rPr lang="en-US" smtClean="0">
+              <a:solidFill>
+                <a:schemeClr val="bg1"/>
+              </a:solidFill>
+            </a:rPr>
             <a:t>Action_points</a:t>
           </a:r>
-          <a:endParaRPr lang="ru-RU" dirty="0"/>
+          <a:endParaRPr lang="ru-RU" dirty="0">
+            <a:solidFill>
+              <a:schemeClr val="bg1"/>
+            </a:solidFill>
+          </a:endParaRPr>
         </a:p>
       </dgm:t>
     </dgm:pt>
@@ -2428,17 +2938,42 @@
       </dgm:t>
     </dgm:pt>
     <dgm:pt modelId="{BE498A8D-1F66-4D8C-92DC-3CCAF8B26AE2}">
-      <dgm:prSet/>
+      <dgm:prSet>
+        <dgm:style>
+          <a:lnRef idx="2">
+            <a:schemeClr val="accent1">
+              <a:shade val="50000"/>
+            </a:schemeClr>
+          </a:lnRef>
+          <a:fillRef idx="1">
+            <a:schemeClr val="accent1"/>
+          </a:fillRef>
+          <a:effectRef idx="0">
+            <a:schemeClr val="accent1"/>
+          </a:effectRef>
+          <a:fontRef idx="minor">
+            <a:schemeClr val="lt1"/>
+          </a:fontRef>
+        </dgm:style>
+      </dgm:prSet>
       <dgm:spPr/>
       <dgm:t>
         <a:bodyPr/>
         <a:lstStyle/>
         <a:p>
           <a:r>
-            <a:rPr lang="en-US" smtClean="0"/>
+            <a:rPr lang="en-US" smtClean="0">
+              <a:solidFill>
+                <a:schemeClr val="bg1"/>
+              </a:solidFill>
+            </a:rPr>
             <a:t>Damage</a:t>
           </a:r>
-          <a:endParaRPr lang="ru-RU" dirty="0"/>
+          <a:endParaRPr lang="ru-RU" dirty="0">
+            <a:solidFill>
+              <a:schemeClr val="bg1"/>
+            </a:solidFill>
+          </a:endParaRPr>
         </a:p>
       </dgm:t>
     </dgm:pt>
@@ -2465,17 +3000,42 @@
       </dgm:t>
     </dgm:pt>
     <dgm:pt modelId="{2558A706-7114-4927-969A-71DB6B7A6197}">
-      <dgm:prSet/>
+      <dgm:prSet>
+        <dgm:style>
+          <a:lnRef idx="2">
+            <a:schemeClr val="accent1">
+              <a:shade val="50000"/>
+            </a:schemeClr>
+          </a:lnRef>
+          <a:fillRef idx="1">
+            <a:schemeClr val="accent1"/>
+          </a:fillRef>
+          <a:effectRef idx="0">
+            <a:schemeClr val="accent1"/>
+          </a:effectRef>
+          <a:fontRef idx="minor">
+            <a:schemeClr val="lt1"/>
+          </a:fontRef>
+        </dgm:style>
+      </dgm:prSet>
       <dgm:spPr/>
       <dgm:t>
         <a:bodyPr/>
         <a:lstStyle/>
         <a:p>
           <a:r>
-            <a:rPr lang="en-US" smtClean="0"/>
+            <a:rPr lang="en-US" smtClean="0">
+              <a:solidFill>
+                <a:schemeClr val="bg1"/>
+              </a:solidFill>
+            </a:rPr>
             <a:t>posX</a:t>
           </a:r>
-          <a:endParaRPr lang="ru-RU" dirty="0"/>
+          <a:endParaRPr lang="ru-RU" dirty="0">
+            <a:solidFill>
+              <a:schemeClr val="bg1"/>
+            </a:solidFill>
+          </a:endParaRPr>
         </a:p>
       </dgm:t>
     </dgm:pt>
@@ -2502,17 +3062,42 @@
       </dgm:t>
     </dgm:pt>
     <dgm:pt modelId="{59CBDF42-A291-43A8-A867-446BA1D04115}">
-      <dgm:prSet/>
+      <dgm:prSet>
+        <dgm:style>
+          <a:lnRef idx="2">
+            <a:schemeClr val="accent1">
+              <a:shade val="50000"/>
+            </a:schemeClr>
+          </a:lnRef>
+          <a:fillRef idx="1">
+            <a:schemeClr val="accent1"/>
+          </a:fillRef>
+          <a:effectRef idx="0">
+            <a:schemeClr val="accent1"/>
+          </a:effectRef>
+          <a:fontRef idx="minor">
+            <a:schemeClr val="lt1"/>
+          </a:fontRef>
+        </dgm:style>
+      </dgm:prSet>
       <dgm:spPr/>
       <dgm:t>
         <a:bodyPr/>
         <a:lstStyle/>
         <a:p>
           <a:r>
-            <a:rPr lang="en-US" smtClean="0"/>
+            <a:rPr lang="en-US" dirty="0" err="1" smtClean="0">
+              <a:solidFill>
+                <a:schemeClr val="bg1"/>
+              </a:solidFill>
+            </a:rPr>
             <a:t>posY</a:t>
           </a:r>
-          <a:endParaRPr lang="ru-RU" dirty="0"/>
+          <a:endParaRPr lang="ru-RU" dirty="0">
+            <a:solidFill>
+              <a:schemeClr val="bg1"/>
+            </a:solidFill>
+          </a:endParaRPr>
         </a:p>
       </dgm:t>
     </dgm:pt>
@@ -2673,55 +3258,55 @@
     </dgm:pt>
   </dgm:ptLst>
   <dgm:cxnLst>
+    <dgm:cxn modelId="{098C5205-06D9-4010-83B5-56932FDF0EAB}" srcId="{972EEA30-1925-4C1A-AC7E-2B3DB4517989}" destId="{2E0FBEA3-84BB-467D-96A5-9836AF332835}" srcOrd="1" destOrd="0" parTransId="{72EE9CAF-0871-401A-A48E-207F98898E70}" sibTransId="{3EDE509C-AF9B-4FFA-B5C5-DAFAA34875E9}"/>
+    <dgm:cxn modelId="{8EAA2D29-C982-4F08-99A2-878E9088C393}" type="presOf" srcId="{070FF091-BB19-4548-BBCC-EDBEED141E22}" destId="{C7CD115F-5D7F-47E6-B852-93032DF43A6B}" srcOrd="0" destOrd="4" presId="urn:microsoft.com/office/officeart/2005/8/layout/hList1"/>
+    <dgm:cxn modelId="{40839B18-A150-47BA-83FF-952363C88D41}" srcId="{072BCCE2-37A1-4004-9924-FC77DDAB6410}" destId="{AC853C07-8E44-4B4A-BFD1-10BDF881EDE1}" srcOrd="2" destOrd="0" parTransId="{DD285C7B-EEAB-4C0B-BC66-82D8102FB1AD}" sibTransId="{5CD3E7D5-F9C7-4FF3-900D-60DDDBB7AD51}"/>
+    <dgm:cxn modelId="{4B906E92-6A62-4FB8-A93E-4BDF4F9E29D6}" srcId="{83E5CBC5-47FE-41B5-ADE3-AF46F14AAEFE}" destId="{59CBDF42-A291-43A8-A867-446BA1D04115}" srcOrd="6" destOrd="0" parTransId="{A6148C4F-51B9-4D07-BC32-7C18BD91144E}" sibTransId="{3174FD22-6626-4762-87F0-3E4C87DE5657}"/>
+    <dgm:cxn modelId="{D3F4EE9E-99DD-4F0E-BD6D-B144C9C35B3A}" srcId="{072BCCE2-37A1-4004-9924-FC77DDAB6410}" destId="{070FF091-BB19-4548-BBCC-EDBEED141E22}" srcOrd="4" destOrd="0" parTransId="{C60467A0-73A9-4621-B73A-A8B31938ADF5}" sibTransId="{89D67D8A-CCB4-4C04-9ED6-008CFE2F8098}"/>
+    <dgm:cxn modelId="{CA37C6C6-46E2-49CD-A2CE-9DF682553222}" type="presOf" srcId="{0F6433BF-A112-4547-BE56-916119A8FE61}" destId="{C7CD115F-5D7F-47E6-B852-93032DF43A6B}" srcOrd="0" destOrd="3" presId="urn:microsoft.com/office/officeart/2005/8/layout/hList1"/>
+    <dgm:cxn modelId="{0B736FD3-E756-400A-8D29-BFDD7BF2DEEB}" type="presOf" srcId="{BE498A8D-1F66-4D8C-92DC-3CCAF8B26AE2}" destId="{D01DDD35-C12F-4AFE-A885-A317C1155B5B}" srcOrd="0" destOrd="4" presId="urn:microsoft.com/office/officeart/2005/8/layout/hList1"/>
+    <dgm:cxn modelId="{15FA697D-0D75-4D83-B339-DD9568692BA8}" type="presOf" srcId="{FB987B40-CD08-45C6-A921-0E5FAEE82F98}" destId="{6130DA44-0BD7-42D5-897E-C23202A67351}" srcOrd="0" destOrd="0" presId="urn:microsoft.com/office/officeart/2005/8/layout/hList1"/>
+    <dgm:cxn modelId="{DB090E5D-617A-4155-831A-CEFB02454A12}" type="presOf" srcId="{C781F228-A113-4EF3-B639-47BBCDA2BE8A}" destId="{6130DA44-0BD7-42D5-897E-C23202A67351}" srcOrd="0" destOrd="3" presId="urn:microsoft.com/office/officeart/2005/8/layout/hList1"/>
+    <dgm:cxn modelId="{1B95CFA9-C4DF-4705-AC4B-5E5B0976A970}" srcId="{2E0FBEA3-84BB-467D-96A5-9836AF332835}" destId="{2CEC434B-6CFD-4F4F-AAFD-EB4F8E9C3F18}" srcOrd="2" destOrd="0" parTransId="{F51EEC0B-B0BC-4A90-B4F8-6AF9B88A08FE}" sibTransId="{01992556-3357-44C2-AD0E-E2EF52EB9F32}"/>
+    <dgm:cxn modelId="{1775133E-771A-4137-93A2-BC7A4415E3B8}" srcId="{072BCCE2-37A1-4004-9924-FC77DDAB6410}" destId="{F8A6E171-5924-4AA2-83B8-78285B8362C8}" srcOrd="0" destOrd="0" parTransId="{9FB51446-CD4B-47B9-9474-8C48471E428D}" sibTransId="{00880EEF-9F9B-4031-9C6C-0AD81CE8BA2F}"/>
+    <dgm:cxn modelId="{569953DE-638F-4729-A395-F0060F48BC29}" type="presOf" srcId="{DFBA26F2-6EBF-4FD0-8895-894CAB9A9D70}" destId="{6130DA44-0BD7-42D5-897E-C23202A67351}" srcOrd="0" destOrd="5" presId="urn:microsoft.com/office/officeart/2005/8/layout/hList1"/>
+    <dgm:cxn modelId="{BC4772FA-5858-4C3E-9CA9-41935F678F91}" srcId="{2E0FBEA3-84BB-467D-96A5-9836AF332835}" destId="{086449A9-F0ED-4F08-ACE2-149D4FF7B70B}" srcOrd="6" destOrd="0" parTransId="{538A0D36-DDF1-4501-9F02-127A82072430}" sibTransId="{5F7685DC-85A2-4810-8111-DF4EA540402B}"/>
+    <dgm:cxn modelId="{622256FE-D344-4366-83ED-5BFF8717C75F}" srcId="{83E5CBC5-47FE-41B5-ADE3-AF46F14AAEFE}" destId="{BE498A8D-1F66-4D8C-92DC-3CCAF8B26AE2}" srcOrd="4" destOrd="0" parTransId="{3F971816-98CE-46A2-9BEA-5D456713835F}" sibTransId="{76463855-6FF6-4F78-9901-2E14C92F63C0}"/>
+    <dgm:cxn modelId="{FA5184FE-9B96-4928-A3FB-94956CE9D92A}" srcId="{2E0FBEA3-84BB-467D-96A5-9836AF332835}" destId="{DFBA26F2-6EBF-4FD0-8895-894CAB9A9D70}" srcOrd="5" destOrd="0" parTransId="{99B825CD-E072-495B-996F-B08D358648DF}" sibTransId="{BDC819D9-77B0-4D05-B9FE-41B6E0BBBE62}"/>
     <dgm:cxn modelId="{4B9DF119-38CD-481E-998F-48D51AF4A188}" srcId="{2E0FBEA3-84BB-467D-96A5-9836AF332835}" destId="{C495E6A7-DA18-46C4-8B83-C00571DED6A4}" srcOrd="4" destOrd="0" parTransId="{9C4216D6-27FE-4F47-AEDC-3FD6080C106C}" sibTransId="{072977E8-10C7-46E5-8169-031AB2619A7C}"/>
-    <dgm:cxn modelId="{40839B18-A150-47BA-83FF-952363C88D41}" srcId="{072BCCE2-37A1-4004-9924-FC77DDAB6410}" destId="{AC853C07-8E44-4B4A-BFD1-10BDF881EDE1}" srcOrd="2" destOrd="0" parTransId="{DD285C7B-EEAB-4C0B-BC66-82D8102FB1AD}" sibTransId="{5CD3E7D5-F9C7-4FF3-900D-60DDDBB7AD51}"/>
-    <dgm:cxn modelId="{15FA697D-0D75-4D83-B339-DD9568692BA8}" type="presOf" srcId="{FB987B40-CD08-45C6-A921-0E5FAEE82F98}" destId="{6130DA44-0BD7-42D5-897E-C23202A67351}" srcOrd="0" destOrd="0" presId="urn:microsoft.com/office/officeart/2005/8/layout/hList1"/>
-    <dgm:cxn modelId="{622256FE-D344-4366-83ED-5BFF8717C75F}" srcId="{83E5CBC5-47FE-41B5-ADE3-AF46F14AAEFE}" destId="{BE498A8D-1F66-4D8C-92DC-3CCAF8B26AE2}" srcOrd="4" destOrd="0" parTransId="{3F971816-98CE-46A2-9BEA-5D456713835F}" sibTransId="{76463855-6FF6-4F78-9901-2E14C92F63C0}"/>
+    <dgm:cxn modelId="{46119593-AD3B-4827-9FF8-F6858802AF36}" srcId="{83E5CBC5-47FE-41B5-ADE3-AF46F14AAEFE}" destId="{985E6EA2-6D11-4D91-8F9D-0E0019A9EB92}" srcOrd="2" destOrd="0" parTransId="{E8C9CFC6-7DDD-40D0-84DC-190B9052A010}" sibTransId="{56278271-A895-4685-9433-896791D0D1E2}"/>
+    <dgm:cxn modelId="{6634EBAD-1A34-4A14-AFF8-3D210929B13B}" type="presOf" srcId="{83E5CBC5-47FE-41B5-ADE3-AF46F14AAEFE}" destId="{84B60CA6-6F0D-4EF3-9C6F-21B1067FB248}" srcOrd="0" destOrd="0" presId="urn:microsoft.com/office/officeart/2005/8/layout/hList1"/>
+    <dgm:cxn modelId="{5AF28AD3-124C-4DF7-AEA6-C0048B26EEE9}" type="presOf" srcId="{23FC9CF5-86EC-49D2-89F9-3FDCDCCD7CE1}" destId="{C7CD115F-5D7F-47E6-B852-93032DF43A6B}" srcOrd="0" destOrd="5" presId="urn:microsoft.com/office/officeart/2005/8/layout/hList1"/>
+    <dgm:cxn modelId="{AC618599-D013-4939-AEF8-98F54400E9FA}" srcId="{2E0FBEA3-84BB-467D-96A5-9836AF332835}" destId="{7C3BEF89-F391-4C3C-A935-9AC30E06F3CF}" srcOrd="1" destOrd="0" parTransId="{D97B9F92-FF2F-44CD-8807-F128AD45848A}" sibTransId="{DF00F4A6-24D0-42F9-8DF5-730B4B13A16B}"/>
+    <dgm:cxn modelId="{DA1F582F-C73E-4907-80F7-99EC826F7B58}" type="presOf" srcId="{52901E77-F4EB-4922-BF04-072F154D5274}" destId="{C7CD115F-5D7F-47E6-B852-93032DF43A6B}" srcOrd="0" destOrd="6" presId="urn:microsoft.com/office/officeart/2005/8/layout/hList1"/>
+    <dgm:cxn modelId="{6C2B5CB9-80AD-411B-A2AF-EB70151C718C}" type="presOf" srcId="{7C3BEF89-F391-4C3C-A935-9AC30E06F3CF}" destId="{6130DA44-0BD7-42D5-897E-C23202A67351}" srcOrd="0" destOrd="1" presId="urn:microsoft.com/office/officeart/2005/8/layout/hList1"/>
+    <dgm:cxn modelId="{FF73463E-E2C1-4213-A68B-51622B04122A}" type="presOf" srcId="{2558A706-7114-4927-969A-71DB6B7A6197}" destId="{D01DDD35-C12F-4AFE-A885-A317C1155B5B}" srcOrd="0" destOrd="5" presId="urn:microsoft.com/office/officeart/2005/8/layout/hList1"/>
+    <dgm:cxn modelId="{C1AC93B1-9688-476A-9A45-40827399129B}" srcId="{2E0FBEA3-84BB-467D-96A5-9836AF332835}" destId="{FB987B40-CD08-45C6-A921-0E5FAEE82F98}" srcOrd="0" destOrd="0" parTransId="{8B189EFB-C394-4D80-9EE1-E1EE8DD460F6}" sibTransId="{227388F9-B4C7-42DD-A587-6C6743B4D613}"/>
+    <dgm:cxn modelId="{E9BD5030-7435-426C-BEB0-C5C72C2A1B11}" type="presOf" srcId="{F8A6E171-5924-4AA2-83B8-78285B8362C8}" destId="{C7CD115F-5D7F-47E6-B852-93032DF43A6B}" srcOrd="0" destOrd="0" presId="urn:microsoft.com/office/officeart/2005/8/layout/hList1"/>
+    <dgm:cxn modelId="{07838031-9ED9-43B2-BF8A-B8ED0228AB41}" srcId="{83E5CBC5-47FE-41B5-ADE3-AF46F14AAEFE}" destId="{C2428EC6-D0DA-4420-8692-CF7217AAC1F5}" srcOrd="0" destOrd="0" parTransId="{78C05B46-CCC2-472B-8642-E211B3A951F8}" sibTransId="{0663CC1C-71CD-4361-BC72-099A71AD2E47}"/>
+    <dgm:cxn modelId="{ED283095-0CA3-4A62-95C6-029686B46E75}" type="presOf" srcId="{C2428EC6-D0DA-4420-8692-CF7217AAC1F5}" destId="{D01DDD35-C12F-4AFE-A885-A317C1155B5B}" srcOrd="0" destOrd="0" presId="urn:microsoft.com/office/officeart/2005/8/layout/hList1"/>
+    <dgm:cxn modelId="{EF370E66-BA9E-47B1-8DD1-197C655F3B3E}" srcId="{83E5CBC5-47FE-41B5-ADE3-AF46F14AAEFE}" destId="{2558A706-7114-4927-969A-71DB6B7A6197}" srcOrd="5" destOrd="0" parTransId="{F24E950A-DB48-4842-A244-6BE459440E40}" sibTransId="{9202D49D-2D7C-4162-AA97-E65038CBD562}"/>
+    <dgm:cxn modelId="{186D7D72-43DB-4D9B-A7F3-81DB35D7454A}" type="presOf" srcId="{072BCCE2-37A1-4004-9924-FC77DDAB6410}" destId="{A8064CFC-3DA6-4911-B45C-68A8A5C862AF}" srcOrd="0" destOrd="0" presId="urn:microsoft.com/office/officeart/2005/8/layout/hList1"/>
+    <dgm:cxn modelId="{04FB1F3E-CAF5-4473-ACB2-874F7DD26CA5}" srcId="{83E5CBC5-47FE-41B5-ADE3-AF46F14AAEFE}" destId="{5F2A696C-5654-4A9E-9671-76DD679D1EB6}" srcOrd="3" destOrd="0" parTransId="{C2D65257-16F6-4071-93F7-1B3F880FAE73}" sibTransId="{AE443F6A-4DAA-40A7-810F-984C6E05786E}"/>
+    <dgm:cxn modelId="{DCFC238E-B9FC-489E-B99F-18F2AB7DF7F7}" type="presOf" srcId="{2CEC434B-6CFD-4F4F-AAFD-EB4F8E9C3F18}" destId="{6130DA44-0BD7-42D5-897E-C23202A67351}" srcOrd="0" destOrd="2" presId="urn:microsoft.com/office/officeart/2005/8/layout/hList1"/>
+    <dgm:cxn modelId="{921AA55A-28A5-448A-8C29-B819F0E81121}" srcId="{072BCCE2-37A1-4004-9924-FC77DDAB6410}" destId="{52901E77-F4EB-4922-BF04-072F154D5274}" srcOrd="6" destOrd="0" parTransId="{E0DC82F1-EF18-4D19-81FE-1DC6414E1C34}" sibTransId="{71BC8966-27DE-4A7D-BE0B-F935A4423245}"/>
     <dgm:cxn modelId="{ADBCBFBB-EA8C-4B63-A587-587505D80FD8}" srcId="{072BCCE2-37A1-4004-9924-FC77DDAB6410}" destId="{23FC9CF5-86EC-49D2-89F9-3FDCDCCD7CE1}" srcOrd="5" destOrd="0" parTransId="{21EC77A8-F57F-464B-B524-6E1A36758581}" sibTransId="{C7FFB41F-39BD-44D8-B338-42026E184F6D}"/>
-    <dgm:cxn modelId="{DA1F582F-C73E-4907-80F7-99EC826F7B58}" type="presOf" srcId="{52901E77-F4EB-4922-BF04-072F154D5274}" destId="{C7CD115F-5D7F-47E6-B852-93032DF43A6B}" srcOrd="0" destOrd="6" presId="urn:microsoft.com/office/officeart/2005/8/layout/hList1"/>
-    <dgm:cxn modelId="{EF370E66-BA9E-47B1-8DD1-197C655F3B3E}" srcId="{83E5CBC5-47FE-41B5-ADE3-AF46F14AAEFE}" destId="{2558A706-7114-4927-969A-71DB6B7A6197}" srcOrd="5" destOrd="0" parTransId="{F24E950A-DB48-4842-A244-6BE459440E40}" sibTransId="{9202D49D-2D7C-4162-AA97-E65038CBD562}"/>
+    <dgm:cxn modelId="{A486A04F-AA67-4D8C-82A2-0D3567ACBBC8}" srcId="{072BCCE2-37A1-4004-9924-FC77DDAB6410}" destId="{0F6433BF-A112-4547-BE56-916119A8FE61}" srcOrd="3" destOrd="0" parTransId="{229A454F-CCFA-41E2-BFA3-58098745A66E}" sibTransId="{8BF8F5BD-0BDE-4097-A056-3EA3E2F8F544}"/>
+    <dgm:cxn modelId="{ECCD028E-E492-40E8-BD0F-64241FB1EDCC}" srcId="{83E5CBC5-47FE-41B5-ADE3-AF46F14AAEFE}" destId="{EE1D6906-52A3-4777-86EF-44298666C619}" srcOrd="1" destOrd="0" parTransId="{40D79C0A-F172-40FE-9A6A-71AFC4A771F6}" sibTransId="{EFDA43E3-B49D-4342-BF0F-6E3A261B2892}"/>
+    <dgm:cxn modelId="{4E898BD4-04FD-4918-B3CF-E104F317CA14}" type="presOf" srcId="{EE1D6906-52A3-4777-86EF-44298666C619}" destId="{D01DDD35-C12F-4AFE-A885-A317C1155B5B}" srcOrd="0" destOrd="1" presId="urn:microsoft.com/office/officeart/2005/8/layout/hList1"/>
+    <dgm:cxn modelId="{D29A11EF-826C-40F7-92A4-D743313634A9}" type="presOf" srcId="{2E0FBEA3-84BB-467D-96A5-9836AF332835}" destId="{0A7EFED3-D232-4185-91DB-9F8A8FDF6742}" srcOrd="0" destOrd="0" presId="urn:microsoft.com/office/officeart/2005/8/layout/hList1"/>
+    <dgm:cxn modelId="{075A4210-F8CE-4EF7-8A73-80809E02E8F7}" srcId="{2E0FBEA3-84BB-467D-96A5-9836AF332835}" destId="{C781F228-A113-4EF3-B639-47BBCDA2BE8A}" srcOrd="3" destOrd="0" parTransId="{CF2958D9-FD5D-43C5-8D5E-820DB2B44A89}" sibTransId="{0269983D-A6B9-4700-ABA3-707FD507A66B}"/>
+    <dgm:cxn modelId="{27AAD415-7653-4A32-B286-D1135FEA83BA}" srcId="{072BCCE2-37A1-4004-9924-FC77DDAB6410}" destId="{B1E425E8-802C-418B-A8EC-28EE37196870}" srcOrd="1" destOrd="0" parTransId="{B452BDDF-4F81-4C1A-831F-2F96413DE936}" sibTransId="{7BF7DBCF-E4B6-4DFD-BB20-F1BED058DA5B}"/>
+    <dgm:cxn modelId="{5C7BEBDC-CD36-459D-BEB0-3DDB26897396}" type="presOf" srcId="{C495E6A7-DA18-46C4-8B83-C00571DED6A4}" destId="{6130DA44-0BD7-42D5-897E-C23202A67351}" srcOrd="0" destOrd="4" presId="urn:microsoft.com/office/officeart/2005/8/layout/hList1"/>
+    <dgm:cxn modelId="{CC3C6E46-A07D-49EF-BE2E-168AEE9D2D97}" type="presOf" srcId="{086449A9-F0ED-4F08-ACE2-149D4FF7B70B}" destId="{6130DA44-0BD7-42D5-897E-C23202A67351}" srcOrd="0" destOrd="6" presId="urn:microsoft.com/office/officeart/2005/8/layout/hList1"/>
+    <dgm:cxn modelId="{68737098-9AC4-43E1-A0CF-6C10EF43B5F3}" type="presOf" srcId="{5F2A696C-5654-4A9E-9671-76DD679D1EB6}" destId="{D01DDD35-C12F-4AFE-A885-A317C1155B5B}" srcOrd="0" destOrd="3" presId="urn:microsoft.com/office/officeart/2005/8/layout/hList1"/>
+    <dgm:cxn modelId="{FB22DF15-7560-4CB8-8032-444FCA4078AB}" type="presOf" srcId="{B1E425E8-802C-418B-A8EC-28EE37196870}" destId="{C7CD115F-5D7F-47E6-B852-93032DF43A6B}" srcOrd="0" destOrd="1" presId="urn:microsoft.com/office/officeart/2005/8/layout/hList1"/>
     <dgm:cxn modelId="{E7EEB759-4560-44B0-B5B8-4A943E339703}" type="presOf" srcId="{972EEA30-1925-4C1A-AC7E-2B3DB4517989}" destId="{D9592EEA-0EA9-4895-9D7A-B688FD59CF9B}" srcOrd="0" destOrd="0" presId="urn:microsoft.com/office/officeart/2005/8/layout/hList1"/>
-    <dgm:cxn modelId="{CA37C6C6-46E2-49CD-A2CE-9DF682553222}" type="presOf" srcId="{0F6433BF-A112-4547-BE56-916119A8FE61}" destId="{C7CD115F-5D7F-47E6-B852-93032DF43A6B}" srcOrd="0" destOrd="3" presId="urn:microsoft.com/office/officeart/2005/8/layout/hList1"/>
-    <dgm:cxn modelId="{569953DE-638F-4729-A395-F0060F48BC29}" type="presOf" srcId="{DFBA26F2-6EBF-4FD0-8895-894CAB9A9D70}" destId="{6130DA44-0BD7-42D5-897E-C23202A67351}" srcOrd="0" destOrd="5" presId="urn:microsoft.com/office/officeart/2005/8/layout/hList1"/>
-    <dgm:cxn modelId="{1B95CFA9-C4DF-4705-AC4B-5E5B0976A970}" srcId="{2E0FBEA3-84BB-467D-96A5-9836AF332835}" destId="{2CEC434B-6CFD-4F4F-AAFD-EB4F8E9C3F18}" srcOrd="2" destOrd="0" parTransId="{F51EEC0B-B0BC-4A90-B4F8-6AF9B88A08FE}" sibTransId="{01992556-3357-44C2-AD0E-E2EF52EB9F32}"/>
-    <dgm:cxn modelId="{DB090E5D-617A-4155-831A-CEFB02454A12}" type="presOf" srcId="{C781F228-A113-4EF3-B639-47BBCDA2BE8A}" destId="{6130DA44-0BD7-42D5-897E-C23202A67351}" srcOrd="0" destOrd="3" presId="urn:microsoft.com/office/officeart/2005/8/layout/hList1"/>
-    <dgm:cxn modelId="{DCFC238E-B9FC-489E-B99F-18F2AB7DF7F7}" type="presOf" srcId="{2CEC434B-6CFD-4F4F-AAFD-EB4F8E9C3F18}" destId="{6130DA44-0BD7-42D5-897E-C23202A67351}" srcOrd="0" destOrd="2" presId="urn:microsoft.com/office/officeart/2005/8/layout/hList1"/>
-    <dgm:cxn modelId="{CC3C6E46-A07D-49EF-BE2E-168AEE9D2D97}" type="presOf" srcId="{086449A9-F0ED-4F08-ACE2-149D4FF7B70B}" destId="{6130DA44-0BD7-42D5-897E-C23202A67351}" srcOrd="0" destOrd="6" presId="urn:microsoft.com/office/officeart/2005/8/layout/hList1"/>
+    <dgm:cxn modelId="{ADA98848-F625-4687-8928-C14382FF7DEB}" type="presOf" srcId="{AC853C07-8E44-4B4A-BFD1-10BDF881EDE1}" destId="{C7CD115F-5D7F-47E6-B852-93032DF43A6B}" srcOrd="0" destOrd="2" presId="urn:microsoft.com/office/officeart/2005/8/layout/hList1"/>
+    <dgm:cxn modelId="{1CCF0CD6-EF59-49BB-A223-D111C780466F}" srcId="{972EEA30-1925-4C1A-AC7E-2B3DB4517989}" destId="{072BCCE2-37A1-4004-9924-FC77DDAB6410}" srcOrd="0" destOrd="0" parTransId="{EE92D3DB-4F35-46C3-A9A9-6BC11045BD66}" sibTransId="{EF844835-98E2-436C-A273-24D559DA09F5}"/>
     <dgm:cxn modelId="{06578BE1-75F0-46A9-97A8-24E6A728D433}" type="presOf" srcId="{59CBDF42-A291-43A8-A867-446BA1D04115}" destId="{D01DDD35-C12F-4AFE-A885-A317C1155B5B}" srcOrd="0" destOrd="6" presId="urn:microsoft.com/office/officeart/2005/8/layout/hList1"/>
-    <dgm:cxn modelId="{A486A04F-AA67-4D8C-82A2-0D3567ACBBC8}" srcId="{072BCCE2-37A1-4004-9924-FC77DDAB6410}" destId="{0F6433BF-A112-4547-BE56-916119A8FE61}" srcOrd="3" destOrd="0" parTransId="{229A454F-CCFA-41E2-BFA3-58098745A66E}" sibTransId="{8BF8F5BD-0BDE-4097-A056-3EA3E2F8F544}"/>
-    <dgm:cxn modelId="{AC618599-D013-4939-AEF8-98F54400E9FA}" srcId="{2E0FBEA3-84BB-467D-96A5-9836AF332835}" destId="{7C3BEF89-F391-4C3C-A935-9AC30E06F3CF}" srcOrd="1" destOrd="0" parTransId="{D97B9F92-FF2F-44CD-8807-F128AD45848A}" sibTransId="{DF00F4A6-24D0-42F9-8DF5-730B4B13A16B}"/>
-    <dgm:cxn modelId="{921AA55A-28A5-448A-8C29-B819F0E81121}" srcId="{072BCCE2-37A1-4004-9924-FC77DDAB6410}" destId="{52901E77-F4EB-4922-BF04-072F154D5274}" srcOrd="6" destOrd="0" parTransId="{E0DC82F1-EF18-4D19-81FE-1DC6414E1C34}" sibTransId="{71BC8966-27DE-4A7D-BE0B-F935A4423245}"/>
-    <dgm:cxn modelId="{1775133E-771A-4137-93A2-BC7A4415E3B8}" srcId="{072BCCE2-37A1-4004-9924-FC77DDAB6410}" destId="{F8A6E171-5924-4AA2-83B8-78285B8362C8}" srcOrd="0" destOrd="0" parTransId="{9FB51446-CD4B-47B9-9474-8C48471E428D}" sibTransId="{00880EEF-9F9B-4031-9C6C-0AD81CE8BA2F}"/>
-    <dgm:cxn modelId="{FB22DF15-7560-4CB8-8032-444FCA4078AB}" type="presOf" srcId="{B1E425E8-802C-418B-A8EC-28EE37196870}" destId="{C7CD115F-5D7F-47E6-B852-93032DF43A6B}" srcOrd="0" destOrd="1" presId="urn:microsoft.com/office/officeart/2005/8/layout/hList1"/>
-    <dgm:cxn modelId="{098C5205-06D9-4010-83B5-56932FDF0EAB}" srcId="{972EEA30-1925-4C1A-AC7E-2B3DB4517989}" destId="{2E0FBEA3-84BB-467D-96A5-9836AF332835}" srcOrd="1" destOrd="0" parTransId="{72EE9CAF-0871-401A-A48E-207F98898E70}" sibTransId="{3EDE509C-AF9B-4FFA-B5C5-DAFAA34875E9}"/>
-    <dgm:cxn modelId="{0B736FD3-E756-400A-8D29-BFDD7BF2DEEB}" type="presOf" srcId="{BE498A8D-1F66-4D8C-92DC-3CCAF8B26AE2}" destId="{D01DDD35-C12F-4AFE-A885-A317C1155B5B}" srcOrd="0" destOrd="4" presId="urn:microsoft.com/office/officeart/2005/8/layout/hList1"/>
-    <dgm:cxn modelId="{C1AC93B1-9688-476A-9A45-40827399129B}" srcId="{2E0FBEA3-84BB-467D-96A5-9836AF332835}" destId="{FB987B40-CD08-45C6-A921-0E5FAEE82F98}" srcOrd="0" destOrd="0" parTransId="{8B189EFB-C394-4D80-9EE1-E1EE8DD460F6}" sibTransId="{227388F9-B4C7-42DD-A587-6C6743B4D613}"/>
-    <dgm:cxn modelId="{5AF28AD3-124C-4DF7-AEA6-C0048B26EEE9}" type="presOf" srcId="{23FC9CF5-86EC-49D2-89F9-3FDCDCCD7CE1}" destId="{C7CD115F-5D7F-47E6-B852-93032DF43A6B}" srcOrd="0" destOrd="5" presId="urn:microsoft.com/office/officeart/2005/8/layout/hList1"/>
-    <dgm:cxn modelId="{D29A11EF-826C-40F7-92A4-D743313634A9}" type="presOf" srcId="{2E0FBEA3-84BB-467D-96A5-9836AF332835}" destId="{0A7EFED3-D232-4185-91DB-9F8A8FDF6742}" srcOrd="0" destOrd="0" presId="urn:microsoft.com/office/officeart/2005/8/layout/hList1"/>
-    <dgm:cxn modelId="{FA5184FE-9B96-4928-A3FB-94956CE9D92A}" srcId="{2E0FBEA3-84BB-467D-96A5-9836AF332835}" destId="{DFBA26F2-6EBF-4FD0-8895-894CAB9A9D70}" srcOrd="5" destOrd="0" parTransId="{99B825CD-E072-495B-996F-B08D358648DF}" sibTransId="{BDC819D9-77B0-4D05-B9FE-41B6E0BBBE62}"/>
-    <dgm:cxn modelId="{07838031-9ED9-43B2-BF8A-B8ED0228AB41}" srcId="{83E5CBC5-47FE-41B5-ADE3-AF46F14AAEFE}" destId="{C2428EC6-D0DA-4420-8692-CF7217AAC1F5}" srcOrd="0" destOrd="0" parTransId="{78C05B46-CCC2-472B-8642-E211B3A951F8}" sibTransId="{0663CC1C-71CD-4361-BC72-099A71AD2E47}"/>
-    <dgm:cxn modelId="{E9BD5030-7435-426C-BEB0-C5C72C2A1B11}" type="presOf" srcId="{F8A6E171-5924-4AA2-83B8-78285B8362C8}" destId="{C7CD115F-5D7F-47E6-B852-93032DF43A6B}" srcOrd="0" destOrd="0" presId="urn:microsoft.com/office/officeart/2005/8/layout/hList1"/>
-    <dgm:cxn modelId="{186D7D72-43DB-4D9B-A7F3-81DB35D7454A}" type="presOf" srcId="{072BCCE2-37A1-4004-9924-FC77DDAB6410}" destId="{A8064CFC-3DA6-4911-B45C-68A8A5C862AF}" srcOrd="0" destOrd="0" presId="urn:microsoft.com/office/officeart/2005/8/layout/hList1"/>
-    <dgm:cxn modelId="{4B906E92-6A62-4FB8-A93E-4BDF4F9E29D6}" srcId="{83E5CBC5-47FE-41B5-ADE3-AF46F14AAEFE}" destId="{59CBDF42-A291-43A8-A867-446BA1D04115}" srcOrd="6" destOrd="0" parTransId="{A6148C4F-51B9-4D07-BC32-7C18BD91144E}" sibTransId="{3174FD22-6626-4762-87F0-3E4C87DE5657}"/>
+    <dgm:cxn modelId="{081D14DA-9C6E-4FE1-8869-BBF61D2E1A91}" srcId="{972EEA30-1925-4C1A-AC7E-2B3DB4517989}" destId="{83E5CBC5-47FE-41B5-ADE3-AF46F14AAEFE}" srcOrd="2" destOrd="0" parTransId="{8C75225C-A317-4AE6-BCBD-A9D0F1198042}" sibTransId="{8266D77A-7461-4FB3-B363-A129F2901B86}"/>
     <dgm:cxn modelId="{A154A736-D8A4-486E-ABF1-0E6FF5BAE413}" type="presOf" srcId="{985E6EA2-6D11-4D91-8F9D-0E0019A9EB92}" destId="{D01DDD35-C12F-4AFE-A885-A317C1155B5B}" srcOrd="0" destOrd="2" presId="urn:microsoft.com/office/officeart/2005/8/layout/hList1"/>
-    <dgm:cxn modelId="{ED283095-0CA3-4A62-95C6-029686B46E75}" type="presOf" srcId="{C2428EC6-D0DA-4420-8692-CF7217AAC1F5}" destId="{D01DDD35-C12F-4AFE-A885-A317C1155B5B}" srcOrd="0" destOrd="0" presId="urn:microsoft.com/office/officeart/2005/8/layout/hList1"/>
-    <dgm:cxn modelId="{04FB1F3E-CAF5-4473-ACB2-874F7DD26CA5}" srcId="{83E5CBC5-47FE-41B5-ADE3-AF46F14AAEFE}" destId="{5F2A696C-5654-4A9E-9671-76DD679D1EB6}" srcOrd="3" destOrd="0" parTransId="{C2D65257-16F6-4071-93F7-1B3F880FAE73}" sibTransId="{AE443F6A-4DAA-40A7-810F-984C6E05786E}"/>
-    <dgm:cxn modelId="{6634EBAD-1A34-4A14-AFF8-3D210929B13B}" type="presOf" srcId="{83E5CBC5-47FE-41B5-ADE3-AF46F14AAEFE}" destId="{84B60CA6-6F0D-4EF3-9C6F-21B1067FB248}" srcOrd="0" destOrd="0" presId="urn:microsoft.com/office/officeart/2005/8/layout/hList1"/>
-    <dgm:cxn modelId="{1CCF0CD6-EF59-49BB-A223-D111C780466F}" srcId="{972EEA30-1925-4C1A-AC7E-2B3DB4517989}" destId="{072BCCE2-37A1-4004-9924-FC77DDAB6410}" srcOrd="0" destOrd="0" parTransId="{EE92D3DB-4F35-46C3-A9A9-6BC11045BD66}" sibTransId="{EF844835-98E2-436C-A273-24D559DA09F5}"/>
-    <dgm:cxn modelId="{FF73463E-E2C1-4213-A68B-51622B04122A}" type="presOf" srcId="{2558A706-7114-4927-969A-71DB6B7A6197}" destId="{D01DDD35-C12F-4AFE-A885-A317C1155B5B}" srcOrd="0" destOrd="5" presId="urn:microsoft.com/office/officeart/2005/8/layout/hList1"/>
-    <dgm:cxn modelId="{ADA98848-F625-4687-8928-C14382FF7DEB}" type="presOf" srcId="{AC853C07-8E44-4B4A-BFD1-10BDF881EDE1}" destId="{C7CD115F-5D7F-47E6-B852-93032DF43A6B}" srcOrd="0" destOrd="2" presId="urn:microsoft.com/office/officeart/2005/8/layout/hList1"/>
-    <dgm:cxn modelId="{8EAA2D29-C982-4F08-99A2-878E9088C393}" type="presOf" srcId="{070FF091-BB19-4548-BBCC-EDBEED141E22}" destId="{C7CD115F-5D7F-47E6-B852-93032DF43A6B}" srcOrd="0" destOrd="4" presId="urn:microsoft.com/office/officeart/2005/8/layout/hList1"/>
-    <dgm:cxn modelId="{D3F4EE9E-99DD-4F0E-BD6D-B144C9C35B3A}" srcId="{072BCCE2-37A1-4004-9924-FC77DDAB6410}" destId="{070FF091-BB19-4548-BBCC-EDBEED141E22}" srcOrd="4" destOrd="0" parTransId="{C60467A0-73A9-4621-B73A-A8B31938ADF5}" sibTransId="{89D67D8A-CCB4-4C04-9ED6-008CFE2F8098}"/>
-    <dgm:cxn modelId="{BC4772FA-5858-4C3E-9CA9-41935F678F91}" srcId="{2E0FBEA3-84BB-467D-96A5-9836AF332835}" destId="{086449A9-F0ED-4F08-ACE2-149D4FF7B70B}" srcOrd="6" destOrd="0" parTransId="{538A0D36-DDF1-4501-9F02-127A82072430}" sibTransId="{5F7685DC-85A2-4810-8111-DF4EA540402B}"/>
-    <dgm:cxn modelId="{46119593-AD3B-4827-9FF8-F6858802AF36}" srcId="{83E5CBC5-47FE-41B5-ADE3-AF46F14AAEFE}" destId="{985E6EA2-6D11-4D91-8F9D-0E0019A9EB92}" srcOrd="2" destOrd="0" parTransId="{E8C9CFC6-7DDD-40D0-84DC-190B9052A010}" sibTransId="{56278271-A895-4685-9433-896791D0D1E2}"/>
-    <dgm:cxn modelId="{4E898BD4-04FD-4918-B3CF-E104F317CA14}" type="presOf" srcId="{EE1D6906-52A3-4777-86EF-44298666C619}" destId="{D01DDD35-C12F-4AFE-A885-A317C1155B5B}" srcOrd="0" destOrd="1" presId="urn:microsoft.com/office/officeart/2005/8/layout/hList1"/>
-    <dgm:cxn modelId="{081D14DA-9C6E-4FE1-8869-BBF61D2E1A91}" srcId="{972EEA30-1925-4C1A-AC7E-2B3DB4517989}" destId="{83E5CBC5-47FE-41B5-ADE3-AF46F14AAEFE}" srcOrd="2" destOrd="0" parTransId="{8C75225C-A317-4AE6-BCBD-A9D0F1198042}" sibTransId="{8266D77A-7461-4FB3-B363-A129F2901B86}"/>
-    <dgm:cxn modelId="{5C7BEBDC-CD36-459D-BEB0-3DDB26897396}" type="presOf" srcId="{C495E6A7-DA18-46C4-8B83-C00571DED6A4}" destId="{6130DA44-0BD7-42D5-897E-C23202A67351}" srcOrd="0" destOrd="4" presId="urn:microsoft.com/office/officeart/2005/8/layout/hList1"/>
-    <dgm:cxn modelId="{27AAD415-7653-4A32-B286-D1135FEA83BA}" srcId="{072BCCE2-37A1-4004-9924-FC77DDAB6410}" destId="{B1E425E8-802C-418B-A8EC-28EE37196870}" srcOrd="1" destOrd="0" parTransId="{B452BDDF-4F81-4C1A-831F-2F96413DE936}" sibTransId="{7BF7DBCF-E4B6-4DFD-BB20-F1BED058DA5B}"/>
-    <dgm:cxn modelId="{68737098-9AC4-43E1-A0CF-6C10EF43B5F3}" type="presOf" srcId="{5F2A696C-5654-4A9E-9671-76DD679D1EB6}" destId="{D01DDD35-C12F-4AFE-A885-A317C1155B5B}" srcOrd="0" destOrd="3" presId="urn:microsoft.com/office/officeart/2005/8/layout/hList1"/>
-    <dgm:cxn modelId="{ECCD028E-E492-40E8-BD0F-64241FB1EDCC}" srcId="{83E5CBC5-47FE-41B5-ADE3-AF46F14AAEFE}" destId="{EE1D6906-52A3-4777-86EF-44298666C619}" srcOrd="1" destOrd="0" parTransId="{40D79C0A-F172-40FE-9A6A-71AFC4A771F6}" sibTransId="{EFDA43E3-B49D-4342-BF0F-6E3A261B2892}"/>
-    <dgm:cxn modelId="{6C2B5CB9-80AD-411B-A2AF-EB70151C718C}" type="presOf" srcId="{7C3BEF89-F391-4C3C-A935-9AC30E06F3CF}" destId="{6130DA44-0BD7-42D5-897E-C23202A67351}" srcOrd="0" destOrd="1" presId="urn:microsoft.com/office/officeart/2005/8/layout/hList1"/>
-    <dgm:cxn modelId="{075A4210-F8CE-4EF7-8A73-80809E02E8F7}" srcId="{2E0FBEA3-84BB-467D-96A5-9836AF332835}" destId="{C781F228-A113-4EF3-B639-47BBCDA2BE8A}" srcOrd="3" destOrd="0" parTransId="{CF2958D9-FD5D-43C5-8D5E-820DB2B44A89}" sibTransId="{0269983D-A6B9-4700-ABA3-707FD507A66B}"/>
     <dgm:cxn modelId="{D6698D54-8015-45E2-9AD4-48979F95A7FB}" type="presParOf" srcId="{D9592EEA-0EA9-4895-9D7A-B688FD59CF9B}" destId="{53B33B56-A589-4CC4-BB33-4FC48646F9D6}" srcOrd="0" destOrd="0" presId="urn:microsoft.com/office/officeart/2005/8/layout/hList1"/>
     <dgm:cxn modelId="{B66122FE-C64F-4367-B736-1649CE872F62}" type="presParOf" srcId="{53B33B56-A589-4CC4-BB33-4FC48646F9D6}" destId="{A8064CFC-3DA6-4911-B45C-68A8A5C862AF}" srcOrd="0" destOrd="0" presId="urn:microsoft.com/office/officeart/2005/8/layout/hList1"/>
     <dgm:cxn modelId="{2AA1302A-0F81-4CBD-9603-863552F2A930}" type="presParOf" srcId="{53B33B56-A589-4CC4-BB33-4FC48646F9D6}" destId="{C7CD115F-5D7F-47E6-B852-93032DF43A6B}" srcOrd="1" destOrd="0" presId="urn:microsoft.com/office/officeart/2005/8/layout/hList1"/>
@@ -2738,7 +3323,7 @@
   <dgm:whole/>
   <dgm:extLst>
     <a:ext uri="http://schemas.microsoft.com/office/drawing/2008/diagram">
-      <dsp:dataModelExt xmlns:dsp="http://schemas.microsoft.com/office/drawing/2008/diagram" xmlns="" relId="rId6" minVer="http://schemas.openxmlformats.org/drawingml/2006/diagram"/>
+      <dsp:dataModelExt xmlns:dsp="http://schemas.microsoft.com/office/drawing/2008/diagram" relId="rId6" minVer="http://schemas.openxmlformats.org/drawingml/2006/diagram"/>
     </a:ext>
   </dgm:extLst>
 </dgm:dataModel>
@@ -2759,7 +3344,22 @@
       </dgm:t>
     </dgm:pt>
     <dgm:pt modelId="{79C3B034-5C9B-4A20-A472-7279B493BBA8}">
-      <dgm:prSet phldrT="[Текст]"/>
+      <dgm:prSet phldrT="[Текст]">
+        <dgm:style>
+          <a:lnRef idx="0">
+            <a:schemeClr val="dk1"/>
+          </a:lnRef>
+          <a:fillRef idx="3">
+            <a:schemeClr val="dk1"/>
+          </a:fillRef>
+          <a:effectRef idx="3">
+            <a:schemeClr val="dk1"/>
+          </a:effectRef>
+          <a:fontRef idx="minor">
+            <a:schemeClr val="lt1"/>
+          </a:fontRef>
+        </dgm:style>
+      </dgm:prSet>
       <dgm:spPr/>
       <dgm:t>
         <a:bodyPr/>
@@ -2796,17 +3396,42 @@
       </dgm:t>
     </dgm:pt>
     <dgm:pt modelId="{B01E1AFA-1CA5-4730-B284-CDA1C653A39A}">
-      <dgm:prSet phldrT="[Текст]"/>
+      <dgm:prSet phldrT="[Текст]">
+        <dgm:style>
+          <a:lnRef idx="2">
+            <a:schemeClr val="accent1">
+              <a:shade val="50000"/>
+            </a:schemeClr>
+          </a:lnRef>
+          <a:fillRef idx="1">
+            <a:schemeClr val="accent1"/>
+          </a:fillRef>
+          <a:effectRef idx="0">
+            <a:schemeClr val="accent1"/>
+          </a:effectRef>
+          <a:fontRef idx="minor">
+            <a:schemeClr val="lt1"/>
+          </a:fontRef>
+        </dgm:style>
+      </dgm:prSet>
       <dgm:spPr/>
       <dgm:t>
         <a:bodyPr/>
         <a:lstStyle/>
         <a:p>
           <a:r>
-            <a:rPr lang="en-US" dirty="0" smtClean="0"/>
+            <a:rPr lang="en-US" dirty="0" smtClean="0">
+              <a:solidFill>
+                <a:schemeClr val="bg1"/>
+              </a:solidFill>
+            </a:rPr>
             <a:t>Id</a:t>
           </a:r>
-          <a:endParaRPr lang="ru-RU" dirty="0"/>
+          <a:endParaRPr lang="ru-RU" dirty="0">
+            <a:solidFill>
+              <a:schemeClr val="bg1"/>
+            </a:solidFill>
+          </a:endParaRPr>
         </a:p>
       </dgm:t>
     </dgm:pt>
@@ -2833,7 +3458,22 @@
       </dgm:t>
     </dgm:pt>
     <dgm:pt modelId="{5F57960C-4235-4D82-B60B-855D4E6A7AEF}">
-      <dgm:prSet phldrT="[Текст]"/>
+      <dgm:prSet phldrT="[Текст]">
+        <dgm:style>
+          <a:lnRef idx="0">
+            <a:schemeClr val="dk1"/>
+          </a:lnRef>
+          <a:fillRef idx="3">
+            <a:schemeClr val="dk1"/>
+          </a:fillRef>
+          <a:effectRef idx="3">
+            <a:schemeClr val="dk1"/>
+          </a:effectRef>
+          <a:fontRef idx="minor">
+            <a:schemeClr val="lt1"/>
+          </a:fontRef>
+        </dgm:style>
+      </dgm:prSet>
       <dgm:spPr/>
       <dgm:t>
         <a:bodyPr/>
@@ -2870,7 +3510,22 @@
       </dgm:t>
     </dgm:pt>
     <dgm:pt modelId="{CF6B6E0F-0EDD-439B-BAC8-FE0AE07CB677}">
-      <dgm:prSet phldrT="[Текст]"/>
+      <dgm:prSet phldrT="[Текст]">
+        <dgm:style>
+          <a:lnRef idx="0">
+            <a:schemeClr val="dk1"/>
+          </a:lnRef>
+          <a:fillRef idx="3">
+            <a:schemeClr val="dk1"/>
+          </a:fillRef>
+          <a:effectRef idx="3">
+            <a:schemeClr val="dk1"/>
+          </a:effectRef>
+          <a:fontRef idx="minor">
+            <a:schemeClr val="lt1"/>
+          </a:fontRef>
+        </dgm:style>
+      </dgm:prSet>
       <dgm:spPr/>
       <dgm:t>
         <a:bodyPr/>
@@ -2907,17 +3562,42 @@
       </dgm:t>
     </dgm:pt>
     <dgm:pt modelId="{CD361606-D8D2-4BF6-900B-AC96FFF31BF8}">
-      <dgm:prSet/>
+      <dgm:prSet>
+        <dgm:style>
+          <a:lnRef idx="2">
+            <a:schemeClr val="accent1">
+              <a:shade val="50000"/>
+            </a:schemeClr>
+          </a:lnRef>
+          <a:fillRef idx="1">
+            <a:schemeClr val="accent1"/>
+          </a:fillRef>
+          <a:effectRef idx="0">
+            <a:schemeClr val="accent1"/>
+          </a:effectRef>
+          <a:fontRef idx="minor">
+            <a:schemeClr val="lt1"/>
+          </a:fontRef>
+        </dgm:style>
+      </dgm:prSet>
       <dgm:spPr/>
       <dgm:t>
         <a:bodyPr/>
         <a:lstStyle/>
         <a:p>
           <a:r>
-            <a:rPr lang="en-US" dirty="0" smtClean="0"/>
+            <a:rPr lang="en-US" dirty="0" smtClean="0">
+              <a:solidFill>
+                <a:schemeClr val="bg1"/>
+              </a:solidFill>
+            </a:rPr>
             <a:t>Id</a:t>
           </a:r>
-          <a:endParaRPr lang="ru-RU" dirty="0"/>
+          <a:endParaRPr lang="ru-RU" dirty="0">
+            <a:solidFill>
+              <a:schemeClr val="bg1"/>
+            </a:solidFill>
+          </a:endParaRPr>
         </a:p>
       </dgm:t>
     </dgm:pt>
@@ -2944,17 +3624,42 @@
       </dgm:t>
     </dgm:pt>
     <dgm:pt modelId="{3F85E07C-36FE-4114-899C-482D4AD22626}">
-      <dgm:prSet/>
+      <dgm:prSet>
+        <dgm:style>
+          <a:lnRef idx="2">
+            <a:schemeClr val="accent1">
+              <a:shade val="50000"/>
+            </a:schemeClr>
+          </a:lnRef>
+          <a:fillRef idx="1">
+            <a:schemeClr val="accent1"/>
+          </a:fillRef>
+          <a:effectRef idx="0">
+            <a:schemeClr val="accent1"/>
+          </a:effectRef>
+          <a:fontRef idx="minor">
+            <a:schemeClr val="lt1"/>
+          </a:fontRef>
+        </dgm:style>
+      </dgm:prSet>
       <dgm:spPr/>
       <dgm:t>
         <a:bodyPr/>
         <a:lstStyle/>
         <a:p>
           <a:r>
-            <a:rPr lang="en-US" dirty="0" smtClean="0"/>
+            <a:rPr lang="en-US" dirty="0" smtClean="0">
+              <a:solidFill>
+                <a:schemeClr val="bg1"/>
+              </a:solidFill>
+            </a:rPr>
             <a:t>Type</a:t>
           </a:r>
-          <a:endParaRPr lang="ru-RU" dirty="0"/>
+          <a:endParaRPr lang="ru-RU" dirty="0">
+            <a:solidFill>
+              <a:schemeClr val="bg1"/>
+            </a:solidFill>
+          </a:endParaRPr>
         </a:p>
       </dgm:t>
     </dgm:pt>
@@ -2981,17 +3686,42 @@
       </dgm:t>
     </dgm:pt>
     <dgm:pt modelId="{00064C1B-9896-4CF9-B23F-50E8FA6D9D15}">
-      <dgm:prSet/>
+      <dgm:prSet>
+        <dgm:style>
+          <a:lnRef idx="2">
+            <a:schemeClr val="accent1">
+              <a:shade val="50000"/>
+            </a:schemeClr>
+          </a:lnRef>
+          <a:fillRef idx="1">
+            <a:schemeClr val="accent1"/>
+          </a:fillRef>
+          <a:effectRef idx="0">
+            <a:schemeClr val="accent1"/>
+          </a:effectRef>
+          <a:fontRef idx="minor">
+            <a:schemeClr val="lt1"/>
+          </a:fontRef>
+        </dgm:style>
+      </dgm:prSet>
       <dgm:spPr/>
       <dgm:t>
         <a:bodyPr/>
         <a:lstStyle/>
         <a:p>
           <a:r>
-            <a:rPr lang="en-US" dirty="0" smtClean="0"/>
+            <a:rPr lang="en-US" dirty="0" smtClean="0">
+              <a:solidFill>
+                <a:schemeClr val="bg1"/>
+              </a:solidFill>
+            </a:rPr>
             <a:t>User</a:t>
           </a:r>
-          <a:endParaRPr lang="ru-RU" dirty="0"/>
+          <a:endParaRPr lang="ru-RU" dirty="0">
+            <a:solidFill>
+              <a:schemeClr val="bg1"/>
+            </a:solidFill>
+          </a:endParaRPr>
         </a:p>
       </dgm:t>
     </dgm:pt>
@@ -3018,17 +3748,42 @@
       </dgm:t>
     </dgm:pt>
     <dgm:pt modelId="{0D25D284-F873-4535-858B-03329D4E58A2}">
-      <dgm:prSet/>
+      <dgm:prSet>
+        <dgm:style>
+          <a:lnRef idx="2">
+            <a:schemeClr val="accent1">
+              <a:shade val="50000"/>
+            </a:schemeClr>
+          </a:lnRef>
+          <a:fillRef idx="1">
+            <a:schemeClr val="accent1"/>
+          </a:fillRef>
+          <a:effectRef idx="0">
+            <a:schemeClr val="accent1"/>
+          </a:effectRef>
+          <a:fontRef idx="minor">
+            <a:schemeClr val="lt1"/>
+          </a:fontRef>
+        </dgm:style>
+      </dgm:prSet>
       <dgm:spPr/>
       <dgm:t>
         <a:bodyPr/>
         <a:lstStyle/>
         <a:p>
           <a:r>
-            <a:rPr lang="en-US" dirty="0" smtClean="0"/>
+            <a:rPr lang="en-US" dirty="0" smtClean="0">
+              <a:solidFill>
+                <a:schemeClr val="bg1"/>
+              </a:solidFill>
+            </a:rPr>
             <a:t>used</a:t>
           </a:r>
-          <a:endParaRPr lang="ru-RU" dirty="0"/>
+          <a:endParaRPr lang="ru-RU" dirty="0">
+            <a:solidFill>
+              <a:schemeClr val="bg1"/>
+            </a:solidFill>
+          </a:endParaRPr>
         </a:p>
       </dgm:t>
     </dgm:pt>
@@ -3055,17 +3810,42 @@
       </dgm:t>
     </dgm:pt>
     <dgm:pt modelId="{F33E32E6-95AC-41A7-A73D-F7148D8DBA9E}">
-      <dgm:prSet phldrT="[Текст]"/>
+      <dgm:prSet phldrT="[Текст]">
+        <dgm:style>
+          <a:lnRef idx="2">
+            <a:schemeClr val="accent1">
+              <a:shade val="50000"/>
+            </a:schemeClr>
+          </a:lnRef>
+          <a:fillRef idx="1">
+            <a:schemeClr val="accent1"/>
+          </a:fillRef>
+          <a:effectRef idx="0">
+            <a:schemeClr val="accent1"/>
+          </a:effectRef>
+          <a:fontRef idx="minor">
+            <a:schemeClr val="lt1"/>
+          </a:fontRef>
+        </dgm:style>
+      </dgm:prSet>
       <dgm:spPr/>
       <dgm:t>
         <a:bodyPr/>
         <a:lstStyle/>
         <a:p>
           <a:r>
-            <a:rPr lang="en-US" dirty="0" smtClean="0"/>
+            <a:rPr lang="en-US" dirty="0" smtClean="0">
+              <a:solidFill>
+                <a:schemeClr val="bg1"/>
+              </a:solidFill>
+            </a:rPr>
             <a:t>Name</a:t>
           </a:r>
-          <a:endParaRPr lang="ru-RU" dirty="0"/>
+          <a:endParaRPr lang="ru-RU" dirty="0">
+            <a:solidFill>
+              <a:schemeClr val="bg1"/>
+            </a:solidFill>
+          </a:endParaRPr>
         </a:p>
       </dgm:t>
     </dgm:pt>
@@ -3092,7 +3872,24 @@
       </dgm:t>
     </dgm:pt>
     <dgm:pt modelId="{52587AC8-F65B-4339-85E0-7AB38F1CA423}">
-      <dgm:prSet phldrT="[Текст]"/>
+      <dgm:prSet phldrT="[Текст]">
+        <dgm:style>
+          <a:lnRef idx="2">
+            <a:schemeClr val="accent1">
+              <a:shade val="50000"/>
+            </a:schemeClr>
+          </a:lnRef>
+          <a:fillRef idx="1">
+            <a:schemeClr val="accent1"/>
+          </a:fillRef>
+          <a:effectRef idx="0">
+            <a:schemeClr val="accent1"/>
+          </a:effectRef>
+          <a:fontRef idx="minor">
+            <a:schemeClr val="lt1"/>
+          </a:fontRef>
+        </dgm:style>
+      </dgm:prSet>
       <dgm:spPr/>
       <dgm:t>
         <a:bodyPr/>
@@ -3125,17 +3922,42 @@
       </dgm:t>
     </dgm:pt>
     <dgm:pt modelId="{D977E9D7-FDC2-4413-81AC-4CC4237F7E3C}">
-      <dgm:prSet/>
+      <dgm:prSet>
+        <dgm:style>
+          <a:lnRef idx="2">
+            <a:schemeClr val="accent1">
+              <a:shade val="50000"/>
+            </a:schemeClr>
+          </a:lnRef>
+          <a:fillRef idx="1">
+            <a:schemeClr val="accent1"/>
+          </a:fillRef>
+          <a:effectRef idx="0">
+            <a:schemeClr val="accent1"/>
+          </a:effectRef>
+          <a:fontRef idx="minor">
+            <a:schemeClr val="lt1"/>
+          </a:fontRef>
+        </dgm:style>
+      </dgm:prSet>
       <dgm:spPr/>
       <dgm:t>
         <a:bodyPr/>
         <a:lstStyle/>
         <a:p>
           <a:r>
-            <a:rPr lang="en-US" dirty="0" smtClean="0"/>
+            <a:rPr lang="en-US" dirty="0" smtClean="0">
+              <a:solidFill>
+                <a:schemeClr val="bg1"/>
+              </a:solidFill>
+            </a:rPr>
             <a:t>Id</a:t>
           </a:r>
-          <a:endParaRPr lang="ru-RU" dirty="0"/>
+          <a:endParaRPr lang="ru-RU" dirty="0">
+            <a:solidFill>
+              <a:schemeClr val="bg1"/>
+            </a:solidFill>
+          </a:endParaRPr>
         </a:p>
       </dgm:t>
     </dgm:pt>
@@ -3162,17 +3984,42 @@
       </dgm:t>
     </dgm:pt>
     <dgm:pt modelId="{A48B4B52-E8B9-4DDE-854A-E72BA7A910FD}">
-      <dgm:prSet/>
+      <dgm:prSet>
+        <dgm:style>
+          <a:lnRef idx="2">
+            <a:schemeClr val="accent1">
+              <a:shade val="50000"/>
+            </a:schemeClr>
+          </a:lnRef>
+          <a:fillRef idx="1">
+            <a:schemeClr val="accent1"/>
+          </a:fillRef>
+          <a:effectRef idx="0">
+            <a:schemeClr val="accent1"/>
+          </a:effectRef>
+          <a:fontRef idx="minor">
+            <a:schemeClr val="lt1"/>
+          </a:fontRef>
+        </dgm:style>
+      </dgm:prSet>
       <dgm:spPr/>
       <dgm:t>
         <a:bodyPr/>
         <a:lstStyle/>
         <a:p>
           <a:r>
-            <a:rPr lang="en-US" dirty="0" smtClean="0"/>
+            <a:rPr lang="en-US" dirty="0" smtClean="0">
+              <a:solidFill>
+                <a:schemeClr val="bg1"/>
+              </a:solidFill>
+            </a:rPr>
             <a:t>Type</a:t>
           </a:r>
-          <a:endParaRPr lang="ru-RU" dirty="0"/>
+          <a:endParaRPr lang="ru-RU" dirty="0">
+            <a:solidFill>
+              <a:schemeClr val="bg1"/>
+            </a:solidFill>
+          </a:endParaRPr>
         </a:p>
       </dgm:t>
     </dgm:pt>
@@ -3199,17 +4046,42 @@
       </dgm:t>
     </dgm:pt>
     <dgm:pt modelId="{77B81CA2-A844-4720-BB4C-C04DFA792A97}">
-      <dgm:prSet/>
+      <dgm:prSet>
+        <dgm:style>
+          <a:lnRef idx="2">
+            <a:schemeClr val="accent1">
+              <a:shade val="50000"/>
+            </a:schemeClr>
+          </a:lnRef>
+          <a:fillRef idx="1">
+            <a:schemeClr val="accent1"/>
+          </a:fillRef>
+          <a:effectRef idx="0">
+            <a:schemeClr val="accent1"/>
+          </a:effectRef>
+          <a:fontRef idx="minor">
+            <a:schemeClr val="lt1"/>
+          </a:fontRef>
+        </dgm:style>
+      </dgm:prSet>
       <dgm:spPr/>
       <dgm:t>
         <a:bodyPr/>
         <a:lstStyle/>
         <a:p>
           <a:r>
-            <a:rPr lang="en-US" dirty="0" err="1" smtClean="0"/>
+            <a:rPr lang="en-US" dirty="0" err="1" smtClean="0">
+              <a:solidFill>
+                <a:schemeClr val="bg1"/>
+              </a:solidFill>
+            </a:rPr>
             <a:t>posX</a:t>
           </a:r>
-          <a:endParaRPr lang="ru-RU" dirty="0"/>
+          <a:endParaRPr lang="ru-RU" dirty="0">
+            <a:solidFill>
+              <a:schemeClr val="bg1"/>
+            </a:solidFill>
+          </a:endParaRPr>
         </a:p>
       </dgm:t>
     </dgm:pt>
@@ -3236,17 +4108,42 @@
       </dgm:t>
     </dgm:pt>
     <dgm:pt modelId="{FC85608F-13E9-4C95-948D-9DB84D070C27}">
-      <dgm:prSet/>
+      <dgm:prSet>
+        <dgm:style>
+          <a:lnRef idx="2">
+            <a:schemeClr val="accent1">
+              <a:shade val="50000"/>
+            </a:schemeClr>
+          </a:lnRef>
+          <a:fillRef idx="1">
+            <a:schemeClr val="accent1"/>
+          </a:fillRef>
+          <a:effectRef idx="0">
+            <a:schemeClr val="accent1"/>
+          </a:effectRef>
+          <a:fontRef idx="minor">
+            <a:schemeClr val="lt1"/>
+          </a:fontRef>
+        </dgm:style>
+      </dgm:prSet>
       <dgm:spPr/>
       <dgm:t>
         <a:bodyPr/>
         <a:lstStyle/>
         <a:p>
           <a:r>
-            <a:rPr lang="en-US" dirty="0" err="1" smtClean="0"/>
+            <a:rPr lang="en-US" dirty="0" err="1" smtClean="0">
+              <a:solidFill>
+                <a:schemeClr val="bg1"/>
+              </a:solidFill>
+            </a:rPr>
             <a:t>posY</a:t>
           </a:r>
-          <a:endParaRPr lang="ru-RU" dirty="0"/>
+          <a:endParaRPr lang="ru-RU" dirty="0">
+            <a:solidFill>
+              <a:schemeClr val="bg1"/>
+            </a:solidFill>
+          </a:endParaRPr>
         </a:p>
       </dgm:t>
     </dgm:pt>
@@ -3273,17 +4170,42 @@
       </dgm:t>
     </dgm:pt>
     <dgm:pt modelId="{0BB4FAC6-B270-45B7-B83A-25A8B913B04E}">
-      <dgm:prSet/>
+      <dgm:prSet>
+        <dgm:style>
+          <a:lnRef idx="2">
+            <a:schemeClr val="accent1">
+              <a:shade val="50000"/>
+            </a:schemeClr>
+          </a:lnRef>
+          <a:fillRef idx="1">
+            <a:schemeClr val="accent1"/>
+          </a:fillRef>
+          <a:effectRef idx="0">
+            <a:schemeClr val="accent1"/>
+          </a:effectRef>
+          <a:fontRef idx="minor">
+            <a:schemeClr val="lt1"/>
+          </a:fontRef>
+        </dgm:style>
+      </dgm:prSet>
       <dgm:spPr/>
       <dgm:t>
         <a:bodyPr/>
         <a:lstStyle/>
         <a:p>
           <a:r>
-            <a:rPr lang="en-US" dirty="0" err="1" smtClean="0"/>
+            <a:rPr lang="en-US" dirty="0" err="1" smtClean="0">
+              <a:solidFill>
+                <a:schemeClr val="bg1"/>
+              </a:solidFill>
+            </a:rPr>
             <a:t>Room_id</a:t>
           </a:r>
-          <a:endParaRPr lang="ru-RU" dirty="0"/>
+          <a:endParaRPr lang="ru-RU" dirty="0">
+            <a:solidFill>
+              <a:schemeClr val="bg1"/>
+            </a:solidFill>
+          </a:endParaRPr>
         </a:p>
       </dgm:t>
     </dgm:pt>
@@ -3310,17 +4232,42 @@
       </dgm:t>
     </dgm:pt>
     <dgm:pt modelId="{495615F3-9E80-47AD-81B3-D227CCB23802}">
-      <dgm:prSet/>
+      <dgm:prSet>
+        <dgm:style>
+          <a:lnRef idx="2">
+            <a:schemeClr val="accent1">
+              <a:shade val="50000"/>
+            </a:schemeClr>
+          </a:lnRef>
+          <a:fillRef idx="1">
+            <a:schemeClr val="accent1"/>
+          </a:fillRef>
+          <a:effectRef idx="0">
+            <a:schemeClr val="accent1"/>
+          </a:effectRef>
+          <a:fontRef idx="minor">
+            <a:schemeClr val="lt1"/>
+          </a:fontRef>
+        </dgm:style>
+      </dgm:prSet>
       <dgm:spPr/>
       <dgm:t>
         <a:bodyPr/>
         <a:lstStyle/>
         <a:p>
           <a:r>
-            <a:rPr lang="en-US" dirty="0" smtClean="0"/>
+            <a:rPr lang="en-US" dirty="0" smtClean="0">
+              <a:solidFill>
+                <a:schemeClr val="bg1"/>
+              </a:solidFill>
+            </a:rPr>
             <a:t>Inside</a:t>
           </a:r>
-          <a:endParaRPr lang="ru-RU" dirty="0"/>
+          <a:endParaRPr lang="ru-RU" dirty="0">
+            <a:solidFill>
+              <a:schemeClr val="bg1"/>
+            </a:solidFill>
+          </a:endParaRPr>
         </a:p>
       </dgm:t>
     </dgm:pt>
@@ -3347,17 +4294,42 @@
       </dgm:t>
     </dgm:pt>
     <dgm:pt modelId="{AE8B2C52-DF24-4764-BEEB-5E6E5AAC92AE}">
-      <dgm:prSet/>
+      <dgm:prSet>
+        <dgm:style>
+          <a:lnRef idx="2">
+            <a:schemeClr val="accent1">
+              <a:shade val="50000"/>
+            </a:schemeClr>
+          </a:lnRef>
+          <a:fillRef idx="1">
+            <a:schemeClr val="accent1"/>
+          </a:fillRef>
+          <a:effectRef idx="0">
+            <a:schemeClr val="accent1"/>
+          </a:effectRef>
+          <a:fontRef idx="minor">
+            <a:schemeClr val="lt1"/>
+          </a:fontRef>
+        </dgm:style>
+      </dgm:prSet>
       <dgm:spPr/>
       <dgm:t>
         <a:bodyPr/>
         <a:lstStyle/>
         <a:p>
           <a:r>
-            <a:rPr lang="en-US" dirty="0" smtClean="0"/>
+            <a:rPr lang="en-US" dirty="0" smtClean="0">
+              <a:solidFill>
+                <a:schemeClr val="bg1"/>
+              </a:solidFill>
+            </a:rPr>
             <a:t>color</a:t>
           </a:r>
-          <a:endParaRPr lang="ru-RU" dirty="0"/>
+          <a:endParaRPr lang="ru-RU" dirty="0">
+            <a:solidFill>
+              <a:schemeClr val="bg1"/>
+            </a:solidFill>
+          </a:endParaRPr>
         </a:p>
       </dgm:t>
     </dgm:pt>
@@ -3405,7 +4377,7 @@
       <dgm:spPr/>
     </dgm:pt>
     <dgm:pt modelId="{C106FC5F-8A52-4475-A4CF-07627074C4F2}" type="pres">
-      <dgm:prSet presAssocID="{5F57960C-4235-4D82-B60B-855D4E6A7AEF}" presName="parTx" presStyleLbl="alignNode1" presStyleIdx="0" presStyleCnt="3">
+      <dgm:prSet presAssocID="{5F57960C-4235-4D82-B60B-855D4E6A7AEF}" presName="parTx" presStyleLbl="alignNode1" presStyleIdx="0" presStyleCnt="3" custScaleX="99044">
         <dgm:presLayoutVars>
           <dgm:chMax val="0"/>
           <dgm:chPref val="0"/>
@@ -3518,41 +4490,41 @@
     </dgm:pt>
   </dgm:ptLst>
   <dgm:cxnLst>
+    <dgm:cxn modelId="{0EF11222-44DE-4984-947B-FFF87BCF4A37}" srcId="{972EEA30-1925-4C1A-AC7E-2B3DB4517989}" destId="{79C3B034-5C9B-4A20-A472-7279B493BBA8}" srcOrd="2" destOrd="0" parTransId="{1B55FC08-4C85-4D3F-B5D0-414BEC99EB5F}" sibTransId="{95B9F815-7F4E-436B-8C85-ACD4DDDAEFAE}"/>
+    <dgm:cxn modelId="{7C3CD862-C405-4E15-A900-B82D33EB9A36}" type="presOf" srcId="{A48B4B52-E8B9-4DDE-854A-E72BA7A910FD}" destId="{3F04D6E3-2A88-4B5D-9693-6197E0326257}" srcOrd="0" destOrd="1" presId="urn:microsoft.com/office/officeart/2005/8/layout/hList1"/>
+    <dgm:cxn modelId="{DE708754-A2ED-41C5-9558-A2D100BAB2BD}" type="presOf" srcId="{79C3B034-5C9B-4A20-A472-7279B493BBA8}" destId="{C3F7B771-5E6D-46F0-B894-349B9E763B60}" srcOrd="0" destOrd="0" presId="urn:microsoft.com/office/officeart/2005/8/layout/hList1"/>
+    <dgm:cxn modelId="{852B6CE1-F407-451C-9293-70B1C2DBFFA5}" type="presOf" srcId="{00064C1B-9896-4CF9-B23F-50E8FA6D9D15}" destId="{6B417FF8-968F-4ABE-B847-592B4F6B8384}" srcOrd="0" destOrd="2" presId="urn:microsoft.com/office/officeart/2005/8/layout/hList1"/>
+    <dgm:cxn modelId="{65FDC4DF-D54B-4349-81A9-F15659828B48}" type="presOf" srcId="{77B81CA2-A844-4720-BB4C-C04DFA792A97}" destId="{3F04D6E3-2A88-4B5D-9693-6197E0326257}" srcOrd="0" destOrd="2" presId="urn:microsoft.com/office/officeart/2005/8/layout/hList1"/>
+    <dgm:cxn modelId="{4C0B32A1-9F19-4EF9-B29F-67E4123F4CD3}" srcId="{CF6B6E0F-0EDD-439B-BAC8-FE0AE07CB677}" destId="{CD361606-D8D2-4BF6-900B-AC96FFF31BF8}" srcOrd="0" destOrd="0" parTransId="{31F03B52-4570-4B41-9365-5022B7EDE074}" sibTransId="{926FC9B5-21ED-42B7-BF8E-65BAF012221B}"/>
+    <dgm:cxn modelId="{35FFD782-32F6-47A5-8BF8-4AE39025496D}" srcId="{5F57960C-4235-4D82-B60B-855D4E6A7AEF}" destId="{0BB4FAC6-B270-45B7-B83A-25A8B913B04E}" srcOrd="4" destOrd="0" parTransId="{B3DE8BC5-BBC0-4D4B-9EE2-5A14538A0F5B}" sibTransId="{513DA05C-7A79-4338-BF4F-E9C47B99D65E}"/>
+    <dgm:cxn modelId="{7449EA75-D3FA-4175-BCDF-F3E204E16F7B}" type="presOf" srcId="{0BB4FAC6-B270-45B7-B83A-25A8B913B04E}" destId="{3F04D6E3-2A88-4B5D-9693-6197E0326257}" srcOrd="0" destOrd="4" presId="urn:microsoft.com/office/officeart/2005/8/layout/hList1"/>
+    <dgm:cxn modelId="{525B6365-00C0-48D8-9381-000BE7F1B7B2}" type="presOf" srcId="{0D25D284-F873-4535-858B-03329D4E58A2}" destId="{6B417FF8-968F-4ABE-B847-592B4F6B8384}" srcOrd="0" destOrd="3" presId="urn:microsoft.com/office/officeart/2005/8/layout/hList1"/>
+    <dgm:cxn modelId="{A44DCE11-B860-4454-8C41-2F62DEA2536F}" srcId="{5F57960C-4235-4D82-B60B-855D4E6A7AEF}" destId="{AE8B2C52-DF24-4764-BEEB-5E6E5AAC92AE}" srcOrd="6" destOrd="0" parTransId="{B6EBFDF5-53B2-4A81-95D8-189991DFED84}" sibTransId="{5E528C3F-E48F-427F-87A1-CE89F27C5E1F}"/>
+    <dgm:cxn modelId="{DF3A2700-951A-4BC8-9D5D-2E736290A9ED}" type="presOf" srcId="{B01E1AFA-1CA5-4730-B284-CDA1C653A39A}" destId="{8FCADF33-6F33-4B93-905B-38234BA30063}" srcOrd="0" destOrd="0" presId="urn:microsoft.com/office/officeart/2005/8/layout/hList1"/>
+    <dgm:cxn modelId="{78CEA645-ED3C-4142-8138-0B997B028C2D}" srcId="{CF6B6E0F-0EDD-439B-BAC8-FE0AE07CB677}" destId="{3F85E07C-36FE-4114-899C-482D4AD22626}" srcOrd="1" destOrd="0" parTransId="{54BEB8FB-9EE8-46EA-826C-DC583782F31D}" sibTransId="{27EC7A7A-ADA4-4E05-BA38-FC6250D378DE}"/>
+    <dgm:cxn modelId="{3C59329B-FF44-434B-9A8D-FA6F29F1EE90}" srcId="{5F57960C-4235-4D82-B60B-855D4E6A7AEF}" destId="{FC85608F-13E9-4C95-948D-9DB84D070C27}" srcOrd="3" destOrd="0" parTransId="{9E3F86F7-7F79-4460-AEFE-2C6B60172BA7}" sibTransId="{4BFF6663-763B-4A17-B473-95664E936588}"/>
+    <dgm:cxn modelId="{671B9534-9993-41E6-923F-D075C0F34EB5}" type="presOf" srcId="{AE8B2C52-DF24-4764-BEEB-5E6E5AAC92AE}" destId="{3F04D6E3-2A88-4B5D-9693-6197E0326257}" srcOrd="0" destOrd="6" presId="urn:microsoft.com/office/officeart/2005/8/layout/hList1"/>
+    <dgm:cxn modelId="{CD0BE4ED-A959-4524-B73F-372E6ED71526}" type="presOf" srcId="{972EEA30-1925-4C1A-AC7E-2B3DB4517989}" destId="{D9592EEA-0EA9-4895-9D7A-B688FD59CF9B}" srcOrd="0" destOrd="0" presId="urn:microsoft.com/office/officeart/2005/8/layout/hList1"/>
+    <dgm:cxn modelId="{C43B9BCD-C460-4ED7-A4EC-574B4D846F3F}" type="presOf" srcId="{F33E32E6-95AC-41A7-A73D-F7148D8DBA9E}" destId="{8FCADF33-6F33-4B93-905B-38234BA30063}" srcOrd="0" destOrd="1" presId="urn:microsoft.com/office/officeart/2005/8/layout/hList1"/>
+    <dgm:cxn modelId="{5099D4E3-A96D-47A0-8527-E9B8D2A9F7C3}" srcId="{79C3B034-5C9B-4A20-A472-7279B493BBA8}" destId="{F33E32E6-95AC-41A7-A73D-F7148D8DBA9E}" srcOrd="1" destOrd="0" parTransId="{24CE0F7F-0288-423A-9132-AD9BB8A739A6}" sibTransId="{B8006313-8D1E-47FE-B338-5BAAA21F5FF0}"/>
+    <dgm:cxn modelId="{74305C89-00CB-4BC2-94BC-9832F2E3FBCB}" type="presOf" srcId="{52587AC8-F65B-4339-85E0-7AB38F1CA423}" destId="{8FCADF33-6F33-4B93-905B-38234BA30063}" srcOrd="0" destOrd="2" presId="urn:microsoft.com/office/officeart/2005/8/layout/hList1"/>
+    <dgm:cxn modelId="{38D603CD-8EBA-46F5-92E6-7ED4FF59B0BE}" type="presOf" srcId="{495615F3-9E80-47AD-81B3-D227CCB23802}" destId="{3F04D6E3-2A88-4B5D-9693-6197E0326257}" srcOrd="0" destOrd="5" presId="urn:microsoft.com/office/officeart/2005/8/layout/hList1"/>
+    <dgm:cxn modelId="{DA96B1D0-1B7F-44C3-86F2-9B8132385414}" type="presOf" srcId="{5F57960C-4235-4D82-B60B-855D4E6A7AEF}" destId="{C106FC5F-8A52-4475-A4CF-07627074C4F2}" srcOrd="0" destOrd="0" presId="urn:microsoft.com/office/officeart/2005/8/layout/hList1"/>
+    <dgm:cxn modelId="{97D4CAD0-D327-40F5-B0DC-58BB09F7ECD9}" type="presOf" srcId="{FC85608F-13E9-4C95-948D-9DB84D070C27}" destId="{3F04D6E3-2A88-4B5D-9693-6197E0326257}" srcOrd="0" destOrd="3" presId="urn:microsoft.com/office/officeart/2005/8/layout/hList1"/>
     <dgm:cxn modelId="{9A0712B7-2379-4417-B91F-42D6FB544755}" srcId="{972EEA30-1925-4C1A-AC7E-2B3DB4517989}" destId="{5F57960C-4235-4D82-B60B-855D4E6A7AEF}" srcOrd="0" destOrd="0" parTransId="{D99AE7CD-1AF4-40D1-9198-F180B96D8179}" sibTransId="{BCF533D6-8476-49EF-8C37-24BAC3AC0FB1}"/>
-    <dgm:cxn modelId="{7449EA75-D3FA-4175-BCDF-F3E204E16F7B}" type="presOf" srcId="{0BB4FAC6-B270-45B7-B83A-25A8B913B04E}" destId="{3F04D6E3-2A88-4B5D-9693-6197E0326257}" srcOrd="0" destOrd="4" presId="urn:microsoft.com/office/officeart/2005/8/layout/hList1"/>
-    <dgm:cxn modelId="{DE708754-A2ED-41C5-9558-A2D100BAB2BD}" type="presOf" srcId="{79C3B034-5C9B-4A20-A472-7279B493BBA8}" destId="{C3F7B771-5E6D-46F0-B894-349B9E763B60}" srcOrd="0" destOrd="0" presId="urn:microsoft.com/office/officeart/2005/8/layout/hList1"/>
-    <dgm:cxn modelId="{7C3CD862-C405-4E15-A900-B82D33EB9A36}" type="presOf" srcId="{A48B4B52-E8B9-4DDE-854A-E72BA7A910FD}" destId="{3F04D6E3-2A88-4B5D-9693-6197E0326257}" srcOrd="0" destOrd="1" presId="urn:microsoft.com/office/officeart/2005/8/layout/hList1"/>
-    <dgm:cxn modelId="{78CEA645-ED3C-4142-8138-0B997B028C2D}" srcId="{CF6B6E0F-0EDD-439B-BAC8-FE0AE07CB677}" destId="{3F85E07C-36FE-4114-899C-482D4AD22626}" srcOrd="1" destOrd="0" parTransId="{54BEB8FB-9EE8-46EA-826C-DC583782F31D}" sibTransId="{27EC7A7A-ADA4-4E05-BA38-FC6250D378DE}"/>
+    <dgm:cxn modelId="{1004DB7B-96E1-4530-A619-F48B02264FB4}" srcId="{CF6B6E0F-0EDD-439B-BAC8-FE0AE07CB677}" destId="{0D25D284-F873-4535-858B-03329D4E58A2}" srcOrd="3" destOrd="0" parTransId="{C4C540AC-3DC1-434F-B9F3-525FB949FA98}" sibTransId="{7DC5CB93-287A-4167-9DDF-114CC04712C4}"/>
+    <dgm:cxn modelId="{190C524B-CCF9-435E-8659-53210868012E}" srcId="{5F57960C-4235-4D82-B60B-855D4E6A7AEF}" destId="{A48B4B52-E8B9-4DDE-854A-E72BA7A910FD}" srcOrd="1" destOrd="0" parTransId="{A2A2060A-ADD4-4409-A72A-3C3D853D5F8D}" sibTransId="{5976CAE0-702A-4A72-9393-E51D4DAC1878}"/>
+    <dgm:cxn modelId="{E9DB2F2E-4DD4-45DD-9C86-901C2EE74BAB}" srcId="{5F57960C-4235-4D82-B60B-855D4E6A7AEF}" destId="{D977E9D7-FDC2-4413-81AC-4CC4237F7E3C}" srcOrd="0" destOrd="0" parTransId="{7AB657E0-D3F3-439C-B786-2D71B6ACD7E8}" sibTransId="{E7396AA9-BEFD-4FF4-BF32-986D3725CE2E}"/>
+    <dgm:cxn modelId="{37A23467-1C8E-4EAD-A84D-78559A60E993}" srcId="{CF6B6E0F-0EDD-439B-BAC8-FE0AE07CB677}" destId="{00064C1B-9896-4CF9-B23F-50E8FA6D9D15}" srcOrd="2" destOrd="0" parTransId="{DE323414-19FC-46C8-B7B0-5D00B5C7DD22}" sibTransId="{12A91231-5540-4F5B-A2EC-E37A46BB5CEE}"/>
+    <dgm:cxn modelId="{48C81E60-AAFF-4BA8-BAFB-1445AD310BD8}" srcId="{5F57960C-4235-4D82-B60B-855D4E6A7AEF}" destId="{77B81CA2-A844-4720-BB4C-C04DFA792A97}" srcOrd="2" destOrd="0" parTransId="{67632B9B-EB26-49D0-9322-621EE475E5CB}" sibTransId="{AF3508A7-6644-4752-86D2-B00629AD04D5}"/>
+    <dgm:cxn modelId="{72722AF7-A6D0-4702-BD34-2770225686D9}" type="presOf" srcId="{D977E9D7-FDC2-4413-81AC-4CC4237F7E3C}" destId="{3F04D6E3-2A88-4B5D-9693-6197E0326257}" srcOrd="0" destOrd="0" presId="urn:microsoft.com/office/officeart/2005/8/layout/hList1"/>
+    <dgm:cxn modelId="{AE1069FA-84EE-4776-93ED-CFE95BD071C3}" srcId="{5F57960C-4235-4D82-B60B-855D4E6A7AEF}" destId="{495615F3-9E80-47AD-81B3-D227CCB23802}" srcOrd="5" destOrd="0" parTransId="{C2F69ABD-DC03-485F-A0AE-E376DC13E596}" sibTransId="{44A052B1-5B51-498E-B27B-B168C5BFC070}"/>
     <dgm:cxn modelId="{A20ED7C6-B4C8-4E98-A7CB-A386379A8F3C}" srcId="{79C3B034-5C9B-4A20-A472-7279B493BBA8}" destId="{52587AC8-F65B-4339-85E0-7AB38F1CA423}" srcOrd="2" destOrd="0" parTransId="{B79F5FAC-5BC9-475C-9080-660F26E01AA4}" sibTransId="{7328E5A3-F344-40DC-9FC0-48242C66E46C}"/>
-    <dgm:cxn modelId="{190C524B-CCF9-435E-8659-53210868012E}" srcId="{5F57960C-4235-4D82-B60B-855D4E6A7AEF}" destId="{A48B4B52-E8B9-4DDE-854A-E72BA7A910FD}" srcOrd="1" destOrd="0" parTransId="{A2A2060A-ADD4-4409-A72A-3C3D853D5F8D}" sibTransId="{5976CAE0-702A-4A72-9393-E51D4DAC1878}"/>
-    <dgm:cxn modelId="{C43B9BCD-C460-4ED7-A4EC-574B4D846F3F}" type="presOf" srcId="{F33E32E6-95AC-41A7-A73D-F7148D8DBA9E}" destId="{8FCADF33-6F33-4B93-905B-38234BA30063}" srcOrd="0" destOrd="1" presId="urn:microsoft.com/office/officeart/2005/8/layout/hList1"/>
-    <dgm:cxn modelId="{37A23467-1C8E-4EAD-A84D-78559A60E993}" srcId="{CF6B6E0F-0EDD-439B-BAC8-FE0AE07CB677}" destId="{00064C1B-9896-4CF9-B23F-50E8FA6D9D15}" srcOrd="2" destOrd="0" parTransId="{DE323414-19FC-46C8-B7B0-5D00B5C7DD22}" sibTransId="{12A91231-5540-4F5B-A2EC-E37A46BB5CEE}"/>
-    <dgm:cxn modelId="{35FFD782-32F6-47A5-8BF8-4AE39025496D}" srcId="{5F57960C-4235-4D82-B60B-855D4E6A7AEF}" destId="{0BB4FAC6-B270-45B7-B83A-25A8B913B04E}" srcOrd="4" destOrd="0" parTransId="{B3DE8BC5-BBC0-4D4B-9EE2-5A14538A0F5B}" sibTransId="{513DA05C-7A79-4338-BF4F-E9C47B99D65E}"/>
-    <dgm:cxn modelId="{4C0B32A1-9F19-4EF9-B29F-67E4123F4CD3}" srcId="{CF6B6E0F-0EDD-439B-BAC8-FE0AE07CB677}" destId="{CD361606-D8D2-4BF6-900B-AC96FFF31BF8}" srcOrd="0" destOrd="0" parTransId="{31F03B52-4570-4B41-9365-5022B7EDE074}" sibTransId="{926FC9B5-21ED-42B7-BF8E-65BAF012221B}"/>
-    <dgm:cxn modelId="{65FDC4DF-D54B-4349-81A9-F15659828B48}" type="presOf" srcId="{77B81CA2-A844-4720-BB4C-C04DFA792A97}" destId="{3F04D6E3-2A88-4B5D-9693-6197E0326257}" srcOrd="0" destOrd="2" presId="urn:microsoft.com/office/officeart/2005/8/layout/hList1"/>
-    <dgm:cxn modelId="{A44DCE11-B860-4454-8C41-2F62DEA2536F}" srcId="{5F57960C-4235-4D82-B60B-855D4E6A7AEF}" destId="{AE8B2C52-DF24-4764-BEEB-5E6E5AAC92AE}" srcOrd="6" destOrd="0" parTransId="{B6EBFDF5-53B2-4A81-95D8-189991DFED84}" sibTransId="{5E528C3F-E48F-427F-87A1-CE89F27C5E1F}"/>
-    <dgm:cxn modelId="{48C81E60-AAFF-4BA8-BAFB-1445AD310BD8}" srcId="{5F57960C-4235-4D82-B60B-855D4E6A7AEF}" destId="{77B81CA2-A844-4720-BB4C-C04DFA792A97}" srcOrd="2" destOrd="0" parTransId="{67632B9B-EB26-49D0-9322-621EE475E5CB}" sibTransId="{AF3508A7-6644-4752-86D2-B00629AD04D5}"/>
-    <dgm:cxn modelId="{5099D4E3-A96D-47A0-8527-E9B8D2A9F7C3}" srcId="{79C3B034-5C9B-4A20-A472-7279B493BBA8}" destId="{F33E32E6-95AC-41A7-A73D-F7148D8DBA9E}" srcOrd="1" destOrd="0" parTransId="{24CE0F7F-0288-423A-9132-AD9BB8A739A6}" sibTransId="{B8006313-8D1E-47FE-B338-5BAAA21F5FF0}"/>
     <dgm:cxn modelId="{0CFBE964-6883-4BB4-8F28-AAC08FB418B6}" srcId="{972EEA30-1925-4C1A-AC7E-2B3DB4517989}" destId="{CF6B6E0F-0EDD-439B-BAC8-FE0AE07CB677}" srcOrd="1" destOrd="0" parTransId="{27B86E79-15A2-4CE2-8167-329C83341DEF}" sibTransId="{CB5C09C9-D32F-4A10-B265-4A11E87E8497}"/>
-    <dgm:cxn modelId="{CD0BE4ED-A959-4524-B73F-372E6ED71526}" type="presOf" srcId="{972EEA30-1925-4C1A-AC7E-2B3DB4517989}" destId="{D9592EEA-0EA9-4895-9D7A-B688FD59CF9B}" srcOrd="0" destOrd="0" presId="urn:microsoft.com/office/officeart/2005/8/layout/hList1"/>
+    <dgm:cxn modelId="{420BE1A3-D923-41FA-80EF-E2FD5E6FF780}" type="presOf" srcId="{CD361606-D8D2-4BF6-900B-AC96FFF31BF8}" destId="{6B417FF8-968F-4ABE-B847-592B4F6B8384}" srcOrd="0" destOrd="0" presId="urn:microsoft.com/office/officeart/2005/8/layout/hList1"/>
+    <dgm:cxn modelId="{266BE45C-3990-46A9-B309-E92629D72941}" type="presOf" srcId="{3F85E07C-36FE-4114-899C-482D4AD22626}" destId="{6B417FF8-968F-4ABE-B847-592B4F6B8384}" srcOrd="0" destOrd="1" presId="urn:microsoft.com/office/officeart/2005/8/layout/hList1"/>
+    <dgm:cxn modelId="{FD84562D-B4C9-484C-BDE3-DEE36F2DD2C5}" type="presOf" srcId="{CF6B6E0F-0EDD-439B-BAC8-FE0AE07CB677}" destId="{2BC2DFC8-5E1D-4F84-AB3C-576F7A1C14BF}" srcOrd="0" destOrd="0" presId="urn:microsoft.com/office/officeart/2005/8/layout/hList1"/>
     <dgm:cxn modelId="{F3C6793A-58C9-4D41-BC3F-A3467220E4F4}" srcId="{79C3B034-5C9B-4A20-A472-7279B493BBA8}" destId="{B01E1AFA-1CA5-4730-B284-CDA1C653A39A}" srcOrd="0" destOrd="0" parTransId="{595F3E91-0029-4AB0-A4AA-8ACF105EDD6C}" sibTransId="{5E127247-1498-4E45-BF68-3ACE9E9B2E99}"/>
-    <dgm:cxn modelId="{AE1069FA-84EE-4776-93ED-CFE95BD071C3}" srcId="{5F57960C-4235-4D82-B60B-855D4E6A7AEF}" destId="{495615F3-9E80-47AD-81B3-D227CCB23802}" srcOrd="5" destOrd="0" parTransId="{C2F69ABD-DC03-485F-A0AE-E376DC13E596}" sibTransId="{44A052B1-5B51-498E-B27B-B168C5BFC070}"/>
-    <dgm:cxn modelId="{671B9534-9993-41E6-923F-D075C0F34EB5}" type="presOf" srcId="{AE8B2C52-DF24-4764-BEEB-5E6E5AAC92AE}" destId="{3F04D6E3-2A88-4B5D-9693-6197E0326257}" srcOrd="0" destOrd="6" presId="urn:microsoft.com/office/officeart/2005/8/layout/hList1"/>
-    <dgm:cxn modelId="{3C59329B-FF44-434B-9A8D-FA6F29F1EE90}" srcId="{5F57960C-4235-4D82-B60B-855D4E6A7AEF}" destId="{FC85608F-13E9-4C95-948D-9DB84D070C27}" srcOrd="3" destOrd="0" parTransId="{9E3F86F7-7F79-4460-AEFE-2C6B60172BA7}" sibTransId="{4BFF6663-763B-4A17-B473-95664E936588}"/>
-    <dgm:cxn modelId="{38D603CD-8EBA-46F5-92E6-7ED4FF59B0BE}" type="presOf" srcId="{495615F3-9E80-47AD-81B3-D227CCB23802}" destId="{3F04D6E3-2A88-4B5D-9693-6197E0326257}" srcOrd="0" destOrd="5" presId="urn:microsoft.com/office/officeart/2005/8/layout/hList1"/>
-    <dgm:cxn modelId="{E9DB2F2E-4DD4-45DD-9C86-901C2EE74BAB}" srcId="{5F57960C-4235-4D82-B60B-855D4E6A7AEF}" destId="{D977E9D7-FDC2-4413-81AC-4CC4237F7E3C}" srcOrd="0" destOrd="0" parTransId="{7AB657E0-D3F3-439C-B786-2D71B6ACD7E8}" sibTransId="{E7396AA9-BEFD-4FF4-BF32-986D3725CE2E}"/>
-    <dgm:cxn modelId="{DF3A2700-951A-4BC8-9D5D-2E736290A9ED}" type="presOf" srcId="{B01E1AFA-1CA5-4730-B284-CDA1C653A39A}" destId="{8FCADF33-6F33-4B93-905B-38234BA30063}" srcOrd="0" destOrd="0" presId="urn:microsoft.com/office/officeart/2005/8/layout/hList1"/>
-    <dgm:cxn modelId="{74305C89-00CB-4BC2-94BC-9832F2E3FBCB}" type="presOf" srcId="{52587AC8-F65B-4339-85E0-7AB38F1CA423}" destId="{8FCADF33-6F33-4B93-905B-38234BA30063}" srcOrd="0" destOrd="2" presId="urn:microsoft.com/office/officeart/2005/8/layout/hList1"/>
-    <dgm:cxn modelId="{420BE1A3-D923-41FA-80EF-E2FD5E6FF780}" type="presOf" srcId="{CD361606-D8D2-4BF6-900B-AC96FFF31BF8}" destId="{6B417FF8-968F-4ABE-B847-592B4F6B8384}" srcOrd="0" destOrd="0" presId="urn:microsoft.com/office/officeart/2005/8/layout/hList1"/>
-    <dgm:cxn modelId="{DA96B1D0-1B7F-44C3-86F2-9B8132385414}" type="presOf" srcId="{5F57960C-4235-4D82-B60B-855D4E6A7AEF}" destId="{C106FC5F-8A52-4475-A4CF-07627074C4F2}" srcOrd="0" destOrd="0" presId="urn:microsoft.com/office/officeart/2005/8/layout/hList1"/>
-    <dgm:cxn modelId="{266BE45C-3990-46A9-B309-E92629D72941}" type="presOf" srcId="{3F85E07C-36FE-4114-899C-482D4AD22626}" destId="{6B417FF8-968F-4ABE-B847-592B4F6B8384}" srcOrd="0" destOrd="1" presId="urn:microsoft.com/office/officeart/2005/8/layout/hList1"/>
-    <dgm:cxn modelId="{852B6CE1-F407-451C-9293-70B1C2DBFFA5}" type="presOf" srcId="{00064C1B-9896-4CF9-B23F-50E8FA6D9D15}" destId="{6B417FF8-968F-4ABE-B847-592B4F6B8384}" srcOrd="0" destOrd="2" presId="urn:microsoft.com/office/officeart/2005/8/layout/hList1"/>
-    <dgm:cxn modelId="{97D4CAD0-D327-40F5-B0DC-58BB09F7ECD9}" type="presOf" srcId="{FC85608F-13E9-4C95-948D-9DB84D070C27}" destId="{3F04D6E3-2A88-4B5D-9693-6197E0326257}" srcOrd="0" destOrd="3" presId="urn:microsoft.com/office/officeart/2005/8/layout/hList1"/>
-    <dgm:cxn modelId="{525B6365-00C0-48D8-9381-000BE7F1B7B2}" type="presOf" srcId="{0D25D284-F873-4535-858B-03329D4E58A2}" destId="{6B417FF8-968F-4ABE-B847-592B4F6B8384}" srcOrd="0" destOrd="3" presId="urn:microsoft.com/office/officeart/2005/8/layout/hList1"/>
-    <dgm:cxn modelId="{0EF11222-44DE-4984-947B-FFF87BCF4A37}" srcId="{972EEA30-1925-4C1A-AC7E-2B3DB4517989}" destId="{79C3B034-5C9B-4A20-A472-7279B493BBA8}" srcOrd="2" destOrd="0" parTransId="{1B55FC08-4C85-4D3F-B5D0-414BEC99EB5F}" sibTransId="{95B9F815-7F4E-436B-8C85-ACD4DDDAEFAE}"/>
-    <dgm:cxn modelId="{FD84562D-B4C9-484C-BDE3-DEE36F2DD2C5}" type="presOf" srcId="{CF6B6E0F-0EDD-439B-BAC8-FE0AE07CB677}" destId="{2BC2DFC8-5E1D-4F84-AB3C-576F7A1C14BF}" srcOrd="0" destOrd="0" presId="urn:microsoft.com/office/officeart/2005/8/layout/hList1"/>
-    <dgm:cxn modelId="{1004DB7B-96E1-4530-A619-F48B02264FB4}" srcId="{CF6B6E0F-0EDD-439B-BAC8-FE0AE07CB677}" destId="{0D25D284-F873-4535-858B-03329D4E58A2}" srcOrd="3" destOrd="0" parTransId="{C4C540AC-3DC1-434F-B9F3-525FB949FA98}" sibTransId="{7DC5CB93-287A-4167-9DDF-114CC04712C4}"/>
-    <dgm:cxn modelId="{72722AF7-A6D0-4702-BD34-2770225686D9}" type="presOf" srcId="{D977E9D7-FDC2-4413-81AC-4CC4237F7E3C}" destId="{3F04D6E3-2A88-4B5D-9693-6197E0326257}" srcOrd="0" destOrd="0" presId="urn:microsoft.com/office/officeart/2005/8/layout/hList1"/>
     <dgm:cxn modelId="{5D3E2E8F-796F-4A3A-81CC-36F299D1CE8A}" type="presParOf" srcId="{D9592EEA-0EA9-4895-9D7A-B688FD59CF9B}" destId="{6747166B-6FF5-4DEF-B34A-EE31CBF452C8}" srcOrd="0" destOrd="0" presId="urn:microsoft.com/office/officeart/2005/8/layout/hList1"/>
     <dgm:cxn modelId="{F56A5878-ED86-4C41-868F-D2BC2C6D1BC6}" type="presParOf" srcId="{6747166B-6FF5-4DEF-B34A-EE31CBF452C8}" destId="{C106FC5F-8A52-4475-A4CF-07627074C4F2}" srcOrd="0" destOrd="0" presId="urn:microsoft.com/office/officeart/2005/8/layout/hList1"/>
     <dgm:cxn modelId="{AC0BAF3D-7CB0-4AAF-ABA0-440B16FD48FF}" type="presParOf" srcId="{6747166B-6FF5-4DEF-B34A-EE31CBF452C8}" destId="{3F04D6E3-2A88-4B5D-9693-6197E0326257}" srcOrd="1" destOrd="0" presId="urn:microsoft.com/office/officeart/2005/8/layout/hList1"/>
@@ -3569,32 +4541,1838 @@
   <dgm:whole/>
   <dgm:extLst>
     <a:ext uri="http://schemas.microsoft.com/office/drawing/2008/diagram">
-      <dsp:dataModelExt xmlns:dsp="http://schemas.microsoft.com/office/drawing/2008/diagram" xmlns="" relId="rId11" minVer="http://schemas.openxmlformats.org/drawingml/2006/diagram"/>
+      <dsp:dataModelExt xmlns:dsp="http://schemas.microsoft.com/office/drawing/2008/diagram" relId="rId11" minVer="http://schemas.openxmlformats.org/drawingml/2006/diagram"/>
     </a:ext>
   </dgm:extLst>
 </dgm:dataModel>
 </file>
 
 <file path=ppt/diagrams/drawing1.xml><?xml version="1.0" encoding="utf-8"?>
-<dsp:drawing xmlns:dgm="http://schemas.openxmlformats.org/drawingml/2006/diagram" xmlns:a="http://schemas.openxmlformats.org/drawingml/2006/main" xmlns:dsp="http://schemas.microsoft.com/office/drawing/2008/diagram">
+<dsp:drawing xmlns:dgm="http://schemas.openxmlformats.org/drawingml/2006/diagram" xmlns:dsp="http://schemas.microsoft.com/office/drawing/2008/diagram" xmlns:a="http://schemas.openxmlformats.org/drawingml/2006/main">
   <dsp:spTree>
     <dsp:nvGrpSpPr>
       <dsp:cNvPr id="0" name=""/>
       <dsp:cNvGrpSpPr/>
     </dsp:nvGrpSpPr>
     <dsp:grpSpPr/>
+    <dsp:sp modelId="{A8064CFC-3DA6-4911-B45C-68A8A5C862AF}">
+      <dsp:nvSpPr>
+        <dsp:cNvPr id="0" name=""/>
+        <dsp:cNvSpPr/>
+      </dsp:nvSpPr>
+      <dsp:spPr>
+        <a:xfrm>
+          <a:off x="2304" y="39321"/>
+          <a:ext cx="2247091" cy="576000"/>
+        </a:xfrm>
+        <a:prstGeom prst="rect">
+          <a:avLst/>
+        </a:prstGeom>
+        <a:gradFill rotWithShape="1">
+          <a:gsLst>
+            <a:gs pos="0">
+              <a:schemeClr val="dk1">
+                <a:tint val="94000"/>
+                <a:satMod val="103000"/>
+                <a:lumMod val="102000"/>
+              </a:schemeClr>
+            </a:gs>
+            <a:gs pos="50000">
+              <a:schemeClr val="dk1">
+                <a:shade val="100000"/>
+                <a:satMod val="110000"/>
+                <a:lumMod val="100000"/>
+              </a:schemeClr>
+            </a:gs>
+            <a:gs pos="100000">
+              <a:schemeClr val="dk1">
+                <a:shade val="78000"/>
+                <a:satMod val="120000"/>
+                <a:lumMod val="99000"/>
+              </a:schemeClr>
+            </a:gs>
+          </a:gsLst>
+          <a:lin ang="5400000" scaled="0"/>
+        </a:gradFill>
+        <a:ln>
+          <a:noFill/>
+        </a:ln>
+        <a:effectLst>
+          <a:outerShdw blurRad="57150" dist="19050" dir="5400000" algn="ctr" rotWithShape="0">
+            <a:srgbClr val="000000">
+              <a:alpha val="35000"/>
+            </a:srgbClr>
+          </a:outerShdw>
+        </a:effectLst>
+      </dsp:spPr>
+      <dsp:style>
+        <a:lnRef idx="0">
+          <a:schemeClr val="dk1"/>
+        </a:lnRef>
+        <a:fillRef idx="3">
+          <a:schemeClr val="dk1"/>
+        </a:fillRef>
+        <a:effectRef idx="3">
+          <a:schemeClr val="dk1"/>
+        </a:effectRef>
+        <a:fontRef idx="minor">
+          <a:schemeClr val="lt1"/>
+        </a:fontRef>
+      </dsp:style>
+      <dsp:txBody>
+        <a:bodyPr spcFirstLastPara="0" vert="horz" wrap="square" lIns="142240" tIns="81280" rIns="142240" bIns="81280" numCol="1" spcCol="1270" anchor="ctr" anchorCtr="0">
+          <a:noAutofit/>
+        </a:bodyPr>
+        <a:lstStyle/>
+        <a:p>
+          <a:pPr lvl="0" algn="ctr" defTabSz="889000">
+            <a:lnSpc>
+              <a:spcPct val="90000"/>
+            </a:lnSpc>
+            <a:spcBef>
+              <a:spcPct val="0"/>
+            </a:spcBef>
+            <a:spcAft>
+              <a:spcPct val="35000"/>
+            </a:spcAft>
+          </a:pPr>
+          <a:r>
+            <a:rPr lang="en-US" sz="2000" kern="1200" dirty="0" smtClean="0"/>
+            <a:t>Users</a:t>
+          </a:r>
+          <a:endParaRPr lang="ru-RU" sz="2000" kern="1200" dirty="0"/>
+        </a:p>
+      </dsp:txBody>
+      <dsp:txXfrm>
+        <a:off x="2304" y="39321"/>
+        <a:ext cx="2247091" cy="576000"/>
+      </dsp:txXfrm>
+    </dsp:sp>
+    <dsp:sp modelId="{C7CD115F-5D7F-47E6-B852-93032DF43A6B}">
+      <dsp:nvSpPr>
+        <dsp:cNvPr id="0" name=""/>
+        <dsp:cNvSpPr/>
+      </dsp:nvSpPr>
+      <dsp:spPr>
+        <a:xfrm>
+          <a:off x="2304" y="615321"/>
+          <a:ext cx="2247091" cy="2360699"/>
+        </a:xfrm>
+        <a:prstGeom prst="rect">
+          <a:avLst/>
+        </a:prstGeom>
+        <a:solidFill>
+          <a:schemeClr val="accent1"/>
+        </a:solidFill>
+        <a:ln w="34925" cap="flat" cmpd="sng" algn="in">
+          <a:solidFill>
+            <a:schemeClr val="accent1">
+              <a:shade val="50000"/>
+            </a:schemeClr>
+          </a:solidFill>
+          <a:prstDash val="solid"/>
+        </a:ln>
+        <a:effectLst/>
+      </dsp:spPr>
+      <dsp:style>
+        <a:lnRef idx="2">
+          <a:schemeClr val="accent1">
+            <a:shade val="50000"/>
+          </a:schemeClr>
+        </a:lnRef>
+        <a:fillRef idx="1">
+          <a:schemeClr val="accent1"/>
+        </a:fillRef>
+        <a:effectRef idx="0">
+          <a:schemeClr val="accent1"/>
+        </a:effectRef>
+        <a:fontRef idx="minor">
+          <a:schemeClr val="lt1"/>
+        </a:fontRef>
+      </dsp:style>
+      <dsp:txBody>
+        <a:bodyPr spcFirstLastPara="0" vert="horz" wrap="square" lIns="106680" tIns="106680" rIns="142240" bIns="160020" numCol="1" spcCol="1270" anchor="t" anchorCtr="0">
+          <a:noAutofit/>
+        </a:bodyPr>
+        <a:lstStyle/>
+        <a:p>
+          <a:pPr marL="228600" lvl="1" indent="-228600" algn="l" defTabSz="889000">
+            <a:lnSpc>
+              <a:spcPct val="90000"/>
+            </a:lnSpc>
+            <a:spcBef>
+              <a:spcPct val="0"/>
+            </a:spcBef>
+            <a:spcAft>
+              <a:spcPct val="15000"/>
+            </a:spcAft>
+            <a:buChar char="••"/>
+          </a:pPr>
+          <a:r>
+            <a:rPr lang="en-US" sz="2000" kern="1200" dirty="0" err="1" smtClean="0">
+              <a:solidFill>
+                <a:schemeClr val="bg1"/>
+              </a:solidFill>
+            </a:rPr>
+            <a:t>User_name</a:t>
+          </a:r>
+          <a:endParaRPr lang="ru-RU" sz="2000" kern="1200" dirty="0">
+            <a:solidFill>
+              <a:schemeClr val="bg1"/>
+            </a:solidFill>
+          </a:endParaRPr>
+        </a:p>
+        <a:p>
+          <a:pPr marL="228600" lvl="1" indent="-228600" algn="l" defTabSz="889000">
+            <a:lnSpc>
+              <a:spcPct val="90000"/>
+            </a:lnSpc>
+            <a:spcBef>
+              <a:spcPct val="0"/>
+            </a:spcBef>
+            <a:spcAft>
+              <a:spcPct val="15000"/>
+            </a:spcAft>
+            <a:buChar char="••"/>
+          </a:pPr>
+          <a:r>
+            <a:rPr lang="en-US" sz="2000" kern="1200" dirty="0" err="1" smtClean="0">
+              <a:solidFill>
+                <a:schemeClr val="bg1"/>
+              </a:solidFill>
+            </a:rPr>
+            <a:t>Room_num</a:t>
+          </a:r>
+          <a:endParaRPr lang="ru-RU" sz="2000" kern="1200" dirty="0">
+            <a:solidFill>
+              <a:schemeClr val="bg1"/>
+            </a:solidFill>
+          </a:endParaRPr>
+        </a:p>
+        <a:p>
+          <a:pPr marL="228600" lvl="1" indent="-228600" algn="l" defTabSz="889000">
+            <a:lnSpc>
+              <a:spcPct val="90000"/>
+            </a:lnSpc>
+            <a:spcBef>
+              <a:spcPct val="0"/>
+            </a:spcBef>
+            <a:spcAft>
+              <a:spcPct val="15000"/>
+            </a:spcAft>
+            <a:buChar char="••"/>
+          </a:pPr>
+          <a:r>
+            <a:rPr lang="en-US" sz="2000" kern="1200" dirty="0" err="1" smtClean="0">
+              <a:solidFill>
+                <a:schemeClr val="bg1"/>
+              </a:solidFill>
+            </a:rPr>
+            <a:t>Hit_points</a:t>
+          </a:r>
+          <a:endParaRPr lang="ru-RU" sz="2000" kern="1200" dirty="0">
+            <a:solidFill>
+              <a:schemeClr val="bg1"/>
+            </a:solidFill>
+          </a:endParaRPr>
+        </a:p>
+        <a:p>
+          <a:pPr marL="228600" lvl="1" indent="-228600" algn="l" defTabSz="889000">
+            <a:lnSpc>
+              <a:spcPct val="90000"/>
+            </a:lnSpc>
+            <a:spcBef>
+              <a:spcPct val="0"/>
+            </a:spcBef>
+            <a:spcAft>
+              <a:spcPct val="15000"/>
+            </a:spcAft>
+            <a:buChar char="••"/>
+          </a:pPr>
+          <a:r>
+            <a:rPr lang="en-US" sz="2000" kern="1200" dirty="0" err="1" smtClean="0">
+              <a:solidFill>
+                <a:schemeClr val="bg1"/>
+              </a:solidFill>
+            </a:rPr>
+            <a:t>Action_points</a:t>
+          </a:r>
+          <a:endParaRPr lang="ru-RU" sz="2000" kern="1200" dirty="0">
+            <a:solidFill>
+              <a:schemeClr val="bg1"/>
+            </a:solidFill>
+          </a:endParaRPr>
+        </a:p>
+        <a:p>
+          <a:pPr marL="228600" lvl="1" indent="-228600" algn="l" defTabSz="889000">
+            <a:lnSpc>
+              <a:spcPct val="90000"/>
+            </a:lnSpc>
+            <a:spcBef>
+              <a:spcPct val="0"/>
+            </a:spcBef>
+            <a:spcAft>
+              <a:spcPct val="15000"/>
+            </a:spcAft>
+            <a:buChar char="••"/>
+          </a:pPr>
+          <a:r>
+            <a:rPr lang="en-US" sz="2000" kern="1200" dirty="0" smtClean="0">
+              <a:solidFill>
+                <a:schemeClr val="bg1"/>
+              </a:solidFill>
+            </a:rPr>
+            <a:t>Damage</a:t>
+          </a:r>
+          <a:endParaRPr lang="ru-RU" sz="2000" kern="1200" dirty="0">
+            <a:solidFill>
+              <a:schemeClr val="bg1"/>
+            </a:solidFill>
+          </a:endParaRPr>
+        </a:p>
+        <a:p>
+          <a:pPr marL="228600" lvl="1" indent="-228600" algn="l" defTabSz="889000">
+            <a:lnSpc>
+              <a:spcPct val="90000"/>
+            </a:lnSpc>
+            <a:spcBef>
+              <a:spcPct val="0"/>
+            </a:spcBef>
+            <a:spcAft>
+              <a:spcPct val="15000"/>
+            </a:spcAft>
+            <a:buChar char="••"/>
+          </a:pPr>
+          <a:r>
+            <a:rPr lang="en-US" sz="2000" kern="1200" dirty="0" err="1" smtClean="0">
+              <a:solidFill>
+                <a:schemeClr val="bg1"/>
+              </a:solidFill>
+            </a:rPr>
+            <a:t>posX</a:t>
+          </a:r>
+          <a:endParaRPr lang="ru-RU" sz="2000" kern="1200" dirty="0">
+            <a:solidFill>
+              <a:schemeClr val="bg1"/>
+            </a:solidFill>
+          </a:endParaRPr>
+        </a:p>
+        <a:p>
+          <a:pPr marL="228600" lvl="1" indent="-228600" algn="l" defTabSz="889000">
+            <a:lnSpc>
+              <a:spcPct val="90000"/>
+            </a:lnSpc>
+            <a:spcBef>
+              <a:spcPct val="0"/>
+            </a:spcBef>
+            <a:spcAft>
+              <a:spcPct val="15000"/>
+            </a:spcAft>
+            <a:buChar char="••"/>
+          </a:pPr>
+          <a:r>
+            <a:rPr lang="en-US" sz="2000" kern="1200" dirty="0" err="1" smtClean="0">
+              <a:solidFill>
+                <a:schemeClr val="bg1"/>
+              </a:solidFill>
+            </a:rPr>
+            <a:t>posY</a:t>
+          </a:r>
+          <a:endParaRPr lang="ru-RU" sz="2000" kern="1200" dirty="0">
+            <a:solidFill>
+              <a:schemeClr val="bg1"/>
+            </a:solidFill>
+          </a:endParaRPr>
+        </a:p>
+      </dsp:txBody>
+      <dsp:txXfrm>
+        <a:off x="2304" y="615321"/>
+        <a:ext cx="2247091" cy="2360699"/>
+      </dsp:txXfrm>
+    </dsp:sp>
+    <dsp:sp modelId="{0A7EFED3-D232-4185-91DB-9F8A8FDF6742}">
+      <dsp:nvSpPr>
+        <dsp:cNvPr id="0" name=""/>
+        <dsp:cNvSpPr/>
+      </dsp:nvSpPr>
+      <dsp:spPr>
+        <a:xfrm>
+          <a:off x="2563989" y="39321"/>
+          <a:ext cx="2247091" cy="576000"/>
+        </a:xfrm>
+        <a:prstGeom prst="rect">
+          <a:avLst/>
+        </a:prstGeom>
+        <a:gradFill rotWithShape="1">
+          <a:gsLst>
+            <a:gs pos="0">
+              <a:schemeClr val="dk1">
+                <a:tint val="94000"/>
+                <a:satMod val="103000"/>
+                <a:lumMod val="102000"/>
+              </a:schemeClr>
+            </a:gs>
+            <a:gs pos="50000">
+              <a:schemeClr val="dk1">
+                <a:shade val="100000"/>
+                <a:satMod val="110000"/>
+                <a:lumMod val="100000"/>
+              </a:schemeClr>
+            </a:gs>
+            <a:gs pos="100000">
+              <a:schemeClr val="dk1">
+                <a:shade val="78000"/>
+                <a:satMod val="120000"/>
+                <a:lumMod val="99000"/>
+              </a:schemeClr>
+            </a:gs>
+          </a:gsLst>
+          <a:lin ang="5400000" scaled="0"/>
+        </a:gradFill>
+        <a:ln w="6350" cap="flat" cmpd="sng" algn="in">
+          <a:solidFill>
+            <a:schemeClr val="dk1"/>
+          </a:solidFill>
+          <a:prstDash val="solid"/>
+        </a:ln>
+        <a:effectLst/>
+      </dsp:spPr>
+      <dsp:style>
+        <a:lnRef idx="1">
+          <a:schemeClr val="dk1"/>
+        </a:lnRef>
+        <a:fillRef idx="3">
+          <a:schemeClr val="dk1"/>
+        </a:fillRef>
+        <a:effectRef idx="2">
+          <a:schemeClr val="dk1"/>
+        </a:effectRef>
+        <a:fontRef idx="minor">
+          <a:schemeClr val="lt1"/>
+        </a:fontRef>
+      </dsp:style>
+      <dsp:txBody>
+        <a:bodyPr spcFirstLastPara="0" vert="horz" wrap="square" lIns="142240" tIns="81280" rIns="142240" bIns="81280" numCol="1" spcCol="1270" anchor="ctr" anchorCtr="0">
+          <a:noAutofit/>
+        </a:bodyPr>
+        <a:lstStyle/>
+        <a:p>
+          <a:pPr lvl="0" algn="ctr" defTabSz="889000">
+            <a:lnSpc>
+              <a:spcPct val="90000"/>
+            </a:lnSpc>
+            <a:spcBef>
+              <a:spcPct val="0"/>
+            </a:spcBef>
+            <a:spcAft>
+              <a:spcPct val="35000"/>
+            </a:spcAft>
+          </a:pPr>
+          <a:r>
+            <a:rPr lang="en-US" sz="2000" kern="1200" dirty="0" smtClean="0"/>
+            <a:t>Rooms</a:t>
+          </a:r>
+          <a:endParaRPr lang="ru-RU" sz="2000" kern="1200" dirty="0"/>
+        </a:p>
+      </dsp:txBody>
+      <dsp:txXfrm>
+        <a:off x="2563989" y="39321"/>
+        <a:ext cx="2247091" cy="576000"/>
+      </dsp:txXfrm>
+    </dsp:sp>
+    <dsp:sp modelId="{6130DA44-0BD7-42D5-897E-C23202A67351}">
+      <dsp:nvSpPr>
+        <dsp:cNvPr id="0" name=""/>
+        <dsp:cNvSpPr/>
+      </dsp:nvSpPr>
+      <dsp:spPr>
+        <a:xfrm>
+          <a:off x="2563989" y="615321"/>
+          <a:ext cx="2247091" cy="2360699"/>
+        </a:xfrm>
+        <a:prstGeom prst="rect">
+          <a:avLst/>
+        </a:prstGeom>
+        <a:solidFill>
+          <a:schemeClr val="accent1"/>
+        </a:solidFill>
+        <a:ln w="34925" cap="flat" cmpd="sng" algn="in">
+          <a:solidFill>
+            <a:schemeClr val="accent1">
+              <a:shade val="50000"/>
+            </a:schemeClr>
+          </a:solidFill>
+          <a:prstDash val="solid"/>
+        </a:ln>
+        <a:effectLst/>
+      </dsp:spPr>
+      <dsp:style>
+        <a:lnRef idx="2">
+          <a:schemeClr val="accent1">
+            <a:shade val="50000"/>
+          </a:schemeClr>
+        </a:lnRef>
+        <a:fillRef idx="1">
+          <a:schemeClr val="accent1"/>
+        </a:fillRef>
+        <a:effectRef idx="0">
+          <a:schemeClr val="accent1"/>
+        </a:effectRef>
+        <a:fontRef idx="minor">
+          <a:schemeClr val="lt1"/>
+        </a:fontRef>
+      </dsp:style>
+      <dsp:txBody>
+        <a:bodyPr spcFirstLastPara="0" vert="horz" wrap="square" lIns="106680" tIns="106680" rIns="142240" bIns="160020" numCol="1" spcCol="1270" anchor="t" anchorCtr="0">
+          <a:noAutofit/>
+        </a:bodyPr>
+        <a:lstStyle/>
+        <a:p>
+          <a:pPr marL="228600" lvl="1" indent="-228600" algn="l" defTabSz="889000">
+            <a:lnSpc>
+              <a:spcPct val="90000"/>
+            </a:lnSpc>
+            <a:spcBef>
+              <a:spcPct val="0"/>
+            </a:spcBef>
+            <a:spcAft>
+              <a:spcPct val="15000"/>
+            </a:spcAft>
+            <a:buChar char="••"/>
+          </a:pPr>
+          <a:r>
+            <a:rPr lang="en-US" sz="2000" kern="1200" dirty="0" smtClean="0">
+              <a:solidFill>
+                <a:schemeClr val="bg1"/>
+              </a:solidFill>
+            </a:rPr>
+            <a:t>id</a:t>
+          </a:r>
+          <a:endParaRPr lang="ru-RU" sz="2000" kern="1200" dirty="0">
+            <a:solidFill>
+              <a:schemeClr val="bg1"/>
+            </a:solidFill>
+          </a:endParaRPr>
+        </a:p>
+        <a:p>
+          <a:pPr marL="228600" lvl="1" indent="-228600" algn="l" defTabSz="889000">
+            <a:lnSpc>
+              <a:spcPct val="90000"/>
+            </a:lnSpc>
+            <a:spcBef>
+              <a:spcPct val="0"/>
+            </a:spcBef>
+            <a:spcAft>
+              <a:spcPct val="15000"/>
+            </a:spcAft>
+            <a:buChar char="••"/>
+          </a:pPr>
+          <a:r>
+            <a:rPr lang="en-US" sz="2000" kern="1200" dirty="0" smtClean="0">
+              <a:solidFill>
+                <a:schemeClr val="bg1"/>
+              </a:solidFill>
+            </a:rPr>
+            <a:t>Number</a:t>
+          </a:r>
+          <a:endParaRPr lang="ru-RU" sz="2000" kern="1200" dirty="0">
+            <a:solidFill>
+              <a:schemeClr val="bg1"/>
+            </a:solidFill>
+          </a:endParaRPr>
+        </a:p>
+        <a:p>
+          <a:pPr marL="228600" lvl="1" indent="-228600" algn="l" defTabSz="889000">
+            <a:lnSpc>
+              <a:spcPct val="90000"/>
+            </a:lnSpc>
+            <a:spcBef>
+              <a:spcPct val="0"/>
+            </a:spcBef>
+            <a:spcAft>
+              <a:spcPct val="15000"/>
+            </a:spcAft>
+            <a:buChar char="••"/>
+          </a:pPr>
+          <a:r>
+            <a:rPr lang="en-US" sz="2000" kern="1200" dirty="0" err="1" smtClean="0">
+              <a:solidFill>
+                <a:schemeClr val="bg1"/>
+              </a:solidFill>
+            </a:rPr>
+            <a:t>Enter_posX</a:t>
+          </a:r>
+          <a:endParaRPr lang="ru-RU" sz="2000" kern="1200" dirty="0">
+            <a:solidFill>
+              <a:schemeClr val="bg1"/>
+            </a:solidFill>
+          </a:endParaRPr>
+        </a:p>
+        <a:p>
+          <a:pPr marL="228600" lvl="1" indent="-228600" algn="l" defTabSz="889000">
+            <a:lnSpc>
+              <a:spcPct val="90000"/>
+            </a:lnSpc>
+            <a:spcBef>
+              <a:spcPct val="0"/>
+            </a:spcBef>
+            <a:spcAft>
+              <a:spcPct val="15000"/>
+            </a:spcAft>
+            <a:buChar char="••"/>
+          </a:pPr>
+          <a:r>
+            <a:rPr lang="en-US" sz="2000" kern="1200" dirty="0" err="1" smtClean="0">
+              <a:solidFill>
+                <a:schemeClr val="bg1"/>
+              </a:solidFill>
+            </a:rPr>
+            <a:t>Enter_posY</a:t>
+          </a:r>
+          <a:endParaRPr lang="ru-RU" sz="2000" kern="1200" dirty="0">
+            <a:solidFill>
+              <a:schemeClr val="bg1"/>
+            </a:solidFill>
+          </a:endParaRPr>
+        </a:p>
+        <a:p>
+          <a:pPr marL="228600" lvl="1" indent="-228600" algn="l" defTabSz="889000">
+            <a:lnSpc>
+              <a:spcPct val="90000"/>
+            </a:lnSpc>
+            <a:spcBef>
+              <a:spcPct val="0"/>
+            </a:spcBef>
+            <a:spcAft>
+              <a:spcPct val="15000"/>
+            </a:spcAft>
+            <a:buChar char="••"/>
+          </a:pPr>
+          <a:r>
+            <a:rPr lang="en-US" sz="2000" kern="1200" dirty="0" err="1" smtClean="0">
+              <a:solidFill>
+                <a:schemeClr val="bg1"/>
+              </a:solidFill>
+            </a:rPr>
+            <a:t>Exit_posX</a:t>
+          </a:r>
+          <a:endParaRPr lang="ru-RU" sz="2000" kern="1200" dirty="0">
+            <a:solidFill>
+              <a:schemeClr val="bg1"/>
+            </a:solidFill>
+          </a:endParaRPr>
+        </a:p>
+        <a:p>
+          <a:pPr marL="228600" lvl="1" indent="-228600" algn="l" defTabSz="889000">
+            <a:lnSpc>
+              <a:spcPct val="90000"/>
+            </a:lnSpc>
+            <a:spcBef>
+              <a:spcPct val="0"/>
+            </a:spcBef>
+            <a:spcAft>
+              <a:spcPct val="15000"/>
+            </a:spcAft>
+            <a:buChar char="••"/>
+          </a:pPr>
+          <a:r>
+            <a:rPr lang="en-US" sz="2000" kern="1200" dirty="0" err="1" smtClean="0">
+              <a:solidFill>
+                <a:schemeClr val="bg1"/>
+              </a:solidFill>
+            </a:rPr>
+            <a:t>exit_posY</a:t>
+          </a:r>
+          <a:endParaRPr lang="ru-RU" sz="2000" kern="1200" dirty="0">
+            <a:solidFill>
+              <a:schemeClr val="bg1"/>
+            </a:solidFill>
+          </a:endParaRPr>
+        </a:p>
+        <a:p>
+          <a:pPr marL="228600" lvl="1" indent="-228600" algn="l" defTabSz="889000">
+            <a:lnSpc>
+              <a:spcPct val="90000"/>
+            </a:lnSpc>
+            <a:spcBef>
+              <a:spcPct val="0"/>
+            </a:spcBef>
+            <a:spcAft>
+              <a:spcPct val="15000"/>
+            </a:spcAft>
+            <a:buChar char="••"/>
+          </a:pPr>
+          <a:r>
+            <a:rPr lang="en-US" sz="2000" kern="1200" dirty="0" smtClean="0">
+              <a:solidFill>
+                <a:schemeClr val="bg1"/>
+              </a:solidFill>
+            </a:rPr>
+            <a:t>user</a:t>
+          </a:r>
+          <a:endParaRPr lang="ru-RU" sz="2000" kern="1200" dirty="0">
+            <a:solidFill>
+              <a:schemeClr val="bg1"/>
+            </a:solidFill>
+          </a:endParaRPr>
+        </a:p>
+      </dsp:txBody>
+      <dsp:txXfrm>
+        <a:off x="2563989" y="615321"/>
+        <a:ext cx="2247091" cy="2360699"/>
+      </dsp:txXfrm>
+    </dsp:sp>
+    <dsp:sp modelId="{84B60CA6-6F0D-4EF3-9C6F-21B1067FB248}">
+      <dsp:nvSpPr>
+        <dsp:cNvPr id="0" name=""/>
+        <dsp:cNvSpPr/>
+      </dsp:nvSpPr>
+      <dsp:spPr>
+        <a:xfrm>
+          <a:off x="5125674" y="39321"/>
+          <a:ext cx="2247091" cy="576000"/>
+        </a:xfrm>
+        <a:prstGeom prst="rect">
+          <a:avLst/>
+        </a:prstGeom>
+        <a:gradFill rotWithShape="1">
+          <a:gsLst>
+            <a:gs pos="0">
+              <a:schemeClr val="dk1">
+                <a:tint val="94000"/>
+                <a:satMod val="103000"/>
+                <a:lumMod val="102000"/>
+              </a:schemeClr>
+            </a:gs>
+            <a:gs pos="50000">
+              <a:schemeClr val="dk1">
+                <a:shade val="100000"/>
+                <a:satMod val="110000"/>
+                <a:lumMod val="100000"/>
+              </a:schemeClr>
+            </a:gs>
+            <a:gs pos="100000">
+              <a:schemeClr val="dk1">
+                <a:shade val="78000"/>
+                <a:satMod val="120000"/>
+                <a:lumMod val="99000"/>
+              </a:schemeClr>
+            </a:gs>
+          </a:gsLst>
+          <a:lin ang="5400000" scaled="0"/>
+        </a:gradFill>
+        <a:ln>
+          <a:noFill/>
+        </a:ln>
+        <a:effectLst>
+          <a:outerShdw blurRad="57150" dist="19050" dir="5400000" algn="ctr" rotWithShape="0">
+            <a:srgbClr val="000000">
+              <a:alpha val="35000"/>
+            </a:srgbClr>
+          </a:outerShdw>
+        </a:effectLst>
+      </dsp:spPr>
+      <dsp:style>
+        <a:lnRef idx="0">
+          <a:schemeClr val="dk1"/>
+        </a:lnRef>
+        <a:fillRef idx="3">
+          <a:schemeClr val="dk1"/>
+        </a:fillRef>
+        <a:effectRef idx="3">
+          <a:schemeClr val="dk1"/>
+        </a:effectRef>
+        <a:fontRef idx="minor">
+          <a:schemeClr val="lt1"/>
+        </a:fontRef>
+      </dsp:style>
+      <dsp:txBody>
+        <a:bodyPr spcFirstLastPara="0" vert="horz" wrap="square" lIns="142240" tIns="81280" rIns="142240" bIns="81280" numCol="1" spcCol="1270" anchor="ctr" anchorCtr="0">
+          <a:noAutofit/>
+        </a:bodyPr>
+        <a:lstStyle/>
+        <a:p>
+          <a:pPr lvl="0" algn="ctr" defTabSz="889000">
+            <a:lnSpc>
+              <a:spcPct val="90000"/>
+            </a:lnSpc>
+            <a:spcBef>
+              <a:spcPct val="0"/>
+            </a:spcBef>
+            <a:spcAft>
+              <a:spcPct val="35000"/>
+            </a:spcAft>
+          </a:pPr>
+          <a:r>
+            <a:rPr lang="en-US" sz="2000" kern="1200" dirty="0" smtClean="0"/>
+            <a:t>Entities</a:t>
+          </a:r>
+          <a:endParaRPr lang="ru-RU" sz="2000" kern="1200" dirty="0"/>
+        </a:p>
+      </dsp:txBody>
+      <dsp:txXfrm>
+        <a:off x="5125674" y="39321"/>
+        <a:ext cx="2247091" cy="576000"/>
+      </dsp:txXfrm>
+    </dsp:sp>
+    <dsp:sp modelId="{D01DDD35-C12F-4AFE-A885-A317C1155B5B}">
+      <dsp:nvSpPr>
+        <dsp:cNvPr id="0" name=""/>
+        <dsp:cNvSpPr/>
+      </dsp:nvSpPr>
+      <dsp:spPr>
+        <a:xfrm>
+          <a:off x="5125674" y="615321"/>
+          <a:ext cx="2247091" cy="2360699"/>
+        </a:xfrm>
+        <a:prstGeom prst="rect">
+          <a:avLst/>
+        </a:prstGeom>
+        <a:solidFill>
+          <a:schemeClr val="accent1"/>
+        </a:solidFill>
+        <a:ln w="34925" cap="flat" cmpd="sng" algn="in">
+          <a:solidFill>
+            <a:schemeClr val="accent1">
+              <a:shade val="50000"/>
+            </a:schemeClr>
+          </a:solidFill>
+          <a:prstDash val="solid"/>
+        </a:ln>
+        <a:effectLst/>
+      </dsp:spPr>
+      <dsp:style>
+        <a:lnRef idx="2">
+          <a:schemeClr val="accent1">
+            <a:shade val="50000"/>
+          </a:schemeClr>
+        </a:lnRef>
+        <a:fillRef idx="1">
+          <a:schemeClr val="accent1"/>
+        </a:fillRef>
+        <a:effectRef idx="0">
+          <a:schemeClr val="accent1"/>
+        </a:effectRef>
+        <a:fontRef idx="minor">
+          <a:schemeClr val="lt1"/>
+        </a:fontRef>
+      </dsp:style>
+      <dsp:txBody>
+        <a:bodyPr spcFirstLastPara="0" vert="horz" wrap="square" lIns="106680" tIns="106680" rIns="142240" bIns="160020" numCol="1" spcCol="1270" anchor="t" anchorCtr="0">
+          <a:noAutofit/>
+        </a:bodyPr>
+        <a:lstStyle/>
+        <a:p>
+          <a:pPr marL="228600" lvl="1" indent="-228600" algn="l" defTabSz="889000">
+            <a:lnSpc>
+              <a:spcPct val="90000"/>
+            </a:lnSpc>
+            <a:spcBef>
+              <a:spcPct val="0"/>
+            </a:spcBef>
+            <a:spcAft>
+              <a:spcPct val="15000"/>
+            </a:spcAft>
+            <a:buChar char="••"/>
+          </a:pPr>
+          <a:r>
+            <a:rPr lang="en-US" sz="2000" kern="1200" dirty="0" err="1" smtClean="0">
+              <a:solidFill>
+                <a:schemeClr val="bg1"/>
+              </a:solidFill>
+            </a:rPr>
+            <a:t>Room_id</a:t>
+          </a:r>
+          <a:endParaRPr lang="ru-RU" sz="2000" kern="1200" dirty="0">
+            <a:solidFill>
+              <a:schemeClr val="bg1"/>
+            </a:solidFill>
+          </a:endParaRPr>
+        </a:p>
+        <a:p>
+          <a:pPr marL="228600" lvl="1" indent="-228600" algn="l" defTabSz="889000">
+            <a:lnSpc>
+              <a:spcPct val="90000"/>
+            </a:lnSpc>
+            <a:spcBef>
+              <a:spcPct val="0"/>
+            </a:spcBef>
+            <a:spcAft>
+              <a:spcPct val="15000"/>
+            </a:spcAft>
+            <a:buChar char="••"/>
+          </a:pPr>
+          <a:r>
+            <a:rPr lang="en-US" sz="2000" kern="1200" dirty="0" smtClean="0">
+              <a:solidFill>
+                <a:schemeClr val="bg1"/>
+              </a:solidFill>
+            </a:rPr>
+            <a:t>color</a:t>
+          </a:r>
+          <a:endParaRPr lang="ru-RU" sz="2000" kern="1200" dirty="0">
+            <a:solidFill>
+              <a:schemeClr val="bg1"/>
+            </a:solidFill>
+          </a:endParaRPr>
+        </a:p>
+        <a:p>
+          <a:pPr marL="228600" lvl="1" indent="-228600" algn="l" defTabSz="889000">
+            <a:lnSpc>
+              <a:spcPct val="90000"/>
+            </a:lnSpc>
+            <a:spcBef>
+              <a:spcPct val="0"/>
+            </a:spcBef>
+            <a:spcAft>
+              <a:spcPct val="15000"/>
+            </a:spcAft>
+            <a:buChar char="••"/>
+          </a:pPr>
+          <a:r>
+            <a:rPr lang="en-US" sz="2000" kern="1200" dirty="0" err="1" smtClean="0">
+              <a:solidFill>
+                <a:schemeClr val="bg1"/>
+              </a:solidFill>
+            </a:rPr>
+            <a:t>Hit_points</a:t>
+          </a:r>
+          <a:endParaRPr lang="ru-RU" sz="2000" kern="1200" dirty="0">
+            <a:solidFill>
+              <a:schemeClr val="bg1"/>
+            </a:solidFill>
+          </a:endParaRPr>
+        </a:p>
+        <a:p>
+          <a:pPr marL="228600" lvl="1" indent="-228600" algn="l" defTabSz="889000">
+            <a:lnSpc>
+              <a:spcPct val="90000"/>
+            </a:lnSpc>
+            <a:spcBef>
+              <a:spcPct val="0"/>
+            </a:spcBef>
+            <a:spcAft>
+              <a:spcPct val="15000"/>
+            </a:spcAft>
+            <a:buChar char="••"/>
+          </a:pPr>
+          <a:r>
+            <a:rPr lang="en-US" sz="2000" kern="1200" smtClean="0">
+              <a:solidFill>
+                <a:schemeClr val="bg1"/>
+              </a:solidFill>
+            </a:rPr>
+            <a:t>Action_points</a:t>
+          </a:r>
+          <a:endParaRPr lang="ru-RU" sz="2000" kern="1200" dirty="0">
+            <a:solidFill>
+              <a:schemeClr val="bg1"/>
+            </a:solidFill>
+          </a:endParaRPr>
+        </a:p>
+        <a:p>
+          <a:pPr marL="228600" lvl="1" indent="-228600" algn="l" defTabSz="889000">
+            <a:lnSpc>
+              <a:spcPct val="90000"/>
+            </a:lnSpc>
+            <a:spcBef>
+              <a:spcPct val="0"/>
+            </a:spcBef>
+            <a:spcAft>
+              <a:spcPct val="15000"/>
+            </a:spcAft>
+            <a:buChar char="••"/>
+          </a:pPr>
+          <a:r>
+            <a:rPr lang="en-US" sz="2000" kern="1200" smtClean="0">
+              <a:solidFill>
+                <a:schemeClr val="bg1"/>
+              </a:solidFill>
+            </a:rPr>
+            <a:t>Damage</a:t>
+          </a:r>
+          <a:endParaRPr lang="ru-RU" sz="2000" kern="1200" dirty="0">
+            <a:solidFill>
+              <a:schemeClr val="bg1"/>
+            </a:solidFill>
+          </a:endParaRPr>
+        </a:p>
+        <a:p>
+          <a:pPr marL="228600" lvl="1" indent="-228600" algn="l" defTabSz="889000">
+            <a:lnSpc>
+              <a:spcPct val="90000"/>
+            </a:lnSpc>
+            <a:spcBef>
+              <a:spcPct val="0"/>
+            </a:spcBef>
+            <a:spcAft>
+              <a:spcPct val="15000"/>
+            </a:spcAft>
+            <a:buChar char="••"/>
+          </a:pPr>
+          <a:r>
+            <a:rPr lang="en-US" sz="2000" kern="1200" smtClean="0">
+              <a:solidFill>
+                <a:schemeClr val="bg1"/>
+              </a:solidFill>
+            </a:rPr>
+            <a:t>posX</a:t>
+          </a:r>
+          <a:endParaRPr lang="ru-RU" sz="2000" kern="1200" dirty="0">
+            <a:solidFill>
+              <a:schemeClr val="bg1"/>
+            </a:solidFill>
+          </a:endParaRPr>
+        </a:p>
+        <a:p>
+          <a:pPr marL="228600" lvl="1" indent="-228600" algn="l" defTabSz="889000">
+            <a:lnSpc>
+              <a:spcPct val="90000"/>
+            </a:lnSpc>
+            <a:spcBef>
+              <a:spcPct val="0"/>
+            </a:spcBef>
+            <a:spcAft>
+              <a:spcPct val="15000"/>
+            </a:spcAft>
+            <a:buChar char="••"/>
+          </a:pPr>
+          <a:r>
+            <a:rPr lang="en-US" sz="2000" kern="1200" dirty="0" err="1" smtClean="0">
+              <a:solidFill>
+                <a:schemeClr val="bg1"/>
+              </a:solidFill>
+            </a:rPr>
+            <a:t>posY</a:t>
+          </a:r>
+          <a:endParaRPr lang="ru-RU" sz="2000" kern="1200" dirty="0">
+            <a:solidFill>
+              <a:schemeClr val="bg1"/>
+            </a:solidFill>
+          </a:endParaRPr>
+        </a:p>
+      </dsp:txBody>
+      <dsp:txXfrm>
+        <a:off x="5125674" y="615321"/>
+        <a:ext cx="2247091" cy="2360699"/>
+      </dsp:txXfrm>
+    </dsp:sp>
   </dsp:spTree>
 </dsp:drawing>
 </file>
 
 <file path=ppt/diagrams/drawing2.xml><?xml version="1.0" encoding="utf-8"?>
-<dsp:drawing xmlns:dgm="http://schemas.openxmlformats.org/drawingml/2006/diagram" xmlns:a="http://schemas.openxmlformats.org/drawingml/2006/main" xmlns:dsp="http://schemas.microsoft.com/office/drawing/2008/diagram">
+<dsp:drawing xmlns:dgm="http://schemas.openxmlformats.org/drawingml/2006/diagram" xmlns:dsp="http://schemas.microsoft.com/office/drawing/2008/diagram" xmlns:a="http://schemas.openxmlformats.org/drawingml/2006/main">
   <dsp:spTree>
     <dsp:nvGrpSpPr>
       <dsp:cNvPr id="0" name=""/>
       <dsp:cNvGrpSpPr/>
     </dsp:nvGrpSpPr>
     <dsp:grpSpPr/>
+    <dsp:sp modelId="{C106FC5F-8A52-4475-A4CF-07627074C4F2}">
+      <dsp:nvSpPr>
+        <dsp:cNvPr id="0" name=""/>
+        <dsp:cNvSpPr/>
+      </dsp:nvSpPr>
+      <dsp:spPr>
+        <a:xfrm>
+          <a:off x="13363" y="531961"/>
+          <a:ext cx="2279813" cy="604800"/>
+        </a:xfrm>
+        <a:prstGeom prst="rect">
+          <a:avLst/>
+        </a:prstGeom>
+        <a:gradFill rotWithShape="1">
+          <a:gsLst>
+            <a:gs pos="0">
+              <a:schemeClr val="dk1">
+                <a:tint val="94000"/>
+                <a:satMod val="103000"/>
+                <a:lumMod val="102000"/>
+              </a:schemeClr>
+            </a:gs>
+            <a:gs pos="50000">
+              <a:schemeClr val="dk1">
+                <a:shade val="100000"/>
+                <a:satMod val="110000"/>
+                <a:lumMod val="100000"/>
+              </a:schemeClr>
+            </a:gs>
+            <a:gs pos="100000">
+              <a:schemeClr val="dk1">
+                <a:shade val="78000"/>
+                <a:satMod val="120000"/>
+                <a:lumMod val="99000"/>
+              </a:schemeClr>
+            </a:gs>
+          </a:gsLst>
+          <a:lin ang="5400000" scaled="0"/>
+        </a:gradFill>
+        <a:ln>
+          <a:noFill/>
+        </a:ln>
+        <a:effectLst>
+          <a:outerShdw blurRad="57150" dist="19050" dir="5400000" algn="ctr" rotWithShape="0">
+            <a:srgbClr val="000000">
+              <a:alpha val="35000"/>
+            </a:srgbClr>
+          </a:outerShdw>
+        </a:effectLst>
+      </dsp:spPr>
+      <dsp:style>
+        <a:lnRef idx="0">
+          <a:schemeClr val="dk1"/>
+        </a:lnRef>
+        <a:fillRef idx="3">
+          <a:schemeClr val="dk1"/>
+        </a:fillRef>
+        <a:effectRef idx="3">
+          <a:schemeClr val="dk1"/>
+        </a:effectRef>
+        <a:fontRef idx="minor">
+          <a:schemeClr val="lt1"/>
+        </a:fontRef>
+      </dsp:style>
+      <dsp:txBody>
+        <a:bodyPr spcFirstLastPara="0" vert="horz" wrap="square" lIns="149352" tIns="85344" rIns="149352" bIns="85344" numCol="1" spcCol="1270" anchor="ctr" anchorCtr="0">
+          <a:noAutofit/>
+        </a:bodyPr>
+        <a:lstStyle/>
+        <a:p>
+          <a:pPr lvl="0" algn="ctr" defTabSz="933450">
+            <a:lnSpc>
+              <a:spcPct val="90000"/>
+            </a:lnSpc>
+            <a:spcBef>
+              <a:spcPct val="0"/>
+            </a:spcBef>
+            <a:spcAft>
+              <a:spcPct val="35000"/>
+            </a:spcAft>
+          </a:pPr>
+          <a:r>
+            <a:rPr lang="en-US" sz="2100" kern="1200" dirty="0" smtClean="0"/>
+            <a:t>Objects</a:t>
+          </a:r>
+          <a:endParaRPr lang="ru-RU" sz="2100" kern="1200" dirty="0"/>
+        </a:p>
+      </dsp:txBody>
+      <dsp:txXfrm>
+        <a:off x="13363" y="531961"/>
+        <a:ext cx="2279813" cy="604800"/>
+      </dsp:txXfrm>
+    </dsp:sp>
+    <dsp:sp modelId="{3F04D6E3-2A88-4B5D-9693-6197E0326257}">
+      <dsp:nvSpPr>
+        <dsp:cNvPr id="0" name=""/>
+        <dsp:cNvSpPr/>
+      </dsp:nvSpPr>
+      <dsp:spPr>
+        <a:xfrm>
+          <a:off x="2360" y="1136761"/>
+          <a:ext cx="2301818" cy="2478734"/>
+        </a:xfrm>
+        <a:prstGeom prst="rect">
+          <a:avLst/>
+        </a:prstGeom>
+        <a:solidFill>
+          <a:schemeClr val="accent1"/>
+        </a:solidFill>
+        <a:ln w="34925" cap="flat" cmpd="sng" algn="in">
+          <a:solidFill>
+            <a:schemeClr val="accent1">
+              <a:shade val="50000"/>
+            </a:schemeClr>
+          </a:solidFill>
+          <a:prstDash val="solid"/>
+        </a:ln>
+        <a:effectLst/>
+      </dsp:spPr>
+      <dsp:style>
+        <a:lnRef idx="2">
+          <a:schemeClr val="accent1">
+            <a:shade val="50000"/>
+          </a:schemeClr>
+        </a:lnRef>
+        <a:fillRef idx="1">
+          <a:schemeClr val="accent1"/>
+        </a:fillRef>
+        <a:effectRef idx="0">
+          <a:schemeClr val="accent1"/>
+        </a:effectRef>
+        <a:fontRef idx="minor">
+          <a:schemeClr val="lt1"/>
+        </a:fontRef>
+      </dsp:style>
+      <dsp:txBody>
+        <a:bodyPr spcFirstLastPara="0" vert="horz" wrap="square" lIns="112014" tIns="112014" rIns="149352" bIns="168021" numCol="1" spcCol="1270" anchor="t" anchorCtr="0">
+          <a:noAutofit/>
+        </a:bodyPr>
+        <a:lstStyle/>
+        <a:p>
+          <a:pPr marL="228600" lvl="1" indent="-228600" algn="l" defTabSz="933450">
+            <a:lnSpc>
+              <a:spcPct val="90000"/>
+            </a:lnSpc>
+            <a:spcBef>
+              <a:spcPct val="0"/>
+            </a:spcBef>
+            <a:spcAft>
+              <a:spcPct val="15000"/>
+            </a:spcAft>
+            <a:buChar char="••"/>
+          </a:pPr>
+          <a:r>
+            <a:rPr lang="en-US" sz="2100" kern="1200" dirty="0" smtClean="0">
+              <a:solidFill>
+                <a:schemeClr val="bg1"/>
+              </a:solidFill>
+            </a:rPr>
+            <a:t>Id</a:t>
+          </a:r>
+          <a:endParaRPr lang="ru-RU" sz="2100" kern="1200" dirty="0">
+            <a:solidFill>
+              <a:schemeClr val="bg1"/>
+            </a:solidFill>
+          </a:endParaRPr>
+        </a:p>
+        <a:p>
+          <a:pPr marL="228600" lvl="1" indent="-228600" algn="l" defTabSz="933450">
+            <a:lnSpc>
+              <a:spcPct val="90000"/>
+            </a:lnSpc>
+            <a:spcBef>
+              <a:spcPct val="0"/>
+            </a:spcBef>
+            <a:spcAft>
+              <a:spcPct val="15000"/>
+            </a:spcAft>
+            <a:buChar char="••"/>
+          </a:pPr>
+          <a:r>
+            <a:rPr lang="en-US" sz="2100" kern="1200" dirty="0" smtClean="0">
+              <a:solidFill>
+                <a:schemeClr val="bg1"/>
+              </a:solidFill>
+            </a:rPr>
+            <a:t>Type</a:t>
+          </a:r>
+          <a:endParaRPr lang="ru-RU" sz="2100" kern="1200" dirty="0">
+            <a:solidFill>
+              <a:schemeClr val="bg1"/>
+            </a:solidFill>
+          </a:endParaRPr>
+        </a:p>
+        <a:p>
+          <a:pPr marL="228600" lvl="1" indent="-228600" algn="l" defTabSz="933450">
+            <a:lnSpc>
+              <a:spcPct val="90000"/>
+            </a:lnSpc>
+            <a:spcBef>
+              <a:spcPct val="0"/>
+            </a:spcBef>
+            <a:spcAft>
+              <a:spcPct val="15000"/>
+            </a:spcAft>
+            <a:buChar char="••"/>
+          </a:pPr>
+          <a:r>
+            <a:rPr lang="en-US" sz="2100" kern="1200" dirty="0" err="1" smtClean="0">
+              <a:solidFill>
+                <a:schemeClr val="bg1"/>
+              </a:solidFill>
+            </a:rPr>
+            <a:t>posX</a:t>
+          </a:r>
+          <a:endParaRPr lang="ru-RU" sz="2100" kern="1200" dirty="0">
+            <a:solidFill>
+              <a:schemeClr val="bg1"/>
+            </a:solidFill>
+          </a:endParaRPr>
+        </a:p>
+        <a:p>
+          <a:pPr marL="228600" lvl="1" indent="-228600" algn="l" defTabSz="933450">
+            <a:lnSpc>
+              <a:spcPct val="90000"/>
+            </a:lnSpc>
+            <a:spcBef>
+              <a:spcPct val="0"/>
+            </a:spcBef>
+            <a:spcAft>
+              <a:spcPct val="15000"/>
+            </a:spcAft>
+            <a:buChar char="••"/>
+          </a:pPr>
+          <a:r>
+            <a:rPr lang="en-US" sz="2100" kern="1200" dirty="0" err="1" smtClean="0">
+              <a:solidFill>
+                <a:schemeClr val="bg1"/>
+              </a:solidFill>
+            </a:rPr>
+            <a:t>posY</a:t>
+          </a:r>
+          <a:endParaRPr lang="ru-RU" sz="2100" kern="1200" dirty="0">
+            <a:solidFill>
+              <a:schemeClr val="bg1"/>
+            </a:solidFill>
+          </a:endParaRPr>
+        </a:p>
+        <a:p>
+          <a:pPr marL="228600" lvl="1" indent="-228600" algn="l" defTabSz="933450">
+            <a:lnSpc>
+              <a:spcPct val="90000"/>
+            </a:lnSpc>
+            <a:spcBef>
+              <a:spcPct val="0"/>
+            </a:spcBef>
+            <a:spcAft>
+              <a:spcPct val="15000"/>
+            </a:spcAft>
+            <a:buChar char="••"/>
+          </a:pPr>
+          <a:r>
+            <a:rPr lang="en-US" sz="2100" kern="1200" dirty="0" err="1" smtClean="0">
+              <a:solidFill>
+                <a:schemeClr val="bg1"/>
+              </a:solidFill>
+            </a:rPr>
+            <a:t>Room_id</a:t>
+          </a:r>
+          <a:endParaRPr lang="ru-RU" sz="2100" kern="1200" dirty="0">
+            <a:solidFill>
+              <a:schemeClr val="bg1"/>
+            </a:solidFill>
+          </a:endParaRPr>
+        </a:p>
+        <a:p>
+          <a:pPr marL="228600" lvl="1" indent="-228600" algn="l" defTabSz="933450">
+            <a:lnSpc>
+              <a:spcPct val="90000"/>
+            </a:lnSpc>
+            <a:spcBef>
+              <a:spcPct val="0"/>
+            </a:spcBef>
+            <a:spcAft>
+              <a:spcPct val="15000"/>
+            </a:spcAft>
+            <a:buChar char="••"/>
+          </a:pPr>
+          <a:r>
+            <a:rPr lang="en-US" sz="2100" kern="1200" dirty="0" smtClean="0">
+              <a:solidFill>
+                <a:schemeClr val="bg1"/>
+              </a:solidFill>
+            </a:rPr>
+            <a:t>Inside</a:t>
+          </a:r>
+          <a:endParaRPr lang="ru-RU" sz="2100" kern="1200" dirty="0">
+            <a:solidFill>
+              <a:schemeClr val="bg1"/>
+            </a:solidFill>
+          </a:endParaRPr>
+        </a:p>
+        <a:p>
+          <a:pPr marL="228600" lvl="1" indent="-228600" algn="l" defTabSz="933450">
+            <a:lnSpc>
+              <a:spcPct val="90000"/>
+            </a:lnSpc>
+            <a:spcBef>
+              <a:spcPct val="0"/>
+            </a:spcBef>
+            <a:spcAft>
+              <a:spcPct val="15000"/>
+            </a:spcAft>
+            <a:buChar char="••"/>
+          </a:pPr>
+          <a:r>
+            <a:rPr lang="en-US" sz="2100" kern="1200" dirty="0" smtClean="0">
+              <a:solidFill>
+                <a:schemeClr val="bg1"/>
+              </a:solidFill>
+            </a:rPr>
+            <a:t>color</a:t>
+          </a:r>
+          <a:endParaRPr lang="ru-RU" sz="2100" kern="1200" dirty="0">
+            <a:solidFill>
+              <a:schemeClr val="bg1"/>
+            </a:solidFill>
+          </a:endParaRPr>
+        </a:p>
+      </dsp:txBody>
+      <dsp:txXfrm>
+        <a:off x="2360" y="1136761"/>
+        <a:ext cx="2301818" cy="2478734"/>
+      </dsp:txXfrm>
+    </dsp:sp>
+    <dsp:sp modelId="{2BC2DFC8-5E1D-4F84-AB3C-576F7A1C14BF}">
+      <dsp:nvSpPr>
+        <dsp:cNvPr id="0" name=""/>
+        <dsp:cNvSpPr/>
+      </dsp:nvSpPr>
+      <dsp:spPr>
+        <a:xfrm>
+          <a:off x="2626433" y="531961"/>
+          <a:ext cx="2301818" cy="604800"/>
+        </a:xfrm>
+        <a:prstGeom prst="rect">
+          <a:avLst/>
+        </a:prstGeom>
+        <a:gradFill rotWithShape="1">
+          <a:gsLst>
+            <a:gs pos="0">
+              <a:schemeClr val="dk1">
+                <a:tint val="94000"/>
+                <a:satMod val="103000"/>
+                <a:lumMod val="102000"/>
+              </a:schemeClr>
+            </a:gs>
+            <a:gs pos="50000">
+              <a:schemeClr val="dk1">
+                <a:shade val="100000"/>
+                <a:satMod val="110000"/>
+                <a:lumMod val="100000"/>
+              </a:schemeClr>
+            </a:gs>
+            <a:gs pos="100000">
+              <a:schemeClr val="dk1">
+                <a:shade val="78000"/>
+                <a:satMod val="120000"/>
+                <a:lumMod val="99000"/>
+              </a:schemeClr>
+            </a:gs>
+          </a:gsLst>
+          <a:lin ang="5400000" scaled="0"/>
+        </a:gradFill>
+        <a:ln>
+          <a:noFill/>
+        </a:ln>
+        <a:effectLst>
+          <a:outerShdw blurRad="57150" dist="19050" dir="5400000" algn="ctr" rotWithShape="0">
+            <a:srgbClr val="000000">
+              <a:alpha val="35000"/>
+            </a:srgbClr>
+          </a:outerShdw>
+        </a:effectLst>
+      </dsp:spPr>
+      <dsp:style>
+        <a:lnRef idx="0">
+          <a:schemeClr val="dk1"/>
+        </a:lnRef>
+        <a:fillRef idx="3">
+          <a:schemeClr val="dk1"/>
+        </a:fillRef>
+        <a:effectRef idx="3">
+          <a:schemeClr val="dk1"/>
+        </a:effectRef>
+        <a:fontRef idx="minor">
+          <a:schemeClr val="lt1"/>
+        </a:fontRef>
+      </dsp:style>
+      <dsp:txBody>
+        <a:bodyPr spcFirstLastPara="0" vert="horz" wrap="square" lIns="149352" tIns="85344" rIns="149352" bIns="85344" numCol="1" spcCol="1270" anchor="ctr" anchorCtr="0">
+          <a:noAutofit/>
+        </a:bodyPr>
+        <a:lstStyle/>
+        <a:p>
+          <a:pPr lvl="0" algn="ctr" defTabSz="933450">
+            <a:lnSpc>
+              <a:spcPct val="90000"/>
+            </a:lnSpc>
+            <a:spcBef>
+              <a:spcPct val="0"/>
+            </a:spcBef>
+            <a:spcAft>
+              <a:spcPct val="35000"/>
+            </a:spcAft>
+          </a:pPr>
+          <a:r>
+            <a:rPr lang="en-US" sz="2100" kern="1200" dirty="0" smtClean="0"/>
+            <a:t>Inventory</a:t>
+          </a:r>
+          <a:endParaRPr lang="ru-RU" sz="2100" kern="1200" dirty="0"/>
+        </a:p>
+      </dsp:txBody>
+      <dsp:txXfrm>
+        <a:off x="2626433" y="531961"/>
+        <a:ext cx="2301818" cy="604800"/>
+      </dsp:txXfrm>
+    </dsp:sp>
+    <dsp:sp modelId="{6B417FF8-968F-4ABE-B847-592B4F6B8384}">
+      <dsp:nvSpPr>
+        <dsp:cNvPr id="0" name=""/>
+        <dsp:cNvSpPr/>
+      </dsp:nvSpPr>
+      <dsp:spPr>
+        <a:xfrm>
+          <a:off x="2626433" y="1136761"/>
+          <a:ext cx="2301818" cy="2478734"/>
+        </a:xfrm>
+        <a:prstGeom prst="rect">
+          <a:avLst/>
+        </a:prstGeom>
+        <a:solidFill>
+          <a:schemeClr val="accent1"/>
+        </a:solidFill>
+        <a:ln w="34925" cap="flat" cmpd="sng" algn="in">
+          <a:solidFill>
+            <a:schemeClr val="accent1">
+              <a:shade val="50000"/>
+            </a:schemeClr>
+          </a:solidFill>
+          <a:prstDash val="solid"/>
+        </a:ln>
+        <a:effectLst/>
+      </dsp:spPr>
+      <dsp:style>
+        <a:lnRef idx="2">
+          <a:schemeClr val="accent1">
+            <a:shade val="50000"/>
+          </a:schemeClr>
+        </a:lnRef>
+        <a:fillRef idx="1">
+          <a:schemeClr val="accent1"/>
+        </a:fillRef>
+        <a:effectRef idx="0">
+          <a:schemeClr val="accent1"/>
+        </a:effectRef>
+        <a:fontRef idx="minor">
+          <a:schemeClr val="lt1"/>
+        </a:fontRef>
+      </dsp:style>
+      <dsp:txBody>
+        <a:bodyPr spcFirstLastPara="0" vert="horz" wrap="square" lIns="112014" tIns="112014" rIns="149352" bIns="168021" numCol="1" spcCol="1270" anchor="t" anchorCtr="0">
+          <a:noAutofit/>
+        </a:bodyPr>
+        <a:lstStyle/>
+        <a:p>
+          <a:pPr marL="228600" lvl="1" indent="-228600" algn="l" defTabSz="933450">
+            <a:lnSpc>
+              <a:spcPct val="90000"/>
+            </a:lnSpc>
+            <a:spcBef>
+              <a:spcPct val="0"/>
+            </a:spcBef>
+            <a:spcAft>
+              <a:spcPct val="15000"/>
+            </a:spcAft>
+            <a:buChar char="••"/>
+          </a:pPr>
+          <a:r>
+            <a:rPr lang="en-US" sz="2100" kern="1200" dirty="0" smtClean="0">
+              <a:solidFill>
+                <a:schemeClr val="bg1"/>
+              </a:solidFill>
+            </a:rPr>
+            <a:t>Id</a:t>
+          </a:r>
+          <a:endParaRPr lang="ru-RU" sz="2100" kern="1200" dirty="0">
+            <a:solidFill>
+              <a:schemeClr val="bg1"/>
+            </a:solidFill>
+          </a:endParaRPr>
+        </a:p>
+        <a:p>
+          <a:pPr marL="228600" lvl="1" indent="-228600" algn="l" defTabSz="933450">
+            <a:lnSpc>
+              <a:spcPct val="90000"/>
+            </a:lnSpc>
+            <a:spcBef>
+              <a:spcPct val="0"/>
+            </a:spcBef>
+            <a:spcAft>
+              <a:spcPct val="15000"/>
+            </a:spcAft>
+            <a:buChar char="••"/>
+          </a:pPr>
+          <a:r>
+            <a:rPr lang="en-US" sz="2100" kern="1200" dirty="0" smtClean="0">
+              <a:solidFill>
+                <a:schemeClr val="bg1"/>
+              </a:solidFill>
+            </a:rPr>
+            <a:t>Type</a:t>
+          </a:r>
+          <a:endParaRPr lang="ru-RU" sz="2100" kern="1200" dirty="0">
+            <a:solidFill>
+              <a:schemeClr val="bg1"/>
+            </a:solidFill>
+          </a:endParaRPr>
+        </a:p>
+        <a:p>
+          <a:pPr marL="228600" lvl="1" indent="-228600" algn="l" defTabSz="933450">
+            <a:lnSpc>
+              <a:spcPct val="90000"/>
+            </a:lnSpc>
+            <a:spcBef>
+              <a:spcPct val="0"/>
+            </a:spcBef>
+            <a:spcAft>
+              <a:spcPct val="15000"/>
+            </a:spcAft>
+            <a:buChar char="••"/>
+          </a:pPr>
+          <a:r>
+            <a:rPr lang="en-US" sz="2100" kern="1200" dirty="0" smtClean="0">
+              <a:solidFill>
+                <a:schemeClr val="bg1"/>
+              </a:solidFill>
+            </a:rPr>
+            <a:t>User</a:t>
+          </a:r>
+          <a:endParaRPr lang="ru-RU" sz="2100" kern="1200" dirty="0">
+            <a:solidFill>
+              <a:schemeClr val="bg1"/>
+            </a:solidFill>
+          </a:endParaRPr>
+        </a:p>
+        <a:p>
+          <a:pPr marL="228600" lvl="1" indent="-228600" algn="l" defTabSz="933450">
+            <a:lnSpc>
+              <a:spcPct val="90000"/>
+            </a:lnSpc>
+            <a:spcBef>
+              <a:spcPct val="0"/>
+            </a:spcBef>
+            <a:spcAft>
+              <a:spcPct val="15000"/>
+            </a:spcAft>
+            <a:buChar char="••"/>
+          </a:pPr>
+          <a:r>
+            <a:rPr lang="en-US" sz="2100" kern="1200" dirty="0" smtClean="0">
+              <a:solidFill>
+                <a:schemeClr val="bg1"/>
+              </a:solidFill>
+            </a:rPr>
+            <a:t>used</a:t>
+          </a:r>
+          <a:endParaRPr lang="ru-RU" sz="2100" kern="1200" dirty="0">
+            <a:solidFill>
+              <a:schemeClr val="bg1"/>
+            </a:solidFill>
+          </a:endParaRPr>
+        </a:p>
+      </dsp:txBody>
+      <dsp:txXfrm>
+        <a:off x="2626433" y="1136761"/>
+        <a:ext cx="2301818" cy="2478734"/>
+      </dsp:txXfrm>
+    </dsp:sp>
+    <dsp:sp modelId="{C3F7B771-5E6D-46F0-B894-349B9E763B60}">
+      <dsp:nvSpPr>
+        <dsp:cNvPr id="0" name=""/>
+        <dsp:cNvSpPr/>
+      </dsp:nvSpPr>
+      <dsp:spPr>
+        <a:xfrm>
+          <a:off x="5250506" y="531961"/>
+          <a:ext cx="2301818" cy="604800"/>
+        </a:xfrm>
+        <a:prstGeom prst="rect">
+          <a:avLst/>
+        </a:prstGeom>
+        <a:gradFill rotWithShape="1">
+          <a:gsLst>
+            <a:gs pos="0">
+              <a:schemeClr val="dk1">
+                <a:tint val="94000"/>
+                <a:satMod val="103000"/>
+                <a:lumMod val="102000"/>
+              </a:schemeClr>
+            </a:gs>
+            <a:gs pos="50000">
+              <a:schemeClr val="dk1">
+                <a:shade val="100000"/>
+                <a:satMod val="110000"/>
+                <a:lumMod val="100000"/>
+              </a:schemeClr>
+            </a:gs>
+            <a:gs pos="100000">
+              <a:schemeClr val="dk1">
+                <a:shade val="78000"/>
+                <a:satMod val="120000"/>
+                <a:lumMod val="99000"/>
+              </a:schemeClr>
+            </a:gs>
+          </a:gsLst>
+          <a:lin ang="5400000" scaled="0"/>
+        </a:gradFill>
+        <a:ln>
+          <a:noFill/>
+        </a:ln>
+        <a:effectLst>
+          <a:outerShdw blurRad="57150" dist="19050" dir="5400000" algn="ctr" rotWithShape="0">
+            <a:srgbClr val="000000">
+              <a:alpha val="35000"/>
+            </a:srgbClr>
+          </a:outerShdw>
+        </a:effectLst>
+      </dsp:spPr>
+      <dsp:style>
+        <a:lnRef idx="0">
+          <a:schemeClr val="dk1"/>
+        </a:lnRef>
+        <a:fillRef idx="3">
+          <a:schemeClr val="dk1"/>
+        </a:fillRef>
+        <a:effectRef idx="3">
+          <a:schemeClr val="dk1"/>
+        </a:effectRef>
+        <a:fontRef idx="minor">
+          <a:schemeClr val="lt1"/>
+        </a:fontRef>
+      </dsp:style>
+      <dsp:txBody>
+        <a:bodyPr spcFirstLastPara="0" vert="horz" wrap="square" lIns="149352" tIns="85344" rIns="149352" bIns="85344" numCol="1" spcCol="1270" anchor="ctr" anchorCtr="0">
+          <a:noAutofit/>
+        </a:bodyPr>
+        <a:lstStyle/>
+        <a:p>
+          <a:pPr lvl="0" algn="ctr" defTabSz="933450">
+            <a:lnSpc>
+              <a:spcPct val="90000"/>
+            </a:lnSpc>
+            <a:spcBef>
+              <a:spcPct val="0"/>
+            </a:spcBef>
+            <a:spcAft>
+              <a:spcPct val="35000"/>
+            </a:spcAft>
+          </a:pPr>
+          <a:r>
+            <a:rPr lang="en-US" sz="2100" kern="1200" dirty="0" err="1" smtClean="0"/>
+            <a:t>Types_of_objects</a:t>
+          </a:r>
+          <a:endParaRPr lang="ru-RU" sz="2100" kern="1200" dirty="0"/>
+        </a:p>
+      </dsp:txBody>
+      <dsp:txXfrm>
+        <a:off x="5250506" y="531961"/>
+        <a:ext cx="2301818" cy="604800"/>
+      </dsp:txXfrm>
+    </dsp:sp>
+    <dsp:sp modelId="{8FCADF33-6F33-4B93-905B-38234BA30063}">
+      <dsp:nvSpPr>
+        <dsp:cNvPr id="0" name=""/>
+        <dsp:cNvSpPr/>
+      </dsp:nvSpPr>
+      <dsp:spPr>
+        <a:xfrm>
+          <a:off x="5250506" y="1136761"/>
+          <a:ext cx="2301818" cy="2478734"/>
+        </a:xfrm>
+        <a:prstGeom prst="rect">
+          <a:avLst/>
+        </a:prstGeom>
+        <a:solidFill>
+          <a:schemeClr val="accent1"/>
+        </a:solidFill>
+        <a:ln w="34925" cap="flat" cmpd="sng" algn="in">
+          <a:solidFill>
+            <a:schemeClr val="accent1">
+              <a:shade val="50000"/>
+            </a:schemeClr>
+          </a:solidFill>
+          <a:prstDash val="solid"/>
+        </a:ln>
+        <a:effectLst/>
+      </dsp:spPr>
+      <dsp:style>
+        <a:lnRef idx="2">
+          <a:schemeClr val="accent1">
+            <a:shade val="50000"/>
+          </a:schemeClr>
+        </a:lnRef>
+        <a:fillRef idx="1">
+          <a:schemeClr val="accent1"/>
+        </a:fillRef>
+        <a:effectRef idx="0">
+          <a:schemeClr val="accent1"/>
+        </a:effectRef>
+        <a:fontRef idx="minor">
+          <a:schemeClr val="lt1"/>
+        </a:fontRef>
+      </dsp:style>
+      <dsp:txBody>
+        <a:bodyPr spcFirstLastPara="0" vert="horz" wrap="square" lIns="112014" tIns="112014" rIns="149352" bIns="168021" numCol="1" spcCol="1270" anchor="t" anchorCtr="0">
+          <a:noAutofit/>
+        </a:bodyPr>
+        <a:lstStyle/>
+        <a:p>
+          <a:pPr marL="228600" lvl="1" indent="-228600" algn="l" defTabSz="933450">
+            <a:lnSpc>
+              <a:spcPct val="90000"/>
+            </a:lnSpc>
+            <a:spcBef>
+              <a:spcPct val="0"/>
+            </a:spcBef>
+            <a:spcAft>
+              <a:spcPct val="15000"/>
+            </a:spcAft>
+            <a:buChar char="••"/>
+          </a:pPr>
+          <a:r>
+            <a:rPr lang="en-US" sz="2100" kern="1200" dirty="0" smtClean="0">
+              <a:solidFill>
+                <a:schemeClr val="bg1"/>
+              </a:solidFill>
+            </a:rPr>
+            <a:t>Id</a:t>
+          </a:r>
+          <a:endParaRPr lang="ru-RU" sz="2100" kern="1200" dirty="0">
+            <a:solidFill>
+              <a:schemeClr val="bg1"/>
+            </a:solidFill>
+          </a:endParaRPr>
+        </a:p>
+        <a:p>
+          <a:pPr marL="228600" lvl="1" indent="-228600" algn="l" defTabSz="933450">
+            <a:lnSpc>
+              <a:spcPct val="90000"/>
+            </a:lnSpc>
+            <a:spcBef>
+              <a:spcPct val="0"/>
+            </a:spcBef>
+            <a:spcAft>
+              <a:spcPct val="15000"/>
+            </a:spcAft>
+            <a:buChar char="••"/>
+          </a:pPr>
+          <a:r>
+            <a:rPr lang="en-US" sz="2100" kern="1200" dirty="0" smtClean="0">
+              <a:solidFill>
+                <a:schemeClr val="bg1"/>
+              </a:solidFill>
+            </a:rPr>
+            <a:t>Name</a:t>
+          </a:r>
+          <a:endParaRPr lang="ru-RU" sz="2100" kern="1200" dirty="0">
+            <a:solidFill>
+              <a:schemeClr val="bg1"/>
+            </a:solidFill>
+          </a:endParaRPr>
+        </a:p>
+        <a:p>
+          <a:pPr marL="228600" lvl="1" indent="-228600" algn="l" defTabSz="933450">
+            <a:lnSpc>
+              <a:spcPct val="90000"/>
+            </a:lnSpc>
+            <a:spcBef>
+              <a:spcPct val="0"/>
+            </a:spcBef>
+            <a:spcAft>
+              <a:spcPct val="15000"/>
+            </a:spcAft>
+            <a:buChar char="••"/>
+          </a:pPr>
+          <a:endParaRPr lang="ru-RU" sz="2100" kern="1200" dirty="0"/>
+        </a:p>
+      </dsp:txBody>
+      <dsp:txXfrm>
+        <a:off x="5250506" y="1136761"/>
+        <a:ext cx="2301818" cy="2478734"/>
+      </dsp:txXfrm>
+    </dsp:sp>
   </dsp:spTree>
 </dsp:drawing>
 </file>
@@ -6461,7 +9239,7 @@
               <a:pPr>
                 <a:defRPr/>
               </a:pPr>
-              <a:t>13.01.2021</a:t>
+              <a:t>14.01.2021</a:t>
             </a:fld>
             <a:endParaRPr lang="ru-RU"/>
           </a:p>
@@ -6676,7 +9454,7 @@
               <a:pPr>
                 <a:defRPr/>
               </a:pPr>
-              <a:t>13.01.2021</a:t>
+              <a:t>14.01.2021</a:t>
             </a:fld>
             <a:endParaRPr lang="ru-RU"/>
           </a:p>
@@ -6878,7 +9656,7 @@
               <a:pPr>
                 <a:defRPr/>
               </a:pPr>
-              <a:t>13.01.2021</a:t>
+              <a:t>14.01.2021</a:t>
             </a:fld>
             <a:endParaRPr lang="ru-RU"/>
           </a:p>
@@ -7070,7 +9848,7 @@
               <a:pPr>
                 <a:defRPr/>
               </a:pPr>
-              <a:t>13.01.2021</a:t>
+              <a:t>14.01.2021</a:t>
             </a:fld>
             <a:endParaRPr lang="ru-RU"/>
           </a:p>
@@ -7457,7 +10235,7 @@
               <a:pPr>
                 <a:defRPr/>
               </a:pPr>
-              <a:t>13.01.2021</a:t>
+              <a:t>14.01.2021</a:t>
             </a:fld>
             <a:endParaRPr lang="ru-RU"/>
           </a:p>
@@ -7809,7 +10587,7 @@
               <a:pPr>
                 <a:defRPr/>
               </a:pPr>
-              <a:t>13.01.2021</a:t>
+              <a:t>14.01.2021</a:t>
             </a:fld>
             <a:endParaRPr lang="ru-RU"/>
           </a:p>
@@ -8308,7 +11086,7 @@
               <a:pPr>
                 <a:defRPr/>
               </a:pPr>
-              <a:t>13.01.2021</a:t>
+              <a:t>14.01.2021</a:t>
             </a:fld>
             <a:endParaRPr lang="ru-RU"/>
           </a:p>
@@ -8448,7 +11226,7 @@
               <a:pPr>
                 <a:defRPr/>
               </a:pPr>
-              <a:t>13.01.2021</a:t>
+              <a:t>14.01.2021</a:t>
             </a:fld>
             <a:endParaRPr lang="ru-RU"/>
           </a:p>
@@ -8565,7 +11343,7 @@
               <a:pPr>
                 <a:defRPr/>
               </a:pPr>
-              <a:t>13.01.2021</a:t>
+              <a:t>14.01.2021</a:t>
             </a:fld>
             <a:endParaRPr lang="ru-RU"/>
           </a:p>
@@ -8967,7 +11745,7 @@
               <a:pPr>
                 <a:defRPr/>
               </a:pPr>
-              <a:t>13.01.2021</a:t>
+              <a:t>14.01.2021</a:t>
             </a:fld>
             <a:endParaRPr lang="ru-RU"/>
           </a:p>
@@ -9366,7 +12144,7 @@
               <a:pPr>
                 <a:defRPr/>
               </a:pPr>
-              <a:t>13.01.2021</a:t>
+              <a:t>14.01.2021</a:t>
             </a:fld>
             <a:endParaRPr lang="ru-RU"/>
           </a:p>
@@ -9643,7 +12421,7 @@
               <a:pPr>
                 <a:defRPr/>
               </a:pPr>
-              <a:t>13.01.2021</a:t>
+              <a:t>14.01.2021</a:t>
             </a:fld>
             <a:endParaRPr lang="ru-RU"/>
           </a:p>
@@ -10355,6 +13133,13 @@
   <p:clrMapOvr>
     <a:masterClrMapping/>
   </p:clrMapOvr>
+  <p:timing>
+    <p:tnLst>
+      <p:par>
+        <p:cTn id="1" dur="indefinite" restart="never" nodeType="tmRoot"/>
+      </p:par>
+    </p:tnLst>
+  </p:timing>
 </p:sld>
 </file>
 
@@ -10387,8 +13172,8 @@
         </p:nvSpPr>
         <p:spPr>
           <a:xfrm>
-            <a:off x="760413" y="20638"/>
-            <a:ext cx="5087937" cy="1325562"/>
+            <a:off x="760413" y="219456"/>
+            <a:ext cx="5087937" cy="1234440"/>
           </a:xfrm>
         </p:spPr>
         <p:txBody>
@@ -10396,9 +13181,10 @@
           <a:lstStyle/>
           <a:p>
             <a:r>
-              <a:rPr lang="ru-RU" smtClean="0"/>
-              <a:t>Введение</a:t>
+              <a:rPr lang="en-US" dirty="0" smtClean="0"/>
+              <a:t>Dungeon Game</a:t>
             </a:r>
+            <a:endParaRPr lang="ru-RU" dirty="0" smtClean="0"/>
           </a:p>
         </p:txBody>
       </p:sp>
@@ -10419,8 +13205,8 @@
         </p:blipFill>
         <p:spPr bwMode="auto">
           <a:xfrm>
-            <a:off x="1114425" y="925513"/>
-            <a:ext cx="5318125" cy="5603875"/>
+            <a:off x="860685" y="925513"/>
+            <a:ext cx="5165211" cy="5442745"/>
           </a:xfrm>
           <a:prstGeom prst="rect">
             <a:avLst/>
@@ -10436,7 +13222,7 @@
       </p:pic>
       <p:pic>
         <p:nvPicPr>
-          <p:cNvPr id="14339" name="Рисунок 6"/>
+          <p:cNvPr id="2" name="Рисунок 1"/>
           <p:cNvPicPr>
             <a:picLocks noChangeAspect="1"/>
           </p:cNvPicPr>
@@ -10444,26 +13230,18 @@
         </p:nvPicPr>
         <p:blipFill>
           <a:blip r:embed="rId3"/>
-          <a:srcRect/>
           <a:stretch>
             <a:fillRect/>
           </a:stretch>
         </p:blipFill>
-        <p:spPr bwMode="auto">
+        <p:spPr>
           <a:xfrm>
-            <a:off x="6670675" y="925513"/>
-            <a:ext cx="5345113" cy="5626100"/>
+            <a:off x="6445260" y="925513"/>
+            <a:ext cx="5627868" cy="5420360"/>
           </a:xfrm>
           <a:prstGeom prst="rect">
             <a:avLst/>
           </a:prstGeom>
-          <a:noFill/>
-          <a:ln w="9525">
-            <a:noFill/>
-            <a:miter lim="800000"/>
-            <a:headEnd/>
-            <a:tailEnd/>
-          </a:ln>
         </p:spPr>
       </p:pic>
     </p:spTree>
@@ -10508,13 +13286,18 @@
             <p:ph type="title"/>
           </p:nvPr>
         </p:nvSpPr>
-        <p:spPr/>
+        <p:spPr>
+          <a:xfrm>
+            <a:off x="2048256" y="695796"/>
+            <a:ext cx="9601200" cy="1485900"/>
+          </a:xfrm>
+        </p:spPr>
         <p:txBody>
           <a:bodyPr/>
           <a:lstStyle/>
           <a:p>
             <a:r>
-              <a:rPr lang="ru-RU" smtClean="0"/>
+              <a:rPr lang="ru-RU" dirty="0" smtClean="0"/>
               <a:t>Примененные технологии</a:t>
             </a:r>
           </a:p>
@@ -10532,7 +13315,7 @@
         </p:nvSpPr>
         <p:spPr>
           <a:xfrm>
-            <a:off x="2843213" y="2171700"/>
+            <a:off x="2367725" y="1933956"/>
             <a:ext cx="9601200" cy="3581400"/>
           </a:xfrm>
         </p:spPr>
@@ -10541,28 +13324,36 @@
           <a:lstStyle/>
           <a:p>
             <a:r>
-              <a:rPr lang="en-US" sz="3200" smtClean="0"/>
+              <a:rPr lang="en-US" sz="3200" dirty="0" err="1" smtClean="0"/>
               <a:t>pygame</a:t>
             </a:r>
+            <a:endParaRPr lang="en-US" sz="3200" dirty="0" smtClean="0"/>
           </a:p>
           <a:p>
             <a:r>
-              <a:rPr lang="en-US" sz="3200" smtClean="0"/>
+              <a:rPr lang="en-US" sz="3200" dirty="0" smtClean="0"/>
               <a:t>sqlite3</a:t>
             </a:r>
           </a:p>
           <a:p>
             <a:r>
-              <a:rPr lang="en-US" sz="3200" smtClean="0"/>
+              <a:rPr lang="en-US" sz="3200" dirty="0" err="1" smtClean="0"/>
               <a:t>os</a:t>
+            </a:r>
+            <a:endParaRPr lang="en-US" sz="3200" dirty="0" smtClean="0"/>
+          </a:p>
+          <a:p>
+            <a:r>
+              <a:rPr lang="en-US" sz="3200" dirty="0" smtClean="0"/>
+              <a:t>sys</a:t>
             </a:r>
           </a:p>
           <a:p>
             <a:r>
-              <a:rPr lang="en-US" sz="3200" smtClean="0"/>
-              <a:t>sys</a:t>
+              <a:rPr lang="en-US" sz="3200" dirty="0" smtClean="0"/>
+              <a:t>PIL</a:t>
             </a:r>
-            <a:endParaRPr lang="ru-RU" sz="3200" smtClean="0"/>
+            <a:endParaRPr lang="ru-RU" sz="3200" dirty="0" smtClean="0"/>
           </a:p>
         </p:txBody>
       </p:sp>
@@ -10705,14 +13496,14 @@
           <a:lstStyle/>
           <a:p>
             <a:r>
-              <a:rPr lang="ru-RU" smtClean="0"/>
+              <a:rPr lang="ru-RU" dirty="0" smtClean="0"/>
               <a:t>База данных </a:t>
             </a:r>
             <a:r>
-              <a:rPr lang="en-US" smtClean="0"/>
+              <a:rPr lang="en-US" dirty="0" err="1" smtClean="0"/>
               <a:t>dungeonBase.db</a:t>
             </a:r>
-            <a:endParaRPr lang="ru-RU" smtClean="0"/>
+            <a:endParaRPr lang="ru-RU" dirty="0" smtClean="0"/>
           </a:p>
         </p:txBody>
       </p:sp>
@@ -10724,6 +13515,11 @@
           </p:cNvGraphicFramePr>
           <p:nvPr>
             <p:ph idx="1"/>
+            <p:extLst>
+              <p:ext uri="{D42A27DB-BD31-4B8C-83A1-F6EECF244321}">
+                <p14:modId xmlns:p14="http://schemas.microsoft.com/office/powerpoint/2010/main" val="3379309499"/>
+              </p:ext>
+            </p:extLst>
           </p:nvPr>
         </p:nvGraphicFramePr>
         <p:xfrm>
@@ -10742,7 +13538,13 @@
           <p:cNvGraphicFramePr>
             <a:graphicFrameLocks/>
           </p:cNvGraphicFramePr>
-          <p:nvPr/>
+          <p:nvPr>
+            <p:extLst>
+              <p:ext uri="{D42A27DB-BD31-4B8C-83A1-F6EECF244321}">
+                <p14:modId xmlns:p14="http://schemas.microsoft.com/office/powerpoint/2010/main" val="1453754519"/>
+              </p:ext>
+            </p:extLst>
+          </p:nvPr>
         </p:nvGraphicFramePr>
         <p:xfrm>
           <a:off x="4359728" y="3265713"/>
@@ -10754,79 +13556,6 @@
           </a:graphicData>
         </a:graphic>
       </p:graphicFrame>
-    </p:spTree>
-  </p:cSld>
-  <p:clrMapOvr>
-    <a:masterClrMapping/>
-  </p:clrMapOvr>
-  <p:timing>
-    <p:tnLst>
-      <p:par>
-        <p:cTn id="1" dur="indefinite" restart="never" nodeType="tmRoot"/>
-      </p:par>
-    </p:tnLst>
-  </p:timing>
-</p:sld>
-</file>
-
-<file path=ppt/slides/slide6.xml><?xml version="1.0" encoding="utf-8"?>
-<p:sld xmlns:a="http://schemas.openxmlformats.org/drawingml/2006/main" xmlns:r="http://schemas.openxmlformats.org/officeDocument/2006/relationships" xmlns:p="http://schemas.openxmlformats.org/presentationml/2006/main">
-  <p:cSld>
-    <p:spTree>
-      <p:nvGrpSpPr>
-        <p:cNvPr id="1" name=""/>
-        <p:cNvGrpSpPr/>
-        <p:nvPr/>
-      </p:nvGrpSpPr>
-      <p:grpSpPr>
-        <a:xfrm>
-          <a:off x="0" y="0"/>
-          <a:ext cx="0" cy="0"/>
-          <a:chOff x="0" y="0"/>
-          <a:chExt cx="0" cy="0"/>
-        </a:xfrm>
-      </p:grpSpPr>
-      <p:sp>
-        <p:nvSpPr>
-          <p:cNvPr id="18433" name="Заголовок 1"/>
-          <p:cNvSpPr>
-            <a:spLocks noGrp="1"/>
-          </p:cNvSpPr>
-          <p:nvPr>
-            <p:ph type="title"/>
-          </p:nvPr>
-        </p:nvSpPr>
-        <p:spPr/>
-        <p:txBody>
-          <a:bodyPr/>
-          <a:lstStyle/>
-          <a:p>
-            <a:r>
-              <a:rPr lang="ru-RU" smtClean="0"/>
-              <a:t>Заключение</a:t>
-            </a:r>
-          </a:p>
-        </p:txBody>
-      </p:sp>
-      <p:sp>
-        <p:nvSpPr>
-          <p:cNvPr id="18434" name="Объект 2"/>
-          <p:cNvSpPr>
-            <a:spLocks noGrp="1"/>
-          </p:cNvSpPr>
-          <p:nvPr>
-            <p:ph idx="1"/>
-          </p:nvPr>
-        </p:nvSpPr>
-        <p:spPr/>
-        <p:txBody>
-          <a:bodyPr/>
-          <a:lstStyle/>
-          <a:p>
-            <a:endParaRPr lang="ru-RU" smtClean="0"/>
-          </a:p>
-        </p:txBody>
-      </p:sp>
     </p:spTree>
   </p:cSld>
   <p:clrMapOvr>
@@ -11094,7 +13823,7 @@
   <a:extraClrSchemeLst/>
   <a:extLst>
     <a:ext uri="{05A4C25C-085E-4340-85A3-A5531E510DB2}">
-      <thm15:themeFamily xmlns="" xmlns:thm15="http://schemas.microsoft.com/office/thememl/2012/main" name="Crop" id="{EC9488ED-E761-4D60-9AC4-764D1FE2C171}" vid="{CE19780C-D67D-4C13-9DE9-A52BC3BA51B4}"/>
+      <thm15:themeFamily xmlns:thm15="http://schemas.microsoft.com/office/thememl/2012/main" name="Crop" id="{EC9488ED-E761-4D60-9AC4-764D1FE2C171}" vid="{CE19780C-D67D-4C13-9DE9-A52BC3BA51B4}"/>
     </a:ext>
   </a:extLst>
 </a:theme>
